--- a/presentations/slides-113-BRSKI-AE.pptx
+++ b/presentations/slides-113-BRSKI-AE.pptx
@@ -4,16 +4,15 @@
   <p:sldMasterIdLst>
     <p:sldMasterId id="2147483648" r:id="rId2"/>
     <p:sldMasterId id="2147483661" r:id="rId3"/>
-    <p:sldMasterId id="2147483674" r:id="rId4"/>
   </p:sldMasterIdLst>
   <p:notesMasterIdLst>
-    <p:notesMasterId r:id="rId5"/>
+    <p:notesMasterId r:id="rId4"/>
   </p:notesMasterIdLst>
   <p:sldIdLst>
-    <p:sldId id="256" r:id="rId6"/>
-    <p:sldId id="257" r:id="rId7"/>
-    <p:sldId id="258" r:id="rId8"/>
-    <p:sldId id="259" r:id="rId9"/>
+    <p:sldId id="256" r:id="rId5"/>
+    <p:sldId id="257" r:id="rId6"/>
+    <p:sldId id="258" r:id="rId7"/>
+    <p:sldId id="259" r:id="rId8"/>
   </p:sldIdLst>
   <p:sldSz cx="12192000" cy="6858000"/>
   <p:notesSz cx="6858000" cy="9144000"/>
@@ -39,7 +38,7 @@
       </p:grpSpPr>
       <p:sp>
         <p:nvSpPr>
-          <p:cNvPr id="121" name="PlaceHolder 1"/>
+          <p:cNvPr id="76" name="PlaceHolder 1"/>
           <p:cNvSpPr>
             <a:spLocks noGrp="1"/>
           </p:cNvSpPr>
@@ -61,27 +60,118 @@
             <a:noAutofit/>
           </a:bodyPr>
           <a:p>
-            <a:r>
-              <a:rPr b="0" lang="de-DE" sz="1800" spc="-1" strike="noStrike">
-                <a:solidFill>
-                  <a:srgbClr val="000000"/>
-                </a:solidFill>
-                <a:latin typeface="Calibri"/>
-              </a:rPr>
-              <a:t>Click to move the slide</a:t>
-            </a:r>
-            <a:endParaRPr b="0" lang="de-DE" sz="1800" spc="-1" strike="noStrike">
-              <a:solidFill>
-                <a:srgbClr val="000000"/>
-              </a:solidFill>
-              <a:latin typeface="Calibri"/>
-            </a:endParaRPr>
-          </a:p>
-        </p:txBody>
-      </p:sp>
-      <p:sp>
-        <p:nvSpPr>
-          <p:cNvPr id="122" name="PlaceHolder 2"/>
+            <a:pPr algn="ctr"/>
+            <a:r>
+              <a:rPr b="0" lang="en-US" sz="4400" spc="-1" strike="noStrike">
+                <a:latin typeface="Arial"/>
+              </a:rPr>
+              <a:t>C</a:t>
+            </a:r>
+            <a:r>
+              <a:rPr b="0" lang="en-US" sz="4400" spc="-1" strike="noStrike">
+                <a:latin typeface="Arial"/>
+              </a:rPr>
+              <a:t>li</a:t>
+            </a:r>
+            <a:r>
+              <a:rPr b="0" lang="en-US" sz="4400" spc="-1" strike="noStrike">
+                <a:latin typeface="Arial"/>
+              </a:rPr>
+              <a:t>c</a:t>
+            </a:r>
+            <a:r>
+              <a:rPr b="0" lang="en-US" sz="4400" spc="-1" strike="noStrike">
+                <a:latin typeface="Arial"/>
+              </a:rPr>
+              <a:t>k </a:t>
+            </a:r>
+            <a:r>
+              <a:rPr b="0" lang="en-US" sz="4400" spc="-1" strike="noStrike">
+                <a:latin typeface="Arial"/>
+              </a:rPr>
+              <a:t>t</a:t>
+            </a:r>
+            <a:r>
+              <a:rPr b="0" lang="en-US" sz="4400" spc="-1" strike="noStrike">
+                <a:latin typeface="Arial"/>
+              </a:rPr>
+              <a:t>o </a:t>
+            </a:r>
+            <a:r>
+              <a:rPr b="0" lang="en-US" sz="4400" spc="-1" strike="noStrike">
+                <a:latin typeface="Arial"/>
+              </a:rPr>
+              <a:t>m</a:t>
+            </a:r>
+            <a:r>
+              <a:rPr b="0" lang="en-US" sz="4400" spc="-1" strike="noStrike">
+                <a:latin typeface="Arial"/>
+              </a:rPr>
+              <a:t>o</a:t>
+            </a:r>
+            <a:r>
+              <a:rPr b="0" lang="en-US" sz="4400" spc="-1" strike="noStrike">
+                <a:latin typeface="Arial"/>
+              </a:rPr>
+              <a:t>v</a:t>
+            </a:r>
+            <a:r>
+              <a:rPr b="0" lang="en-US" sz="4400" spc="-1" strike="noStrike">
+                <a:latin typeface="Arial"/>
+              </a:rPr>
+              <a:t>e </a:t>
+            </a:r>
+            <a:r>
+              <a:rPr b="0" lang="en-US" sz="4400" spc="-1" strike="noStrike">
+                <a:latin typeface="Arial"/>
+              </a:rPr>
+              <a:t>t</a:t>
+            </a:r>
+            <a:r>
+              <a:rPr b="0" lang="en-US" sz="4400" spc="-1" strike="noStrike">
+                <a:latin typeface="Arial"/>
+              </a:rPr>
+              <a:t>h</a:t>
+            </a:r>
+            <a:r>
+              <a:rPr b="0" lang="en-US" sz="4400" spc="-1" strike="noStrike">
+                <a:latin typeface="Arial"/>
+              </a:rPr>
+              <a:t>e </a:t>
+            </a:r>
+            <a:r>
+              <a:rPr b="0" lang="en-US" sz="4400" spc="-1" strike="noStrike">
+                <a:latin typeface="Arial"/>
+              </a:rPr>
+              <a:t>sl</a:t>
+            </a:r>
+            <a:r>
+              <a:rPr b="0" lang="en-US" sz="4400" spc="-1" strike="noStrike">
+                <a:latin typeface="Arial"/>
+              </a:rPr>
+              <a:t>i</a:t>
+            </a:r>
+            <a:r>
+              <a:rPr b="0" lang="en-US" sz="4400" spc="-1" strike="noStrike">
+                <a:latin typeface="Arial"/>
+              </a:rPr>
+              <a:t>d</a:t>
+            </a:r>
+            <a:r>
+              <a:rPr b="0" lang="en-US" sz="4400" spc="-1" strike="noStrike">
+                <a:latin typeface="Arial"/>
+              </a:rPr>
+              <a:t>e</a:t>
+            </a:r>
+            <a:endParaRPr b="0" lang="en-US" sz="4400" spc="-1" strike="noStrike">
+              <a:latin typeface="Arial"/>
+            </a:endParaRPr>
+          </a:p>
+        </p:txBody>
+      </p:sp>
+      <p:sp>
+        <p:nvSpPr>
+          <p:cNvPr id="77" name="PlaceHolder 2"/>
           <p:cNvSpPr>
             <a:spLocks noGrp="1"/>
           </p:cNvSpPr>
@@ -107,7 +197,25 @@
               <a:rPr b="0" lang="en-US" sz="2000" spc="-1" strike="noStrike">
                 <a:latin typeface="Arial"/>
               </a:rPr>
-              <a:t>Click to edit the notes format</a:t>
+              <a:t>Click to </a:t>
+            </a:r>
+            <a:r>
+              <a:rPr b="0" lang="en-US" sz="2000" spc="-1" strike="noStrike">
+                <a:latin typeface="Arial"/>
+              </a:rPr>
+              <a:t>edit the </a:t>
+            </a:r>
+            <a:r>
+              <a:rPr b="0" lang="en-US" sz="2000" spc="-1" strike="noStrike">
+                <a:latin typeface="Arial"/>
+              </a:rPr>
+              <a:t>notes </a:t>
+            </a:r>
+            <a:r>
+              <a:rPr b="0" lang="en-US" sz="2000" spc="-1" strike="noStrike">
+                <a:latin typeface="Arial"/>
+              </a:rPr>
+              <a:t>format</a:t>
             </a:r>
             <a:endParaRPr b="0" lang="en-US" sz="2000" spc="-1" strike="noStrike">
               <a:latin typeface="Arial"/>
@@ -117,7 +225,7 @@
       </p:sp>
       <p:sp>
         <p:nvSpPr>
-          <p:cNvPr id="123" name="PlaceHolder 3"/>
+          <p:cNvPr id="78" name="PlaceHolder 3"/>
           <p:cNvSpPr>
             <a:spLocks noGrp="1"/>
           </p:cNvSpPr>
@@ -153,7 +261,7 @@
       </p:sp>
       <p:sp>
         <p:nvSpPr>
-          <p:cNvPr id="124" name="PlaceHolder 4"/>
+          <p:cNvPr id="79" name="PlaceHolder 4"/>
           <p:cNvSpPr>
             <a:spLocks noGrp="1"/>
           </p:cNvSpPr>
@@ -190,7 +298,7 @@
       </p:sp>
       <p:sp>
         <p:nvSpPr>
-          <p:cNvPr id="125" name="PlaceHolder 5"/>
+          <p:cNvPr id="80" name="PlaceHolder 5"/>
           <p:cNvSpPr>
             <a:spLocks noGrp="1"/>
           </p:cNvSpPr>
@@ -226,7 +334,7 @@
       </p:sp>
       <p:sp>
         <p:nvSpPr>
-          <p:cNvPr id="126" name="PlaceHolder 6"/>
+          <p:cNvPr id="81" name="PlaceHolder 6"/>
           <p:cNvSpPr>
             <a:spLocks noGrp="1"/>
           </p:cNvSpPr>
@@ -249,7 +357,7 @@
           </a:bodyPr>
           <a:p>
             <a:pPr algn="r"/>
-            <a:fld id="{E6523400-4DAF-4470-A193-BC6C3783F3A8}" type="slidenum">
+            <a:fld id="{C5611FBA-9E39-4A6E-9B0E-182EF75C67CC}" type="slidenum">
               <a:rPr b="0" lang="en-US" sz="1400" spc="-1" strike="noStrike">
                 <a:latin typeface="Times New Roman"/>
               </a:rPr>
@@ -286,7 +394,7 @@
       </p:grpSpPr>
       <p:sp>
         <p:nvSpPr>
-          <p:cNvPr id="208" name="PlaceHolder 1"/>
+          <p:cNvPr id="164" name="PlaceHolder 1"/>
           <p:cNvSpPr>
             <a:spLocks noGrp="1"/>
           </p:cNvSpPr>
@@ -297,16 +405,16 @@
         <p:spPr>
           <a:xfrm>
             <a:off x="685800" y="1143000"/>
-            <a:ext cx="5486040" cy="3085920"/>
-          </a:xfrm>
-          <a:prstGeom prst="rect">
-            <a:avLst/>
-          </a:prstGeom>
-        </p:spPr>
-      </p:sp>
-      <p:sp>
-        <p:nvSpPr>
-          <p:cNvPr id="209" name="PlaceHolder 2"/>
+            <a:ext cx="5485680" cy="3085560"/>
+          </a:xfrm>
+          <a:prstGeom prst="rect">
+            <a:avLst/>
+          </a:prstGeom>
+        </p:spPr>
+      </p:sp>
+      <p:sp>
+        <p:nvSpPr>
+          <p:cNvPr id="165" name="PlaceHolder 2"/>
           <p:cNvSpPr>
             <a:spLocks noGrp="1"/>
           </p:cNvSpPr>
@@ -317,14 +425,14 @@
         <p:spPr>
           <a:xfrm>
             <a:off x="685800" y="4400640"/>
-            <a:ext cx="5486040" cy="3600000"/>
-          </a:xfrm>
-          <a:prstGeom prst="rect">
-            <a:avLst/>
-          </a:prstGeom>
-        </p:spPr>
-        <p:txBody>
-          <a:bodyPr>
+            <a:ext cx="5485680" cy="3599640"/>
+          </a:xfrm>
+          <a:prstGeom prst="rect">
+            <a:avLst/>
+          </a:prstGeom>
+        </p:spPr>
+        <p:txBody>
+          <a:bodyPr lIns="0" rIns="0" tIns="0" bIns="0">
             <a:noAutofit/>
           </a:bodyPr>
           <a:p>
@@ -336,14 +444,14 @@
       </p:sp>
       <p:sp>
         <p:nvSpPr>
-          <p:cNvPr id="210" name="TextShape 3"/>
-          <p:cNvSpPr txBox="1"/>
+          <p:cNvPr id="166" name="CustomShape 3"/>
+          <p:cNvSpPr/>
           <p:nvPr/>
         </p:nvSpPr>
         <p:spPr>
           <a:xfrm>
             <a:off x="3884760" y="8685360"/>
-            <a:ext cx="2971440" cy="458280"/>
+            <a:ext cx="2971080" cy="457920"/>
           </a:xfrm>
           <a:prstGeom prst="rect">
             <a:avLst/>
@@ -353,8 +461,14 @@
             <a:noFill/>
           </a:ln>
         </p:spPr>
-        <p:txBody>
-          <a:bodyPr anchor="b">
+        <p:style>
+          <a:lnRef idx="0"/>
+          <a:fillRef idx="0"/>
+          <a:effectRef idx="0"/>
+          <a:fontRef idx="minor"/>
+        </p:style>
+        <p:txBody>
+          <a:bodyPr lIns="90000" rIns="90000" tIns="45000" bIns="45000" anchor="b">
             <a:noAutofit/>
           </a:bodyPr>
           <a:p>
@@ -363,14 +477,14 @@
                 <a:spcPct val="100000"/>
               </a:lnSpc>
             </a:pPr>
-            <a:fld id="{A03BE8CC-254C-480D-AC2E-C25208A0D9CC}" type="slidenum">
+            <a:fld id="{836F8F82-3DCF-4456-A2C0-EFD0AA4207D6}" type="slidenum">
               <a:rPr b="0" lang="en-US" sz="1200" spc="-1" strike="noStrike">
                 <a:latin typeface="Times New Roman"/>
               </a:rPr>
               <a:t>4</a:t>
             </a:fld>
             <a:endParaRPr b="0" lang="en-US" sz="1200" spc="-1" strike="noStrike">
-              <a:latin typeface="Times New Roman"/>
+              <a:latin typeface="Arial"/>
             </a:endParaRPr>
           </a:p>
         </p:txBody>
@@ -399,7 +513,7 @@
       </p:grpSpPr>
       <p:sp>
         <p:nvSpPr>
-          <p:cNvPr id="211" name="PlaceHolder 1"/>
+          <p:cNvPr id="167" name="PlaceHolder 1"/>
           <p:cNvSpPr>
             <a:spLocks noGrp="1"/>
           </p:cNvSpPr>
@@ -410,16 +524,16 @@
         <p:spPr>
           <a:xfrm>
             <a:off x="685800" y="1143000"/>
-            <a:ext cx="5486040" cy="3085920"/>
-          </a:xfrm>
-          <a:prstGeom prst="rect">
-            <a:avLst/>
-          </a:prstGeom>
-        </p:spPr>
-      </p:sp>
-      <p:sp>
-        <p:nvSpPr>
-          <p:cNvPr id="212" name="PlaceHolder 2"/>
+            <a:ext cx="5485680" cy="3085560"/>
+          </a:xfrm>
+          <a:prstGeom prst="rect">
+            <a:avLst/>
+          </a:prstGeom>
+        </p:spPr>
+      </p:sp>
+      <p:sp>
+        <p:nvSpPr>
+          <p:cNvPr id="168" name="PlaceHolder 2"/>
           <p:cNvSpPr>
             <a:spLocks noGrp="1"/>
           </p:cNvSpPr>
@@ -430,14 +544,14 @@
         <p:spPr>
           <a:xfrm>
             <a:off x="685800" y="4400640"/>
-            <a:ext cx="5486040" cy="3600000"/>
-          </a:xfrm>
-          <a:prstGeom prst="rect">
-            <a:avLst/>
-          </a:prstGeom>
-        </p:spPr>
-        <p:txBody>
-          <a:bodyPr>
+            <a:ext cx="5485680" cy="3599640"/>
+          </a:xfrm>
+          <a:prstGeom prst="rect">
+            <a:avLst/>
+          </a:prstGeom>
+        </p:spPr>
+        <p:txBody>
+          <a:bodyPr lIns="0" rIns="0" tIns="0" bIns="0">
             <a:noAutofit/>
           </a:bodyPr>
           <a:p>
@@ -449,14 +563,14 @@
       </p:sp>
       <p:sp>
         <p:nvSpPr>
-          <p:cNvPr id="213" name="TextShape 3"/>
-          <p:cNvSpPr txBox="1"/>
+          <p:cNvPr id="169" name="CustomShape 3"/>
+          <p:cNvSpPr/>
           <p:nvPr/>
         </p:nvSpPr>
         <p:spPr>
           <a:xfrm>
             <a:off x="3884760" y="8685360"/>
-            <a:ext cx="2971440" cy="458280"/>
+            <a:ext cx="2971080" cy="457920"/>
           </a:xfrm>
           <a:prstGeom prst="rect">
             <a:avLst/>
@@ -466,8 +580,14 @@
             <a:noFill/>
           </a:ln>
         </p:spPr>
-        <p:txBody>
-          <a:bodyPr anchor="b">
+        <p:style>
+          <a:lnRef idx="0"/>
+          <a:fillRef idx="0"/>
+          <a:effectRef idx="0"/>
+          <a:fontRef idx="minor"/>
+        </p:style>
+        <p:txBody>
+          <a:bodyPr lIns="90000" rIns="90000" tIns="45000" bIns="45000" anchor="b">
             <a:noAutofit/>
           </a:bodyPr>
           <a:p>
@@ -476,14 +596,14 @@
                 <a:spcPct val="100000"/>
               </a:lnSpc>
             </a:pPr>
-            <a:fld id="{BF731A01-94B4-4E72-B1B9-86355DF05AAB}" type="slidenum">
+            <a:fld id="{119113FB-E841-4F1B-91E2-090FA98E090A}" type="slidenum">
               <a:rPr b="0" lang="en-US" sz="1200" spc="-1" strike="noStrike">
                 <a:latin typeface="Times New Roman"/>
               </a:rPr>
               <a:t>4</a:t>
             </a:fld>
             <a:endParaRPr b="0" lang="en-US" sz="1200" spc="-1" strike="noStrike">
-              <a:latin typeface="Times New Roman"/>
+              <a:latin typeface="Arial"/>
             </a:endParaRPr>
           </a:p>
         </p:txBody>
@@ -512,7 +632,7 @@
       </p:grpSpPr>
       <p:sp>
         <p:nvSpPr>
-          <p:cNvPr id="214" name="PlaceHolder 1"/>
+          <p:cNvPr id="170" name="PlaceHolder 1"/>
           <p:cNvSpPr>
             <a:spLocks noGrp="1"/>
           </p:cNvSpPr>
@@ -523,16 +643,16 @@
         <p:spPr>
           <a:xfrm>
             <a:off x="685800" y="1143000"/>
-            <a:ext cx="5486040" cy="3085920"/>
-          </a:xfrm>
-          <a:prstGeom prst="rect">
-            <a:avLst/>
-          </a:prstGeom>
-        </p:spPr>
-      </p:sp>
-      <p:sp>
-        <p:nvSpPr>
-          <p:cNvPr id="215" name="PlaceHolder 2"/>
+            <a:ext cx="5485680" cy="3085560"/>
+          </a:xfrm>
+          <a:prstGeom prst="rect">
+            <a:avLst/>
+          </a:prstGeom>
+        </p:spPr>
+      </p:sp>
+      <p:sp>
+        <p:nvSpPr>
+          <p:cNvPr id="171" name="PlaceHolder 2"/>
           <p:cNvSpPr>
             <a:spLocks noGrp="1"/>
           </p:cNvSpPr>
@@ -543,14 +663,14 @@
         <p:spPr>
           <a:xfrm>
             <a:off x="685800" y="4400640"/>
-            <a:ext cx="5486040" cy="3600000"/>
-          </a:xfrm>
-          <a:prstGeom prst="rect">
-            <a:avLst/>
-          </a:prstGeom>
-        </p:spPr>
-        <p:txBody>
-          <a:bodyPr>
+            <a:ext cx="5485680" cy="3599640"/>
+          </a:xfrm>
+          <a:prstGeom prst="rect">
+            <a:avLst/>
+          </a:prstGeom>
+        </p:spPr>
+        <p:txBody>
+          <a:bodyPr lIns="0" rIns="0" tIns="0" bIns="0">
             <a:noAutofit/>
           </a:bodyPr>
           <a:p>
@@ -562,14 +682,14 @@
       </p:sp>
       <p:sp>
         <p:nvSpPr>
-          <p:cNvPr id="216" name="TextShape 3"/>
-          <p:cNvSpPr txBox="1"/>
+          <p:cNvPr id="172" name="CustomShape 3"/>
+          <p:cNvSpPr/>
           <p:nvPr/>
         </p:nvSpPr>
         <p:spPr>
           <a:xfrm>
             <a:off x="3884760" y="8685360"/>
-            <a:ext cx="2971440" cy="458280"/>
+            <a:ext cx="2971080" cy="457920"/>
           </a:xfrm>
           <a:prstGeom prst="rect">
             <a:avLst/>
@@ -579,8 +699,14 @@
             <a:noFill/>
           </a:ln>
         </p:spPr>
-        <p:txBody>
-          <a:bodyPr anchor="b">
+        <p:style>
+          <a:lnRef idx="0"/>
+          <a:fillRef idx="0"/>
+          <a:effectRef idx="0"/>
+          <a:fontRef idx="minor"/>
+        </p:style>
+        <p:txBody>
+          <a:bodyPr lIns="90000" rIns="90000" tIns="45000" bIns="45000" anchor="b">
             <a:noAutofit/>
           </a:bodyPr>
           <a:p>
@@ -589,14 +715,14 @@
                 <a:spcPct val="100000"/>
               </a:lnSpc>
             </a:pPr>
-            <a:fld id="{E448A01A-650B-4F67-994D-A9349635E73D}" type="slidenum">
+            <a:fld id="{1E0A6A5B-C972-499C-9594-498ED07AB873}" type="slidenum">
               <a:rPr b="0" lang="en-US" sz="1200" spc="-1" strike="noStrike">
                 <a:latin typeface="Times New Roman"/>
               </a:rPr>
               <a:t>4</a:t>
             </a:fld>
             <a:endParaRPr b="0" lang="en-US" sz="1200" spc="-1" strike="noStrike">
-              <a:latin typeface="Times New Roman"/>
+              <a:latin typeface="Arial"/>
             </a:endParaRPr>
           </a:p>
         </p:txBody>
@@ -647,7 +773,7 @@
       </p:grpSpPr>
       <p:sp>
         <p:nvSpPr>
-          <p:cNvPr id="26" name="PlaceHolder 1"/>
+          <p:cNvPr id="23" name="PlaceHolder 1"/>
           <p:cNvSpPr>
             <a:spLocks noGrp="1"/>
           </p:cNvSpPr>
@@ -657,8 +783,8 @@
         </p:nvSpPr>
         <p:spPr>
           <a:xfrm>
-            <a:off x="838080" y="365040"/>
-            <a:ext cx="10515240" cy="1325160"/>
+            <a:off x="609480" y="273600"/>
+            <a:ext cx="10972440" cy="1144800"/>
           </a:xfrm>
           <a:prstGeom prst="rect">
             <a:avLst/>
@@ -669,18 +795,16 @@
             <a:noAutofit/>
           </a:bodyPr>
           <a:p>
-            <a:endParaRPr b="0" lang="de-DE" sz="1800" spc="-1" strike="noStrike">
-              <a:solidFill>
-                <a:srgbClr val="000000"/>
-              </a:solidFill>
-              <a:latin typeface="Calibri"/>
-            </a:endParaRPr>
-          </a:p>
-        </p:txBody>
-      </p:sp>
-      <p:sp>
-        <p:nvSpPr>
-          <p:cNvPr id="27" name="PlaceHolder 2"/>
+            <a:pPr algn="ctr"/>
+            <a:endParaRPr b="0" lang="en-US" sz="4400" spc="-1" strike="noStrike">
+              <a:latin typeface="Arial"/>
+            </a:endParaRPr>
+          </a:p>
+        </p:txBody>
+      </p:sp>
+      <p:sp>
+        <p:nvSpPr>
+          <p:cNvPr id="24" name="PlaceHolder 2"/>
           <p:cNvSpPr>
             <a:spLocks noGrp="1"/>
           </p:cNvSpPr>
@@ -690,8 +814,8 @@
         </p:nvSpPr>
         <p:spPr>
           <a:xfrm>
-            <a:off x="838080" y="1825560"/>
-            <a:ext cx="10515240" cy="2075040"/>
+            <a:off x="609480" y="1604520"/>
+            <a:ext cx="10972440" cy="1896840"/>
           </a:xfrm>
           <a:prstGeom prst="rect">
             <a:avLst/>
@@ -702,18 +826,15 @@
             <a:normAutofit/>
           </a:bodyPr>
           <a:p>
-            <a:endParaRPr b="0" lang="de-DE" sz="2800" spc="-1" strike="noStrike">
-              <a:solidFill>
-                <a:srgbClr val="000000"/>
-              </a:solidFill>
-              <a:latin typeface="Calibri"/>
-            </a:endParaRPr>
-          </a:p>
-        </p:txBody>
-      </p:sp>
-      <p:sp>
-        <p:nvSpPr>
-          <p:cNvPr id="28" name="PlaceHolder 3"/>
+            <a:endParaRPr b="0" lang="en-US" sz="3200" spc="-1" strike="noStrike">
+              <a:latin typeface="Arial"/>
+            </a:endParaRPr>
+          </a:p>
+        </p:txBody>
+      </p:sp>
+      <p:sp>
+        <p:nvSpPr>
+          <p:cNvPr id="25" name="PlaceHolder 3"/>
           <p:cNvSpPr>
             <a:spLocks noGrp="1"/>
           </p:cNvSpPr>
@@ -723,8 +844,8 @@
         </p:nvSpPr>
         <p:spPr>
           <a:xfrm>
-            <a:off x="838080" y="4098240"/>
-            <a:ext cx="10515240" cy="2075040"/>
+            <a:off x="609480" y="3682080"/>
+            <a:ext cx="10972440" cy="1896840"/>
           </a:xfrm>
           <a:prstGeom prst="rect">
             <a:avLst/>
@@ -735,11 +856,8 @@
             <a:normAutofit/>
           </a:bodyPr>
           <a:p>
-            <a:endParaRPr b="0" lang="de-DE" sz="2800" spc="-1" strike="noStrike">
-              <a:solidFill>
-                <a:srgbClr val="000000"/>
-              </a:solidFill>
-              <a:latin typeface="Calibri"/>
+            <a:endParaRPr b="0" lang="en-US" sz="3200" spc="-1" strike="noStrike">
+              <a:latin typeface="Arial"/>
             </a:endParaRPr>
           </a:p>
         </p:txBody>
@@ -768,7 +886,7 @@
       </p:grpSpPr>
       <p:sp>
         <p:nvSpPr>
-          <p:cNvPr id="29" name="PlaceHolder 1"/>
+          <p:cNvPr id="26" name="PlaceHolder 1"/>
           <p:cNvSpPr>
             <a:spLocks noGrp="1"/>
           </p:cNvSpPr>
@@ -778,8 +896,8 @@
         </p:nvSpPr>
         <p:spPr>
           <a:xfrm>
-            <a:off x="838080" y="365040"/>
-            <a:ext cx="10515240" cy="1325160"/>
+            <a:off x="609480" y="273600"/>
+            <a:ext cx="10972440" cy="1144800"/>
           </a:xfrm>
           <a:prstGeom prst="rect">
             <a:avLst/>
@@ -790,18 +908,16 @@
             <a:noAutofit/>
           </a:bodyPr>
           <a:p>
-            <a:endParaRPr b="0" lang="de-DE" sz="1800" spc="-1" strike="noStrike">
-              <a:solidFill>
-                <a:srgbClr val="000000"/>
-              </a:solidFill>
-              <a:latin typeface="Calibri"/>
-            </a:endParaRPr>
-          </a:p>
-        </p:txBody>
-      </p:sp>
-      <p:sp>
-        <p:nvSpPr>
-          <p:cNvPr id="30" name="PlaceHolder 2"/>
+            <a:pPr algn="ctr"/>
+            <a:endParaRPr b="0" lang="en-US" sz="4400" spc="-1" strike="noStrike">
+              <a:latin typeface="Arial"/>
+            </a:endParaRPr>
+          </a:p>
+        </p:txBody>
+      </p:sp>
+      <p:sp>
+        <p:nvSpPr>
+          <p:cNvPr id="27" name="PlaceHolder 2"/>
           <p:cNvSpPr>
             <a:spLocks noGrp="1"/>
           </p:cNvSpPr>
@@ -811,8 +927,8 @@
         </p:nvSpPr>
         <p:spPr>
           <a:xfrm>
-            <a:off x="838080" y="1825560"/>
-            <a:ext cx="5131080" cy="2075040"/>
+            <a:off x="609480" y="1604520"/>
+            <a:ext cx="5354280" cy="1896840"/>
           </a:xfrm>
           <a:prstGeom prst="rect">
             <a:avLst/>
@@ -823,18 +939,15 @@
             <a:normAutofit/>
           </a:bodyPr>
           <a:p>
-            <a:endParaRPr b="0" lang="de-DE" sz="2800" spc="-1" strike="noStrike">
-              <a:solidFill>
-                <a:srgbClr val="000000"/>
-              </a:solidFill>
-              <a:latin typeface="Calibri"/>
-            </a:endParaRPr>
-          </a:p>
-        </p:txBody>
-      </p:sp>
-      <p:sp>
-        <p:nvSpPr>
-          <p:cNvPr id="31" name="PlaceHolder 3"/>
+            <a:endParaRPr b="0" lang="en-US" sz="3200" spc="-1" strike="noStrike">
+              <a:latin typeface="Arial"/>
+            </a:endParaRPr>
+          </a:p>
+        </p:txBody>
+      </p:sp>
+      <p:sp>
+        <p:nvSpPr>
+          <p:cNvPr id="28" name="PlaceHolder 3"/>
           <p:cNvSpPr>
             <a:spLocks noGrp="1"/>
           </p:cNvSpPr>
@@ -844,8 +957,8 @@
         </p:nvSpPr>
         <p:spPr>
           <a:xfrm>
-            <a:off x="6226200" y="1825560"/>
-            <a:ext cx="5131080" cy="2075040"/>
+            <a:off x="6231960" y="1604520"/>
+            <a:ext cx="5354280" cy="1896840"/>
           </a:xfrm>
           <a:prstGeom prst="rect">
             <a:avLst/>
@@ -856,18 +969,15 @@
             <a:normAutofit/>
           </a:bodyPr>
           <a:p>
-            <a:endParaRPr b="0" lang="de-DE" sz="2800" spc="-1" strike="noStrike">
-              <a:solidFill>
-                <a:srgbClr val="000000"/>
-              </a:solidFill>
-              <a:latin typeface="Calibri"/>
-            </a:endParaRPr>
-          </a:p>
-        </p:txBody>
-      </p:sp>
-      <p:sp>
-        <p:nvSpPr>
-          <p:cNvPr id="32" name="PlaceHolder 4"/>
+            <a:endParaRPr b="0" lang="en-US" sz="3200" spc="-1" strike="noStrike">
+              <a:latin typeface="Arial"/>
+            </a:endParaRPr>
+          </a:p>
+        </p:txBody>
+      </p:sp>
+      <p:sp>
+        <p:nvSpPr>
+          <p:cNvPr id="29" name="PlaceHolder 4"/>
           <p:cNvSpPr>
             <a:spLocks noGrp="1"/>
           </p:cNvSpPr>
@@ -877,8 +987,8 @@
         </p:nvSpPr>
         <p:spPr>
           <a:xfrm>
-            <a:off x="838080" y="4098240"/>
-            <a:ext cx="5131080" cy="2075040"/>
+            <a:off x="609480" y="3682080"/>
+            <a:ext cx="5354280" cy="1896840"/>
           </a:xfrm>
           <a:prstGeom prst="rect">
             <a:avLst/>
@@ -889,18 +999,15 @@
             <a:normAutofit/>
           </a:bodyPr>
           <a:p>
-            <a:endParaRPr b="0" lang="de-DE" sz="2800" spc="-1" strike="noStrike">
-              <a:solidFill>
-                <a:srgbClr val="000000"/>
-              </a:solidFill>
-              <a:latin typeface="Calibri"/>
-            </a:endParaRPr>
-          </a:p>
-        </p:txBody>
-      </p:sp>
-      <p:sp>
-        <p:nvSpPr>
-          <p:cNvPr id="33" name="PlaceHolder 5"/>
+            <a:endParaRPr b="0" lang="en-US" sz="3200" spc="-1" strike="noStrike">
+              <a:latin typeface="Arial"/>
+            </a:endParaRPr>
+          </a:p>
+        </p:txBody>
+      </p:sp>
+      <p:sp>
+        <p:nvSpPr>
+          <p:cNvPr id="30" name="PlaceHolder 5"/>
           <p:cNvSpPr>
             <a:spLocks noGrp="1"/>
           </p:cNvSpPr>
@@ -910,8 +1017,8 @@
         </p:nvSpPr>
         <p:spPr>
           <a:xfrm>
-            <a:off x="6226200" y="4098240"/>
-            <a:ext cx="5131080" cy="2075040"/>
+            <a:off x="6231960" y="3682080"/>
+            <a:ext cx="5354280" cy="1896840"/>
           </a:xfrm>
           <a:prstGeom prst="rect">
             <a:avLst/>
@@ -922,11 +1029,8 @@
             <a:normAutofit/>
           </a:bodyPr>
           <a:p>
-            <a:endParaRPr b="0" lang="de-DE" sz="2800" spc="-1" strike="noStrike">
-              <a:solidFill>
-                <a:srgbClr val="000000"/>
-              </a:solidFill>
-              <a:latin typeface="Calibri"/>
+            <a:endParaRPr b="0" lang="en-US" sz="3200" spc="-1" strike="noStrike">
+              <a:latin typeface="Arial"/>
             </a:endParaRPr>
           </a:p>
         </p:txBody>
@@ -955,7 +1059,7 @@
       </p:grpSpPr>
       <p:sp>
         <p:nvSpPr>
-          <p:cNvPr id="34" name="PlaceHolder 1"/>
+          <p:cNvPr id="31" name="PlaceHolder 1"/>
           <p:cNvSpPr>
             <a:spLocks noGrp="1"/>
           </p:cNvSpPr>
@@ -965,8 +1069,8 @@
         </p:nvSpPr>
         <p:spPr>
           <a:xfrm>
-            <a:off x="838080" y="365040"/>
-            <a:ext cx="10515240" cy="1325160"/>
+            <a:off x="609480" y="273600"/>
+            <a:ext cx="10972440" cy="1144800"/>
           </a:xfrm>
           <a:prstGeom prst="rect">
             <a:avLst/>
@@ -977,18 +1081,16 @@
             <a:noAutofit/>
           </a:bodyPr>
           <a:p>
-            <a:endParaRPr b="0" lang="de-DE" sz="1800" spc="-1" strike="noStrike">
-              <a:solidFill>
-                <a:srgbClr val="000000"/>
-              </a:solidFill>
-              <a:latin typeface="Calibri"/>
-            </a:endParaRPr>
-          </a:p>
-        </p:txBody>
-      </p:sp>
-      <p:sp>
-        <p:nvSpPr>
-          <p:cNvPr id="35" name="PlaceHolder 2"/>
+            <a:pPr algn="ctr"/>
+            <a:endParaRPr b="0" lang="en-US" sz="4400" spc="-1" strike="noStrike">
+              <a:latin typeface="Arial"/>
+            </a:endParaRPr>
+          </a:p>
+        </p:txBody>
+      </p:sp>
+      <p:sp>
+        <p:nvSpPr>
+          <p:cNvPr id="32" name="PlaceHolder 2"/>
           <p:cNvSpPr>
             <a:spLocks noGrp="1"/>
           </p:cNvSpPr>
@@ -998,8 +1100,8 @@
         </p:nvSpPr>
         <p:spPr>
           <a:xfrm>
-            <a:off x="838080" y="1825560"/>
-            <a:ext cx="3385800" cy="2075040"/>
+            <a:off x="609480" y="1604520"/>
+            <a:ext cx="3533040" cy="1896840"/>
           </a:xfrm>
           <a:prstGeom prst="rect">
             <a:avLst/>
@@ -1010,18 +1112,15 @@
             <a:normAutofit/>
           </a:bodyPr>
           <a:p>
-            <a:endParaRPr b="0" lang="de-DE" sz="2800" spc="-1" strike="noStrike">
-              <a:solidFill>
-                <a:srgbClr val="000000"/>
-              </a:solidFill>
-              <a:latin typeface="Calibri"/>
-            </a:endParaRPr>
-          </a:p>
-        </p:txBody>
-      </p:sp>
-      <p:sp>
-        <p:nvSpPr>
-          <p:cNvPr id="36" name="PlaceHolder 3"/>
+            <a:endParaRPr b="0" lang="en-US" sz="3200" spc="-1" strike="noStrike">
+              <a:latin typeface="Arial"/>
+            </a:endParaRPr>
+          </a:p>
+        </p:txBody>
+      </p:sp>
+      <p:sp>
+        <p:nvSpPr>
+          <p:cNvPr id="33" name="PlaceHolder 3"/>
           <p:cNvSpPr>
             <a:spLocks noGrp="1"/>
           </p:cNvSpPr>
@@ -1031,8 +1130,8 @@
         </p:nvSpPr>
         <p:spPr>
           <a:xfrm>
-            <a:off x="4393440" y="1825560"/>
-            <a:ext cx="3385800" cy="2075040"/>
+            <a:off x="4319640" y="1604520"/>
+            <a:ext cx="3533040" cy="1896840"/>
           </a:xfrm>
           <a:prstGeom prst="rect">
             <a:avLst/>
@@ -1043,18 +1142,15 @@
             <a:normAutofit/>
           </a:bodyPr>
           <a:p>
-            <a:endParaRPr b="0" lang="de-DE" sz="2800" spc="-1" strike="noStrike">
-              <a:solidFill>
-                <a:srgbClr val="000000"/>
-              </a:solidFill>
-              <a:latin typeface="Calibri"/>
-            </a:endParaRPr>
-          </a:p>
-        </p:txBody>
-      </p:sp>
-      <p:sp>
-        <p:nvSpPr>
-          <p:cNvPr id="37" name="PlaceHolder 4"/>
+            <a:endParaRPr b="0" lang="en-US" sz="3200" spc="-1" strike="noStrike">
+              <a:latin typeface="Arial"/>
+            </a:endParaRPr>
+          </a:p>
+        </p:txBody>
+      </p:sp>
+      <p:sp>
+        <p:nvSpPr>
+          <p:cNvPr id="34" name="PlaceHolder 4"/>
           <p:cNvSpPr>
             <a:spLocks noGrp="1"/>
           </p:cNvSpPr>
@@ -1064,8 +1160,8 @@
         </p:nvSpPr>
         <p:spPr>
           <a:xfrm>
-            <a:off x="7949160" y="1825560"/>
-            <a:ext cx="3385800" cy="2075040"/>
+            <a:off x="8029800" y="1604520"/>
+            <a:ext cx="3533040" cy="1896840"/>
           </a:xfrm>
           <a:prstGeom prst="rect">
             <a:avLst/>
@@ -1076,18 +1172,15 @@
             <a:normAutofit/>
           </a:bodyPr>
           <a:p>
-            <a:endParaRPr b="0" lang="de-DE" sz="2800" spc="-1" strike="noStrike">
-              <a:solidFill>
-                <a:srgbClr val="000000"/>
-              </a:solidFill>
-              <a:latin typeface="Calibri"/>
-            </a:endParaRPr>
-          </a:p>
-        </p:txBody>
-      </p:sp>
-      <p:sp>
-        <p:nvSpPr>
-          <p:cNvPr id="38" name="PlaceHolder 5"/>
+            <a:endParaRPr b="0" lang="en-US" sz="3200" spc="-1" strike="noStrike">
+              <a:latin typeface="Arial"/>
+            </a:endParaRPr>
+          </a:p>
+        </p:txBody>
+      </p:sp>
+      <p:sp>
+        <p:nvSpPr>
+          <p:cNvPr id="35" name="PlaceHolder 5"/>
           <p:cNvSpPr>
             <a:spLocks noGrp="1"/>
           </p:cNvSpPr>
@@ -1097,8 +1190,8 @@
         </p:nvSpPr>
         <p:spPr>
           <a:xfrm>
-            <a:off x="838080" y="4098240"/>
-            <a:ext cx="3385800" cy="2075040"/>
+            <a:off x="609480" y="3682080"/>
+            <a:ext cx="3533040" cy="1896840"/>
           </a:xfrm>
           <a:prstGeom prst="rect">
             <a:avLst/>
@@ -1109,18 +1202,15 @@
             <a:normAutofit/>
           </a:bodyPr>
           <a:p>
-            <a:endParaRPr b="0" lang="de-DE" sz="2800" spc="-1" strike="noStrike">
-              <a:solidFill>
-                <a:srgbClr val="000000"/>
-              </a:solidFill>
-              <a:latin typeface="Calibri"/>
-            </a:endParaRPr>
-          </a:p>
-        </p:txBody>
-      </p:sp>
-      <p:sp>
-        <p:nvSpPr>
-          <p:cNvPr id="39" name="PlaceHolder 6"/>
+            <a:endParaRPr b="0" lang="en-US" sz="3200" spc="-1" strike="noStrike">
+              <a:latin typeface="Arial"/>
+            </a:endParaRPr>
+          </a:p>
+        </p:txBody>
+      </p:sp>
+      <p:sp>
+        <p:nvSpPr>
+          <p:cNvPr id="36" name="PlaceHolder 6"/>
           <p:cNvSpPr>
             <a:spLocks noGrp="1"/>
           </p:cNvSpPr>
@@ -1130,8 +1220,8 @@
         </p:nvSpPr>
         <p:spPr>
           <a:xfrm>
-            <a:off x="4393440" y="4098240"/>
-            <a:ext cx="3385800" cy="2075040"/>
+            <a:off x="4319640" y="3682080"/>
+            <a:ext cx="3533040" cy="1896840"/>
           </a:xfrm>
           <a:prstGeom prst="rect">
             <a:avLst/>
@@ -1142,18 +1232,15 @@
             <a:normAutofit/>
           </a:bodyPr>
           <a:p>
-            <a:endParaRPr b="0" lang="de-DE" sz="2800" spc="-1" strike="noStrike">
-              <a:solidFill>
-                <a:srgbClr val="000000"/>
-              </a:solidFill>
-              <a:latin typeface="Calibri"/>
-            </a:endParaRPr>
-          </a:p>
-        </p:txBody>
-      </p:sp>
-      <p:sp>
-        <p:nvSpPr>
-          <p:cNvPr id="40" name="PlaceHolder 7"/>
+            <a:endParaRPr b="0" lang="en-US" sz="3200" spc="-1" strike="noStrike">
+              <a:latin typeface="Arial"/>
+            </a:endParaRPr>
+          </a:p>
+        </p:txBody>
+      </p:sp>
+      <p:sp>
+        <p:nvSpPr>
+          <p:cNvPr id="37" name="PlaceHolder 7"/>
           <p:cNvSpPr>
             <a:spLocks noGrp="1"/>
           </p:cNvSpPr>
@@ -1163,8 +1250,8 @@
         </p:nvSpPr>
         <p:spPr>
           <a:xfrm>
-            <a:off x="7949160" y="4098240"/>
-            <a:ext cx="3385800" cy="2075040"/>
+            <a:off x="8029800" y="3682080"/>
+            <a:ext cx="3533040" cy="1896840"/>
           </a:xfrm>
           <a:prstGeom prst="rect">
             <a:avLst/>
@@ -1175,11 +1262,8 @@
             <a:normAutofit/>
           </a:bodyPr>
           <a:p>
-            <a:endParaRPr b="0" lang="de-DE" sz="2800" spc="-1" strike="noStrike">
-              <a:solidFill>
-                <a:srgbClr val="000000"/>
-              </a:solidFill>
-              <a:latin typeface="Calibri"/>
+            <a:endParaRPr b="0" lang="en-US" sz="3200" spc="-1" strike="noStrike">
+              <a:latin typeface="Arial"/>
             </a:endParaRPr>
           </a:p>
         </p:txBody>
@@ -1230,7 +1314,7 @@
       </p:grpSpPr>
       <p:sp>
         <p:nvSpPr>
-          <p:cNvPr id="46" name="PlaceHolder 1"/>
+          <p:cNvPr id="40" name="PlaceHolder 1"/>
           <p:cNvSpPr>
             <a:spLocks noGrp="1"/>
           </p:cNvSpPr>
@@ -1240,8 +1324,8 @@
         </p:nvSpPr>
         <p:spPr>
           <a:xfrm>
-            <a:off x="838080" y="365040"/>
-            <a:ext cx="10515240" cy="1325160"/>
+            <a:off x="609480" y="273600"/>
+            <a:ext cx="10972440" cy="1144800"/>
           </a:xfrm>
           <a:prstGeom prst="rect">
             <a:avLst/>
@@ -1252,18 +1336,16 @@
             <a:noAutofit/>
           </a:bodyPr>
           <a:p>
-            <a:endParaRPr b="0" lang="de-DE" sz="1800" spc="-1" strike="noStrike">
-              <a:solidFill>
-                <a:srgbClr val="000000"/>
-              </a:solidFill>
-              <a:latin typeface="Calibri"/>
-            </a:endParaRPr>
-          </a:p>
-        </p:txBody>
-      </p:sp>
-      <p:sp>
-        <p:nvSpPr>
-          <p:cNvPr id="47" name="PlaceHolder 2"/>
+            <a:pPr algn="ctr"/>
+            <a:endParaRPr b="0" lang="en-US" sz="4400" spc="-1" strike="noStrike">
+              <a:latin typeface="Arial"/>
+            </a:endParaRPr>
+          </a:p>
+        </p:txBody>
+      </p:sp>
+      <p:sp>
+        <p:nvSpPr>
+          <p:cNvPr id="41" name="PlaceHolder 2"/>
           <p:cNvSpPr>
             <a:spLocks noGrp="1"/>
           </p:cNvSpPr>
@@ -1273,8 +1355,8 @@
         </p:nvSpPr>
         <p:spPr>
           <a:xfrm>
-            <a:off x="838080" y="1825560"/>
-            <a:ext cx="10515240" cy="4350960"/>
+            <a:off x="609480" y="1604520"/>
+            <a:ext cx="10972440" cy="3977280"/>
           </a:xfrm>
           <a:prstGeom prst="rect">
             <a:avLst/>
@@ -1316,7 +1398,7 @@
       </p:grpSpPr>
       <p:sp>
         <p:nvSpPr>
-          <p:cNvPr id="48" name="PlaceHolder 1"/>
+          <p:cNvPr id="42" name="PlaceHolder 1"/>
           <p:cNvSpPr>
             <a:spLocks noGrp="1"/>
           </p:cNvSpPr>
@@ -1326,8 +1408,8 @@
         </p:nvSpPr>
         <p:spPr>
           <a:xfrm>
-            <a:off x="838080" y="365040"/>
-            <a:ext cx="10515240" cy="1325160"/>
+            <a:off x="609480" y="273600"/>
+            <a:ext cx="10972440" cy="1144800"/>
           </a:xfrm>
           <a:prstGeom prst="rect">
             <a:avLst/>
@@ -1338,18 +1420,16 @@
             <a:noAutofit/>
           </a:bodyPr>
           <a:p>
-            <a:endParaRPr b="0" lang="de-DE" sz="1800" spc="-1" strike="noStrike">
-              <a:solidFill>
-                <a:srgbClr val="000000"/>
-              </a:solidFill>
-              <a:latin typeface="Calibri"/>
-            </a:endParaRPr>
-          </a:p>
-        </p:txBody>
-      </p:sp>
-      <p:sp>
-        <p:nvSpPr>
-          <p:cNvPr id="49" name="PlaceHolder 2"/>
+            <a:pPr algn="ctr"/>
+            <a:endParaRPr b="0" lang="en-US" sz="4400" spc="-1" strike="noStrike">
+              <a:latin typeface="Arial"/>
+            </a:endParaRPr>
+          </a:p>
+        </p:txBody>
+      </p:sp>
+      <p:sp>
+        <p:nvSpPr>
+          <p:cNvPr id="43" name="PlaceHolder 2"/>
           <p:cNvSpPr>
             <a:spLocks noGrp="1"/>
           </p:cNvSpPr>
@@ -1359,8 +1439,8 @@
         </p:nvSpPr>
         <p:spPr>
           <a:xfrm>
-            <a:off x="838080" y="1825560"/>
-            <a:ext cx="10515240" cy="4350960"/>
+            <a:off x="609480" y="1604520"/>
+            <a:ext cx="10972440" cy="3977280"/>
           </a:xfrm>
           <a:prstGeom prst="rect">
             <a:avLst/>
@@ -1371,11 +1451,8 @@
             <a:normAutofit/>
           </a:bodyPr>
           <a:p>
-            <a:endParaRPr b="0" lang="de-DE" sz="2800" spc="-1" strike="noStrike">
-              <a:solidFill>
-                <a:srgbClr val="000000"/>
-              </a:solidFill>
-              <a:latin typeface="Calibri"/>
+            <a:endParaRPr b="0" lang="en-US" sz="3200" spc="-1" strike="noStrike">
+              <a:latin typeface="Arial"/>
             </a:endParaRPr>
           </a:p>
         </p:txBody>
@@ -1404,7 +1481,7 @@
       </p:grpSpPr>
       <p:sp>
         <p:nvSpPr>
-          <p:cNvPr id="50" name="PlaceHolder 1"/>
+          <p:cNvPr id="44" name="PlaceHolder 1"/>
           <p:cNvSpPr>
             <a:spLocks noGrp="1"/>
           </p:cNvSpPr>
@@ -1414,8 +1491,8 @@
         </p:nvSpPr>
         <p:spPr>
           <a:xfrm>
-            <a:off x="838080" y="365040"/>
-            <a:ext cx="10515240" cy="1325160"/>
+            <a:off x="609480" y="273600"/>
+            <a:ext cx="10972440" cy="1144800"/>
           </a:xfrm>
           <a:prstGeom prst="rect">
             <a:avLst/>
@@ -1426,18 +1503,16 @@
             <a:noAutofit/>
           </a:bodyPr>
           <a:p>
-            <a:endParaRPr b="0" lang="de-DE" sz="1800" spc="-1" strike="noStrike">
-              <a:solidFill>
-                <a:srgbClr val="000000"/>
-              </a:solidFill>
-              <a:latin typeface="Calibri"/>
-            </a:endParaRPr>
-          </a:p>
-        </p:txBody>
-      </p:sp>
-      <p:sp>
-        <p:nvSpPr>
-          <p:cNvPr id="51" name="PlaceHolder 2"/>
+            <a:pPr algn="ctr"/>
+            <a:endParaRPr b="0" lang="en-US" sz="4400" spc="-1" strike="noStrike">
+              <a:latin typeface="Arial"/>
+            </a:endParaRPr>
+          </a:p>
+        </p:txBody>
+      </p:sp>
+      <p:sp>
+        <p:nvSpPr>
+          <p:cNvPr id="45" name="PlaceHolder 2"/>
           <p:cNvSpPr>
             <a:spLocks noGrp="1"/>
           </p:cNvSpPr>
@@ -1447,8 +1522,8 @@
         </p:nvSpPr>
         <p:spPr>
           <a:xfrm>
-            <a:off x="838080" y="1825560"/>
-            <a:ext cx="5131080" cy="4350960"/>
+            <a:off x="609480" y="1604520"/>
+            <a:ext cx="5354280" cy="3977280"/>
           </a:xfrm>
           <a:prstGeom prst="rect">
             <a:avLst/>
@@ -1459,18 +1534,15 @@
             <a:normAutofit/>
           </a:bodyPr>
           <a:p>
-            <a:endParaRPr b="0" lang="de-DE" sz="2800" spc="-1" strike="noStrike">
-              <a:solidFill>
-                <a:srgbClr val="000000"/>
-              </a:solidFill>
-              <a:latin typeface="Calibri"/>
-            </a:endParaRPr>
-          </a:p>
-        </p:txBody>
-      </p:sp>
-      <p:sp>
-        <p:nvSpPr>
-          <p:cNvPr id="52" name="PlaceHolder 3"/>
+            <a:endParaRPr b="0" lang="en-US" sz="3200" spc="-1" strike="noStrike">
+              <a:latin typeface="Arial"/>
+            </a:endParaRPr>
+          </a:p>
+        </p:txBody>
+      </p:sp>
+      <p:sp>
+        <p:nvSpPr>
+          <p:cNvPr id="46" name="PlaceHolder 3"/>
           <p:cNvSpPr>
             <a:spLocks noGrp="1"/>
           </p:cNvSpPr>
@@ -1480,8 +1552,8 @@
         </p:nvSpPr>
         <p:spPr>
           <a:xfrm>
-            <a:off x="6226200" y="1825560"/>
-            <a:ext cx="5131080" cy="4350960"/>
+            <a:off x="6231960" y="1604520"/>
+            <a:ext cx="5354280" cy="3977280"/>
           </a:xfrm>
           <a:prstGeom prst="rect">
             <a:avLst/>
@@ -1492,11 +1564,8 @@
             <a:normAutofit/>
           </a:bodyPr>
           <a:p>
-            <a:endParaRPr b="0" lang="de-DE" sz="2800" spc="-1" strike="noStrike">
-              <a:solidFill>
-                <a:srgbClr val="000000"/>
-              </a:solidFill>
-              <a:latin typeface="Calibri"/>
+            <a:endParaRPr b="0" lang="en-US" sz="3200" spc="-1" strike="noStrike">
+              <a:latin typeface="Arial"/>
             </a:endParaRPr>
           </a:p>
         </p:txBody>
@@ -1525,7 +1594,7 @@
       </p:grpSpPr>
       <p:sp>
         <p:nvSpPr>
-          <p:cNvPr id="53" name="PlaceHolder 1"/>
+          <p:cNvPr id="47" name="PlaceHolder 1"/>
           <p:cNvSpPr>
             <a:spLocks noGrp="1"/>
           </p:cNvSpPr>
@@ -1535,8 +1604,8 @@
         </p:nvSpPr>
         <p:spPr>
           <a:xfrm>
-            <a:off x="838080" y="365040"/>
-            <a:ext cx="10515240" cy="1325160"/>
+            <a:off x="609480" y="273600"/>
+            <a:ext cx="10972440" cy="1144800"/>
           </a:xfrm>
           <a:prstGeom prst="rect">
             <a:avLst/>
@@ -1547,11 +1616,9 @@
             <a:noAutofit/>
           </a:bodyPr>
           <a:p>
-            <a:endParaRPr b="0" lang="de-DE" sz="1800" spc="-1" strike="noStrike">
-              <a:solidFill>
-                <a:srgbClr val="000000"/>
-              </a:solidFill>
-              <a:latin typeface="Calibri"/>
+            <a:pPr algn="ctr"/>
+            <a:endParaRPr b="0" lang="en-US" sz="4400" spc="-1" strike="noStrike">
+              <a:latin typeface="Arial"/>
             </a:endParaRPr>
           </a:p>
         </p:txBody>
@@ -1580,7 +1647,7 @@
       </p:grpSpPr>
       <p:sp>
         <p:nvSpPr>
-          <p:cNvPr id="54" name="PlaceHolder 1"/>
+          <p:cNvPr id="48" name="PlaceHolder 1"/>
           <p:cNvSpPr>
             <a:spLocks noGrp="1"/>
           </p:cNvSpPr>
@@ -1590,8 +1657,8 @@
         </p:nvSpPr>
         <p:spPr>
           <a:xfrm>
-            <a:off x="838080" y="365040"/>
-            <a:ext cx="10515240" cy="6144120"/>
+            <a:off x="609480" y="273600"/>
+            <a:ext cx="10972440" cy="5307840"/>
           </a:xfrm>
           <a:prstGeom prst="rect">
             <a:avLst/>
@@ -1633,7 +1700,7 @@
       </p:grpSpPr>
       <p:sp>
         <p:nvSpPr>
-          <p:cNvPr id="55" name="PlaceHolder 1"/>
+          <p:cNvPr id="49" name="PlaceHolder 1"/>
           <p:cNvSpPr>
             <a:spLocks noGrp="1"/>
           </p:cNvSpPr>
@@ -1643,8 +1710,8 @@
         </p:nvSpPr>
         <p:spPr>
           <a:xfrm>
-            <a:off x="838080" y="365040"/>
-            <a:ext cx="10515240" cy="1325160"/>
+            <a:off x="609480" y="273600"/>
+            <a:ext cx="10972440" cy="1144800"/>
           </a:xfrm>
           <a:prstGeom prst="rect">
             <a:avLst/>
@@ -1655,18 +1722,16 @@
             <a:noAutofit/>
           </a:bodyPr>
           <a:p>
-            <a:endParaRPr b="0" lang="de-DE" sz="1800" spc="-1" strike="noStrike">
-              <a:solidFill>
-                <a:srgbClr val="000000"/>
-              </a:solidFill>
-              <a:latin typeface="Calibri"/>
-            </a:endParaRPr>
-          </a:p>
-        </p:txBody>
-      </p:sp>
-      <p:sp>
-        <p:nvSpPr>
-          <p:cNvPr id="56" name="PlaceHolder 2"/>
+            <a:pPr algn="ctr"/>
+            <a:endParaRPr b="0" lang="en-US" sz="4400" spc="-1" strike="noStrike">
+              <a:latin typeface="Arial"/>
+            </a:endParaRPr>
+          </a:p>
+        </p:txBody>
+      </p:sp>
+      <p:sp>
+        <p:nvSpPr>
+          <p:cNvPr id="50" name="PlaceHolder 2"/>
           <p:cNvSpPr>
             <a:spLocks noGrp="1"/>
           </p:cNvSpPr>
@@ -1676,8 +1741,8 @@
         </p:nvSpPr>
         <p:spPr>
           <a:xfrm>
-            <a:off x="838080" y="1825560"/>
-            <a:ext cx="5131080" cy="2075040"/>
+            <a:off x="609480" y="1604520"/>
+            <a:ext cx="5354280" cy="1896840"/>
           </a:xfrm>
           <a:prstGeom prst="rect">
             <a:avLst/>
@@ -1688,18 +1753,15 @@
             <a:normAutofit/>
           </a:bodyPr>
           <a:p>
-            <a:endParaRPr b="0" lang="de-DE" sz="2800" spc="-1" strike="noStrike">
-              <a:solidFill>
-                <a:srgbClr val="000000"/>
-              </a:solidFill>
-              <a:latin typeface="Calibri"/>
-            </a:endParaRPr>
-          </a:p>
-        </p:txBody>
-      </p:sp>
-      <p:sp>
-        <p:nvSpPr>
-          <p:cNvPr id="57" name="PlaceHolder 3"/>
+            <a:endParaRPr b="0" lang="en-US" sz="3200" spc="-1" strike="noStrike">
+              <a:latin typeface="Arial"/>
+            </a:endParaRPr>
+          </a:p>
+        </p:txBody>
+      </p:sp>
+      <p:sp>
+        <p:nvSpPr>
+          <p:cNvPr id="51" name="PlaceHolder 3"/>
           <p:cNvSpPr>
             <a:spLocks noGrp="1"/>
           </p:cNvSpPr>
@@ -1709,8 +1771,8 @@
         </p:nvSpPr>
         <p:spPr>
           <a:xfrm>
-            <a:off x="6226200" y="1825560"/>
-            <a:ext cx="5131080" cy="4350960"/>
+            <a:off x="6231960" y="1604520"/>
+            <a:ext cx="5354280" cy="3977280"/>
           </a:xfrm>
           <a:prstGeom prst="rect">
             <a:avLst/>
@@ -1721,18 +1783,15 @@
             <a:normAutofit/>
           </a:bodyPr>
           <a:p>
-            <a:endParaRPr b="0" lang="de-DE" sz="2800" spc="-1" strike="noStrike">
-              <a:solidFill>
-                <a:srgbClr val="000000"/>
-              </a:solidFill>
-              <a:latin typeface="Calibri"/>
-            </a:endParaRPr>
-          </a:p>
-        </p:txBody>
-      </p:sp>
-      <p:sp>
-        <p:nvSpPr>
-          <p:cNvPr id="58" name="PlaceHolder 4"/>
+            <a:endParaRPr b="0" lang="en-US" sz="3200" spc="-1" strike="noStrike">
+              <a:latin typeface="Arial"/>
+            </a:endParaRPr>
+          </a:p>
+        </p:txBody>
+      </p:sp>
+      <p:sp>
+        <p:nvSpPr>
+          <p:cNvPr id="52" name="PlaceHolder 4"/>
           <p:cNvSpPr>
             <a:spLocks noGrp="1"/>
           </p:cNvSpPr>
@@ -1742,8 +1801,8 @@
         </p:nvSpPr>
         <p:spPr>
           <a:xfrm>
-            <a:off x="838080" y="4098240"/>
-            <a:ext cx="5131080" cy="2075040"/>
+            <a:off x="609480" y="3682080"/>
+            <a:ext cx="5354280" cy="1896840"/>
           </a:xfrm>
           <a:prstGeom prst="rect">
             <a:avLst/>
@@ -1754,11 +1813,8 @@
             <a:normAutofit/>
           </a:bodyPr>
           <a:p>
-            <a:endParaRPr b="0" lang="de-DE" sz="2800" spc="-1" strike="noStrike">
-              <a:solidFill>
-                <a:srgbClr val="000000"/>
-              </a:solidFill>
-              <a:latin typeface="Calibri"/>
+            <a:endParaRPr b="0" lang="en-US" sz="3200" spc="-1" strike="noStrike">
+              <a:latin typeface="Arial"/>
             </a:endParaRPr>
           </a:p>
         </p:txBody>
@@ -1787,7 +1843,7 @@
       </p:grpSpPr>
       <p:sp>
         <p:nvSpPr>
-          <p:cNvPr id="5" name="PlaceHolder 1"/>
+          <p:cNvPr id="2" name="PlaceHolder 1"/>
           <p:cNvSpPr>
             <a:spLocks noGrp="1"/>
           </p:cNvSpPr>
@@ -1797,8 +1853,8 @@
         </p:nvSpPr>
         <p:spPr>
           <a:xfrm>
-            <a:off x="838080" y="365040"/>
-            <a:ext cx="10515240" cy="1325160"/>
+            <a:off x="609480" y="273600"/>
+            <a:ext cx="10972440" cy="1144800"/>
           </a:xfrm>
           <a:prstGeom prst="rect">
             <a:avLst/>
@@ -1809,18 +1865,16 @@
             <a:noAutofit/>
           </a:bodyPr>
           <a:p>
-            <a:endParaRPr b="0" lang="de-DE" sz="1800" spc="-1" strike="noStrike">
-              <a:solidFill>
-                <a:srgbClr val="000000"/>
-              </a:solidFill>
-              <a:latin typeface="Calibri"/>
-            </a:endParaRPr>
-          </a:p>
-        </p:txBody>
-      </p:sp>
-      <p:sp>
-        <p:nvSpPr>
-          <p:cNvPr id="6" name="PlaceHolder 2"/>
+            <a:pPr algn="ctr"/>
+            <a:endParaRPr b="0" lang="en-US" sz="4400" spc="-1" strike="noStrike">
+              <a:latin typeface="Arial"/>
+            </a:endParaRPr>
+          </a:p>
+        </p:txBody>
+      </p:sp>
+      <p:sp>
+        <p:nvSpPr>
+          <p:cNvPr id="3" name="PlaceHolder 2"/>
           <p:cNvSpPr>
             <a:spLocks noGrp="1"/>
           </p:cNvSpPr>
@@ -1830,8 +1884,8 @@
         </p:nvSpPr>
         <p:spPr>
           <a:xfrm>
-            <a:off x="838080" y="1825560"/>
-            <a:ext cx="10515240" cy="4350960"/>
+            <a:off x="609480" y="1604520"/>
+            <a:ext cx="10972440" cy="3977280"/>
           </a:xfrm>
           <a:prstGeom prst="rect">
             <a:avLst/>
@@ -1873,7 +1927,7 @@
       </p:grpSpPr>
       <p:sp>
         <p:nvSpPr>
-          <p:cNvPr id="59" name="PlaceHolder 1"/>
+          <p:cNvPr id="53" name="PlaceHolder 1"/>
           <p:cNvSpPr>
             <a:spLocks noGrp="1"/>
           </p:cNvSpPr>
@@ -1883,8 +1937,8 @@
         </p:nvSpPr>
         <p:spPr>
           <a:xfrm>
-            <a:off x="838080" y="365040"/>
-            <a:ext cx="10515240" cy="1325160"/>
+            <a:off x="609480" y="273600"/>
+            <a:ext cx="10972440" cy="1144800"/>
           </a:xfrm>
           <a:prstGeom prst="rect">
             <a:avLst/>
@@ -1895,18 +1949,16 @@
             <a:noAutofit/>
           </a:bodyPr>
           <a:p>
-            <a:endParaRPr b="0" lang="de-DE" sz="1800" spc="-1" strike="noStrike">
-              <a:solidFill>
-                <a:srgbClr val="000000"/>
-              </a:solidFill>
-              <a:latin typeface="Calibri"/>
-            </a:endParaRPr>
-          </a:p>
-        </p:txBody>
-      </p:sp>
-      <p:sp>
-        <p:nvSpPr>
-          <p:cNvPr id="60" name="PlaceHolder 2"/>
+            <a:pPr algn="ctr"/>
+            <a:endParaRPr b="0" lang="en-US" sz="4400" spc="-1" strike="noStrike">
+              <a:latin typeface="Arial"/>
+            </a:endParaRPr>
+          </a:p>
+        </p:txBody>
+      </p:sp>
+      <p:sp>
+        <p:nvSpPr>
+          <p:cNvPr id="54" name="PlaceHolder 2"/>
           <p:cNvSpPr>
             <a:spLocks noGrp="1"/>
           </p:cNvSpPr>
@@ -1916,8 +1968,8 @@
         </p:nvSpPr>
         <p:spPr>
           <a:xfrm>
-            <a:off x="838080" y="1825560"/>
-            <a:ext cx="5131080" cy="4350960"/>
+            <a:off x="609480" y="1604520"/>
+            <a:ext cx="5354280" cy="3977280"/>
           </a:xfrm>
           <a:prstGeom prst="rect">
             <a:avLst/>
@@ -1928,18 +1980,15 @@
             <a:normAutofit/>
           </a:bodyPr>
           <a:p>
-            <a:endParaRPr b="0" lang="de-DE" sz="2800" spc="-1" strike="noStrike">
-              <a:solidFill>
-                <a:srgbClr val="000000"/>
-              </a:solidFill>
-              <a:latin typeface="Calibri"/>
-            </a:endParaRPr>
-          </a:p>
-        </p:txBody>
-      </p:sp>
-      <p:sp>
-        <p:nvSpPr>
-          <p:cNvPr id="61" name="PlaceHolder 3"/>
+            <a:endParaRPr b="0" lang="en-US" sz="3200" spc="-1" strike="noStrike">
+              <a:latin typeface="Arial"/>
+            </a:endParaRPr>
+          </a:p>
+        </p:txBody>
+      </p:sp>
+      <p:sp>
+        <p:nvSpPr>
+          <p:cNvPr id="55" name="PlaceHolder 3"/>
           <p:cNvSpPr>
             <a:spLocks noGrp="1"/>
           </p:cNvSpPr>
@@ -1949,8 +1998,8 @@
         </p:nvSpPr>
         <p:spPr>
           <a:xfrm>
-            <a:off x="6226200" y="1825560"/>
-            <a:ext cx="5131080" cy="2075040"/>
+            <a:off x="6231960" y="1604520"/>
+            <a:ext cx="5354280" cy="1896840"/>
           </a:xfrm>
           <a:prstGeom prst="rect">
             <a:avLst/>
@@ -1961,18 +2010,15 @@
             <a:normAutofit/>
           </a:bodyPr>
           <a:p>
-            <a:endParaRPr b="0" lang="de-DE" sz="2800" spc="-1" strike="noStrike">
-              <a:solidFill>
-                <a:srgbClr val="000000"/>
-              </a:solidFill>
-              <a:latin typeface="Calibri"/>
-            </a:endParaRPr>
-          </a:p>
-        </p:txBody>
-      </p:sp>
-      <p:sp>
-        <p:nvSpPr>
-          <p:cNvPr id="62" name="PlaceHolder 4"/>
+            <a:endParaRPr b="0" lang="en-US" sz="3200" spc="-1" strike="noStrike">
+              <a:latin typeface="Arial"/>
+            </a:endParaRPr>
+          </a:p>
+        </p:txBody>
+      </p:sp>
+      <p:sp>
+        <p:nvSpPr>
+          <p:cNvPr id="56" name="PlaceHolder 4"/>
           <p:cNvSpPr>
             <a:spLocks noGrp="1"/>
           </p:cNvSpPr>
@@ -1982,8 +2028,8 @@
         </p:nvSpPr>
         <p:spPr>
           <a:xfrm>
-            <a:off x="6226200" y="4098240"/>
-            <a:ext cx="5131080" cy="2075040"/>
+            <a:off x="6231960" y="3682080"/>
+            <a:ext cx="5354280" cy="1896840"/>
           </a:xfrm>
           <a:prstGeom prst="rect">
             <a:avLst/>
@@ -1994,11 +2040,8 @@
             <a:normAutofit/>
           </a:bodyPr>
           <a:p>
-            <a:endParaRPr b="0" lang="de-DE" sz="2800" spc="-1" strike="noStrike">
-              <a:solidFill>
-                <a:srgbClr val="000000"/>
-              </a:solidFill>
-              <a:latin typeface="Calibri"/>
+            <a:endParaRPr b="0" lang="en-US" sz="3200" spc="-1" strike="noStrike">
+              <a:latin typeface="Arial"/>
             </a:endParaRPr>
           </a:p>
         </p:txBody>
@@ -2027,7 +2070,7 @@
       </p:grpSpPr>
       <p:sp>
         <p:nvSpPr>
-          <p:cNvPr id="63" name="PlaceHolder 1"/>
+          <p:cNvPr id="57" name="PlaceHolder 1"/>
           <p:cNvSpPr>
             <a:spLocks noGrp="1"/>
           </p:cNvSpPr>
@@ -2037,8 +2080,8 @@
         </p:nvSpPr>
         <p:spPr>
           <a:xfrm>
-            <a:off x="838080" y="365040"/>
-            <a:ext cx="10515240" cy="1325160"/>
+            <a:off x="609480" y="273600"/>
+            <a:ext cx="10972440" cy="1144800"/>
           </a:xfrm>
           <a:prstGeom prst="rect">
             <a:avLst/>
@@ -2049,18 +2092,16 @@
             <a:noAutofit/>
           </a:bodyPr>
           <a:p>
-            <a:endParaRPr b="0" lang="de-DE" sz="1800" spc="-1" strike="noStrike">
-              <a:solidFill>
-                <a:srgbClr val="000000"/>
-              </a:solidFill>
-              <a:latin typeface="Calibri"/>
-            </a:endParaRPr>
-          </a:p>
-        </p:txBody>
-      </p:sp>
-      <p:sp>
-        <p:nvSpPr>
-          <p:cNvPr id="64" name="PlaceHolder 2"/>
+            <a:pPr algn="ctr"/>
+            <a:endParaRPr b="0" lang="en-US" sz="4400" spc="-1" strike="noStrike">
+              <a:latin typeface="Arial"/>
+            </a:endParaRPr>
+          </a:p>
+        </p:txBody>
+      </p:sp>
+      <p:sp>
+        <p:nvSpPr>
+          <p:cNvPr id="58" name="PlaceHolder 2"/>
           <p:cNvSpPr>
             <a:spLocks noGrp="1"/>
           </p:cNvSpPr>
@@ -2070,8 +2111,8 @@
         </p:nvSpPr>
         <p:spPr>
           <a:xfrm>
-            <a:off x="838080" y="1825560"/>
-            <a:ext cx="5131080" cy="2075040"/>
+            <a:off x="609480" y="1604520"/>
+            <a:ext cx="5354280" cy="1896840"/>
           </a:xfrm>
           <a:prstGeom prst="rect">
             <a:avLst/>
@@ -2082,18 +2123,15 @@
             <a:normAutofit/>
           </a:bodyPr>
           <a:p>
-            <a:endParaRPr b="0" lang="de-DE" sz="2800" spc="-1" strike="noStrike">
-              <a:solidFill>
-                <a:srgbClr val="000000"/>
-              </a:solidFill>
-              <a:latin typeface="Calibri"/>
-            </a:endParaRPr>
-          </a:p>
-        </p:txBody>
-      </p:sp>
-      <p:sp>
-        <p:nvSpPr>
-          <p:cNvPr id="65" name="PlaceHolder 3"/>
+            <a:endParaRPr b="0" lang="en-US" sz="3200" spc="-1" strike="noStrike">
+              <a:latin typeface="Arial"/>
+            </a:endParaRPr>
+          </a:p>
+        </p:txBody>
+      </p:sp>
+      <p:sp>
+        <p:nvSpPr>
+          <p:cNvPr id="59" name="PlaceHolder 3"/>
           <p:cNvSpPr>
             <a:spLocks noGrp="1"/>
           </p:cNvSpPr>
@@ -2103,8 +2141,8 @@
         </p:nvSpPr>
         <p:spPr>
           <a:xfrm>
-            <a:off x="6226200" y="1825560"/>
-            <a:ext cx="5131080" cy="2075040"/>
+            <a:off x="6231960" y="1604520"/>
+            <a:ext cx="5354280" cy="1896840"/>
           </a:xfrm>
           <a:prstGeom prst="rect">
             <a:avLst/>
@@ -2115,18 +2153,15 @@
             <a:normAutofit/>
           </a:bodyPr>
           <a:p>
-            <a:endParaRPr b="0" lang="de-DE" sz="2800" spc="-1" strike="noStrike">
-              <a:solidFill>
-                <a:srgbClr val="000000"/>
-              </a:solidFill>
-              <a:latin typeface="Calibri"/>
-            </a:endParaRPr>
-          </a:p>
-        </p:txBody>
-      </p:sp>
-      <p:sp>
-        <p:nvSpPr>
-          <p:cNvPr id="66" name="PlaceHolder 4"/>
+            <a:endParaRPr b="0" lang="en-US" sz="3200" spc="-1" strike="noStrike">
+              <a:latin typeface="Arial"/>
+            </a:endParaRPr>
+          </a:p>
+        </p:txBody>
+      </p:sp>
+      <p:sp>
+        <p:nvSpPr>
+          <p:cNvPr id="60" name="PlaceHolder 4"/>
           <p:cNvSpPr>
             <a:spLocks noGrp="1"/>
           </p:cNvSpPr>
@@ -2136,8 +2171,8 @@
         </p:nvSpPr>
         <p:spPr>
           <a:xfrm>
-            <a:off x="838080" y="4098240"/>
-            <a:ext cx="10515240" cy="2075040"/>
+            <a:off x="609480" y="3682080"/>
+            <a:ext cx="10972440" cy="1896840"/>
           </a:xfrm>
           <a:prstGeom prst="rect">
             <a:avLst/>
@@ -2148,11 +2183,8 @@
             <a:normAutofit/>
           </a:bodyPr>
           <a:p>
-            <a:endParaRPr b="0" lang="de-DE" sz="2800" spc="-1" strike="noStrike">
-              <a:solidFill>
-                <a:srgbClr val="000000"/>
-              </a:solidFill>
-              <a:latin typeface="Calibri"/>
+            <a:endParaRPr b="0" lang="en-US" sz="3200" spc="-1" strike="noStrike">
+              <a:latin typeface="Arial"/>
             </a:endParaRPr>
           </a:p>
         </p:txBody>
@@ -2181,7 +2213,7 @@
       </p:grpSpPr>
       <p:sp>
         <p:nvSpPr>
-          <p:cNvPr id="67" name="PlaceHolder 1"/>
+          <p:cNvPr id="61" name="PlaceHolder 1"/>
           <p:cNvSpPr>
             <a:spLocks noGrp="1"/>
           </p:cNvSpPr>
@@ -2191,8 +2223,8 @@
         </p:nvSpPr>
         <p:spPr>
           <a:xfrm>
-            <a:off x="838080" y="365040"/>
-            <a:ext cx="10515240" cy="1325160"/>
+            <a:off x="609480" y="273600"/>
+            <a:ext cx="10972440" cy="1144800"/>
           </a:xfrm>
           <a:prstGeom prst="rect">
             <a:avLst/>
@@ -2203,18 +2235,16 @@
             <a:noAutofit/>
           </a:bodyPr>
           <a:p>
-            <a:endParaRPr b="0" lang="de-DE" sz="1800" spc="-1" strike="noStrike">
-              <a:solidFill>
-                <a:srgbClr val="000000"/>
-              </a:solidFill>
-              <a:latin typeface="Calibri"/>
-            </a:endParaRPr>
-          </a:p>
-        </p:txBody>
-      </p:sp>
-      <p:sp>
-        <p:nvSpPr>
-          <p:cNvPr id="68" name="PlaceHolder 2"/>
+            <a:pPr algn="ctr"/>
+            <a:endParaRPr b="0" lang="en-US" sz="4400" spc="-1" strike="noStrike">
+              <a:latin typeface="Arial"/>
+            </a:endParaRPr>
+          </a:p>
+        </p:txBody>
+      </p:sp>
+      <p:sp>
+        <p:nvSpPr>
+          <p:cNvPr id="62" name="PlaceHolder 2"/>
           <p:cNvSpPr>
             <a:spLocks noGrp="1"/>
           </p:cNvSpPr>
@@ -2224,8 +2254,8 @@
         </p:nvSpPr>
         <p:spPr>
           <a:xfrm>
-            <a:off x="838080" y="1825560"/>
-            <a:ext cx="10515240" cy="2075040"/>
+            <a:off x="609480" y="1604520"/>
+            <a:ext cx="10972440" cy="1896840"/>
           </a:xfrm>
           <a:prstGeom prst="rect">
             <a:avLst/>
@@ -2236,18 +2266,15 @@
             <a:normAutofit/>
           </a:bodyPr>
           <a:p>
-            <a:endParaRPr b="0" lang="de-DE" sz="2800" spc="-1" strike="noStrike">
-              <a:solidFill>
-                <a:srgbClr val="000000"/>
-              </a:solidFill>
-              <a:latin typeface="Calibri"/>
-            </a:endParaRPr>
-          </a:p>
-        </p:txBody>
-      </p:sp>
-      <p:sp>
-        <p:nvSpPr>
-          <p:cNvPr id="69" name="PlaceHolder 3"/>
+            <a:endParaRPr b="0" lang="en-US" sz="3200" spc="-1" strike="noStrike">
+              <a:latin typeface="Arial"/>
+            </a:endParaRPr>
+          </a:p>
+        </p:txBody>
+      </p:sp>
+      <p:sp>
+        <p:nvSpPr>
+          <p:cNvPr id="63" name="PlaceHolder 3"/>
           <p:cNvSpPr>
             <a:spLocks noGrp="1"/>
           </p:cNvSpPr>
@@ -2257,8 +2284,8 @@
         </p:nvSpPr>
         <p:spPr>
           <a:xfrm>
-            <a:off x="838080" y="4098240"/>
-            <a:ext cx="10515240" cy="2075040"/>
+            <a:off x="609480" y="3682080"/>
+            <a:ext cx="10972440" cy="1896840"/>
           </a:xfrm>
           <a:prstGeom prst="rect">
             <a:avLst/>
@@ -2269,11 +2296,8 @@
             <a:normAutofit/>
           </a:bodyPr>
           <a:p>
-            <a:endParaRPr b="0" lang="de-DE" sz="2800" spc="-1" strike="noStrike">
-              <a:solidFill>
-                <a:srgbClr val="000000"/>
-              </a:solidFill>
-              <a:latin typeface="Calibri"/>
+            <a:endParaRPr b="0" lang="en-US" sz="3200" spc="-1" strike="noStrike">
+              <a:latin typeface="Arial"/>
             </a:endParaRPr>
           </a:p>
         </p:txBody>
@@ -2302,7 +2326,7 @@
       </p:grpSpPr>
       <p:sp>
         <p:nvSpPr>
-          <p:cNvPr id="70" name="PlaceHolder 1"/>
+          <p:cNvPr id="64" name="PlaceHolder 1"/>
           <p:cNvSpPr>
             <a:spLocks noGrp="1"/>
           </p:cNvSpPr>
@@ -2312,8 +2336,8 @@
         </p:nvSpPr>
         <p:spPr>
           <a:xfrm>
-            <a:off x="838080" y="365040"/>
-            <a:ext cx="10515240" cy="1325160"/>
+            <a:off x="609480" y="273600"/>
+            <a:ext cx="10972440" cy="1144800"/>
           </a:xfrm>
           <a:prstGeom prst="rect">
             <a:avLst/>
@@ -2324,18 +2348,16 @@
             <a:noAutofit/>
           </a:bodyPr>
           <a:p>
-            <a:endParaRPr b="0" lang="de-DE" sz="1800" spc="-1" strike="noStrike">
-              <a:solidFill>
-                <a:srgbClr val="000000"/>
-              </a:solidFill>
-              <a:latin typeface="Calibri"/>
-            </a:endParaRPr>
-          </a:p>
-        </p:txBody>
-      </p:sp>
-      <p:sp>
-        <p:nvSpPr>
-          <p:cNvPr id="71" name="PlaceHolder 2"/>
+            <a:pPr algn="ctr"/>
+            <a:endParaRPr b="0" lang="en-US" sz="4400" spc="-1" strike="noStrike">
+              <a:latin typeface="Arial"/>
+            </a:endParaRPr>
+          </a:p>
+        </p:txBody>
+      </p:sp>
+      <p:sp>
+        <p:nvSpPr>
+          <p:cNvPr id="65" name="PlaceHolder 2"/>
           <p:cNvSpPr>
             <a:spLocks noGrp="1"/>
           </p:cNvSpPr>
@@ -2345,8 +2367,8 @@
         </p:nvSpPr>
         <p:spPr>
           <a:xfrm>
-            <a:off x="838080" y="1825560"/>
-            <a:ext cx="5131080" cy="2075040"/>
+            <a:off x="609480" y="1604520"/>
+            <a:ext cx="5354280" cy="1896840"/>
           </a:xfrm>
           <a:prstGeom prst="rect">
             <a:avLst/>
@@ -2357,18 +2379,15 @@
             <a:normAutofit/>
           </a:bodyPr>
           <a:p>
-            <a:endParaRPr b="0" lang="de-DE" sz="2800" spc="-1" strike="noStrike">
-              <a:solidFill>
-                <a:srgbClr val="000000"/>
-              </a:solidFill>
-              <a:latin typeface="Calibri"/>
-            </a:endParaRPr>
-          </a:p>
-        </p:txBody>
-      </p:sp>
-      <p:sp>
-        <p:nvSpPr>
-          <p:cNvPr id="72" name="PlaceHolder 3"/>
+            <a:endParaRPr b="0" lang="en-US" sz="3200" spc="-1" strike="noStrike">
+              <a:latin typeface="Arial"/>
+            </a:endParaRPr>
+          </a:p>
+        </p:txBody>
+      </p:sp>
+      <p:sp>
+        <p:nvSpPr>
+          <p:cNvPr id="66" name="PlaceHolder 3"/>
           <p:cNvSpPr>
             <a:spLocks noGrp="1"/>
           </p:cNvSpPr>
@@ -2378,8 +2397,8 @@
         </p:nvSpPr>
         <p:spPr>
           <a:xfrm>
-            <a:off x="6226200" y="1825560"/>
-            <a:ext cx="5131080" cy="2075040"/>
+            <a:off x="6231960" y="1604520"/>
+            <a:ext cx="5354280" cy="1896840"/>
           </a:xfrm>
           <a:prstGeom prst="rect">
             <a:avLst/>
@@ -2390,18 +2409,15 @@
             <a:normAutofit/>
           </a:bodyPr>
           <a:p>
-            <a:endParaRPr b="0" lang="de-DE" sz="2800" spc="-1" strike="noStrike">
-              <a:solidFill>
-                <a:srgbClr val="000000"/>
-              </a:solidFill>
-              <a:latin typeface="Calibri"/>
-            </a:endParaRPr>
-          </a:p>
-        </p:txBody>
-      </p:sp>
-      <p:sp>
-        <p:nvSpPr>
-          <p:cNvPr id="73" name="PlaceHolder 4"/>
+            <a:endParaRPr b="0" lang="en-US" sz="3200" spc="-1" strike="noStrike">
+              <a:latin typeface="Arial"/>
+            </a:endParaRPr>
+          </a:p>
+        </p:txBody>
+      </p:sp>
+      <p:sp>
+        <p:nvSpPr>
+          <p:cNvPr id="67" name="PlaceHolder 4"/>
           <p:cNvSpPr>
             <a:spLocks noGrp="1"/>
           </p:cNvSpPr>
@@ -2411,8 +2427,8 @@
         </p:nvSpPr>
         <p:spPr>
           <a:xfrm>
-            <a:off x="838080" y="4098240"/>
-            <a:ext cx="5131080" cy="2075040"/>
+            <a:off x="609480" y="3682080"/>
+            <a:ext cx="5354280" cy="1896840"/>
           </a:xfrm>
           <a:prstGeom prst="rect">
             <a:avLst/>
@@ -2423,18 +2439,15 @@
             <a:normAutofit/>
           </a:bodyPr>
           <a:p>
-            <a:endParaRPr b="0" lang="de-DE" sz="2800" spc="-1" strike="noStrike">
-              <a:solidFill>
-                <a:srgbClr val="000000"/>
-              </a:solidFill>
-              <a:latin typeface="Calibri"/>
-            </a:endParaRPr>
-          </a:p>
-        </p:txBody>
-      </p:sp>
-      <p:sp>
-        <p:nvSpPr>
-          <p:cNvPr id="74" name="PlaceHolder 5"/>
+            <a:endParaRPr b="0" lang="en-US" sz="3200" spc="-1" strike="noStrike">
+              <a:latin typeface="Arial"/>
+            </a:endParaRPr>
+          </a:p>
+        </p:txBody>
+      </p:sp>
+      <p:sp>
+        <p:nvSpPr>
+          <p:cNvPr id="68" name="PlaceHolder 5"/>
           <p:cNvSpPr>
             <a:spLocks noGrp="1"/>
           </p:cNvSpPr>
@@ -2444,8 +2457,8 @@
         </p:nvSpPr>
         <p:spPr>
           <a:xfrm>
-            <a:off x="6226200" y="4098240"/>
-            <a:ext cx="5131080" cy="2075040"/>
+            <a:off x="6231960" y="3682080"/>
+            <a:ext cx="5354280" cy="1896840"/>
           </a:xfrm>
           <a:prstGeom prst="rect">
             <a:avLst/>
@@ -2456,11 +2469,8 @@
             <a:normAutofit/>
           </a:bodyPr>
           <a:p>
-            <a:endParaRPr b="0" lang="de-DE" sz="2800" spc="-1" strike="noStrike">
-              <a:solidFill>
-                <a:srgbClr val="000000"/>
-              </a:solidFill>
-              <a:latin typeface="Calibri"/>
+            <a:endParaRPr b="0" lang="en-US" sz="3200" spc="-1" strike="noStrike">
+              <a:latin typeface="Arial"/>
             </a:endParaRPr>
           </a:p>
         </p:txBody>
@@ -2489,7 +2499,7 @@
       </p:grpSpPr>
       <p:sp>
         <p:nvSpPr>
-          <p:cNvPr id="75" name="PlaceHolder 1"/>
+          <p:cNvPr id="69" name="PlaceHolder 1"/>
           <p:cNvSpPr>
             <a:spLocks noGrp="1"/>
           </p:cNvSpPr>
@@ -2499,8 +2509,8 @@
         </p:nvSpPr>
         <p:spPr>
           <a:xfrm>
-            <a:off x="838080" y="365040"/>
-            <a:ext cx="10515240" cy="1325160"/>
+            <a:off x="609480" y="273600"/>
+            <a:ext cx="10972440" cy="1144800"/>
           </a:xfrm>
           <a:prstGeom prst="rect">
             <a:avLst/>
@@ -2511,18 +2521,16 @@
             <a:noAutofit/>
           </a:bodyPr>
           <a:p>
-            <a:endParaRPr b="0" lang="de-DE" sz="1800" spc="-1" strike="noStrike">
-              <a:solidFill>
-                <a:srgbClr val="000000"/>
-              </a:solidFill>
-              <a:latin typeface="Calibri"/>
-            </a:endParaRPr>
-          </a:p>
-        </p:txBody>
-      </p:sp>
-      <p:sp>
-        <p:nvSpPr>
-          <p:cNvPr id="76" name="PlaceHolder 2"/>
+            <a:pPr algn="ctr"/>
+            <a:endParaRPr b="0" lang="en-US" sz="4400" spc="-1" strike="noStrike">
+              <a:latin typeface="Arial"/>
+            </a:endParaRPr>
+          </a:p>
+        </p:txBody>
+      </p:sp>
+      <p:sp>
+        <p:nvSpPr>
+          <p:cNvPr id="70" name="PlaceHolder 2"/>
           <p:cNvSpPr>
             <a:spLocks noGrp="1"/>
           </p:cNvSpPr>
@@ -2532,8 +2540,8 @@
         </p:nvSpPr>
         <p:spPr>
           <a:xfrm>
-            <a:off x="838080" y="1825560"/>
-            <a:ext cx="3385800" cy="2075040"/>
+            <a:off x="609480" y="1604520"/>
+            <a:ext cx="3533040" cy="1896840"/>
           </a:xfrm>
           <a:prstGeom prst="rect">
             <a:avLst/>
@@ -2544,18 +2552,15 @@
             <a:normAutofit/>
           </a:bodyPr>
           <a:p>
-            <a:endParaRPr b="0" lang="de-DE" sz="2800" spc="-1" strike="noStrike">
-              <a:solidFill>
-                <a:srgbClr val="000000"/>
-              </a:solidFill>
-              <a:latin typeface="Calibri"/>
-            </a:endParaRPr>
-          </a:p>
-        </p:txBody>
-      </p:sp>
-      <p:sp>
-        <p:nvSpPr>
-          <p:cNvPr id="77" name="PlaceHolder 3"/>
+            <a:endParaRPr b="0" lang="en-US" sz="3200" spc="-1" strike="noStrike">
+              <a:latin typeface="Arial"/>
+            </a:endParaRPr>
+          </a:p>
+        </p:txBody>
+      </p:sp>
+      <p:sp>
+        <p:nvSpPr>
+          <p:cNvPr id="71" name="PlaceHolder 3"/>
           <p:cNvSpPr>
             <a:spLocks noGrp="1"/>
           </p:cNvSpPr>
@@ -2565,8 +2570,8 @@
         </p:nvSpPr>
         <p:spPr>
           <a:xfrm>
-            <a:off x="4393440" y="1825560"/>
-            <a:ext cx="3385800" cy="2075040"/>
+            <a:off x="4319640" y="1604520"/>
+            <a:ext cx="3533040" cy="1896840"/>
           </a:xfrm>
           <a:prstGeom prst="rect">
             <a:avLst/>
@@ -2577,18 +2582,15 @@
             <a:normAutofit/>
           </a:bodyPr>
           <a:p>
-            <a:endParaRPr b="0" lang="de-DE" sz="2800" spc="-1" strike="noStrike">
-              <a:solidFill>
-                <a:srgbClr val="000000"/>
-              </a:solidFill>
-              <a:latin typeface="Calibri"/>
-            </a:endParaRPr>
-          </a:p>
-        </p:txBody>
-      </p:sp>
-      <p:sp>
-        <p:nvSpPr>
-          <p:cNvPr id="78" name="PlaceHolder 4"/>
+            <a:endParaRPr b="0" lang="en-US" sz="3200" spc="-1" strike="noStrike">
+              <a:latin typeface="Arial"/>
+            </a:endParaRPr>
+          </a:p>
+        </p:txBody>
+      </p:sp>
+      <p:sp>
+        <p:nvSpPr>
+          <p:cNvPr id="72" name="PlaceHolder 4"/>
           <p:cNvSpPr>
             <a:spLocks noGrp="1"/>
           </p:cNvSpPr>
@@ -2598,8 +2600,8 @@
         </p:nvSpPr>
         <p:spPr>
           <a:xfrm>
-            <a:off x="7949160" y="1825560"/>
-            <a:ext cx="3385800" cy="2075040"/>
+            <a:off x="8029800" y="1604520"/>
+            <a:ext cx="3533040" cy="1896840"/>
           </a:xfrm>
           <a:prstGeom prst="rect">
             <a:avLst/>
@@ -2610,18 +2612,15 @@
             <a:normAutofit/>
           </a:bodyPr>
           <a:p>
-            <a:endParaRPr b="0" lang="de-DE" sz="2800" spc="-1" strike="noStrike">
-              <a:solidFill>
-                <a:srgbClr val="000000"/>
-              </a:solidFill>
-              <a:latin typeface="Calibri"/>
-            </a:endParaRPr>
-          </a:p>
-        </p:txBody>
-      </p:sp>
-      <p:sp>
-        <p:nvSpPr>
-          <p:cNvPr id="79" name="PlaceHolder 5"/>
+            <a:endParaRPr b="0" lang="en-US" sz="3200" spc="-1" strike="noStrike">
+              <a:latin typeface="Arial"/>
+            </a:endParaRPr>
+          </a:p>
+        </p:txBody>
+      </p:sp>
+      <p:sp>
+        <p:nvSpPr>
+          <p:cNvPr id="73" name="PlaceHolder 5"/>
           <p:cNvSpPr>
             <a:spLocks noGrp="1"/>
           </p:cNvSpPr>
@@ -2631,8 +2630,8 @@
         </p:nvSpPr>
         <p:spPr>
           <a:xfrm>
-            <a:off x="838080" y="4098240"/>
-            <a:ext cx="3385800" cy="2075040"/>
+            <a:off x="609480" y="3682080"/>
+            <a:ext cx="3533040" cy="1896840"/>
           </a:xfrm>
           <a:prstGeom prst="rect">
             <a:avLst/>
@@ -2643,18 +2642,15 @@
             <a:normAutofit/>
           </a:bodyPr>
           <a:p>
-            <a:endParaRPr b="0" lang="de-DE" sz="2800" spc="-1" strike="noStrike">
-              <a:solidFill>
-                <a:srgbClr val="000000"/>
-              </a:solidFill>
-              <a:latin typeface="Calibri"/>
-            </a:endParaRPr>
-          </a:p>
-        </p:txBody>
-      </p:sp>
-      <p:sp>
-        <p:nvSpPr>
-          <p:cNvPr id="80" name="PlaceHolder 6"/>
+            <a:endParaRPr b="0" lang="en-US" sz="3200" spc="-1" strike="noStrike">
+              <a:latin typeface="Arial"/>
+            </a:endParaRPr>
+          </a:p>
+        </p:txBody>
+      </p:sp>
+      <p:sp>
+        <p:nvSpPr>
+          <p:cNvPr id="74" name="PlaceHolder 6"/>
           <p:cNvSpPr>
             <a:spLocks noGrp="1"/>
           </p:cNvSpPr>
@@ -2664,8 +2660,8 @@
         </p:nvSpPr>
         <p:spPr>
           <a:xfrm>
-            <a:off x="4393440" y="4098240"/>
-            <a:ext cx="3385800" cy="2075040"/>
+            <a:off x="4319640" y="3682080"/>
+            <a:ext cx="3533040" cy="1896840"/>
           </a:xfrm>
           <a:prstGeom prst="rect">
             <a:avLst/>
@@ -2676,18 +2672,15 @@
             <a:normAutofit/>
           </a:bodyPr>
           <a:p>
-            <a:endParaRPr b="0" lang="de-DE" sz="2800" spc="-1" strike="noStrike">
-              <a:solidFill>
-                <a:srgbClr val="000000"/>
-              </a:solidFill>
-              <a:latin typeface="Calibri"/>
-            </a:endParaRPr>
-          </a:p>
-        </p:txBody>
-      </p:sp>
-      <p:sp>
-        <p:nvSpPr>
-          <p:cNvPr id="81" name="PlaceHolder 7"/>
+            <a:endParaRPr b="0" lang="en-US" sz="3200" spc="-1" strike="noStrike">
+              <a:latin typeface="Arial"/>
+            </a:endParaRPr>
+          </a:p>
+        </p:txBody>
+      </p:sp>
+      <p:sp>
+        <p:nvSpPr>
+          <p:cNvPr id="75" name="PlaceHolder 7"/>
           <p:cNvSpPr>
             <a:spLocks noGrp="1"/>
           </p:cNvSpPr>
@@ -2697,8 +2690,8 @@
         </p:nvSpPr>
         <p:spPr>
           <a:xfrm>
-            <a:off x="7949160" y="4098240"/>
-            <a:ext cx="3385800" cy="2075040"/>
+            <a:off x="8029800" y="3682080"/>
+            <a:ext cx="3533040" cy="1896840"/>
           </a:xfrm>
           <a:prstGeom prst="rect">
             <a:avLst/>
@@ -2709,383 +2702,8 @@
             <a:normAutofit/>
           </a:bodyPr>
           <a:p>
-            <a:endParaRPr b="0" lang="de-DE" sz="2800" spc="-1" strike="noStrike">
-              <a:solidFill>
-                <a:srgbClr val="000000"/>
-              </a:solidFill>
-              <a:latin typeface="Calibri"/>
-            </a:endParaRPr>
-          </a:p>
-        </p:txBody>
-      </p:sp>
-    </p:spTree>
-  </p:cSld>
-</p:sldLayout>
-</file>
-
-<file path=ppt/slideLayouts/slideLayout25.xml><?xml version="1.0" encoding="utf-8"?>
-<p:sldLayout xmlns:a="http://schemas.openxmlformats.org/drawingml/2006/main" xmlns:p="http://schemas.openxmlformats.org/presentationml/2006/main" xmlns:r="http://schemas.openxmlformats.org/officeDocument/2006/relationships" xmlns:p14="http://schemas.microsoft.com/office/powerpoint/2010/main" xmlns:p15="http://schemas.microsoft.com/office/powerpoint/2012/main" xmlns:mc="http://schemas.openxmlformats.org/markup-compatibility/2006" type="blank" preserve="1">
-  <p:cSld name="Blank Slide">
-    <p:spTree>
-      <p:nvGrpSpPr>
-        <p:cNvPr id="1" name=""/>
-        <p:cNvGrpSpPr/>
-        <p:nvPr/>
-      </p:nvGrpSpPr>
-      <p:grpSpPr>
-        <a:xfrm>
-          <a:off x="0" y="0"/>
-          <a:ext cx="0" cy="0"/>
-          <a:chOff x="0" y="0"/>
-          <a:chExt cx="0" cy="0"/>
-        </a:xfrm>
-      </p:grpSpPr>
-    </p:spTree>
-  </p:cSld>
-</p:sldLayout>
-</file>
-
-<file path=ppt/slideLayouts/slideLayout26.xml><?xml version="1.0" encoding="utf-8"?>
-<p:sldLayout xmlns:a="http://schemas.openxmlformats.org/drawingml/2006/main" xmlns:p="http://schemas.openxmlformats.org/presentationml/2006/main" xmlns:r="http://schemas.openxmlformats.org/officeDocument/2006/relationships" xmlns:p14="http://schemas.microsoft.com/office/powerpoint/2010/main" xmlns:p15="http://schemas.microsoft.com/office/powerpoint/2012/main" xmlns:mc="http://schemas.openxmlformats.org/markup-compatibility/2006" type="tx" preserve="1">
-  <p:cSld name="Title Slide">
-    <p:spTree>
-      <p:nvGrpSpPr>
-        <p:cNvPr id="1" name=""/>
-        <p:cNvGrpSpPr/>
-        <p:nvPr/>
-      </p:nvGrpSpPr>
-      <p:grpSpPr>
-        <a:xfrm>
-          <a:off x="0" y="0"/>
-          <a:ext cx="0" cy="0"/>
-          <a:chOff x="0" y="0"/>
-          <a:chExt cx="0" cy="0"/>
-        </a:xfrm>
-      </p:grpSpPr>
-      <p:sp>
-        <p:nvSpPr>
-          <p:cNvPr id="85" name="PlaceHolder 1"/>
-          <p:cNvSpPr>
-            <a:spLocks noGrp="1"/>
-          </p:cNvSpPr>
-          <p:nvPr>
-            <p:ph type="title"/>
-          </p:nvPr>
-        </p:nvSpPr>
-        <p:spPr>
-          <a:xfrm>
-            <a:off x="838080" y="365040"/>
-            <a:ext cx="10515240" cy="1325160"/>
-          </a:xfrm>
-          <a:prstGeom prst="rect">
-            <a:avLst/>
-          </a:prstGeom>
-        </p:spPr>
-        <p:txBody>
-          <a:bodyPr lIns="0" rIns="0" tIns="0" bIns="0" anchor="ctr">
-            <a:noAutofit/>
-          </a:bodyPr>
-          <a:p>
-            <a:endParaRPr b="0" lang="de-DE" sz="1800" spc="-1" strike="noStrike">
-              <a:solidFill>
-                <a:srgbClr val="000000"/>
-              </a:solidFill>
-              <a:latin typeface="Calibri"/>
-            </a:endParaRPr>
-          </a:p>
-        </p:txBody>
-      </p:sp>
-      <p:sp>
-        <p:nvSpPr>
-          <p:cNvPr id="86" name="PlaceHolder 2"/>
-          <p:cNvSpPr>
-            <a:spLocks noGrp="1"/>
-          </p:cNvSpPr>
-          <p:nvPr>
-            <p:ph type="subTitle"/>
-          </p:nvPr>
-        </p:nvSpPr>
-        <p:spPr>
-          <a:xfrm>
-            <a:off x="838080" y="1825560"/>
-            <a:ext cx="10515240" cy="4350960"/>
-          </a:xfrm>
-          <a:prstGeom prst="rect">
-            <a:avLst/>
-          </a:prstGeom>
-        </p:spPr>
-        <p:txBody>
-          <a:bodyPr lIns="0" rIns="0" tIns="0" bIns="0" anchor="ctr">
-            <a:noAutofit/>
-          </a:bodyPr>
-          <a:p>
-            <a:pPr algn="ctr"/>
             <a:endParaRPr b="0" lang="en-US" sz="3200" spc="-1" strike="noStrike">
               <a:latin typeface="Arial"/>
-            </a:endParaRPr>
-          </a:p>
-        </p:txBody>
-      </p:sp>
-    </p:spTree>
-  </p:cSld>
-</p:sldLayout>
-</file>
-
-<file path=ppt/slideLayouts/slideLayout27.xml><?xml version="1.0" encoding="utf-8"?>
-<p:sldLayout xmlns:a="http://schemas.openxmlformats.org/drawingml/2006/main" xmlns:p="http://schemas.openxmlformats.org/presentationml/2006/main" xmlns:r="http://schemas.openxmlformats.org/officeDocument/2006/relationships" xmlns:p14="http://schemas.microsoft.com/office/powerpoint/2010/main" xmlns:p15="http://schemas.microsoft.com/office/powerpoint/2012/main" xmlns:mc="http://schemas.openxmlformats.org/markup-compatibility/2006" type="obj" preserve="1">
-  <p:cSld name="Title, Content">
-    <p:spTree>
-      <p:nvGrpSpPr>
-        <p:cNvPr id="1" name=""/>
-        <p:cNvGrpSpPr/>
-        <p:nvPr/>
-      </p:nvGrpSpPr>
-      <p:grpSpPr>
-        <a:xfrm>
-          <a:off x="0" y="0"/>
-          <a:ext cx="0" cy="0"/>
-          <a:chOff x="0" y="0"/>
-          <a:chExt cx="0" cy="0"/>
-        </a:xfrm>
-      </p:grpSpPr>
-      <p:sp>
-        <p:nvSpPr>
-          <p:cNvPr id="87" name="PlaceHolder 1"/>
-          <p:cNvSpPr>
-            <a:spLocks noGrp="1"/>
-          </p:cNvSpPr>
-          <p:nvPr>
-            <p:ph type="title"/>
-          </p:nvPr>
-        </p:nvSpPr>
-        <p:spPr>
-          <a:xfrm>
-            <a:off x="838080" y="365040"/>
-            <a:ext cx="10515240" cy="1325160"/>
-          </a:xfrm>
-          <a:prstGeom prst="rect">
-            <a:avLst/>
-          </a:prstGeom>
-        </p:spPr>
-        <p:txBody>
-          <a:bodyPr lIns="0" rIns="0" tIns="0" bIns="0" anchor="ctr">
-            <a:noAutofit/>
-          </a:bodyPr>
-          <a:p>
-            <a:endParaRPr b="0" lang="de-DE" sz="1800" spc="-1" strike="noStrike">
-              <a:solidFill>
-                <a:srgbClr val="000000"/>
-              </a:solidFill>
-              <a:latin typeface="Calibri"/>
-            </a:endParaRPr>
-          </a:p>
-        </p:txBody>
-      </p:sp>
-      <p:sp>
-        <p:nvSpPr>
-          <p:cNvPr id="88" name="PlaceHolder 2"/>
-          <p:cNvSpPr>
-            <a:spLocks noGrp="1"/>
-          </p:cNvSpPr>
-          <p:nvPr>
-            <p:ph type="body"/>
-          </p:nvPr>
-        </p:nvSpPr>
-        <p:spPr>
-          <a:xfrm>
-            <a:off x="838080" y="1825560"/>
-            <a:ext cx="10515240" cy="4350960"/>
-          </a:xfrm>
-          <a:prstGeom prst="rect">
-            <a:avLst/>
-          </a:prstGeom>
-        </p:spPr>
-        <p:txBody>
-          <a:bodyPr lIns="0" rIns="0" tIns="0" bIns="0">
-            <a:normAutofit/>
-          </a:bodyPr>
-          <a:p>
-            <a:endParaRPr b="0" lang="de-DE" sz="2800" spc="-1" strike="noStrike">
-              <a:solidFill>
-                <a:srgbClr val="000000"/>
-              </a:solidFill>
-              <a:latin typeface="Calibri"/>
-            </a:endParaRPr>
-          </a:p>
-        </p:txBody>
-      </p:sp>
-    </p:spTree>
-  </p:cSld>
-</p:sldLayout>
-</file>
-
-<file path=ppt/slideLayouts/slideLayout28.xml><?xml version="1.0" encoding="utf-8"?>
-<p:sldLayout xmlns:a="http://schemas.openxmlformats.org/drawingml/2006/main" xmlns:p="http://schemas.openxmlformats.org/presentationml/2006/main" xmlns:r="http://schemas.openxmlformats.org/officeDocument/2006/relationships" xmlns:p14="http://schemas.microsoft.com/office/powerpoint/2010/main" xmlns:p15="http://schemas.microsoft.com/office/powerpoint/2012/main" xmlns:mc="http://schemas.openxmlformats.org/markup-compatibility/2006" type="twoObj" preserve="1">
-  <p:cSld name="Title, 2 Content">
-    <p:spTree>
-      <p:nvGrpSpPr>
-        <p:cNvPr id="1" name=""/>
-        <p:cNvGrpSpPr/>
-        <p:nvPr/>
-      </p:nvGrpSpPr>
-      <p:grpSpPr>
-        <a:xfrm>
-          <a:off x="0" y="0"/>
-          <a:ext cx="0" cy="0"/>
-          <a:chOff x="0" y="0"/>
-          <a:chExt cx="0" cy="0"/>
-        </a:xfrm>
-      </p:grpSpPr>
-      <p:sp>
-        <p:nvSpPr>
-          <p:cNvPr id="89" name="PlaceHolder 1"/>
-          <p:cNvSpPr>
-            <a:spLocks noGrp="1"/>
-          </p:cNvSpPr>
-          <p:nvPr>
-            <p:ph type="title"/>
-          </p:nvPr>
-        </p:nvSpPr>
-        <p:spPr>
-          <a:xfrm>
-            <a:off x="838080" y="365040"/>
-            <a:ext cx="10515240" cy="1325160"/>
-          </a:xfrm>
-          <a:prstGeom prst="rect">
-            <a:avLst/>
-          </a:prstGeom>
-        </p:spPr>
-        <p:txBody>
-          <a:bodyPr lIns="0" rIns="0" tIns="0" bIns="0" anchor="ctr">
-            <a:noAutofit/>
-          </a:bodyPr>
-          <a:p>
-            <a:endParaRPr b="0" lang="de-DE" sz="1800" spc="-1" strike="noStrike">
-              <a:solidFill>
-                <a:srgbClr val="000000"/>
-              </a:solidFill>
-              <a:latin typeface="Calibri"/>
-            </a:endParaRPr>
-          </a:p>
-        </p:txBody>
-      </p:sp>
-      <p:sp>
-        <p:nvSpPr>
-          <p:cNvPr id="90" name="PlaceHolder 2"/>
-          <p:cNvSpPr>
-            <a:spLocks noGrp="1"/>
-          </p:cNvSpPr>
-          <p:nvPr>
-            <p:ph type="body"/>
-          </p:nvPr>
-        </p:nvSpPr>
-        <p:spPr>
-          <a:xfrm>
-            <a:off x="838080" y="1825560"/>
-            <a:ext cx="5131080" cy="4350960"/>
-          </a:xfrm>
-          <a:prstGeom prst="rect">
-            <a:avLst/>
-          </a:prstGeom>
-        </p:spPr>
-        <p:txBody>
-          <a:bodyPr lIns="0" rIns="0" tIns="0" bIns="0">
-            <a:normAutofit/>
-          </a:bodyPr>
-          <a:p>
-            <a:endParaRPr b="0" lang="de-DE" sz="2800" spc="-1" strike="noStrike">
-              <a:solidFill>
-                <a:srgbClr val="000000"/>
-              </a:solidFill>
-              <a:latin typeface="Calibri"/>
-            </a:endParaRPr>
-          </a:p>
-        </p:txBody>
-      </p:sp>
-      <p:sp>
-        <p:nvSpPr>
-          <p:cNvPr id="91" name="PlaceHolder 3"/>
-          <p:cNvSpPr>
-            <a:spLocks noGrp="1"/>
-          </p:cNvSpPr>
-          <p:nvPr>
-            <p:ph type="body"/>
-          </p:nvPr>
-        </p:nvSpPr>
-        <p:spPr>
-          <a:xfrm>
-            <a:off x="6226200" y="1825560"/>
-            <a:ext cx="5131080" cy="4350960"/>
-          </a:xfrm>
-          <a:prstGeom prst="rect">
-            <a:avLst/>
-          </a:prstGeom>
-        </p:spPr>
-        <p:txBody>
-          <a:bodyPr lIns="0" rIns="0" tIns="0" bIns="0">
-            <a:normAutofit/>
-          </a:bodyPr>
-          <a:p>
-            <a:endParaRPr b="0" lang="de-DE" sz="2800" spc="-1" strike="noStrike">
-              <a:solidFill>
-                <a:srgbClr val="000000"/>
-              </a:solidFill>
-              <a:latin typeface="Calibri"/>
-            </a:endParaRPr>
-          </a:p>
-        </p:txBody>
-      </p:sp>
-    </p:spTree>
-  </p:cSld>
-</p:sldLayout>
-</file>
-
-<file path=ppt/slideLayouts/slideLayout29.xml><?xml version="1.0" encoding="utf-8"?>
-<p:sldLayout xmlns:a="http://schemas.openxmlformats.org/drawingml/2006/main" xmlns:p="http://schemas.openxmlformats.org/presentationml/2006/main" xmlns:r="http://schemas.openxmlformats.org/officeDocument/2006/relationships" xmlns:p14="http://schemas.microsoft.com/office/powerpoint/2010/main" xmlns:p15="http://schemas.microsoft.com/office/powerpoint/2012/main" xmlns:mc="http://schemas.openxmlformats.org/markup-compatibility/2006" type="titleOnly" preserve="1">
-  <p:cSld name="Title Only">
-    <p:spTree>
-      <p:nvGrpSpPr>
-        <p:cNvPr id="1" name=""/>
-        <p:cNvGrpSpPr/>
-        <p:nvPr/>
-      </p:nvGrpSpPr>
-      <p:grpSpPr>
-        <a:xfrm>
-          <a:off x="0" y="0"/>
-          <a:ext cx="0" cy="0"/>
-          <a:chOff x="0" y="0"/>
-          <a:chExt cx="0" cy="0"/>
-        </a:xfrm>
-      </p:grpSpPr>
-      <p:sp>
-        <p:nvSpPr>
-          <p:cNvPr id="92" name="PlaceHolder 1"/>
-          <p:cNvSpPr>
-            <a:spLocks noGrp="1"/>
-          </p:cNvSpPr>
-          <p:nvPr>
-            <p:ph type="title"/>
-          </p:nvPr>
-        </p:nvSpPr>
-        <p:spPr>
-          <a:xfrm>
-            <a:off x="838080" y="365040"/>
-            <a:ext cx="10515240" cy="1325160"/>
-          </a:xfrm>
-          <a:prstGeom prst="rect">
-            <a:avLst/>
-          </a:prstGeom>
-        </p:spPr>
-        <p:txBody>
-          <a:bodyPr lIns="0" rIns="0" tIns="0" bIns="0" anchor="ctr">
-            <a:noAutofit/>
-          </a:bodyPr>
-          <a:p>
-            <a:endParaRPr b="0" lang="de-DE" sz="1800" spc="-1" strike="noStrike">
-              <a:solidFill>
-                <a:srgbClr val="000000"/>
-              </a:solidFill>
-              <a:latin typeface="Calibri"/>
             </a:endParaRPr>
           </a:p>
         </p:txBody>
@@ -3114,7 +2732,7 @@
       </p:grpSpPr>
       <p:sp>
         <p:nvSpPr>
-          <p:cNvPr id="7" name="PlaceHolder 1"/>
+          <p:cNvPr id="4" name="PlaceHolder 1"/>
           <p:cNvSpPr>
             <a:spLocks noGrp="1"/>
           </p:cNvSpPr>
@@ -3124,8 +2742,8 @@
         </p:nvSpPr>
         <p:spPr>
           <a:xfrm>
-            <a:off x="838080" y="365040"/>
-            <a:ext cx="10515240" cy="1325160"/>
+            <a:off x="609480" y="273600"/>
+            <a:ext cx="10972440" cy="1144800"/>
           </a:xfrm>
           <a:prstGeom prst="rect">
             <a:avLst/>
@@ -3136,18 +2754,16 @@
             <a:noAutofit/>
           </a:bodyPr>
           <a:p>
-            <a:endParaRPr b="0" lang="de-DE" sz="1800" spc="-1" strike="noStrike">
-              <a:solidFill>
-                <a:srgbClr val="000000"/>
-              </a:solidFill>
-              <a:latin typeface="Calibri"/>
-            </a:endParaRPr>
-          </a:p>
-        </p:txBody>
-      </p:sp>
-      <p:sp>
-        <p:nvSpPr>
-          <p:cNvPr id="8" name="PlaceHolder 2"/>
+            <a:pPr algn="ctr"/>
+            <a:endParaRPr b="0" lang="en-US" sz="4400" spc="-1" strike="noStrike">
+              <a:latin typeface="Arial"/>
+            </a:endParaRPr>
+          </a:p>
+        </p:txBody>
+      </p:sp>
+      <p:sp>
+        <p:nvSpPr>
+          <p:cNvPr id="5" name="PlaceHolder 2"/>
           <p:cNvSpPr>
             <a:spLocks noGrp="1"/>
           </p:cNvSpPr>
@@ -3157,8 +2773,8 @@
         </p:nvSpPr>
         <p:spPr>
           <a:xfrm>
-            <a:off x="838080" y="1825560"/>
-            <a:ext cx="10515240" cy="4350960"/>
+            <a:off x="609480" y="1604520"/>
+            <a:ext cx="10972440" cy="3977280"/>
           </a:xfrm>
           <a:prstGeom prst="rect">
             <a:avLst/>
@@ -3169,1087 +2785,8 @@
             <a:normAutofit/>
           </a:bodyPr>
           <a:p>
-            <a:endParaRPr b="0" lang="de-DE" sz="2800" spc="-1" strike="noStrike">
-              <a:solidFill>
-                <a:srgbClr val="000000"/>
-              </a:solidFill>
-              <a:latin typeface="Calibri"/>
-            </a:endParaRPr>
-          </a:p>
-        </p:txBody>
-      </p:sp>
-    </p:spTree>
-  </p:cSld>
-</p:sldLayout>
-</file>
-
-<file path=ppt/slideLayouts/slideLayout30.xml><?xml version="1.0" encoding="utf-8"?>
-<p:sldLayout xmlns:a="http://schemas.openxmlformats.org/drawingml/2006/main" xmlns:p="http://schemas.openxmlformats.org/presentationml/2006/main" xmlns:r="http://schemas.openxmlformats.org/officeDocument/2006/relationships" xmlns:p14="http://schemas.microsoft.com/office/powerpoint/2010/main" xmlns:p15="http://schemas.microsoft.com/office/powerpoint/2012/main" xmlns:mc="http://schemas.openxmlformats.org/markup-compatibility/2006" type="objOnly" preserve="1">
-  <p:cSld name="Centered Text">
-    <p:spTree>
-      <p:nvGrpSpPr>
-        <p:cNvPr id="1" name=""/>
-        <p:cNvGrpSpPr/>
-        <p:nvPr/>
-      </p:nvGrpSpPr>
-      <p:grpSpPr>
-        <a:xfrm>
-          <a:off x="0" y="0"/>
-          <a:ext cx="0" cy="0"/>
-          <a:chOff x="0" y="0"/>
-          <a:chExt cx="0" cy="0"/>
-        </a:xfrm>
-      </p:grpSpPr>
-      <p:sp>
-        <p:nvSpPr>
-          <p:cNvPr id="93" name="PlaceHolder 1"/>
-          <p:cNvSpPr>
-            <a:spLocks noGrp="1"/>
-          </p:cNvSpPr>
-          <p:nvPr>
-            <p:ph type="subTitle"/>
-          </p:nvPr>
-        </p:nvSpPr>
-        <p:spPr>
-          <a:xfrm>
-            <a:off x="838080" y="365040"/>
-            <a:ext cx="10515240" cy="6144120"/>
-          </a:xfrm>
-          <a:prstGeom prst="rect">
-            <a:avLst/>
-          </a:prstGeom>
-        </p:spPr>
-        <p:txBody>
-          <a:bodyPr lIns="0" rIns="0" tIns="0" bIns="0" anchor="ctr">
-            <a:noAutofit/>
-          </a:bodyPr>
-          <a:p>
-            <a:pPr algn="ctr"/>
             <a:endParaRPr b="0" lang="en-US" sz="3200" spc="-1" strike="noStrike">
               <a:latin typeface="Arial"/>
-            </a:endParaRPr>
-          </a:p>
-        </p:txBody>
-      </p:sp>
-    </p:spTree>
-  </p:cSld>
-</p:sldLayout>
-</file>
-
-<file path=ppt/slideLayouts/slideLayout31.xml><?xml version="1.0" encoding="utf-8"?>
-<p:sldLayout xmlns:a="http://schemas.openxmlformats.org/drawingml/2006/main" xmlns:p="http://schemas.openxmlformats.org/presentationml/2006/main" xmlns:r="http://schemas.openxmlformats.org/officeDocument/2006/relationships" xmlns:p14="http://schemas.microsoft.com/office/powerpoint/2010/main" xmlns:p15="http://schemas.microsoft.com/office/powerpoint/2012/main" xmlns:mc="http://schemas.openxmlformats.org/markup-compatibility/2006" type="twoObjAndObj" preserve="1">
-  <p:cSld name="Title, 2 Content and Content">
-    <p:spTree>
-      <p:nvGrpSpPr>
-        <p:cNvPr id="1" name=""/>
-        <p:cNvGrpSpPr/>
-        <p:nvPr/>
-      </p:nvGrpSpPr>
-      <p:grpSpPr>
-        <a:xfrm>
-          <a:off x="0" y="0"/>
-          <a:ext cx="0" cy="0"/>
-          <a:chOff x="0" y="0"/>
-          <a:chExt cx="0" cy="0"/>
-        </a:xfrm>
-      </p:grpSpPr>
-      <p:sp>
-        <p:nvSpPr>
-          <p:cNvPr id="94" name="PlaceHolder 1"/>
-          <p:cNvSpPr>
-            <a:spLocks noGrp="1"/>
-          </p:cNvSpPr>
-          <p:nvPr>
-            <p:ph type="title"/>
-          </p:nvPr>
-        </p:nvSpPr>
-        <p:spPr>
-          <a:xfrm>
-            <a:off x="838080" y="365040"/>
-            <a:ext cx="10515240" cy="1325160"/>
-          </a:xfrm>
-          <a:prstGeom prst="rect">
-            <a:avLst/>
-          </a:prstGeom>
-        </p:spPr>
-        <p:txBody>
-          <a:bodyPr lIns="0" rIns="0" tIns="0" bIns="0" anchor="ctr">
-            <a:noAutofit/>
-          </a:bodyPr>
-          <a:p>
-            <a:endParaRPr b="0" lang="de-DE" sz="1800" spc="-1" strike="noStrike">
-              <a:solidFill>
-                <a:srgbClr val="000000"/>
-              </a:solidFill>
-              <a:latin typeface="Calibri"/>
-            </a:endParaRPr>
-          </a:p>
-        </p:txBody>
-      </p:sp>
-      <p:sp>
-        <p:nvSpPr>
-          <p:cNvPr id="95" name="PlaceHolder 2"/>
-          <p:cNvSpPr>
-            <a:spLocks noGrp="1"/>
-          </p:cNvSpPr>
-          <p:nvPr>
-            <p:ph type="body"/>
-          </p:nvPr>
-        </p:nvSpPr>
-        <p:spPr>
-          <a:xfrm>
-            <a:off x="838080" y="1825560"/>
-            <a:ext cx="5131080" cy="2075040"/>
-          </a:xfrm>
-          <a:prstGeom prst="rect">
-            <a:avLst/>
-          </a:prstGeom>
-        </p:spPr>
-        <p:txBody>
-          <a:bodyPr lIns="0" rIns="0" tIns="0" bIns="0">
-            <a:normAutofit/>
-          </a:bodyPr>
-          <a:p>
-            <a:endParaRPr b="0" lang="de-DE" sz="2800" spc="-1" strike="noStrike">
-              <a:solidFill>
-                <a:srgbClr val="000000"/>
-              </a:solidFill>
-              <a:latin typeface="Calibri"/>
-            </a:endParaRPr>
-          </a:p>
-        </p:txBody>
-      </p:sp>
-      <p:sp>
-        <p:nvSpPr>
-          <p:cNvPr id="96" name="PlaceHolder 3"/>
-          <p:cNvSpPr>
-            <a:spLocks noGrp="1"/>
-          </p:cNvSpPr>
-          <p:nvPr>
-            <p:ph type="body"/>
-          </p:nvPr>
-        </p:nvSpPr>
-        <p:spPr>
-          <a:xfrm>
-            <a:off x="6226200" y="1825560"/>
-            <a:ext cx="5131080" cy="4350960"/>
-          </a:xfrm>
-          <a:prstGeom prst="rect">
-            <a:avLst/>
-          </a:prstGeom>
-        </p:spPr>
-        <p:txBody>
-          <a:bodyPr lIns="0" rIns="0" tIns="0" bIns="0">
-            <a:normAutofit/>
-          </a:bodyPr>
-          <a:p>
-            <a:endParaRPr b="0" lang="de-DE" sz="2800" spc="-1" strike="noStrike">
-              <a:solidFill>
-                <a:srgbClr val="000000"/>
-              </a:solidFill>
-              <a:latin typeface="Calibri"/>
-            </a:endParaRPr>
-          </a:p>
-        </p:txBody>
-      </p:sp>
-      <p:sp>
-        <p:nvSpPr>
-          <p:cNvPr id="97" name="PlaceHolder 4"/>
-          <p:cNvSpPr>
-            <a:spLocks noGrp="1"/>
-          </p:cNvSpPr>
-          <p:nvPr>
-            <p:ph type="body"/>
-          </p:nvPr>
-        </p:nvSpPr>
-        <p:spPr>
-          <a:xfrm>
-            <a:off x="838080" y="4098240"/>
-            <a:ext cx="5131080" cy="2075040"/>
-          </a:xfrm>
-          <a:prstGeom prst="rect">
-            <a:avLst/>
-          </a:prstGeom>
-        </p:spPr>
-        <p:txBody>
-          <a:bodyPr lIns="0" rIns="0" tIns="0" bIns="0">
-            <a:normAutofit/>
-          </a:bodyPr>
-          <a:p>
-            <a:endParaRPr b="0" lang="de-DE" sz="2800" spc="-1" strike="noStrike">
-              <a:solidFill>
-                <a:srgbClr val="000000"/>
-              </a:solidFill>
-              <a:latin typeface="Calibri"/>
-            </a:endParaRPr>
-          </a:p>
-        </p:txBody>
-      </p:sp>
-    </p:spTree>
-  </p:cSld>
-</p:sldLayout>
-</file>
-
-<file path=ppt/slideLayouts/slideLayout32.xml><?xml version="1.0" encoding="utf-8"?>
-<p:sldLayout xmlns:a="http://schemas.openxmlformats.org/drawingml/2006/main" xmlns:p="http://schemas.openxmlformats.org/presentationml/2006/main" xmlns:r="http://schemas.openxmlformats.org/officeDocument/2006/relationships" xmlns:p14="http://schemas.microsoft.com/office/powerpoint/2010/main" xmlns:p15="http://schemas.microsoft.com/office/powerpoint/2012/main" xmlns:mc="http://schemas.openxmlformats.org/markup-compatibility/2006" type="objAndTwoObj" preserve="1">
-  <p:cSld name="Title Content and 2 Content">
-    <p:spTree>
-      <p:nvGrpSpPr>
-        <p:cNvPr id="1" name=""/>
-        <p:cNvGrpSpPr/>
-        <p:nvPr/>
-      </p:nvGrpSpPr>
-      <p:grpSpPr>
-        <a:xfrm>
-          <a:off x="0" y="0"/>
-          <a:ext cx="0" cy="0"/>
-          <a:chOff x="0" y="0"/>
-          <a:chExt cx="0" cy="0"/>
-        </a:xfrm>
-      </p:grpSpPr>
-      <p:sp>
-        <p:nvSpPr>
-          <p:cNvPr id="98" name="PlaceHolder 1"/>
-          <p:cNvSpPr>
-            <a:spLocks noGrp="1"/>
-          </p:cNvSpPr>
-          <p:nvPr>
-            <p:ph type="title"/>
-          </p:nvPr>
-        </p:nvSpPr>
-        <p:spPr>
-          <a:xfrm>
-            <a:off x="838080" y="365040"/>
-            <a:ext cx="10515240" cy="1325160"/>
-          </a:xfrm>
-          <a:prstGeom prst="rect">
-            <a:avLst/>
-          </a:prstGeom>
-        </p:spPr>
-        <p:txBody>
-          <a:bodyPr lIns="0" rIns="0" tIns="0" bIns="0" anchor="ctr">
-            <a:noAutofit/>
-          </a:bodyPr>
-          <a:p>
-            <a:endParaRPr b="0" lang="de-DE" sz="1800" spc="-1" strike="noStrike">
-              <a:solidFill>
-                <a:srgbClr val="000000"/>
-              </a:solidFill>
-              <a:latin typeface="Calibri"/>
-            </a:endParaRPr>
-          </a:p>
-        </p:txBody>
-      </p:sp>
-      <p:sp>
-        <p:nvSpPr>
-          <p:cNvPr id="99" name="PlaceHolder 2"/>
-          <p:cNvSpPr>
-            <a:spLocks noGrp="1"/>
-          </p:cNvSpPr>
-          <p:nvPr>
-            <p:ph type="body"/>
-          </p:nvPr>
-        </p:nvSpPr>
-        <p:spPr>
-          <a:xfrm>
-            <a:off x="838080" y="1825560"/>
-            <a:ext cx="5131080" cy="4350960"/>
-          </a:xfrm>
-          <a:prstGeom prst="rect">
-            <a:avLst/>
-          </a:prstGeom>
-        </p:spPr>
-        <p:txBody>
-          <a:bodyPr lIns="0" rIns="0" tIns="0" bIns="0">
-            <a:normAutofit/>
-          </a:bodyPr>
-          <a:p>
-            <a:endParaRPr b="0" lang="de-DE" sz="2800" spc="-1" strike="noStrike">
-              <a:solidFill>
-                <a:srgbClr val="000000"/>
-              </a:solidFill>
-              <a:latin typeface="Calibri"/>
-            </a:endParaRPr>
-          </a:p>
-        </p:txBody>
-      </p:sp>
-      <p:sp>
-        <p:nvSpPr>
-          <p:cNvPr id="100" name="PlaceHolder 3"/>
-          <p:cNvSpPr>
-            <a:spLocks noGrp="1"/>
-          </p:cNvSpPr>
-          <p:nvPr>
-            <p:ph type="body"/>
-          </p:nvPr>
-        </p:nvSpPr>
-        <p:spPr>
-          <a:xfrm>
-            <a:off x="6226200" y="1825560"/>
-            <a:ext cx="5131080" cy="2075040"/>
-          </a:xfrm>
-          <a:prstGeom prst="rect">
-            <a:avLst/>
-          </a:prstGeom>
-        </p:spPr>
-        <p:txBody>
-          <a:bodyPr lIns="0" rIns="0" tIns="0" bIns="0">
-            <a:normAutofit/>
-          </a:bodyPr>
-          <a:p>
-            <a:endParaRPr b="0" lang="de-DE" sz="2800" spc="-1" strike="noStrike">
-              <a:solidFill>
-                <a:srgbClr val="000000"/>
-              </a:solidFill>
-              <a:latin typeface="Calibri"/>
-            </a:endParaRPr>
-          </a:p>
-        </p:txBody>
-      </p:sp>
-      <p:sp>
-        <p:nvSpPr>
-          <p:cNvPr id="101" name="PlaceHolder 4"/>
-          <p:cNvSpPr>
-            <a:spLocks noGrp="1"/>
-          </p:cNvSpPr>
-          <p:nvPr>
-            <p:ph type="body"/>
-          </p:nvPr>
-        </p:nvSpPr>
-        <p:spPr>
-          <a:xfrm>
-            <a:off x="6226200" y="4098240"/>
-            <a:ext cx="5131080" cy="2075040"/>
-          </a:xfrm>
-          <a:prstGeom prst="rect">
-            <a:avLst/>
-          </a:prstGeom>
-        </p:spPr>
-        <p:txBody>
-          <a:bodyPr lIns="0" rIns="0" tIns="0" bIns="0">
-            <a:normAutofit/>
-          </a:bodyPr>
-          <a:p>
-            <a:endParaRPr b="0" lang="de-DE" sz="2800" spc="-1" strike="noStrike">
-              <a:solidFill>
-                <a:srgbClr val="000000"/>
-              </a:solidFill>
-              <a:latin typeface="Calibri"/>
-            </a:endParaRPr>
-          </a:p>
-        </p:txBody>
-      </p:sp>
-    </p:spTree>
-  </p:cSld>
-</p:sldLayout>
-</file>
-
-<file path=ppt/slideLayouts/slideLayout33.xml><?xml version="1.0" encoding="utf-8"?>
-<p:sldLayout xmlns:a="http://schemas.openxmlformats.org/drawingml/2006/main" xmlns:p="http://schemas.openxmlformats.org/presentationml/2006/main" xmlns:r="http://schemas.openxmlformats.org/officeDocument/2006/relationships" xmlns:p14="http://schemas.microsoft.com/office/powerpoint/2010/main" xmlns:p15="http://schemas.microsoft.com/office/powerpoint/2012/main" xmlns:mc="http://schemas.openxmlformats.org/markup-compatibility/2006" type="twoObjOverTx" preserve="1">
-  <p:cSld name="Title, 2 Content over Content">
-    <p:spTree>
-      <p:nvGrpSpPr>
-        <p:cNvPr id="1" name=""/>
-        <p:cNvGrpSpPr/>
-        <p:nvPr/>
-      </p:nvGrpSpPr>
-      <p:grpSpPr>
-        <a:xfrm>
-          <a:off x="0" y="0"/>
-          <a:ext cx="0" cy="0"/>
-          <a:chOff x="0" y="0"/>
-          <a:chExt cx="0" cy="0"/>
-        </a:xfrm>
-      </p:grpSpPr>
-      <p:sp>
-        <p:nvSpPr>
-          <p:cNvPr id="102" name="PlaceHolder 1"/>
-          <p:cNvSpPr>
-            <a:spLocks noGrp="1"/>
-          </p:cNvSpPr>
-          <p:nvPr>
-            <p:ph type="title"/>
-          </p:nvPr>
-        </p:nvSpPr>
-        <p:spPr>
-          <a:xfrm>
-            <a:off x="838080" y="365040"/>
-            <a:ext cx="10515240" cy="1325160"/>
-          </a:xfrm>
-          <a:prstGeom prst="rect">
-            <a:avLst/>
-          </a:prstGeom>
-        </p:spPr>
-        <p:txBody>
-          <a:bodyPr lIns="0" rIns="0" tIns="0" bIns="0" anchor="ctr">
-            <a:noAutofit/>
-          </a:bodyPr>
-          <a:p>
-            <a:endParaRPr b="0" lang="de-DE" sz="1800" spc="-1" strike="noStrike">
-              <a:solidFill>
-                <a:srgbClr val="000000"/>
-              </a:solidFill>
-              <a:latin typeface="Calibri"/>
-            </a:endParaRPr>
-          </a:p>
-        </p:txBody>
-      </p:sp>
-      <p:sp>
-        <p:nvSpPr>
-          <p:cNvPr id="103" name="PlaceHolder 2"/>
-          <p:cNvSpPr>
-            <a:spLocks noGrp="1"/>
-          </p:cNvSpPr>
-          <p:nvPr>
-            <p:ph type="body"/>
-          </p:nvPr>
-        </p:nvSpPr>
-        <p:spPr>
-          <a:xfrm>
-            <a:off x="838080" y="1825560"/>
-            <a:ext cx="5131080" cy="2075040"/>
-          </a:xfrm>
-          <a:prstGeom prst="rect">
-            <a:avLst/>
-          </a:prstGeom>
-        </p:spPr>
-        <p:txBody>
-          <a:bodyPr lIns="0" rIns="0" tIns="0" bIns="0">
-            <a:normAutofit/>
-          </a:bodyPr>
-          <a:p>
-            <a:endParaRPr b="0" lang="de-DE" sz="2800" spc="-1" strike="noStrike">
-              <a:solidFill>
-                <a:srgbClr val="000000"/>
-              </a:solidFill>
-              <a:latin typeface="Calibri"/>
-            </a:endParaRPr>
-          </a:p>
-        </p:txBody>
-      </p:sp>
-      <p:sp>
-        <p:nvSpPr>
-          <p:cNvPr id="104" name="PlaceHolder 3"/>
-          <p:cNvSpPr>
-            <a:spLocks noGrp="1"/>
-          </p:cNvSpPr>
-          <p:nvPr>
-            <p:ph type="body"/>
-          </p:nvPr>
-        </p:nvSpPr>
-        <p:spPr>
-          <a:xfrm>
-            <a:off x="6226200" y="1825560"/>
-            <a:ext cx="5131080" cy="2075040"/>
-          </a:xfrm>
-          <a:prstGeom prst="rect">
-            <a:avLst/>
-          </a:prstGeom>
-        </p:spPr>
-        <p:txBody>
-          <a:bodyPr lIns="0" rIns="0" tIns="0" bIns="0">
-            <a:normAutofit/>
-          </a:bodyPr>
-          <a:p>
-            <a:endParaRPr b="0" lang="de-DE" sz="2800" spc="-1" strike="noStrike">
-              <a:solidFill>
-                <a:srgbClr val="000000"/>
-              </a:solidFill>
-              <a:latin typeface="Calibri"/>
-            </a:endParaRPr>
-          </a:p>
-        </p:txBody>
-      </p:sp>
-      <p:sp>
-        <p:nvSpPr>
-          <p:cNvPr id="105" name="PlaceHolder 4"/>
-          <p:cNvSpPr>
-            <a:spLocks noGrp="1"/>
-          </p:cNvSpPr>
-          <p:nvPr>
-            <p:ph type="body"/>
-          </p:nvPr>
-        </p:nvSpPr>
-        <p:spPr>
-          <a:xfrm>
-            <a:off x="838080" y="4098240"/>
-            <a:ext cx="10515240" cy="2075040"/>
-          </a:xfrm>
-          <a:prstGeom prst="rect">
-            <a:avLst/>
-          </a:prstGeom>
-        </p:spPr>
-        <p:txBody>
-          <a:bodyPr lIns="0" rIns="0" tIns="0" bIns="0">
-            <a:normAutofit/>
-          </a:bodyPr>
-          <a:p>
-            <a:endParaRPr b="0" lang="de-DE" sz="2800" spc="-1" strike="noStrike">
-              <a:solidFill>
-                <a:srgbClr val="000000"/>
-              </a:solidFill>
-              <a:latin typeface="Calibri"/>
-            </a:endParaRPr>
-          </a:p>
-        </p:txBody>
-      </p:sp>
-    </p:spTree>
-  </p:cSld>
-</p:sldLayout>
-</file>
-
-<file path=ppt/slideLayouts/slideLayout34.xml><?xml version="1.0" encoding="utf-8"?>
-<p:sldLayout xmlns:a="http://schemas.openxmlformats.org/drawingml/2006/main" xmlns:p="http://schemas.openxmlformats.org/presentationml/2006/main" xmlns:r="http://schemas.openxmlformats.org/officeDocument/2006/relationships" xmlns:p14="http://schemas.microsoft.com/office/powerpoint/2010/main" xmlns:p15="http://schemas.microsoft.com/office/powerpoint/2012/main" xmlns:mc="http://schemas.openxmlformats.org/markup-compatibility/2006" type="objOverTx" preserve="1">
-  <p:cSld name="Title, Content over Content">
-    <p:spTree>
-      <p:nvGrpSpPr>
-        <p:cNvPr id="1" name=""/>
-        <p:cNvGrpSpPr/>
-        <p:nvPr/>
-      </p:nvGrpSpPr>
-      <p:grpSpPr>
-        <a:xfrm>
-          <a:off x="0" y="0"/>
-          <a:ext cx="0" cy="0"/>
-          <a:chOff x="0" y="0"/>
-          <a:chExt cx="0" cy="0"/>
-        </a:xfrm>
-      </p:grpSpPr>
-      <p:sp>
-        <p:nvSpPr>
-          <p:cNvPr id="106" name="PlaceHolder 1"/>
-          <p:cNvSpPr>
-            <a:spLocks noGrp="1"/>
-          </p:cNvSpPr>
-          <p:nvPr>
-            <p:ph type="title"/>
-          </p:nvPr>
-        </p:nvSpPr>
-        <p:spPr>
-          <a:xfrm>
-            <a:off x="838080" y="365040"/>
-            <a:ext cx="10515240" cy="1325160"/>
-          </a:xfrm>
-          <a:prstGeom prst="rect">
-            <a:avLst/>
-          </a:prstGeom>
-        </p:spPr>
-        <p:txBody>
-          <a:bodyPr lIns="0" rIns="0" tIns="0" bIns="0" anchor="ctr">
-            <a:noAutofit/>
-          </a:bodyPr>
-          <a:p>
-            <a:endParaRPr b="0" lang="de-DE" sz="1800" spc="-1" strike="noStrike">
-              <a:solidFill>
-                <a:srgbClr val="000000"/>
-              </a:solidFill>
-              <a:latin typeface="Calibri"/>
-            </a:endParaRPr>
-          </a:p>
-        </p:txBody>
-      </p:sp>
-      <p:sp>
-        <p:nvSpPr>
-          <p:cNvPr id="107" name="PlaceHolder 2"/>
-          <p:cNvSpPr>
-            <a:spLocks noGrp="1"/>
-          </p:cNvSpPr>
-          <p:nvPr>
-            <p:ph type="body"/>
-          </p:nvPr>
-        </p:nvSpPr>
-        <p:spPr>
-          <a:xfrm>
-            <a:off x="838080" y="1825560"/>
-            <a:ext cx="10515240" cy="2075040"/>
-          </a:xfrm>
-          <a:prstGeom prst="rect">
-            <a:avLst/>
-          </a:prstGeom>
-        </p:spPr>
-        <p:txBody>
-          <a:bodyPr lIns="0" rIns="0" tIns="0" bIns="0">
-            <a:normAutofit/>
-          </a:bodyPr>
-          <a:p>
-            <a:endParaRPr b="0" lang="de-DE" sz="2800" spc="-1" strike="noStrike">
-              <a:solidFill>
-                <a:srgbClr val="000000"/>
-              </a:solidFill>
-              <a:latin typeface="Calibri"/>
-            </a:endParaRPr>
-          </a:p>
-        </p:txBody>
-      </p:sp>
-      <p:sp>
-        <p:nvSpPr>
-          <p:cNvPr id="108" name="PlaceHolder 3"/>
-          <p:cNvSpPr>
-            <a:spLocks noGrp="1"/>
-          </p:cNvSpPr>
-          <p:nvPr>
-            <p:ph type="body"/>
-          </p:nvPr>
-        </p:nvSpPr>
-        <p:spPr>
-          <a:xfrm>
-            <a:off x="838080" y="4098240"/>
-            <a:ext cx="10515240" cy="2075040"/>
-          </a:xfrm>
-          <a:prstGeom prst="rect">
-            <a:avLst/>
-          </a:prstGeom>
-        </p:spPr>
-        <p:txBody>
-          <a:bodyPr lIns="0" rIns="0" tIns="0" bIns="0">
-            <a:normAutofit/>
-          </a:bodyPr>
-          <a:p>
-            <a:endParaRPr b="0" lang="de-DE" sz="2800" spc="-1" strike="noStrike">
-              <a:solidFill>
-                <a:srgbClr val="000000"/>
-              </a:solidFill>
-              <a:latin typeface="Calibri"/>
-            </a:endParaRPr>
-          </a:p>
-        </p:txBody>
-      </p:sp>
-    </p:spTree>
-  </p:cSld>
-</p:sldLayout>
-</file>
-
-<file path=ppt/slideLayouts/slideLayout35.xml><?xml version="1.0" encoding="utf-8"?>
-<p:sldLayout xmlns:a="http://schemas.openxmlformats.org/drawingml/2006/main" xmlns:p="http://schemas.openxmlformats.org/presentationml/2006/main" xmlns:r="http://schemas.openxmlformats.org/officeDocument/2006/relationships" xmlns:p14="http://schemas.microsoft.com/office/powerpoint/2010/main" xmlns:p15="http://schemas.microsoft.com/office/powerpoint/2012/main" xmlns:mc="http://schemas.openxmlformats.org/markup-compatibility/2006" type="fourObj" preserve="1">
-  <p:cSld name="Title, 4 Content">
-    <p:spTree>
-      <p:nvGrpSpPr>
-        <p:cNvPr id="1" name=""/>
-        <p:cNvGrpSpPr/>
-        <p:nvPr/>
-      </p:nvGrpSpPr>
-      <p:grpSpPr>
-        <a:xfrm>
-          <a:off x="0" y="0"/>
-          <a:ext cx="0" cy="0"/>
-          <a:chOff x="0" y="0"/>
-          <a:chExt cx="0" cy="0"/>
-        </a:xfrm>
-      </p:grpSpPr>
-      <p:sp>
-        <p:nvSpPr>
-          <p:cNvPr id="109" name="PlaceHolder 1"/>
-          <p:cNvSpPr>
-            <a:spLocks noGrp="1"/>
-          </p:cNvSpPr>
-          <p:nvPr>
-            <p:ph type="title"/>
-          </p:nvPr>
-        </p:nvSpPr>
-        <p:spPr>
-          <a:xfrm>
-            <a:off x="838080" y="365040"/>
-            <a:ext cx="10515240" cy="1325160"/>
-          </a:xfrm>
-          <a:prstGeom prst="rect">
-            <a:avLst/>
-          </a:prstGeom>
-        </p:spPr>
-        <p:txBody>
-          <a:bodyPr lIns="0" rIns="0" tIns="0" bIns="0" anchor="ctr">
-            <a:noAutofit/>
-          </a:bodyPr>
-          <a:p>
-            <a:endParaRPr b="0" lang="de-DE" sz="1800" spc="-1" strike="noStrike">
-              <a:solidFill>
-                <a:srgbClr val="000000"/>
-              </a:solidFill>
-              <a:latin typeface="Calibri"/>
-            </a:endParaRPr>
-          </a:p>
-        </p:txBody>
-      </p:sp>
-      <p:sp>
-        <p:nvSpPr>
-          <p:cNvPr id="110" name="PlaceHolder 2"/>
-          <p:cNvSpPr>
-            <a:spLocks noGrp="1"/>
-          </p:cNvSpPr>
-          <p:nvPr>
-            <p:ph type="body"/>
-          </p:nvPr>
-        </p:nvSpPr>
-        <p:spPr>
-          <a:xfrm>
-            <a:off x="838080" y="1825560"/>
-            <a:ext cx="5131080" cy="2075040"/>
-          </a:xfrm>
-          <a:prstGeom prst="rect">
-            <a:avLst/>
-          </a:prstGeom>
-        </p:spPr>
-        <p:txBody>
-          <a:bodyPr lIns="0" rIns="0" tIns="0" bIns="0">
-            <a:normAutofit/>
-          </a:bodyPr>
-          <a:p>
-            <a:endParaRPr b="0" lang="de-DE" sz="2800" spc="-1" strike="noStrike">
-              <a:solidFill>
-                <a:srgbClr val="000000"/>
-              </a:solidFill>
-              <a:latin typeface="Calibri"/>
-            </a:endParaRPr>
-          </a:p>
-        </p:txBody>
-      </p:sp>
-      <p:sp>
-        <p:nvSpPr>
-          <p:cNvPr id="111" name="PlaceHolder 3"/>
-          <p:cNvSpPr>
-            <a:spLocks noGrp="1"/>
-          </p:cNvSpPr>
-          <p:nvPr>
-            <p:ph type="body"/>
-          </p:nvPr>
-        </p:nvSpPr>
-        <p:spPr>
-          <a:xfrm>
-            <a:off x="6226200" y="1825560"/>
-            <a:ext cx="5131080" cy="2075040"/>
-          </a:xfrm>
-          <a:prstGeom prst="rect">
-            <a:avLst/>
-          </a:prstGeom>
-        </p:spPr>
-        <p:txBody>
-          <a:bodyPr lIns="0" rIns="0" tIns="0" bIns="0">
-            <a:normAutofit/>
-          </a:bodyPr>
-          <a:p>
-            <a:endParaRPr b="0" lang="de-DE" sz="2800" spc="-1" strike="noStrike">
-              <a:solidFill>
-                <a:srgbClr val="000000"/>
-              </a:solidFill>
-              <a:latin typeface="Calibri"/>
-            </a:endParaRPr>
-          </a:p>
-        </p:txBody>
-      </p:sp>
-      <p:sp>
-        <p:nvSpPr>
-          <p:cNvPr id="112" name="PlaceHolder 4"/>
-          <p:cNvSpPr>
-            <a:spLocks noGrp="1"/>
-          </p:cNvSpPr>
-          <p:nvPr>
-            <p:ph type="body"/>
-          </p:nvPr>
-        </p:nvSpPr>
-        <p:spPr>
-          <a:xfrm>
-            <a:off x="838080" y="4098240"/>
-            <a:ext cx="5131080" cy="2075040"/>
-          </a:xfrm>
-          <a:prstGeom prst="rect">
-            <a:avLst/>
-          </a:prstGeom>
-        </p:spPr>
-        <p:txBody>
-          <a:bodyPr lIns="0" rIns="0" tIns="0" bIns="0">
-            <a:normAutofit/>
-          </a:bodyPr>
-          <a:p>
-            <a:endParaRPr b="0" lang="de-DE" sz="2800" spc="-1" strike="noStrike">
-              <a:solidFill>
-                <a:srgbClr val="000000"/>
-              </a:solidFill>
-              <a:latin typeface="Calibri"/>
-            </a:endParaRPr>
-          </a:p>
-        </p:txBody>
-      </p:sp>
-      <p:sp>
-        <p:nvSpPr>
-          <p:cNvPr id="113" name="PlaceHolder 5"/>
-          <p:cNvSpPr>
-            <a:spLocks noGrp="1"/>
-          </p:cNvSpPr>
-          <p:nvPr>
-            <p:ph type="body"/>
-          </p:nvPr>
-        </p:nvSpPr>
-        <p:spPr>
-          <a:xfrm>
-            <a:off x="6226200" y="4098240"/>
-            <a:ext cx="5131080" cy="2075040"/>
-          </a:xfrm>
-          <a:prstGeom prst="rect">
-            <a:avLst/>
-          </a:prstGeom>
-        </p:spPr>
-        <p:txBody>
-          <a:bodyPr lIns="0" rIns="0" tIns="0" bIns="0">
-            <a:normAutofit/>
-          </a:bodyPr>
-          <a:p>
-            <a:endParaRPr b="0" lang="de-DE" sz="2800" spc="-1" strike="noStrike">
-              <a:solidFill>
-                <a:srgbClr val="000000"/>
-              </a:solidFill>
-              <a:latin typeface="Calibri"/>
-            </a:endParaRPr>
-          </a:p>
-        </p:txBody>
-      </p:sp>
-    </p:spTree>
-  </p:cSld>
-</p:sldLayout>
-</file>
-
-<file path=ppt/slideLayouts/slideLayout36.xml><?xml version="1.0" encoding="utf-8"?>
-<p:sldLayout xmlns:a="http://schemas.openxmlformats.org/drawingml/2006/main" xmlns:p="http://schemas.openxmlformats.org/presentationml/2006/main" xmlns:r="http://schemas.openxmlformats.org/officeDocument/2006/relationships" xmlns:p14="http://schemas.microsoft.com/office/powerpoint/2010/main" xmlns:p15="http://schemas.microsoft.com/office/powerpoint/2012/main" xmlns:mc="http://schemas.openxmlformats.org/markup-compatibility/2006" type="blank" preserve="1">
-  <p:cSld name="Title, 6 Content">
-    <p:spTree>
-      <p:nvGrpSpPr>
-        <p:cNvPr id="1" name=""/>
-        <p:cNvGrpSpPr/>
-        <p:nvPr/>
-      </p:nvGrpSpPr>
-      <p:grpSpPr>
-        <a:xfrm>
-          <a:off x="0" y="0"/>
-          <a:ext cx="0" cy="0"/>
-          <a:chOff x="0" y="0"/>
-          <a:chExt cx="0" cy="0"/>
-        </a:xfrm>
-      </p:grpSpPr>
-      <p:sp>
-        <p:nvSpPr>
-          <p:cNvPr id="114" name="PlaceHolder 1"/>
-          <p:cNvSpPr>
-            <a:spLocks noGrp="1"/>
-          </p:cNvSpPr>
-          <p:nvPr>
-            <p:ph type="title"/>
-          </p:nvPr>
-        </p:nvSpPr>
-        <p:spPr>
-          <a:xfrm>
-            <a:off x="838080" y="365040"/>
-            <a:ext cx="10515240" cy="1325160"/>
-          </a:xfrm>
-          <a:prstGeom prst="rect">
-            <a:avLst/>
-          </a:prstGeom>
-        </p:spPr>
-        <p:txBody>
-          <a:bodyPr lIns="0" rIns="0" tIns="0" bIns="0" anchor="ctr">
-            <a:noAutofit/>
-          </a:bodyPr>
-          <a:p>
-            <a:endParaRPr b="0" lang="de-DE" sz="1800" spc="-1" strike="noStrike">
-              <a:solidFill>
-                <a:srgbClr val="000000"/>
-              </a:solidFill>
-              <a:latin typeface="Calibri"/>
-            </a:endParaRPr>
-          </a:p>
-        </p:txBody>
-      </p:sp>
-      <p:sp>
-        <p:nvSpPr>
-          <p:cNvPr id="115" name="PlaceHolder 2"/>
-          <p:cNvSpPr>
-            <a:spLocks noGrp="1"/>
-          </p:cNvSpPr>
-          <p:nvPr>
-            <p:ph type="body"/>
-          </p:nvPr>
-        </p:nvSpPr>
-        <p:spPr>
-          <a:xfrm>
-            <a:off x="838080" y="1825560"/>
-            <a:ext cx="3385800" cy="2075040"/>
-          </a:xfrm>
-          <a:prstGeom prst="rect">
-            <a:avLst/>
-          </a:prstGeom>
-        </p:spPr>
-        <p:txBody>
-          <a:bodyPr lIns="0" rIns="0" tIns="0" bIns="0">
-            <a:normAutofit/>
-          </a:bodyPr>
-          <a:p>
-            <a:endParaRPr b="0" lang="de-DE" sz="2800" spc="-1" strike="noStrike">
-              <a:solidFill>
-                <a:srgbClr val="000000"/>
-              </a:solidFill>
-              <a:latin typeface="Calibri"/>
-            </a:endParaRPr>
-          </a:p>
-        </p:txBody>
-      </p:sp>
-      <p:sp>
-        <p:nvSpPr>
-          <p:cNvPr id="116" name="PlaceHolder 3"/>
-          <p:cNvSpPr>
-            <a:spLocks noGrp="1"/>
-          </p:cNvSpPr>
-          <p:nvPr>
-            <p:ph type="body"/>
-          </p:nvPr>
-        </p:nvSpPr>
-        <p:spPr>
-          <a:xfrm>
-            <a:off x="4393440" y="1825560"/>
-            <a:ext cx="3385800" cy="2075040"/>
-          </a:xfrm>
-          <a:prstGeom prst="rect">
-            <a:avLst/>
-          </a:prstGeom>
-        </p:spPr>
-        <p:txBody>
-          <a:bodyPr lIns="0" rIns="0" tIns="0" bIns="0">
-            <a:normAutofit/>
-          </a:bodyPr>
-          <a:p>
-            <a:endParaRPr b="0" lang="de-DE" sz="2800" spc="-1" strike="noStrike">
-              <a:solidFill>
-                <a:srgbClr val="000000"/>
-              </a:solidFill>
-              <a:latin typeface="Calibri"/>
-            </a:endParaRPr>
-          </a:p>
-        </p:txBody>
-      </p:sp>
-      <p:sp>
-        <p:nvSpPr>
-          <p:cNvPr id="117" name="PlaceHolder 4"/>
-          <p:cNvSpPr>
-            <a:spLocks noGrp="1"/>
-          </p:cNvSpPr>
-          <p:nvPr>
-            <p:ph type="body"/>
-          </p:nvPr>
-        </p:nvSpPr>
-        <p:spPr>
-          <a:xfrm>
-            <a:off x="7949160" y="1825560"/>
-            <a:ext cx="3385800" cy="2075040"/>
-          </a:xfrm>
-          <a:prstGeom prst="rect">
-            <a:avLst/>
-          </a:prstGeom>
-        </p:spPr>
-        <p:txBody>
-          <a:bodyPr lIns="0" rIns="0" tIns="0" bIns="0">
-            <a:normAutofit/>
-          </a:bodyPr>
-          <a:p>
-            <a:endParaRPr b="0" lang="de-DE" sz="2800" spc="-1" strike="noStrike">
-              <a:solidFill>
-                <a:srgbClr val="000000"/>
-              </a:solidFill>
-              <a:latin typeface="Calibri"/>
-            </a:endParaRPr>
-          </a:p>
-        </p:txBody>
-      </p:sp>
-      <p:sp>
-        <p:nvSpPr>
-          <p:cNvPr id="118" name="PlaceHolder 5"/>
-          <p:cNvSpPr>
-            <a:spLocks noGrp="1"/>
-          </p:cNvSpPr>
-          <p:nvPr>
-            <p:ph type="body"/>
-          </p:nvPr>
-        </p:nvSpPr>
-        <p:spPr>
-          <a:xfrm>
-            <a:off x="838080" y="4098240"/>
-            <a:ext cx="3385800" cy="2075040"/>
-          </a:xfrm>
-          <a:prstGeom prst="rect">
-            <a:avLst/>
-          </a:prstGeom>
-        </p:spPr>
-        <p:txBody>
-          <a:bodyPr lIns="0" rIns="0" tIns="0" bIns="0">
-            <a:normAutofit/>
-          </a:bodyPr>
-          <a:p>
-            <a:endParaRPr b="0" lang="de-DE" sz="2800" spc="-1" strike="noStrike">
-              <a:solidFill>
-                <a:srgbClr val="000000"/>
-              </a:solidFill>
-              <a:latin typeface="Calibri"/>
-            </a:endParaRPr>
-          </a:p>
-        </p:txBody>
-      </p:sp>
-      <p:sp>
-        <p:nvSpPr>
-          <p:cNvPr id="119" name="PlaceHolder 6"/>
-          <p:cNvSpPr>
-            <a:spLocks noGrp="1"/>
-          </p:cNvSpPr>
-          <p:nvPr>
-            <p:ph type="body"/>
-          </p:nvPr>
-        </p:nvSpPr>
-        <p:spPr>
-          <a:xfrm>
-            <a:off x="4393440" y="4098240"/>
-            <a:ext cx="3385800" cy="2075040"/>
-          </a:xfrm>
-          <a:prstGeom prst="rect">
-            <a:avLst/>
-          </a:prstGeom>
-        </p:spPr>
-        <p:txBody>
-          <a:bodyPr lIns="0" rIns="0" tIns="0" bIns="0">
-            <a:normAutofit/>
-          </a:bodyPr>
-          <a:p>
-            <a:endParaRPr b="0" lang="de-DE" sz="2800" spc="-1" strike="noStrike">
-              <a:solidFill>
-                <a:srgbClr val="000000"/>
-              </a:solidFill>
-              <a:latin typeface="Calibri"/>
-            </a:endParaRPr>
-          </a:p>
-        </p:txBody>
-      </p:sp>
-      <p:sp>
-        <p:nvSpPr>
-          <p:cNvPr id="120" name="PlaceHolder 7"/>
-          <p:cNvSpPr>
-            <a:spLocks noGrp="1"/>
-          </p:cNvSpPr>
-          <p:nvPr>
-            <p:ph type="body"/>
-          </p:nvPr>
-        </p:nvSpPr>
-        <p:spPr>
-          <a:xfrm>
-            <a:off x="7949160" y="4098240"/>
-            <a:ext cx="3385800" cy="2075040"/>
-          </a:xfrm>
-          <a:prstGeom prst="rect">
-            <a:avLst/>
-          </a:prstGeom>
-        </p:spPr>
-        <p:txBody>
-          <a:bodyPr lIns="0" rIns="0" tIns="0" bIns="0">
-            <a:normAutofit/>
-          </a:bodyPr>
-          <a:p>
-            <a:endParaRPr b="0" lang="de-DE" sz="2800" spc="-1" strike="noStrike">
-              <a:solidFill>
-                <a:srgbClr val="000000"/>
-              </a:solidFill>
-              <a:latin typeface="Calibri"/>
             </a:endParaRPr>
           </a:p>
         </p:txBody>
@@ -4278,7 +2815,7 @@
       </p:grpSpPr>
       <p:sp>
         <p:nvSpPr>
-          <p:cNvPr id="9" name="PlaceHolder 1"/>
+          <p:cNvPr id="6" name="PlaceHolder 1"/>
           <p:cNvSpPr>
             <a:spLocks noGrp="1"/>
           </p:cNvSpPr>
@@ -4288,8 +2825,8 @@
         </p:nvSpPr>
         <p:spPr>
           <a:xfrm>
-            <a:off x="838080" y="365040"/>
-            <a:ext cx="10515240" cy="1325160"/>
+            <a:off x="609480" y="273600"/>
+            <a:ext cx="10972440" cy="1144800"/>
           </a:xfrm>
           <a:prstGeom prst="rect">
             <a:avLst/>
@@ -4300,18 +2837,16 @@
             <a:noAutofit/>
           </a:bodyPr>
           <a:p>
-            <a:endParaRPr b="0" lang="de-DE" sz="1800" spc="-1" strike="noStrike">
-              <a:solidFill>
-                <a:srgbClr val="000000"/>
-              </a:solidFill>
-              <a:latin typeface="Calibri"/>
-            </a:endParaRPr>
-          </a:p>
-        </p:txBody>
-      </p:sp>
-      <p:sp>
-        <p:nvSpPr>
-          <p:cNvPr id="10" name="PlaceHolder 2"/>
+            <a:pPr algn="ctr"/>
+            <a:endParaRPr b="0" lang="en-US" sz="4400" spc="-1" strike="noStrike">
+              <a:latin typeface="Arial"/>
+            </a:endParaRPr>
+          </a:p>
+        </p:txBody>
+      </p:sp>
+      <p:sp>
+        <p:nvSpPr>
+          <p:cNvPr id="7" name="PlaceHolder 2"/>
           <p:cNvSpPr>
             <a:spLocks noGrp="1"/>
           </p:cNvSpPr>
@@ -4321,8 +2856,8 @@
         </p:nvSpPr>
         <p:spPr>
           <a:xfrm>
-            <a:off x="838080" y="1825560"/>
-            <a:ext cx="5131080" cy="4350960"/>
+            <a:off x="609480" y="1604520"/>
+            <a:ext cx="5354280" cy="3977280"/>
           </a:xfrm>
           <a:prstGeom prst="rect">
             <a:avLst/>
@@ -4333,18 +2868,15 @@
             <a:normAutofit/>
           </a:bodyPr>
           <a:p>
-            <a:endParaRPr b="0" lang="de-DE" sz="2800" spc="-1" strike="noStrike">
-              <a:solidFill>
-                <a:srgbClr val="000000"/>
-              </a:solidFill>
-              <a:latin typeface="Calibri"/>
-            </a:endParaRPr>
-          </a:p>
-        </p:txBody>
-      </p:sp>
-      <p:sp>
-        <p:nvSpPr>
-          <p:cNvPr id="11" name="PlaceHolder 3"/>
+            <a:endParaRPr b="0" lang="en-US" sz="3200" spc="-1" strike="noStrike">
+              <a:latin typeface="Arial"/>
+            </a:endParaRPr>
+          </a:p>
+        </p:txBody>
+      </p:sp>
+      <p:sp>
+        <p:nvSpPr>
+          <p:cNvPr id="8" name="PlaceHolder 3"/>
           <p:cNvSpPr>
             <a:spLocks noGrp="1"/>
           </p:cNvSpPr>
@@ -4354,8 +2886,8 @@
         </p:nvSpPr>
         <p:spPr>
           <a:xfrm>
-            <a:off x="6226200" y="1825560"/>
-            <a:ext cx="5131080" cy="4350960"/>
+            <a:off x="6231960" y="1604520"/>
+            <a:ext cx="5354280" cy="3977280"/>
           </a:xfrm>
           <a:prstGeom prst="rect">
             <a:avLst/>
@@ -4366,11 +2898,8 @@
             <a:normAutofit/>
           </a:bodyPr>
           <a:p>
-            <a:endParaRPr b="0" lang="de-DE" sz="2800" spc="-1" strike="noStrike">
-              <a:solidFill>
-                <a:srgbClr val="000000"/>
-              </a:solidFill>
-              <a:latin typeface="Calibri"/>
+            <a:endParaRPr b="0" lang="en-US" sz="3200" spc="-1" strike="noStrike">
+              <a:latin typeface="Arial"/>
             </a:endParaRPr>
           </a:p>
         </p:txBody>
@@ -4399,7 +2928,7 @@
       </p:grpSpPr>
       <p:sp>
         <p:nvSpPr>
-          <p:cNvPr id="12" name="PlaceHolder 1"/>
+          <p:cNvPr id="9" name="PlaceHolder 1"/>
           <p:cNvSpPr>
             <a:spLocks noGrp="1"/>
           </p:cNvSpPr>
@@ -4409,8 +2938,8 @@
         </p:nvSpPr>
         <p:spPr>
           <a:xfrm>
-            <a:off x="838080" y="365040"/>
-            <a:ext cx="10515240" cy="1325160"/>
+            <a:off x="609480" y="273600"/>
+            <a:ext cx="10972440" cy="1144800"/>
           </a:xfrm>
           <a:prstGeom prst="rect">
             <a:avLst/>
@@ -4421,11 +2950,9 @@
             <a:noAutofit/>
           </a:bodyPr>
           <a:p>
-            <a:endParaRPr b="0" lang="de-DE" sz="1800" spc="-1" strike="noStrike">
-              <a:solidFill>
-                <a:srgbClr val="000000"/>
-              </a:solidFill>
-              <a:latin typeface="Calibri"/>
+            <a:pPr algn="ctr"/>
+            <a:endParaRPr b="0" lang="en-US" sz="4400" spc="-1" strike="noStrike">
+              <a:latin typeface="Arial"/>
             </a:endParaRPr>
           </a:p>
         </p:txBody>
@@ -4454,7 +2981,7 @@
       </p:grpSpPr>
       <p:sp>
         <p:nvSpPr>
-          <p:cNvPr id="13" name="PlaceHolder 1"/>
+          <p:cNvPr id="10" name="PlaceHolder 1"/>
           <p:cNvSpPr>
             <a:spLocks noGrp="1"/>
           </p:cNvSpPr>
@@ -4464,8 +2991,8 @@
         </p:nvSpPr>
         <p:spPr>
           <a:xfrm>
-            <a:off x="838080" y="365040"/>
-            <a:ext cx="10515240" cy="6144120"/>
+            <a:off x="609480" y="273600"/>
+            <a:ext cx="10972440" cy="5307840"/>
           </a:xfrm>
           <a:prstGeom prst="rect">
             <a:avLst/>
@@ -4507,7 +3034,7 @@
       </p:grpSpPr>
       <p:sp>
         <p:nvSpPr>
-          <p:cNvPr id="14" name="PlaceHolder 1"/>
+          <p:cNvPr id="11" name="PlaceHolder 1"/>
           <p:cNvSpPr>
             <a:spLocks noGrp="1"/>
           </p:cNvSpPr>
@@ -4517,8 +3044,8 @@
         </p:nvSpPr>
         <p:spPr>
           <a:xfrm>
-            <a:off x="838080" y="365040"/>
-            <a:ext cx="10515240" cy="1325160"/>
+            <a:off x="609480" y="273600"/>
+            <a:ext cx="10972440" cy="1144800"/>
           </a:xfrm>
           <a:prstGeom prst="rect">
             <a:avLst/>
@@ -4529,18 +3056,16 @@
             <a:noAutofit/>
           </a:bodyPr>
           <a:p>
-            <a:endParaRPr b="0" lang="de-DE" sz="1800" spc="-1" strike="noStrike">
-              <a:solidFill>
-                <a:srgbClr val="000000"/>
-              </a:solidFill>
-              <a:latin typeface="Calibri"/>
-            </a:endParaRPr>
-          </a:p>
-        </p:txBody>
-      </p:sp>
-      <p:sp>
-        <p:nvSpPr>
-          <p:cNvPr id="15" name="PlaceHolder 2"/>
+            <a:pPr algn="ctr"/>
+            <a:endParaRPr b="0" lang="en-US" sz="4400" spc="-1" strike="noStrike">
+              <a:latin typeface="Arial"/>
+            </a:endParaRPr>
+          </a:p>
+        </p:txBody>
+      </p:sp>
+      <p:sp>
+        <p:nvSpPr>
+          <p:cNvPr id="12" name="PlaceHolder 2"/>
           <p:cNvSpPr>
             <a:spLocks noGrp="1"/>
           </p:cNvSpPr>
@@ -4550,8 +3075,8 @@
         </p:nvSpPr>
         <p:spPr>
           <a:xfrm>
-            <a:off x="838080" y="1825560"/>
-            <a:ext cx="5131080" cy="2075040"/>
+            <a:off x="609480" y="1604520"/>
+            <a:ext cx="5354280" cy="1896840"/>
           </a:xfrm>
           <a:prstGeom prst="rect">
             <a:avLst/>
@@ -4562,18 +3087,15 @@
             <a:normAutofit/>
           </a:bodyPr>
           <a:p>
-            <a:endParaRPr b="0" lang="de-DE" sz="2800" spc="-1" strike="noStrike">
-              <a:solidFill>
-                <a:srgbClr val="000000"/>
-              </a:solidFill>
-              <a:latin typeface="Calibri"/>
-            </a:endParaRPr>
-          </a:p>
-        </p:txBody>
-      </p:sp>
-      <p:sp>
-        <p:nvSpPr>
-          <p:cNvPr id="16" name="PlaceHolder 3"/>
+            <a:endParaRPr b="0" lang="en-US" sz="3200" spc="-1" strike="noStrike">
+              <a:latin typeface="Arial"/>
+            </a:endParaRPr>
+          </a:p>
+        </p:txBody>
+      </p:sp>
+      <p:sp>
+        <p:nvSpPr>
+          <p:cNvPr id="13" name="PlaceHolder 3"/>
           <p:cNvSpPr>
             <a:spLocks noGrp="1"/>
           </p:cNvSpPr>
@@ -4583,8 +3105,8 @@
         </p:nvSpPr>
         <p:spPr>
           <a:xfrm>
-            <a:off x="6226200" y="1825560"/>
-            <a:ext cx="5131080" cy="4350960"/>
+            <a:off x="6231960" y="1604520"/>
+            <a:ext cx="5354280" cy="3977280"/>
           </a:xfrm>
           <a:prstGeom prst="rect">
             <a:avLst/>
@@ -4595,18 +3117,15 @@
             <a:normAutofit/>
           </a:bodyPr>
           <a:p>
-            <a:endParaRPr b="0" lang="de-DE" sz="2800" spc="-1" strike="noStrike">
-              <a:solidFill>
-                <a:srgbClr val="000000"/>
-              </a:solidFill>
-              <a:latin typeface="Calibri"/>
-            </a:endParaRPr>
-          </a:p>
-        </p:txBody>
-      </p:sp>
-      <p:sp>
-        <p:nvSpPr>
-          <p:cNvPr id="17" name="PlaceHolder 4"/>
+            <a:endParaRPr b="0" lang="en-US" sz="3200" spc="-1" strike="noStrike">
+              <a:latin typeface="Arial"/>
+            </a:endParaRPr>
+          </a:p>
+        </p:txBody>
+      </p:sp>
+      <p:sp>
+        <p:nvSpPr>
+          <p:cNvPr id="14" name="PlaceHolder 4"/>
           <p:cNvSpPr>
             <a:spLocks noGrp="1"/>
           </p:cNvSpPr>
@@ -4616,8 +3135,8 @@
         </p:nvSpPr>
         <p:spPr>
           <a:xfrm>
-            <a:off x="838080" y="4098240"/>
-            <a:ext cx="5131080" cy="2075040"/>
+            <a:off x="609480" y="3682080"/>
+            <a:ext cx="5354280" cy="1896840"/>
           </a:xfrm>
           <a:prstGeom prst="rect">
             <a:avLst/>
@@ -4628,11 +3147,8 @@
             <a:normAutofit/>
           </a:bodyPr>
           <a:p>
-            <a:endParaRPr b="0" lang="de-DE" sz="2800" spc="-1" strike="noStrike">
-              <a:solidFill>
-                <a:srgbClr val="000000"/>
-              </a:solidFill>
-              <a:latin typeface="Calibri"/>
+            <a:endParaRPr b="0" lang="en-US" sz="3200" spc="-1" strike="noStrike">
+              <a:latin typeface="Arial"/>
             </a:endParaRPr>
           </a:p>
         </p:txBody>
@@ -4661,7 +3177,7 @@
       </p:grpSpPr>
       <p:sp>
         <p:nvSpPr>
-          <p:cNvPr id="18" name="PlaceHolder 1"/>
+          <p:cNvPr id="15" name="PlaceHolder 1"/>
           <p:cNvSpPr>
             <a:spLocks noGrp="1"/>
           </p:cNvSpPr>
@@ -4671,8 +3187,8 @@
         </p:nvSpPr>
         <p:spPr>
           <a:xfrm>
-            <a:off x="838080" y="365040"/>
-            <a:ext cx="10515240" cy="1325160"/>
+            <a:off x="609480" y="273600"/>
+            <a:ext cx="10972440" cy="1144800"/>
           </a:xfrm>
           <a:prstGeom prst="rect">
             <a:avLst/>
@@ -4683,18 +3199,16 @@
             <a:noAutofit/>
           </a:bodyPr>
           <a:p>
-            <a:endParaRPr b="0" lang="de-DE" sz="1800" spc="-1" strike="noStrike">
-              <a:solidFill>
-                <a:srgbClr val="000000"/>
-              </a:solidFill>
-              <a:latin typeface="Calibri"/>
-            </a:endParaRPr>
-          </a:p>
-        </p:txBody>
-      </p:sp>
-      <p:sp>
-        <p:nvSpPr>
-          <p:cNvPr id="19" name="PlaceHolder 2"/>
+            <a:pPr algn="ctr"/>
+            <a:endParaRPr b="0" lang="en-US" sz="4400" spc="-1" strike="noStrike">
+              <a:latin typeface="Arial"/>
+            </a:endParaRPr>
+          </a:p>
+        </p:txBody>
+      </p:sp>
+      <p:sp>
+        <p:nvSpPr>
+          <p:cNvPr id="16" name="PlaceHolder 2"/>
           <p:cNvSpPr>
             <a:spLocks noGrp="1"/>
           </p:cNvSpPr>
@@ -4704,8 +3218,8 @@
         </p:nvSpPr>
         <p:spPr>
           <a:xfrm>
-            <a:off x="838080" y="1825560"/>
-            <a:ext cx="5131080" cy="4350960"/>
+            <a:off x="609480" y="1604520"/>
+            <a:ext cx="5354280" cy="3977280"/>
           </a:xfrm>
           <a:prstGeom prst="rect">
             <a:avLst/>
@@ -4716,18 +3230,15 @@
             <a:normAutofit/>
           </a:bodyPr>
           <a:p>
-            <a:endParaRPr b="0" lang="de-DE" sz="2800" spc="-1" strike="noStrike">
-              <a:solidFill>
-                <a:srgbClr val="000000"/>
-              </a:solidFill>
-              <a:latin typeface="Calibri"/>
-            </a:endParaRPr>
-          </a:p>
-        </p:txBody>
-      </p:sp>
-      <p:sp>
-        <p:nvSpPr>
-          <p:cNvPr id="20" name="PlaceHolder 3"/>
+            <a:endParaRPr b="0" lang="en-US" sz="3200" spc="-1" strike="noStrike">
+              <a:latin typeface="Arial"/>
+            </a:endParaRPr>
+          </a:p>
+        </p:txBody>
+      </p:sp>
+      <p:sp>
+        <p:nvSpPr>
+          <p:cNvPr id="17" name="PlaceHolder 3"/>
           <p:cNvSpPr>
             <a:spLocks noGrp="1"/>
           </p:cNvSpPr>
@@ -4737,8 +3248,8 @@
         </p:nvSpPr>
         <p:spPr>
           <a:xfrm>
-            <a:off x="6226200" y="1825560"/>
-            <a:ext cx="5131080" cy="2075040"/>
+            <a:off x="6231960" y="1604520"/>
+            <a:ext cx="5354280" cy="1896840"/>
           </a:xfrm>
           <a:prstGeom prst="rect">
             <a:avLst/>
@@ -4749,18 +3260,15 @@
             <a:normAutofit/>
           </a:bodyPr>
           <a:p>
-            <a:endParaRPr b="0" lang="de-DE" sz="2800" spc="-1" strike="noStrike">
-              <a:solidFill>
-                <a:srgbClr val="000000"/>
-              </a:solidFill>
-              <a:latin typeface="Calibri"/>
-            </a:endParaRPr>
-          </a:p>
-        </p:txBody>
-      </p:sp>
-      <p:sp>
-        <p:nvSpPr>
-          <p:cNvPr id="21" name="PlaceHolder 4"/>
+            <a:endParaRPr b="0" lang="en-US" sz="3200" spc="-1" strike="noStrike">
+              <a:latin typeface="Arial"/>
+            </a:endParaRPr>
+          </a:p>
+        </p:txBody>
+      </p:sp>
+      <p:sp>
+        <p:nvSpPr>
+          <p:cNvPr id="18" name="PlaceHolder 4"/>
           <p:cNvSpPr>
             <a:spLocks noGrp="1"/>
           </p:cNvSpPr>
@@ -4770,8 +3278,8 @@
         </p:nvSpPr>
         <p:spPr>
           <a:xfrm>
-            <a:off x="6226200" y="4098240"/>
-            <a:ext cx="5131080" cy="2075040"/>
+            <a:off x="6231960" y="3682080"/>
+            <a:ext cx="5354280" cy="1896840"/>
           </a:xfrm>
           <a:prstGeom prst="rect">
             <a:avLst/>
@@ -4782,11 +3290,8 @@
             <a:normAutofit/>
           </a:bodyPr>
           <a:p>
-            <a:endParaRPr b="0" lang="de-DE" sz="2800" spc="-1" strike="noStrike">
-              <a:solidFill>
-                <a:srgbClr val="000000"/>
-              </a:solidFill>
-              <a:latin typeface="Calibri"/>
+            <a:endParaRPr b="0" lang="en-US" sz="3200" spc="-1" strike="noStrike">
+              <a:latin typeface="Arial"/>
             </a:endParaRPr>
           </a:p>
         </p:txBody>
@@ -4815,7 +3320,7 @@
       </p:grpSpPr>
       <p:sp>
         <p:nvSpPr>
-          <p:cNvPr id="22" name="PlaceHolder 1"/>
+          <p:cNvPr id="19" name="PlaceHolder 1"/>
           <p:cNvSpPr>
             <a:spLocks noGrp="1"/>
           </p:cNvSpPr>
@@ -4825,8 +3330,8 @@
         </p:nvSpPr>
         <p:spPr>
           <a:xfrm>
-            <a:off x="838080" y="365040"/>
-            <a:ext cx="10515240" cy="1325160"/>
+            <a:off x="609480" y="273600"/>
+            <a:ext cx="10972440" cy="1144800"/>
           </a:xfrm>
           <a:prstGeom prst="rect">
             <a:avLst/>
@@ -4837,18 +3342,16 @@
             <a:noAutofit/>
           </a:bodyPr>
           <a:p>
-            <a:endParaRPr b="0" lang="de-DE" sz="1800" spc="-1" strike="noStrike">
-              <a:solidFill>
-                <a:srgbClr val="000000"/>
-              </a:solidFill>
-              <a:latin typeface="Calibri"/>
-            </a:endParaRPr>
-          </a:p>
-        </p:txBody>
-      </p:sp>
-      <p:sp>
-        <p:nvSpPr>
-          <p:cNvPr id="23" name="PlaceHolder 2"/>
+            <a:pPr algn="ctr"/>
+            <a:endParaRPr b="0" lang="en-US" sz="4400" spc="-1" strike="noStrike">
+              <a:latin typeface="Arial"/>
+            </a:endParaRPr>
+          </a:p>
+        </p:txBody>
+      </p:sp>
+      <p:sp>
+        <p:nvSpPr>
+          <p:cNvPr id="20" name="PlaceHolder 2"/>
           <p:cNvSpPr>
             <a:spLocks noGrp="1"/>
           </p:cNvSpPr>
@@ -4858,8 +3361,8 @@
         </p:nvSpPr>
         <p:spPr>
           <a:xfrm>
-            <a:off x="838080" y="1825560"/>
-            <a:ext cx="5131080" cy="2075040"/>
+            <a:off x="609480" y="1604520"/>
+            <a:ext cx="5354280" cy="1896840"/>
           </a:xfrm>
           <a:prstGeom prst="rect">
             <a:avLst/>
@@ -4870,18 +3373,15 @@
             <a:normAutofit/>
           </a:bodyPr>
           <a:p>
-            <a:endParaRPr b="0" lang="de-DE" sz="2800" spc="-1" strike="noStrike">
-              <a:solidFill>
-                <a:srgbClr val="000000"/>
-              </a:solidFill>
-              <a:latin typeface="Calibri"/>
-            </a:endParaRPr>
-          </a:p>
-        </p:txBody>
-      </p:sp>
-      <p:sp>
-        <p:nvSpPr>
-          <p:cNvPr id="24" name="PlaceHolder 3"/>
+            <a:endParaRPr b="0" lang="en-US" sz="3200" spc="-1" strike="noStrike">
+              <a:latin typeface="Arial"/>
+            </a:endParaRPr>
+          </a:p>
+        </p:txBody>
+      </p:sp>
+      <p:sp>
+        <p:nvSpPr>
+          <p:cNvPr id="21" name="PlaceHolder 3"/>
           <p:cNvSpPr>
             <a:spLocks noGrp="1"/>
           </p:cNvSpPr>
@@ -4891,8 +3391,8 @@
         </p:nvSpPr>
         <p:spPr>
           <a:xfrm>
-            <a:off x="6226200" y="1825560"/>
-            <a:ext cx="5131080" cy="2075040"/>
+            <a:off x="6231960" y="1604520"/>
+            <a:ext cx="5354280" cy="1896840"/>
           </a:xfrm>
           <a:prstGeom prst="rect">
             <a:avLst/>
@@ -4903,18 +3403,15 @@
             <a:normAutofit/>
           </a:bodyPr>
           <a:p>
-            <a:endParaRPr b="0" lang="de-DE" sz="2800" spc="-1" strike="noStrike">
-              <a:solidFill>
-                <a:srgbClr val="000000"/>
-              </a:solidFill>
-              <a:latin typeface="Calibri"/>
-            </a:endParaRPr>
-          </a:p>
-        </p:txBody>
-      </p:sp>
-      <p:sp>
-        <p:nvSpPr>
-          <p:cNvPr id="25" name="PlaceHolder 4"/>
+            <a:endParaRPr b="0" lang="en-US" sz="3200" spc="-1" strike="noStrike">
+              <a:latin typeface="Arial"/>
+            </a:endParaRPr>
+          </a:p>
+        </p:txBody>
+      </p:sp>
+      <p:sp>
+        <p:nvSpPr>
+          <p:cNvPr id="22" name="PlaceHolder 4"/>
           <p:cNvSpPr>
             <a:spLocks noGrp="1"/>
           </p:cNvSpPr>
@@ -4924,8 +3421,8 @@
         </p:nvSpPr>
         <p:spPr>
           <a:xfrm>
-            <a:off x="838080" y="4098240"/>
-            <a:ext cx="10515240" cy="2075040"/>
+            <a:off x="609480" y="3682080"/>
+            <a:ext cx="10972440" cy="1896840"/>
           </a:xfrm>
           <a:prstGeom prst="rect">
             <a:avLst/>
@@ -4936,11 +3433,8 @@
             <a:normAutofit/>
           </a:bodyPr>
           <a:p>
-            <a:endParaRPr b="0" lang="de-DE" sz="2800" spc="-1" strike="noStrike">
-              <a:solidFill>
-                <a:srgbClr val="000000"/>
-              </a:solidFill>
-              <a:latin typeface="Calibri"/>
+            <a:endParaRPr b="0" lang="en-US" sz="3200" spc="-1" strike="noStrike">
+              <a:latin typeface="Arial"/>
             </a:endParaRPr>
           </a:p>
         </p:txBody>
@@ -4986,73 +3480,38 @@
         </p:nvSpPr>
         <p:spPr>
           <a:xfrm>
-            <a:off x="1523880" y="1122480"/>
-            <a:ext cx="9143640" cy="2387160"/>
-          </a:xfrm>
-          <a:prstGeom prst="rect">
-            <a:avLst/>
-          </a:prstGeom>
-        </p:spPr>
-        <p:txBody>
-          <a:bodyPr anchor="b">
+            <a:off x="838080" y="365040"/>
+            <a:ext cx="10514880" cy="1324800"/>
+          </a:xfrm>
+          <a:prstGeom prst="rect">
+            <a:avLst/>
+          </a:prstGeom>
+        </p:spPr>
+        <p:txBody>
+          <a:bodyPr lIns="0" rIns="0" tIns="0" bIns="0" anchor="ctr">
             <a:noAutofit/>
           </a:bodyPr>
           <a:p>
-            <a:pPr algn="ctr">
-              <a:lnSpc>
-                <a:spcPct val="90000"/>
-              </a:lnSpc>
-            </a:pPr>
-            <a:r>
-              <a:rPr b="0" lang="en-US" sz="6000" spc="-1" strike="noStrike">
-                <a:solidFill>
-                  <a:srgbClr val="000000"/>
-                </a:solidFill>
-                <a:latin typeface="Calibri Light"/>
-              </a:rPr>
-              <a:t>Click </a:t>
-            </a:r>
-            <a:r>
-              <a:rPr b="0" lang="en-US" sz="6000" spc="-1" strike="noStrike">
-                <a:solidFill>
-                  <a:srgbClr val="000000"/>
-                </a:solidFill>
-                <a:latin typeface="Calibri Light"/>
-              </a:rPr>
-              <a:t>to edit </a:t>
-            </a:r>
-            <a:r>
-              <a:rPr b="0" lang="en-US" sz="6000" spc="-1" strike="noStrike">
-                <a:solidFill>
-                  <a:srgbClr val="000000"/>
-                </a:solidFill>
-                <a:latin typeface="Calibri Light"/>
-              </a:rPr>
-              <a:t>Maste</a:t>
-            </a:r>
-            <a:r>
-              <a:rPr b="0" lang="en-US" sz="6000" spc="-1" strike="noStrike">
-                <a:solidFill>
-                  <a:srgbClr val="000000"/>
-                </a:solidFill>
-                <a:latin typeface="Calibri Light"/>
-              </a:rPr>
-              <a:t>r title </a:t>
-            </a:r>
-            <a:r>
-              <a:rPr b="0" lang="en-US" sz="6000" spc="-1" strike="noStrike">
-                <a:solidFill>
-                  <a:srgbClr val="000000"/>
-                </a:solidFill>
-                <a:latin typeface="Calibri Light"/>
-              </a:rPr>
-              <a:t>style</a:t>
-            </a:r>
-            <a:endParaRPr b="0" lang="de-DE" sz="6000" spc="-1" strike="noStrike">
-              <a:solidFill>
-                <a:srgbClr val="000000"/>
-              </a:solidFill>
-              <a:latin typeface="Calibri"/>
+            <a:r>
+              <a:rPr b="0" lang="en-US" sz="1800" spc="-1" strike="noStrike">
+                <a:latin typeface="Arial"/>
+              </a:rPr>
+              <a:t>Click to edit </a:t>
+            </a:r>
+            <a:r>
+              <a:rPr b="0" lang="en-US" sz="1800" spc="-1" strike="noStrike">
+                <a:latin typeface="Arial"/>
+              </a:rPr>
+              <a:t>the title text </a:t>
+            </a:r>
+            <a:r>
+              <a:rPr b="0" lang="en-US" sz="1800" spc="-1" strike="noStrike">
+                <a:latin typeface="Arial"/>
+              </a:rPr>
+              <a:t>format</a:t>
+            </a:r>
+            <a:endParaRPr b="0" lang="en-US" sz="1800" spc="-1" strike="noStrike">
+              <a:latin typeface="Arial"/>
             </a:endParaRPr>
           </a:p>
         </p:txBody>
@@ -5060,147 +3519,6 @@
       <p:sp>
         <p:nvSpPr>
           <p:cNvPr id="1" name="PlaceHolder 2"/>
-          <p:cNvSpPr>
-            <a:spLocks noGrp="1"/>
-          </p:cNvSpPr>
-          <p:nvPr>
-            <p:ph type="dt"/>
-          </p:nvPr>
-        </p:nvSpPr>
-        <p:spPr>
-          <a:xfrm>
-            <a:off x="838080" y="6356520"/>
-            <a:ext cx="2742840" cy="364680"/>
-          </a:xfrm>
-          <a:prstGeom prst="rect">
-            <a:avLst/>
-          </a:prstGeom>
-        </p:spPr>
-        <p:txBody>
-          <a:bodyPr anchor="ctr">
-            <a:noAutofit/>
-          </a:bodyPr>
-          <a:p>
-            <a:pPr>
-              <a:lnSpc>
-                <a:spcPct val="100000"/>
-              </a:lnSpc>
-            </a:pPr>
-            <a:fld id="{01F67CA5-99BE-41C7-AD91-C3D9FAF3E26C}" type="datetime">
-              <a:rPr b="0" lang="en-US" sz="1200" spc="-1" strike="noStrike">
-                <a:solidFill>
-                  <a:srgbClr val="8b8b8b"/>
-                </a:solidFill>
-                <a:latin typeface="Calibri"/>
-              </a:rPr>
-              <a:t>3/10/22</a:t>
-            </a:fld>
-            <a:endParaRPr b="0" lang="en-US" sz="1200" spc="-1" strike="noStrike">
-              <a:latin typeface="Times New Roman"/>
-            </a:endParaRPr>
-          </a:p>
-        </p:txBody>
-      </p:sp>
-      <p:sp>
-        <p:nvSpPr>
-          <p:cNvPr id="2" name="PlaceHolder 3"/>
-          <p:cNvSpPr>
-            <a:spLocks noGrp="1"/>
-          </p:cNvSpPr>
-          <p:nvPr>
-            <p:ph type="ftr"/>
-          </p:nvPr>
-        </p:nvSpPr>
-        <p:spPr>
-          <a:xfrm>
-            <a:off x="4038480" y="6356520"/>
-            <a:ext cx="4114440" cy="364680"/>
-          </a:xfrm>
-          <a:prstGeom prst="rect">
-            <a:avLst/>
-          </a:prstGeom>
-        </p:spPr>
-        <p:txBody>
-          <a:bodyPr anchor="ctr">
-            <a:noAutofit/>
-          </a:bodyPr>
-          <a:p>
-            <a:pPr algn="ctr">
-              <a:lnSpc>
-                <a:spcPct val="100000"/>
-              </a:lnSpc>
-            </a:pPr>
-            <a:r>
-              <a:rPr b="0" lang="de-DE" sz="1200" spc="-1" strike="noStrike">
-                <a:solidFill>
-                  <a:srgbClr val="8b8b8b"/>
-                </a:solidFill>
-                <a:latin typeface="Calibri"/>
-              </a:rPr>
-              <a:t>Steffen </a:t>
-            </a:r>
-            <a:r>
-              <a:rPr b="0" lang="de-DE" sz="1200" spc="-1" strike="noStrike">
-                <a:solidFill>
-                  <a:srgbClr val="8b8b8b"/>
-                </a:solidFill>
-                <a:latin typeface="Calibri"/>
-              </a:rPr>
-              <a:t>Fries</a:t>
-            </a:r>
-            <a:endParaRPr b="0" lang="en-US" sz="1200" spc="-1" strike="noStrike">
-              <a:latin typeface="Times New Roman"/>
-            </a:endParaRPr>
-          </a:p>
-        </p:txBody>
-      </p:sp>
-      <p:sp>
-        <p:nvSpPr>
-          <p:cNvPr id="3" name="PlaceHolder 4"/>
-          <p:cNvSpPr>
-            <a:spLocks noGrp="1"/>
-          </p:cNvSpPr>
-          <p:nvPr>
-            <p:ph type="sldNum"/>
-          </p:nvPr>
-        </p:nvSpPr>
-        <p:spPr>
-          <a:xfrm>
-            <a:off x="8610480" y="6356520"/>
-            <a:ext cx="2742840" cy="364680"/>
-          </a:xfrm>
-          <a:prstGeom prst="rect">
-            <a:avLst/>
-          </a:prstGeom>
-        </p:spPr>
-        <p:txBody>
-          <a:bodyPr anchor="ctr">
-            <a:noAutofit/>
-          </a:bodyPr>
-          <a:p>
-            <a:pPr algn="r">
-              <a:lnSpc>
-                <a:spcPct val="100000"/>
-              </a:lnSpc>
-            </a:pPr>
-            <a:fld id="{A4FDCD97-5115-4F82-B8D3-6F7DAE8CC4DB}" type="slidenum">
-              <a:rPr b="0" lang="en-US" sz="1200" spc="-1" strike="noStrike">
-                <a:solidFill>
-                  <a:srgbClr val="8b8b8b"/>
-                </a:solidFill>
-                <a:latin typeface="Calibri"/>
-              </a:rPr>
-              <a:t>&lt;number&gt;</a:t>
-            </a:fld>
-            <a:endParaRPr b="0" lang="en-US" sz="1200" spc="-1" strike="noStrike">
-              <a:latin typeface="Times New Roman"/>
-            </a:endParaRPr>
-          </a:p>
-        </p:txBody>
-      </p:sp>
-      <p:sp>
-        <p:nvSpPr>
-          <p:cNvPr id="4" name="PlaceHolder 5"/>
           <p:cNvSpPr>
             <a:spLocks noGrp="1"/>
           </p:cNvSpPr>
@@ -5234,19 +3552,13 @@
               <a:buChar char=""/>
             </a:pPr>
             <a:r>
-              <a:rPr b="0" lang="de-DE" sz="2800" spc="-1" strike="noStrike">
-                <a:solidFill>
-                  <a:srgbClr val="000000"/>
-                </a:solidFill>
-                <a:latin typeface="Calibri"/>
+              <a:rPr b="0" lang="en-US" sz="3200" spc="-1" strike="noStrike">
+                <a:latin typeface="Arial"/>
               </a:rPr>
               <a:t>Click to edit the outline text format</a:t>
             </a:r>
-            <a:endParaRPr b="0" lang="de-DE" sz="2800" spc="-1" strike="noStrike">
-              <a:solidFill>
-                <a:srgbClr val="000000"/>
-              </a:solidFill>
-              <a:latin typeface="Calibri"/>
+            <a:endParaRPr b="0" lang="en-US" sz="3200" spc="-1" strike="noStrike">
+              <a:latin typeface="Arial"/>
             </a:endParaRPr>
           </a:p>
           <a:p>
@@ -5262,19 +3574,13 @@
               <a:buChar char=""/>
             </a:pPr>
             <a:r>
-              <a:rPr b="0" lang="de-DE" sz="2000" spc="-1" strike="noStrike">
-                <a:solidFill>
-                  <a:srgbClr val="000000"/>
-                </a:solidFill>
-                <a:latin typeface="Calibri"/>
+              <a:rPr b="0" lang="en-US" sz="2800" spc="-1" strike="noStrike">
+                <a:latin typeface="Arial"/>
               </a:rPr>
               <a:t>Second Outline Level</a:t>
             </a:r>
-            <a:endParaRPr b="0" lang="de-DE" sz="2000" spc="-1" strike="noStrike">
-              <a:solidFill>
-                <a:srgbClr val="000000"/>
-              </a:solidFill>
-              <a:latin typeface="Calibri"/>
+            <a:endParaRPr b="0" lang="en-US" sz="2800" spc="-1" strike="noStrike">
+              <a:latin typeface="Arial"/>
             </a:endParaRPr>
           </a:p>
           <a:p>
@@ -5290,19 +3596,13 @@
               <a:buChar char=""/>
             </a:pPr>
             <a:r>
-              <a:rPr b="0" lang="de-DE" sz="1800" spc="-1" strike="noStrike">
-                <a:solidFill>
-                  <a:srgbClr val="000000"/>
-                </a:solidFill>
-                <a:latin typeface="Calibri"/>
+              <a:rPr b="0" lang="en-US" sz="2400" spc="-1" strike="noStrike">
+                <a:latin typeface="Arial"/>
               </a:rPr>
               <a:t>Third Outline Level</a:t>
             </a:r>
-            <a:endParaRPr b="0" lang="de-DE" sz="1800" spc="-1" strike="noStrike">
-              <a:solidFill>
-                <a:srgbClr val="000000"/>
-              </a:solidFill>
-              <a:latin typeface="Calibri"/>
+            <a:endParaRPr b="0" lang="en-US" sz="2400" spc="-1" strike="noStrike">
+              <a:latin typeface="Arial"/>
             </a:endParaRPr>
           </a:p>
           <a:p>
@@ -5318,19 +3618,13 @@
               <a:buChar char=""/>
             </a:pPr>
             <a:r>
-              <a:rPr b="0" lang="de-DE" sz="1800" spc="-1" strike="noStrike">
-                <a:solidFill>
-                  <a:srgbClr val="000000"/>
-                </a:solidFill>
-                <a:latin typeface="Calibri"/>
+              <a:rPr b="0" lang="en-US" sz="2000" spc="-1" strike="noStrike">
+                <a:latin typeface="Arial"/>
               </a:rPr>
               <a:t>Fourth Outline Level</a:t>
             </a:r>
-            <a:endParaRPr b="0" lang="de-DE" sz="1800" spc="-1" strike="noStrike">
-              <a:solidFill>
-                <a:srgbClr val="000000"/>
-              </a:solidFill>
-              <a:latin typeface="Calibri"/>
+            <a:endParaRPr b="0" lang="en-US" sz="2000" spc="-1" strike="noStrike">
+              <a:latin typeface="Arial"/>
             </a:endParaRPr>
           </a:p>
           <a:p>
@@ -5346,19 +3640,13 @@
               <a:buChar char=""/>
             </a:pPr>
             <a:r>
-              <a:rPr b="0" lang="de-DE" sz="2000" spc="-1" strike="noStrike">
-                <a:solidFill>
-                  <a:srgbClr val="000000"/>
-                </a:solidFill>
-                <a:latin typeface="Calibri"/>
+              <a:rPr b="0" lang="en-US" sz="2000" spc="-1" strike="noStrike">
+                <a:latin typeface="Arial"/>
               </a:rPr>
               <a:t>Fifth Outline Level</a:t>
             </a:r>
-            <a:endParaRPr b="0" lang="de-DE" sz="2000" spc="-1" strike="noStrike">
-              <a:solidFill>
-                <a:srgbClr val="000000"/>
-              </a:solidFill>
-              <a:latin typeface="Calibri"/>
+            <a:endParaRPr b="0" lang="en-US" sz="2000" spc="-1" strike="noStrike">
+              <a:latin typeface="Arial"/>
             </a:endParaRPr>
           </a:p>
           <a:p>
@@ -5374,19 +3662,13 @@
               <a:buChar char=""/>
             </a:pPr>
             <a:r>
-              <a:rPr b="0" lang="de-DE" sz="2000" spc="-1" strike="noStrike">
-                <a:solidFill>
-                  <a:srgbClr val="000000"/>
-                </a:solidFill>
-                <a:latin typeface="Calibri"/>
+              <a:rPr b="0" lang="en-US" sz="2000" spc="-1" strike="noStrike">
+                <a:latin typeface="Arial"/>
               </a:rPr>
               <a:t>Sixth Outline Level</a:t>
             </a:r>
-            <a:endParaRPr b="0" lang="de-DE" sz="2000" spc="-1" strike="noStrike">
-              <a:solidFill>
-                <a:srgbClr val="000000"/>
-              </a:solidFill>
-              <a:latin typeface="Calibri"/>
+            <a:endParaRPr b="0" lang="en-US" sz="2000" spc="-1" strike="noStrike">
+              <a:latin typeface="Arial"/>
             </a:endParaRPr>
           </a:p>
           <a:p>
@@ -5402,19 +3684,13 @@
               <a:buChar char=""/>
             </a:pPr>
             <a:r>
-              <a:rPr b="0" lang="de-DE" sz="2000" spc="-1" strike="noStrike">
-                <a:solidFill>
-                  <a:srgbClr val="000000"/>
-                </a:solidFill>
-                <a:latin typeface="Calibri"/>
+              <a:rPr b="0" lang="en-US" sz="2000" spc="-1" strike="noStrike">
+                <a:latin typeface="Arial"/>
               </a:rPr>
               <a:t>Seventh Outline Level</a:t>
             </a:r>
-            <a:endParaRPr b="0" lang="de-DE" sz="2000" spc="-1" strike="noStrike">
-              <a:solidFill>
-                <a:srgbClr val="000000"/>
-              </a:solidFill>
-              <a:latin typeface="Calibri"/>
+            <a:endParaRPr b="0" lang="en-US" sz="2000" spc="-1" strike="noStrike">
+              <a:latin typeface="Arial"/>
             </a:endParaRPr>
           </a:p>
         </p:txBody>
@@ -5465,7 +3741,7 @@
       </p:grpSpPr>
       <p:sp>
         <p:nvSpPr>
-          <p:cNvPr id="41" name="PlaceHolder 1"/>
+          <p:cNvPr id="38" name="PlaceHolder 1"/>
           <p:cNvSpPr>
             <a:spLocks noGrp="1"/>
           </p:cNvSpPr>
@@ -5475,44 +3751,106 @@
         </p:nvSpPr>
         <p:spPr>
           <a:xfrm>
-            <a:off x="838080" y="365040"/>
-            <a:ext cx="10515240" cy="1325160"/>
-          </a:xfrm>
-          <a:prstGeom prst="rect">
-            <a:avLst/>
-          </a:prstGeom>
-        </p:spPr>
-        <p:txBody>
-          <a:bodyPr anchor="ctr">
+            <a:off x="609480" y="273600"/>
+            <a:ext cx="10972440" cy="1144800"/>
+          </a:xfrm>
+          <a:prstGeom prst="rect">
+            <a:avLst/>
+          </a:prstGeom>
+        </p:spPr>
+        <p:txBody>
+          <a:bodyPr lIns="0" rIns="0" tIns="0" bIns="0" anchor="ctr">
             <a:noAutofit/>
           </a:bodyPr>
           <a:p>
-            <a:pPr>
-              <a:lnSpc>
-                <a:spcPct val="90000"/>
-              </a:lnSpc>
-            </a:pPr>
+            <a:pPr algn="ctr"/>
             <a:r>
               <a:rPr b="0" lang="en-US" sz="4400" spc="-1" strike="noStrike">
-                <a:solidFill>
-                  <a:srgbClr val="000000"/>
-                </a:solidFill>
-                <a:latin typeface="Calibri Light"/>
-              </a:rPr>
-              <a:t>Click to edit Master title style</a:t>
-            </a:r>
-            <a:endParaRPr b="0" lang="de-DE" sz="4400" spc="-1" strike="noStrike">
-              <a:solidFill>
-                <a:srgbClr val="000000"/>
-              </a:solidFill>
-              <a:latin typeface="Calibri"/>
-            </a:endParaRPr>
-          </a:p>
-        </p:txBody>
-      </p:sp>
-      <p:sp>
-        <p:nvSpPr>
-          <p:cNvPr id="42" name="PlaceHolder 2"/>
+                <a:latin typeface="Arial"/>
+              </a:rPr>
+              <a:t>Cli</a:t>
+            </a:r>
+            <a:r>
+              <a:rPr b="0" lang="en-US" sz="4400" spc="-1" strike="noStrike">
+                <a:latin typeface="Arial"/>
+              </a:rPr>
+              <a:t>ck </a:t>
+            </a:r>
+            <a:r>
+              <a:rPr b="0" lang="en-US" sz="4400" spc="-1" strike="noStrike">
+                <a:latin typeface="Arial"/>
+              </a:rPr>
+              <a:t>to </a:t>
+            </a:r>
+            <a:r>
+              <a:rPr b="0" lang="en-US" sz="4400" spc="-1" strike="noStrike">
+                <a:latin typeface="Arial"/>
+              </a:rPr>
+              <a:t>edi</a:t>
+            </a:r>
+            <a:r>
+              <a:rPr b="0" lang="en-US" sz="4400" spc="-1" strike="noStrike">
+                <a:latin typeface="Arial"/>
+              </a:rPr>
+              <a:t>t </a:t>
+            </a:r>
+            <a:r>
+              <a:rPr b="0" lang="en-US" sz="4400" spc="-1" strike="noStrike">
+                <a:latin typeface="Arial"/>
+              </a:rPr>
+              <a:t>the </a:t>
+            </a:r>
+            <a:r>
+              <a:rPr b="0" lang="en-US" sz="4400" spc="-1" strike="noStrike">
+                <a:latin typeface="Arial"/>
+              </a:rPr>
+              <a:t>titl</a:t>
+            </a:r>
+            <a:r>
+              <a:rPr b="0" lang="en-US" sz="4400" spc="-1" strike="noStrike">
+                <a:latin typeface="Arial"/>
+              </a:rPr>
+              <a:t>e </a:t>
+            </a:r>
+            <a:r>
+              <a:rPr b="0" lang="en-US" sz="4400" spc="-1" strike="noStrike">
+                <a:latin typeface="Arial"/>
+              </a:rPr>
+              <a:t>tex</a:t>
+            </a:r>
+            <a:r>
+              <a:rPr b="0" lang="en-US" sz="4400" spc="-1" strike="noStrike">
+                <a:latin typeface="Arial"/>
+              </a:rPr>
+              <a:t>t </a:t>
+            </a:r>
+            <a:r>
+              <a:rPr b="0" lang="en-US" sz="4400" spc="-1" strike="noStrike">
+                <a:latin typeface="Arial"/>
+              </a:rPr>
+              <a:t>for</a:t>
+            </a:r>
+            <a:r>
+              <a:rPr b="0" lang="en-US" sz="4400" spc="-1" strike="noStrike">
+                <a:latin typeface="Arial"/>
+              </a:rPr>
+              <a:t>ma</a:t>
+            </a:r>
+            <a:r>
+              <a:rPr b="0" lang="en-US" sz="4400" spc="-1" strike="noStrike">
+                <a:latin typeface="Arial"/>
+              </a:rPr>
+              <a:t>t</a:t>
+            </a:r>
+            <a:endParaRPr b="0" lang="en-US" sz="4400" spc="-1" strike="noStrike">
+              <a:latin typeface="Arial"/>
+            </a:endParaRPr>
+          </a:p>
+        </p:txBody>
+      </p:sp>
+      <p:sp>
+        <p:nvSpPr>
+          <p:cNvPr id="39" name="PlaceHolder 2"/>
           <p:cNvSpPr>
             <a:spLocks noGrp="1"/>
           </p:cNvSpPr>
@@ -5522,283 +3860,169 @@
         </p:nvSpPr>
         <p:spPr>
           <a:xfrm>
-            <a:off x="838080" y="1825560"/>
-            <a:ext cx="10515240" cy="4350960"/>
-          </a:xfrm>
-          <a:prstGeom prst="rect">
-            <a:avLst/>
-          </a:prstGeom>
-        </p:spPr>
-        <p:txBody>
-          <a:bodyPr>
-            <a:noAutofit/>
-          </a:bodyPr>
-          <a:p>
-            <a:pPr marL="228600" indent="-228240">
-              <a:lnSpc>
-                <a:spcPct val="90000"/>
-              </a:lnSpc>
+            <a:off x="609480" y="1604520"/>
+            <a:ext cx="10972440" cy="3977280"/>
+          </a:xfrm>
+          <a:prstGeom prst="rect">
+            <a:avLst/>
+          </a:prstGeom>
+        </p:spPr>
+        <p:txBody>
+          <a:bodyPr lIns="0" rIns="0" tIns="0" bIns="0">
+            <a:normAutofit/>
+          </a:bodyPr>
+          <a:p>
+            <a:pPr marL="432000" indent="-324000">
               <a:spcBef>
-                <a:spcPts val="1001"/>
+                <a:spcPts val="1417"/>
               </a:spcBef>
               <a:buClr>
                 <a:srgbClr val="000000"/>
               </a:buClr>
-              <a:buFont typeface="Arial"/>
-              <a:buChar char="•"/>
+              <a:buSzPct val="45000"/>
+              <a:buFont typeface="Wingdings" charset="2"/>
+              <a:buChar char=""/>
             </a:pPr>
             <a:r>
-              <a:rPr b="0" lang="en-US" sz="2800" spc="-1" strike="noStrike">
-                <a:solidFill>
-                  <a:srgbClr val="000000"/>
-                </a:solidFill>
-                <a:latin typeface="Calibri"/>
-              </a:rPr>
-              <a:t>Edit Master text styles</a:t>
-            </a:r>
-            <a:endParaRPr b="0" lang="de-DE" sz="2800" spc="-1" strike="noStrike">
-              <a:solidFill>
-                <a:srgbClr val="000000"/>
-              </a:solidFill>
-              <a:latin typeface="Calibri"/>
-            </a:endParaRPr>
-          </a:p>
-          <a:p>
-            <a:pPr lvl="1" marL="685800" indent="-228240">
-              <a:lnSpc>
-                <a:spcPct val="90000"/>
-              </a:lnSpc>
+              <a:rPr b="0" lang="en-US" sz="3200" spc="-1" strike="noStrike">
+                <a:latin typeface="Arial"/>
+              </a:rPr>
+              <a:t>Click to edit the outline text format</a:t>
+            </a:r>
+            <a:endParaRPr b="0" lang="en-US" sz="3200" spc="-1" strike="noStrike">
+              <a:latin typeface="Arial"/>
+            </a:endParaRPr>
+          </a:p>
+          <a:p>
+            <a:pPr lvl="1" marL="864000" indent="-324000">
               <a:spcBef>
-                <a:spcPts val="499"/>
+                <a:spcPts val="1134"/>
               </a:spcBef>
               <a:buClr>
                 <a:srgbClr val="000000"/>
               </a:buClr>
-              <a:buFont typeface="Arial"/>
-              <a:buChar char="•"/>
+              <a:buSzPct val="75000"/>
+              <a:buFont typeface="Symbol" charset="2"/>
+              <a:buChar char=""/>
             </a:pPr>
             <a:r>
-              <a:rPr b="0" lang="en-US" sz="2400" spc="-1" strike="noStrike">
-                <a:solidFill>
-                  <a:srgbClr val="000000"/>
-                </a:solidFill>
-                <a:latin typeface="Calibri"/>
-              </a:rPr>
-              <a:t>Second level</a:t>
-            </a:r>
-            <a:endParaRPr b="0" lang="de-DE" sz="2400" spc="-1" strike="noStrike">
-              <a:solidFill>
-                <a:srgbClr val="000000"/>
-              </a:solidFill>
-              <a:latin typeface="Calibri"/>
-            </a:endParaRPr>
-          </a:p>
-          <a:p>
-            <a:pPr lvl="2" marL="1143000" indent="-228240">
-              <a:lnSpc>
-                <a:spcPct val="90000"/>
-              </a:lnSpc>
+              <a:rPr b="0" lang="en-US" sz="2800" spc="-1" strike="noStrike">
+                <a:latin typeface="Arial"/>
+              </a:rPr>
+              <a:t>Second Outline Level</a:t>
+            </a:r>
+            <a:endParaRPr b="0" lang="en-US" sz="2800" spc="-1" strike="noStrike">
+              <a:latin typeface="Arial"/>
+            </a:endParaRPr>
+          </a:p>
+          <a:p>
+            <a:pPr lvl="2" marL="1296000" indent="-288000">
               <a:spcBef>
-                <a:spcPts val="499"/>
+                <a:spcPts val="850"/>
               </a:spcBef>
               <a:buClr>
                 <a:srgbClr val="000000"/>
               </a:buClr>
-              <a:buFont typeface="Arial"/>
-              <a:buChar char="•"/>
+              <a:buSzPct val="45000"/>
+              <a:buFont typeface="Wingdings" charset="2"/>
+              <a:buChar char=""/>
             </a:pPr>
             <a:r>
-              <a:rPr b="0" lang="en-US" sz="2000" spc="-1" strike="noStrike">
-                <a:solidFill>
-                  <a:srgbClr val="000000"/>
-                </a:solidFill>
-                <a:latin typeface="Calibri"/>
-              </a:rPr>
-              <a:t>Third level</a:t>
-            </a:r>
-            <a:endParaRPr b="0" lang="de-DE" sz="2000" spc="-1" strike="noStrike">
-              <a:solidFill>
-                <a:srgbClr val="000000"/>
-              </a:solidFill>
-              <a:latin typeface="Calibri"/>
-            </a:endParaRPr>
-          </a:p>
-          <a:p>
-            <a:pPr lvl="3" marL="1600200" indent="-228240">
-              <a:lnSpc>
-                <a:spcPct val="90000"/>
-              </a:lnSpc>
+              <a:rPr b="0" lang="en-US" sz="2400" spc="-1" strike="noStrike">
+                <a:latin typeface="Arial"/>
+              </a:rPr>
+              <a:t>Third Outline Level</a:t>
+            </a:r>
+            <a:endParaRPr b="0" lang="en-US" sz="2400" spc="-1" strike="noStrike">
+              <a:latin typeface="Arial"/>
+            </a:endParaRPr>
+          </a:p>
+          <a:p>
+            <a:pPr lvl="3" marL="1728000" indent="-216000">
               <a:spcBef>
-                <a:spcPts val="499"/>
+                <a:spcPts val="567"/>
               </a:spcBef>
               <a:buClr>
                 <a:srgbClr val="000000"/>
               </a:buClr>
-              <a:buFont typeface="Arial"/>
-              <a:buChar char="•"/>
+              <a:buSzPct val="75000"/>
+              <a:buFont typeface="Symbol" charset="2"/>
+              <a:buChar char=""/>
             </a:pPr>
             <a:r>
-              <a:rPr b="0" lang="en-US" sz="1800" spc="-1" strike="noStrike">
-                <a:solidFill>
-                  <a:srgbClr val="000000"/>
-                </a:solidFill>
-                <a:latin typeface="Calibri"/>
-              </a:rPr>
-              <a:t>Fourth level</a:t>
-            </a:r>
-            <a:endParaRPr b="0" lang="de-DE" sz="1800" spc="-1" strike="noStrike">
-              <a:solidFill>
-                <a:srgbClr val="000000"/>
-              </a:solidFill>
-              <a:latin typeface="Calibri"/>
-            </a:endParaRPr>
-          </a:p>
-          <a:p>
-            <a:pPr lvl="4" marL="2057400" indent="-228240">
-              <a:lnSpc>
-                <a:spcPct val="90000"/>
-              </a:lnSpc>
+              <a:rPr b="0" lang="en-US" sz="2000" spc="-1" strike="noStrike">
+                <a:latin typeface="Arial"/>
+              </a:rPr>
+              <a:t>Fourth Outline Level</a:t>
+            </a:r>
+            <a:endParaRPr b="0" lang="en-US" sz="2000" spc="-1" strike="noStrike">
+              <a:latin typeface="Arial"/>
+            </a:endParaRPr>
+          </a:p>
+          <a:p>
+            <a:pPr lvl="4" marL="2160000" indent="-216000">
               <a:spcBef>
-                <a:spcPts val="499"/>
+                <a:spcPts val="283"/>
               </a:spcBef>
               <a:buClr>
                 <a:srgbClr val="000000"/>
               </a:buClr>
-              <a:buFont typeface="Arial"/>
-              <a:buChar char="•"/>
+              <a:buSzPct val="45000"/>
+              <a:buFont typeface="Wingdings" charset="2"/>
+              <a:buChar char=""/>
             </a:pPr>
             <a:r>
-              <a:rPr b="0" lang="en-US" sz="1800" spc="-1" strike="noStrike">
-                <a:solidFill>
-                  <a:srgbClr val="000000"/>
-                </a:solidFill>
-                <a:latin typeface="Calibri"/>
-              </a:rPr>
-              <a:t>Fifth level</a:t>
-            </a:r>
-            <a:endParaRPr b="0" lang="de-DE" sz="1800" spc="-1" strike="noStrike">
-              <a:solidFill>
+              <a:rPr b="0" lang="en-US" sz="2000" spc="-1" strike="noStrike">
+                <a:latin typeface="Arial"/>
+              </a:rPr>
+              <a:t>Fifth Outline Level</a:t>
+            </a:r>
+            <a:endParaRPr b="0" lang="en-US" sz="2000" spc="-1" strike="noStrike">
+              <a:latin typeface="Arial"/>
+            </a:endParaRPr>
+          </a:p>
+          <a:p>
+            <a:pPr lvl="5" marL="2592000" indent="-216000">
+              <a:spcBef>
+                <a:spcPts val="283"/>
+              </a:spcBef>
+              <a:buClr>
                 <a:srgbClr val="000000"/>
-              </a:solidFill>
-              <a:latin typeface="Calibri"/>
-            </a:endParaRPr>
-          </a:p>
-        </p:txBody>
-      </p:sp>
-      <p:sp>
-        <p:nvSpPr>
-          <p:cNvPr id="43" name="PlaceHolder 3"/>
-          <p:cNvSpPr>
-            <a:spLocks noGrp="1"/>
-          </p:cNvSpPr>
-          <p:nvPr>
-            <p:ph type="dt"/>
-          </p:nvPr>
-        </p:nvSpPr>
-        <p:spPr>
-          <a:xfrm>
-            <a:off x="838080" y="6356520"/>
-            <a:ext cx="2742840" cy="364680"/>
-          </a:xfrm>
-          <a:prstGeom prst="rect">
-            <a:avLst/>
-          </a:prstGeom>
-        </p:spPr>
-        <p:txBody>
-          <a:bodyPr anchor="ctr">
-            <a:noAutofit/>
-          </a:bodyPr>
-          <a:p>
-            <a:pPr>
-              <a:lnSpc>
-                <a:spcPct val="100000"/>
-              </a:lnSpc>
+              </a:buClr>
+              <a:buSzPct val="45000"/>
+              <a:buFont typeface="Wingdings" charset="2"/>
+              <a:buChar char=""/>
             </a:pPr>
-            <a:fld id="{93EFAE96-17AE-45E2-AFE5-66804F924497}" type="datetime">
-              <a:rPr b="0" lang="en-US" sz="1200" spc="-1" strike="noStrike">
-                <a:solidFill>
-                  <a:srgbClr val="8b8b8b"/>
-                </a:solidFill>
-                <a:latin typeface="Calibri"/>
-              </a:rPr>
-              <a:t>3/10/22</a:t>
-            </a:fld>
-            <a:endParaRPr b="0" lang="en-US" sz="1200" spc="-1" strike="noStrike">
-              <a:latin typeface="Times New Roman"/>
-            </a:endParaRPr>
-          </a:p>
-        </p:txBody>
-      </p:sp>
-      <p:sp>
-        <p:nvSpPr>
-          <p:cNvPr id="44" name="PlaceHolder 4"/>
-          <p:cNvSpPr>
-            <a:spLocks noGrp="1"/>
-          </p:cNvSpPr>
-          <p:nvPr>
-            <p:ph type="ftr"/>
-          </p:nvPr>
-        </p:nvSpPr>
-        <p:spPr>
-          <a:xfrm>
-            <a:off x="4038480" y="6356520"/>
-            <a:ext cx="4114440" cy="364680"/>
-          </a:xfrm>
-          <a:prstGeom prst="rect">
-            <a:avLst/>
-          </a:prstGeom>
-        </p:spPr>
-        <p:txBody>
-          <a:bodyPr anchor="ctr">
-            <a:noAutofit/>
-          </a:bodyPr>
-          <a:p>
-            <a:endParaRPr b="0" lang="en-US" sz="2400" spc="-1" strike="noStrike">
-              <a:latin typeface="Times New Roman"/>
-            </a:endParaRPr>
-          </a:p>
-        </p:txBody>
-      </p:sp>
-      <p:sp>
-        <p:nvSpPr>
-          <p:cNvPr id="45" name="PlaceHolder 5"/>
-          <p:cNvSpPr>
-            <a:spLocks noGrp="1"/>
-          </p:cNvSpPr>
-          <p:nvPr>
-            <p:ph type="sldNum"/>
-          </p:nvPr>
-        </p:nvSpPr>
-        <p:spPr>
-          <a:xfrm>
-            <a:off x="8610480" y="6356520"/>
-            <a:ext cx="2742840" cy="364680"/>
-          </a:xfrm>
-          <a:prstGeom prst="rect">
-            <a:avLst/>
-          </a:prstGeom>
-        </p:spPr>
-        <p:txBody>
-          <a:bodyPr anchor="ctr">
-            <a:noAutofit/>
-          </a:bodyPr>
-          <a:p>
-            <a:pPr algn="r">
-              <a:lnSpc>
-                <a:spcPct val="100000"/>
-              </a:lnSpc>
+            <a:r>
+              <a:rPr b="0" lang="en-US" sz="2000" spc="-1" strike="noStrike">
+                <a:latin typeface="Arial"/>
+              </a:rPr>
+              <a:t>Sixth Outline Level</a:t>
+            </a:r>
+            <a:endParaRPr b="0" lang="en-US" sz="2000" spc="-1" strike="noStrike">
+              <a:latin typeface="Arial"/>
+            </a:endParaRPr>
+          </a:p>
+          <a:p>
+            <a:pPr lvl="6" marL="3024000" indent="-216000">
+              <a:spcBef>
+                <a:spcPts val="283"/>
+              </a:spcBef>
+              <a:buClr>
+                <a:srgbClr val="000000"/>
+              </a:buClr>
+              <a:buSzPct val="45000"/>
+              <a:buFont typeface="Wingdings" charset="2"/>
+              <a:buChar char=""/>
             </a:pPr>
-            <a:fld id="{BC9D8EAE-3495-4BC0-87C3-F825E52C27A7}" type="slidenum">
-              <a:rPr b="0" lang="en-US" sz="1200" spc="-1" strike="noStrike">
-                <a:solidFill>
-                  <a:srgbClr val="8b8b8b"/>
-                </a:solidFill>
-                <a:latin typeface="Calibri"/>
-              </a:rPr>
-              <a:t>&lt;number&gt;</a:t>
-            </a:fld>
-            <a:endParaRPr b="0" lang="en-US" sz="1200" spc="-1" strike="noStrike">
-              <a:latin typeface="Times New Roman"/>
+            <a:r>
+              <a:rPr b="0" lang="en-US" sz="2000" spc="-1" strike="noStrike">
+                <a:latin typeface="Arial"/>
+              </a:rPr>
+              <a:t>Seventh Outline Level</a:t>
+            </a:r>
+            <a:endParaRPr b="0" lang="en-US" sz="2000" spc="-1" strike="noStrike">
+              <a:latin typeface="Arial"/>
             </a:endParaRPr>
           </a:p>
         </p:txBody>
@@ -5819,437 +4043,6 @@
     <p:sldLayoutId id="2147483671" r:id="rId11"/>
     <p:sldLayoutId id="2147483672" r:id="rId12"/>
     <p:sldLayoutId id="2147483673" r:id="rId13"/>
-  </p:sldLayoutIdLst>
-</p:sldMaster>
-</file>
-
-<file path=ppt/slideMasters/slideMaster3.xml><?xml version="1.0" encoding="utf-8"?>
-<p:sldMaster xmlns:a="http://schemas.openxmlformats.org/drawingml/2006/main" xmlns:p="http://schemas.openxmlformats.org/presentationml/2006/main" xmlns:r="http://schemas.openxmlformats.org/officeDocument/2006/relationships" xmlns:p14="http://schemas.microsoft.com/office/powerpoint/2010/main" xmlns:p15="http://schemas.microsoft.com/office/powerpoint/2012/main" xmlns:mc="http://schemas.openxmlformats.org/markup-compatibility/2006">
-  <p:cSld>
-    <p:bg>
-      <p:bgPr>
-        <a:solidFill>
-          <a:srgbClr val="ffffff"/>
-        </a:solidFill>
-      </p:bgPr>
-    </p:bg>
-    <p:spTree>
-      <p:nvGrpSpPr>
-        <p:cNvPr id="1" name=""/>
-        <p:cNvGrpSpPr/>
-        <p:nvPr/>
-      </p:nvGrpSpPr>
-      <p:grpSpPr>
-        <a:xfrm>
-          <a:off x="0" y="0"/>
-          <a:ext cx="0" cy="0"/>
-          <a:chOff x="0" y="0"/>
-          <a:chExt cx="0" cy="0"/>
-        </a:xfrm>
-      </p:grpSpPr>
-      <p:sp>
-        <p:nvSpPr>
-          <p:cNvPr id="82" name="PlaceHolder 1"/>
-          <p:cNvSpPr>
-            <a:spLocks noGrp="1"/>
-          </p:cNvSpPr>
-          <p:nvPr>
-            <p:ph type="title"/>
-          </p:nvPr>
-        </p:nvSpPr>
-        <p:spPr>
-          <a:xfrm>
-            <a:off x="410400" y="478800"/>
-            <a:ext cx="9863640" cy="575640"/>
-          </a:xfrm>
-          <a:prstGeom prst="rect">
-            <a:avLst/>
-          </a:prstGeom>
-        </p:spPr>
-        <p:txBody>
-          <a:bodyPr lIns="0" rIns="324000" tIns="0" bIns="14400">
-            <a:noAutofit/>
-          </a:bodyPr>
-          <a:p>
-            <a:pPr>
-              <a:lnSpc>
-                <a:spcPct val="90000"/>
-              </a:lnSpc>
-            </a:pPr>
-            <a:r>
-              <a:rPr b="1" lang="en-US" sz="2000" spc="-1" strike="noStrike">
-                <a:solidFill>
-                  <a:srgbClr val="009999"/>
-                </a:solidFill>
-                <a:latin typeface="Arial"/>
-              </a:rPr>
-              <a:t>Click to edit Master title style</a:t>
-            </a:r>
-            <a:endParaRPr b="0" lang="en-US" sz="2000" spc="-1" strike="noStrike">
-              <a:solidFill>
-                <a:srgbClr val="000000"/>
-              </a:solidFill>
-              <a:latin typeface="Arial"/>
-            </a:endParaRPr>
-          </a:p>
-        </p:txBody>
-      </p:sp>
-      <p:sp>
-        <p:nvSpPr>
-          <p:cNvPr id="83" name="PlaceHolder 2"/>
-          <p:cNvSpPr>
-            <a:spLocks noGrp="1"/>
-          </p:cNvSpPr>
-          <p:nvPr>
-            <p:ph type="body"/>
-          </p:nvPr>
-        </p:nvSpPr>
-        <p:spPr>
-          <a:xfrm>
-            <a:off x="411120" y="1414800"/>
-            <a:ext cx="7198920" cy="4751640"/>
-          </a:xfrm>
-          <a:prstGeom prst="rect">
-            <a:avLst/>
-          </a:prstGeom>
-        </p:spPr>
-        <p:txBody>
-          <a:bodyPr lIns="0" rIns="0" tIns="0" bIns="0">
-            <a:noAutofit/>
-          </a:bodyPr>
-          <a:p>
-            <a:pPr>
-              <a:lnSpc>
-                <a:spcPct val="110000"/>
-              </a:lnSpc>
-              <a:spcAft>
-                <a:spcPts val="300"/>
-              </a:spcAft>
-              <a:tabLst>
-                <a:tab algn="l" pos="0"/>
-              </a:tabLst>
-            </a:pPr>
-            <a:r>
-              <a:rPr b="0" lang="en-US" sz="1800" spc="-1" strike="noStrike">
-                <a:solidFill>
-                  <a:srgbClr val="000000"/>
-                </a:solidFill>
-                <a:latin typeface="Arial"/>
-              </a:rPr>
-              <a:t>Click to edit Master text styles</a:t>
-            </a:r>
-            <a:endParaRPr b="0" lang="en-US" sz="1800" spc="-1" strike="noStrike">
-              <a:solidFill>
-                <a:srgbClr val="000000"/>
-              </a:solidFill>
-              <a:latin typeface="Arial"/>
-            </a:endParaRPr>
-          </a:p>
-          <a:p>
-            <a:pPr lvl="1" marL="180000" indent="-179640">
-              <a:lnSpc>
-                <a:spcPct val="110000"/>
-              </a:lnSpc>
-              <a:spcAft>
-                <a:spcPts val="300"/>
-              </a:spcAft>
-              <a:buClr>
-                <a:srgbClr val="009999"/>
-              </a:buClr>
-              <a:buFont typeface="Arial"/>
-              <a:buChar char="•"/>
-              <a:tabLst>
-                <a:tab algn="l" pos="0"/>
-              </a:tabLst>
-            </a:pPr>
-            <a:r>
-              <a:rPr b="0" lang="en-US" sz="1800" spc="-1" strike="noStrike">
-                <a:solidFill>
-                  <a:srgbClr val="000000"/>
-                </a:solidFill>
-                <a:latin typeface="Arial"/>
-              </a:rPr>
-              <a:t>Second level</a:t>
-            </a:r>
-            <a:endParaRPr b="0" lang="en-US" sz="1800" spc="-1" strike="noStrike">
-              <a:solidFill>
-                <a:srgbClr val="000000"/>
-              </a:solidFill>
-              <a:latin typeface="Arial"/>
-            </a:endParaRPr>
-          </a:p>
-          <a:p>
-            <a:pPr lvl="2" marL="360000" indent="-179640">
-              <a:lnSpc>
-                <a:spcPct val="110000"/>
-              </a:lnSpc>
-              <a:spcAft>
-                <a:spcPts val="300"/>
-              </a:spcAft>
-              <a:buClr>
-                <a:srgbClr val="009999"/>
-              </a:buClr>
-              <a:buFont typeface="Arial"/>
-              <a:buChar char="•"/>
-              <a:tabLst>
-                <a:tab algn="l" pos="0"/>
-              </a:tabLst>
-            </a:pPr>
-            <a:r>
-              <a:rPr b="0" lang="en-US" sz="1800" spc="-1" strike="noStrike">
-                <a:solidFill>
-                  <a:srgbClr val="000000"/>
-                </a:solidFill>
-                <a:latin typeface="Arial"/>
-              </a:rPr>
-              <a:t>Third level</a:t>
-            </a:r>
-            <a:endParaRPr b="0" lang="en-US" sz="1800" spc="-1" strike="noStrike">
-              <a:solidFill>
-                <a:srgbClr val="000000"/>
-              </a:solidFill>
-              <a:latin typeface="Arial"/>
-            </a:endParaRPr>
-          </a:p>
-          <a:p>
-            <a:pPr lvl="3" marL="540000" indent="-179640">
-              <a:lnSpc>
-                <a:spcPct val="110000"/>
-              </a:lnSpc>
-              <a:spcAft>
-                <a:spcPts val="300"/>
-              </a:spcAft>
-              <a:buClr>
-                <a:srgbClr val="009999"/>
-              </a:buClr>
-              <a:buFont typeface="Arial"/>
-              <a:buChar char="•"/>
-              <a:tabLst>
-                <a:tab algn="l" pos="0"/>
-              </a:tabLst>
-            </a:pPr>
-            <a:r>
-              <a:rPr b="0" lang="en-US" sz="1800" spc="-1" strike="noStrike">
-                <a:solidFill>
-                  <a:srgbClr val="000000"/>
-                </a:solidFill>
-                <a:latin typeface="Arial"/>
-              </a:rPr>
-              <a:t>Fourth level</a:t>
-            </a:r>
-            <a:endParaRPr b="0" lang="en-US" sz="1800" spc="-1" strike="noStrike">
-              <a:solidFill>
-                <a:srgbClr val="000000"/>
-              </a:solidFill>
-              <a:latin typeface="Arial"/>
-            </a:endParaRPr>
-          </a:p>
-          <a:p>
-            <a:pPr lvl="4" marL="720000" indent="-179640">
-              <a:lnSpc>
-                <a:spcPct val="110000"/>
-              </a:lnSpc>
-              <a:spcAft>
-                <a:spcPts val="300"/>
-              </a:spcAft>
-              <a:buClr>
-                <a:srgbClr val="009999"/>
-              </a:buClr>
-              <a:buFont typeface="Arial"/>
-              <a:buChar char="•"/>
-              <a:tabLst>
-                <a:tab algn="l" pos="0"/>
-              </a:tabLst>
-            </a:pPr>
-            <a:r>
-              <a:rPr b="0" lang="en-US" sz="1800" spc="-1" strike="noStrike">
-                <a:solidFill>
-                  <a:srgbClr val="000000"/>
-                </a:solidFill>
-                <a:latin typeface="Arial"/>
-              </a:rPr>
-              <a:t>Fifth level</a:t>
-            </a:r>
-            <a:endParaRPr b="0" lang="en-US" sz="1800" spc="-1" strike="noStrike">
-              <a:solidFill>
-                <a:srgbClr val="000000"/>
-              </a:solidFill>
-              <a:latin typeface="Arial"/>
-            </a:endParaRPr>
-          </a:p>
-          <a:p>
-            <a:pPr lvl="5" marL="900000" indent="-179640">
-              <a:lnSpc>
-                <a:spcPct val="110000"/>
-              </a:lnSpc>
-              <a:spcAft>
-                <a:spcPts val="300"/>
-              </a:spcAft>
-              <a:buClr>
-                <a:srgbClr val="009999"/>
-              </a:buClr>
-              <a:buFont typeface="Arial"/>
-              <a:buChar char="•"/>
-              <a:tabLst>
-                <a:tab algn="l" pos="0"/>
-              </a:tabLst>
-            </a:pPr>
-            <a:r>
-              <a:rPr b="0" lang="en-US" sz="1800" spc="-1" strike="noStrike">
-                <a:solidFill>
-                  <a:srgbClr val="000000"/>
-                </a:solidFill>
-                <a:latin typeface="Arial"/>
-              </a:rPr>
-              <a:t>Sixth level</a:t>
-            </a:r>
-            <a:endParaRPr b="0" lang="en-US" sz="1800" spc="-1" strike="noStrike">
-              <a:solidFill>
-                <a:srgbClr val="000000"/>
-              </a:solidFill>
-              <a:latin typeface="Arial"/>
-            </a:endParaRPr>
-          </a:p>
-          <a:p>
-            <a:pPr lvl="6" marL="1080000" indent="-179640">
-              <a:lnSpc>
-                <a:spcPct val="110000"/>
-              </a:lnSpc>
-              <a:spcAft>
-                <a:spcPts val="300"/>
-              </a:spcAft>
-              <a:buClr>
-                <a:srgbClr val="009999"/>
-              </a:buClr>
-              <a:buFont typeface="Arial"/>
-              <a:buChar char="•"/>
-              <a:tabLst>
-                <a:tab algn="l" pos="0"/>
-              </a:tabLst>
-            </a:pPr>
-            <a:r>
-              <a:rPr b="0" lang="en-US" sz="1800" spc="-1" strike="noStrike">
-                <a:solidFill>
-                  <a:srgbClr val="000000"/>
-                </a:solidFill>
-                <a:latin typeface="Arial"/>
-              </a:rPr>
-              <a:t>Seventh level</a:t>
-            </a:r>
-            <a:endParaRPr b="0" lang="en-US" sz="1800" spc="-1" strike="noStrike">
-              <a:solidFill>
-                <a:srgbClr val="000000"/>
-              </a:solidFill>
-              <a:latin typeface="Arial"/>
-            </a:endParaRPr>
-          </a:p>
-          <a:p>
-            <a:pPr lvl="7" marL="1260000" indent="-179640">
-              <a:lnSpc>
-                <a:spcPct val="110000"/>
-              </a:lnSpc>
-              <a:spcAft>
-                <a:spcPts val="300"/>
-              </a:spcAft>
-              <a:buClr>
-                <a:srgbClr val="009999"/>
-              </a:buClr>
-              <a:buFont typeface="Arial"/>
-              <a:buChar char="•"/>
-              <a:tabLst>
-                <a:tab algn="l" pos="0"/>
-              </a:tabLst>
-            </a:pPr>
-            <a:r>
-              <a:rPr b="0" lang="en-US" sz="1800" spc="-1" strike="noStrike">
-                <a:solidFill>
-                  <a:srgbClr val="000000"/>
-                </a:solidFill>
-                <a:latin typeface="Arial"/>
-              </a:rPr>
-              <a:t>Eighth level</a:t>
-            </a:r>
-            <a:endParaRPr b="0" lang="en-US" sz="1800" spc="-1" strike="noStrike">
-              <a:solidFill>
-                <a:srgbClr val="000000"/>
-              </a:solidFill>
-              <a:latin typeface="Arial"/>
-            </a:endParaRPr>
-          </a:p>
-          <a:p>
-            <a:pPr lvl="8" marL="1440000" indent="-179640">
-              <a:lnSpc>
-                <a:spcPct val="110000"/>
-              </a:lnSpc>
-              <a:spcAft>
-                <a:spcPts val="300"/>
-              </a:spcAft>
-              <a:buClr>
-                <a:srgbClr val="009999"/>
-              </a:buClr>
-              <a:buFont typeface="Arial"/>
-              <a:buChar char="•"/>
-              <a:tabLst>
-                <a:tab algn="l" pos="0"/>
-              </a:tabLst>
-            </a:pPr>
-            <a:r>
-              <a:rPr b="0" lang="en-US" sz="1800" spc="-1" strike="noStrike">
-                <a:solidFill>
-                  <a:srgbClr val="000000"/>
-                </a:solidFill>
-                <a:latin typeface="Arial"/>
-              </a:rPr>
-              <a:t>Ninth level</a:t>
-            </a:r>
-            <a:endParaRPr b="0" lang="en-US" sz="1800" spc="-1" strike="noStrike">
-              <a:solidFill>
-                <a:srgbClr val="000000"/>
-              </a:solidFill>
-              <a:latin typeface="Arial"/>
-            </a:endParaRPr>
-          </a:p>
-        </p:txBody>
-      </p:sp>
-      <p:pic>
-        <p:nvPicPr>
-          <p:cNvPr id="84" name="Siemens Logo" descr=""/>
-          <p:cNvPicPr/>
-          <p:nvPr/>
-        </p:nvPicPr>
-        <p:blipFill>
-          <a:blip r:embed="rId2"/>
-          <a:stretch/>
-        </p:blipFill>
-        <p:spPr>
-          <a:xfrm>
-            <a:off x="10635120" y="6418800"/>
-            <a:ext cx="1151640" cy="182880"/>
-          </a:xfrm>
-          <a:prstGeom prst="rect">
-            <a:avLst/>
-          </a:prstGeom>
-          <a:ln w="0">
-            <a:noFill/>
-          </a:ln>
-        </p:spPr>
-      </p:pic>
-    </p:spTree>
-  </p:cSld>
-  <p:clrMap bg1="lt1" bg2="lt2" tx1="dk1" tx2="dk2" accent1="accent1" accent2="accent2" accent3="accent3" accent4="accent4" accent5="accent5" accent6="accent6" hlink="hlink" folHlink="folHlink"/>
-  <p:sldLayoutIdLst>
-    <p:sldLayoutId id="2147483675" r:id="rId3"/>
-    <p:sldLayoutId id="2147483676" r:id="rId4"/>
-    <p:sldLayoutId id="2147483677" r:id="rId5"/>
-    <p:sldLayoutId id="2147483678" r:id="rId6"/>
-    <p:sldLayoutId id="2147483679" r:id="rId7"/>
-    <p:sldLayoutId id="2147483680" r:id="rId8"/>
-    <p:sldLayoutId id="2147483681" r:id="rId9"/>
-    <p:sldLayoutId id="2147483682" r:id="rId10"/>
-    <p:sldLayoutId id="2147483683" r:id="rId11"/>
-    <p:sldLayoutId id="2147483684" r:id="rId12"/>
-    <p:sldLayoutId id="2147483685" r:id="rId13"/>
-    <p:sldLayoutId id="2147483686" r:id="rId14"/>
   </p:sldLayoutIdLst>
 </p:sldMaster>
 </file>
@@ -6273,14 +4066,14 @@
       </p:grpSpPr>
       <p:sp>
         <p:nvSpPr>
-          <p:cNvPr id="127" name="TextShape 1"/>
-          <p:cNvSpPr txBox="1"/>
+          <p:cNvPr id="82" name="CustomShape 1"/>
+          <p:cNvSpPr/>
           <p:nvPr/>
         </p:nvSpPr>
         <p:spPr>
           <a:xfrm>
             <a:off x="219960" y="770760"/>
-            <a:ext cx="11683800" cy="1588680"/>
+            <a:ext cx="11683440" cy="1588320"/>
           </a:xfrm>
           <a:prstGeom prst="rect">
             <a:avLst/>
@@ -6290,8 +4083,14 @@
             <a:noFill/>
           </a:ln>
         </p:spPr>
-        <p:txBody>
-          <a:bodyPr anchor="b">
+        <p:style>
+          <a:lnRef idx="0"/>
+          <a:fillRef idx="0"/>
+          <a:effectRef idx="0"/>
+          <a:fontRef idx="minor"/>
+        </p:style>
+        <p:txBody>
+          <a:bodyPr lIns="90000" rIns="90000" tIns="45000" bIns="45000" anchor="b">
             <a:normAutofit fontScale="77000"/>
           </a:bodyPr>
           <a:p>
@@ -6319,25 +4118,22 @@
               </a:rPr>
               <a:t>Alternative Enrollment Protocols in BRSKI</a:t>
             </a:r>
-            <a:endParaRPr b="0" lang="de-DE" sz="4400" spc="-1" strike="noStrike">
-              <a:solidFill>
-                <a:srgbClr val="000000"/>
-              </a:solidFill>
-              <a:latin typeface="Calibri"/>
-            </a:endParaRPr>
-          </a:p>
-        </p:txBody>
-      </p:sp>
-      <p:sp>
-        <p:nvSpPr>
-          <p:cNvPr id="128" name="TextShape 2"/>
-          <p:cNvSpPr txBox="1"/>
+            <a:endParaRPr b="0" lang="en-US" sz="4400" spc="-1" strike="noStrike">
+              <a:latin typeface="Arial"/>
+            </a:endParaRPr>
+          </a:p>
+        </p:txBody>
+      </p:sp>
+      <p:sp>
+        <p:nvSpPr>
+          <p:cNvPr id="83" name="CustomShape 2"/>
+          <p:cNvSpPr/>
           <p:nvPr/>
         </p:nvSpPr>
         <p:spPr>
           <a:xfrm>
             <a:off x="432720" y="2359800"/>
-            <a:ext cx="11471040" cy="4158720"/>
+            <a:ext cx="11470680" cy="4158360"/>
           </a:xfrm>
           <a:prstGeom prst="rect">
             <a:avLst/>
@@ -6347,8 +4143,14 @@
             <a:noFill/>
           </a:ln>
         </p:spPr>
-        <p:txBody>
-          <a:bodyPr>
+        <p:style>
+          <a:lnRef idx="0"/>
+          <a:fillRef idx="0"/>
+          <a:effectRef idx="0"/>
+          <a:fontRef idx="minor"/>
+        </p:style>
+        <p:txBody>
+          <a:bodyPr lIns="90000" rIns="90000" tIns="45000" bIns="45000">
             <a:normAutofit/>
           </a:bodyPr>
           <a:p>
@@ -6363,16 +4165,7 @@
                 <a:tab algn="l" pos="0"/>
               </a:tabLst>
             </a:pPr>
-            <a:r>
-              <a:rPr b="0" lang="en-US" sz="2400" spc="-1" strike="noStrike">
-                <a:solidFill>
-                  <a:srgbClr val="000000"/>
-                </a:solidFill>
-                <a:latin typeface="Calibri"/>
-              </a:rPr>
-              <a:t>draft-ietf-anima-brski-async-enroll-05</a:t>
-            </a:r>
-            <a:endParaRPr b="0" lang="en-US" sz="2400" spc="-1" strike="noStrike">
+            <a:endParaRPr b="0" lang="en-US" sz="1800" spc="-1" strike="noStrike">
               <a:latin typeface="Arial"/>
             </a:endParaRPr>
           </a:p>
@@ -6394,8 +4187,18 @@
                   <a:srgbClr val="000000"/>
                 </a:solidFill>
                 <a:latin typeface="Calibri"/>
-              </a:rPr>
-              <a:t>David von Oheimb, Steffen Fries, Hendrik Brockhaus, Elliot Lear</a:t>
+                <a:hlinkClick r:id="rId1"/>
+              </a:rPr>
+              <a:t>draft-ietf-anima-brski-async-enroll</a:t>
+            </a:r>
+            <a:r>
+              <a:rPr b="0" lang="en-US" sz="2400" spc="-1" strike="noStrike">
+                <a:solidFill>
+                  <a:srgbClr val="000000"/>
+                </a:solidFill>
+                <a:latin typeface="Calibri"/>
+              </a:rPr>
+              <a:t>-05</a:t>
             </a:r>
             <a:endParaRPr b="0" lang="en-US" sz="2400" spc="-1" strike="noStrike">
               <a:latin typeface="Arial"/>
@@ -6413,6 +4216,117 @@
                 <a:tab algn="l" pos="0"/>
               </a:tabLst>
             </a:pPr>
+            <a:endParaRPr b="0" lang="en-US" sz="2400" spc="-1" strike="noStrike">
+              <a:latin typeface="Arial"/>
+            </a:endParaRPr>
+          </a:p>
+          <a:p>
+            <a:pPr algn="ctr">
+              <a:lnSpc>
+                <a:spcPct val="90000"/>
+              </a:lnSpc>
+              <a:spcBef>
+                <a:spcPts val="1001"/>
+              </a:spcBef>
+              <a:tabLst>
+                <a:tab algn="l" pos="0"/>
+              </a:tabLst>
+            </a:pPr>
+            <a:r>
+              <a:rPr b="0" lang="en-US" sz="2400" spc="-1" strike="noStrike">
+                <a:solidFill>
+                  <a:srgbClr val="000000"/>
+                </a:solidFill>
+                <a:latin typeface="Calibri"/>
+              </a:rPr>
+              <a:t>Repo so far: </a:t>
+            </a:r>
+            <a:r>
+              <a:rPr b="0" lang="en-US" sz="2400" spc="-1" strike="noStrike">
+                <a:solidFill>
+                  <a:srgbClr val="808080"/>
+                </a:solidFill>
+                <a:latin typeface="FreeMono"/>
+                <a:hlinkClick r:id="rId2"/>
+              </a:rPr>
+              <a:t>https://github.com/anima-wg/anima-brski-async-enroll</a:t>
+            </a:r>
+            <a:endParaRPr b="0" lang="en-US" sz="2400" spc="-1" strike="noStrike">
+              <a:latin typeface="Arial"/>
+            </a:endParaRPr>
+          </a:p>
+          <a:p>
+            <a:pPr algn="ctr">
+              <a:lnSpc>
+                <a:spcPct val="90000"/>
+              </a:lnSpc>
+              <a:spcBef>
+                <a:spcPts val="1001"/>
+              </a:spcBef>
+              <a:tabLst>
+                <a:tab algn="l" pos="0"/>
+              </a:tabLst>
+            </a:pPr>
+            <a:r>
+              <a:rPr b="0" lang="en-US" sz="2400" spc="-1" strike="noStrike">
+                <a:solidFill>
+                  <a:srgbClr val="000000"/>
+                </a:solidFill>
+                <a:latin typeface="Calibri"/>
+              </a:rPr>
+              <a:t>Proposed new repo URL: </a:t>
+            </a:r>
+            <a:r>
+              <a:rPr b="1" lang="en-US" sz="2400" spc="-1" strike="noStrike">
+                <a:solidFill>
+                  <a:srgbClr val="000000"/>
+                </a:solidFill>
+                <a:latin typeface="FreeMono"/>
+                <a:hlinkClick r:id="rId3"/>
+              </a:rPr>
+              <a:t>https://github.com/anima-wg/anima-brski-ae</a:t>
+            </a:r>
+            <a:endParaRPr b="0" lang="en-US" sz="2400" spc="-1" strike="noStrike">
+              <a:latin typeface="Arial"/>
+            </a:endParaRPr>
+          </a:p>
+          <a:p>
+            <a:pPr algn="ctr">
+              <a:lnSpc>
+                <a:spcPct val="90000"/>
+              </a:lnSpc>
+              <a:spcBef>
+                <a:spcPts val="1001"/>
+              </a:spcBef>
+              <a:tabLst>
+                <a:tab algn="l" pos="0"/>
+              </a:tabLst>
+            </a:pPr>
+            <a:endParaRPr b="0" lang="en-US" sz="2400" spc="-1" strike="noStrike">
+              <a:latin typeface="Arial"/>
+            </a:endParaRPr>
+          </a:p>
+          <a:p>
+            <a:pPr algn="ctr">
+              <a:lnSpc>
+                <a:spcPct val="90000"/>
+              </a:lnSpc>
+              <a:spcBef>
+                <a:spcPts val="1001"/>
+              </a:spcBef>
+              <a:tabLst>
+                <a:tab algn="l" pos="0"/>
+              </a:tabLst>
+            </a:pPr>
+            <a:r>
+              <a:rPr b="0" lang="en-US" sz="2400" spc="-1" strike="noStrike">
+                <a:solidFill>
+                  <a:srgbClr val="000000"/>
+                </a:solidFill>
+                <a:latin typeface="Calibri"/>
+              </a:rPr>
+              <a:t>David von Oheimb, Steffen Fries, Hendrik Brockhaus, Eliot Lear</a:t>
+            </a:r>
             <a:endParaRPr b="0" lang="en-US" sz="2400" spc="-1" strike="noStrike">
               <a:latin typeface="Arial"/>
             </a:endParaRPr>
@@ -6533,14 +4447,44 @@
       </p:grpSpPr>
       <p:sp>
         <p:nvSpPr>
-          <p:cNvPr id="129" name="CustomShape 1"/>
+          <p:cNvPr id="84" name="CustomShape 1"/>
           <p:cNvSpPr/>
           <p:nvPr/>
         </p:nvSpPr>
         <p:spPr>
           <a:xfrm>
+            <a:off x="9000000" y="1826640"/>
+            <a:ext cx="1659960" cy="4833000"/>
+          </a:xfrm>
+          <a:prstGeom prst="rect">
+            <a:avLst/>
+          </a:prstGeom>
+          <a:solidFill>
+            <a:srgbClr val="dddddd">
+              <a:alpha val="38000"/>
+            </a:srgbClr>
+          </a:solidFill>
+          <a:ln w="12700">
+            <a:noFill/>
+          </a:ln>
+        </p:spPr>
+        <p:style>
+          <a:lnRef idx="0"/>
+          <a:fillRef idx="0"/>
+          <a:effectRef idx="0"/>
+          <a:fontRef idx="minor"/>
+        </p:style>
+      </p:sp>
+      <p:sp>
+        <p:nvSpPr>
+          <p:cNvPr id="85" name="CustomShape 2"/>
+          <p:cNvSpPr/>
+          <p:nvPr/>
+        </p:nvSpPr>
+        <p:spPr>
+          <a:xfrm>
             <a:off x="2023560" y="1835640"/>
-            <a:ext cx="2717640" cy="4824360"/>
+            <a:ext cx="2717280" cy="4824000"/>
           </a:xfrm>
           <a:prstGeom prst="rect">
             <a:avLst/>
@@ -6563,14 +4507,14 @@
       </p:sp>
       <p:sp>
         <p:nvSpPr>
-          <p:cNvPr id="130" name="CustomShape 2"/>
+          <p:cNvPr id="86" name="CustomShape 3"/>
           <p:cNvSpPr/>
           <p:nvPr/>
         </p:nvSpPr>
         <p:spPr>
           <a:xfrm>
             <a:off x="1997640" y="2601000"/>
-            <a:ext cx="2777760" cy="1327320"/>
+            <a:ext cx="2777400" cy="1326960"/>
           </a:xfrm>
           <a:prstGeom prst="rect">
             <a:avLst/>
@@ -6599,14 +4543,14 @@
       </p:sp>
       <p:sp>
         <p:nvSpPr>
-          <p:cNvPr id="131" name="CustomShape 3"/>
+          <p:cNvPr id="87" name="CustomShape 4"/>
           <p:cNvSpPr/>
           <p:nvPr/>
         </p:nvSpPr>
         <p:spPr>
           <a:xfrm>
             <a:off x="2369880" y="2429280"/>
-            <a:ext cx="2102040" cy="329040"/>
+            <a:ext cx="2101680" cy="328680"/>
           </a:xfrm>
           <a:prstGeom prst="rect">
             <a:avLst/>
@@ -6642,44 +4586,9 @@
                   <a:srgbClr val="000000"/>
                 </a:solidFill>
                 <a:latin typeface="Courier New"/>
-              </a:rPr>
-              <a:t>TLS with </a:t>
-            </a:r>
-            <a:r>
-              <a:rPr b="0" lang="en-US" sz="800" spc="-1" strike="noStrike">
-                <a:solidFill>
-                  <a:srgbClr val="000000"/>
-                </a:solidFill>
-                <a:latin typeface="Courier New"/>
-              </a:rPr>
-              <a:t>provisional </a:t>
-            </a:r>
-            <a:r>
-              <a:rPr b="0" lang="en-US" sz="800" spc="-1" strike="noStrike">
-                <a:solidFill>
-                  <a:srgbClr val="000000"/>
-                </a:solidFill>
-                <a:latin typeface="Courier New"/>
-              </a:rPr>
-              <a:t>accept of </a:t>
-            </a:r>
-            <a:r>
-              <a:rPr b="0" lang="en-US" sz="800" spc="-1" strike="noStrike">
-                <a:solidFill>
-                  <a:srgbClr val="000000"/>
-                </a:solidFill>
-                <a:latin typeface="Courier New"/>
-              </a:rPr>
-              <a:t>registrar </a:t>
-            </a:r>
-            <a:r>
-              <a:rPr b="0" lang="en-US" sz="800" spc="-1" strike="noStrike">
-                <a:solidFill>
-                  <a:srgbClr val="000000"/>
-                </a:solidFill>
-                <a:latin typeface="Courier New"/>
-              </a:rPr>
-              <a:t>certificate</a:t>
+                <a:ea typeface="DejaVu Sans"/>
+              </a:rPr>
+              <a:t>TLS with provisional accept of registrar certificate</a:t>
             </a:r>
             <a:endParaRPr b="0" lang="en-US" sz="800" spc="-1" strike="noStrike">
               <a:latin typeface="Arial"/>
@@ -6689,14 +4598,14 @@
       </p:sp>
       <p:sp>
         <p:nvSpPr>
-          <p:cNvPr id="132" name="CustomShape 4"/>
+          <p:cNvPr id="88" name="CustomShape 5"/>
           <p:cNvSpPr/>
           <p:nvPr/>
         </p:nvSpPr>
         <p:spPr>
           <a:xfrm>
             <a:off x="2369880" y="3859560"/>
-            <a:ext cx="2102040" cy="182160"/>
+            <a:ext cx="2101680" cy="181800"/>
           </a:xfrm>
           <a:prstGeom prst="rect">
             <a:avLst/>
@@ -6732,44 +4641,9 @@
                   <a:srgbClr val="000000"/>
                 </a:solidFill>
                 <a:latin typeface="Courier New"/>
-              </a:rPr>
-              <a:t>Accept </a:t>
-            </a:r>
-            <a:r>
-              <a:rPr b="0" lang="en-US" sz="800" spc="-1" strike="noStrike">
-                <a:solidFill>
-                  <a:srgbClr val="000000"/>
-                </a:solidFill>
-                <a:latin typeface="Courier New"/>
-              </a:rPr>
-              <a:t>regist</a:t>
-            </a:r>
-            <a:r>
-              <a:rPr b="0" lang="en-US" sz="800" spc="-1" strike="noStrike">
-                <a:solidFill>
-                  <a:srgbClr val="000000"/>
-                </a:solidFill>
-                <a:latin typeface="Courier New"/>
-              </a:rPr>
-              <a:t>rar </a:t>
-            </a:r>
-            <a:r>
-              <a:rPr b="0" lang="en-US" sz="800" spc="-1" strike="noStrike">
-                <a:solidFill>
-                  <a:srgbClr val="000000"/>
-                </a:solidFill>
-                <a:latin typeface="Courier New"/>
-              </a:rPr>
-              <a:t>certif</a:t>
-            </a:r>
-            <a:r>
-              <a:rPr b="0" lang="en-US" sz="800" spc="-1" strike="noStrike">
-                <a:solidFill>
-                  <a:srgbClr val="000000"/>
-                </a:solidFill>
-                <a:latin typeface="Courier New"/>
-              </a:rPr>
-              <a:t>icate</a:t>
+                <a:ea typeface="DejaVu Sans"/>
+              </a:rPr>
+              <a:t>Accept registrar certificate</a:t>
             </a:r>
             <a:endParaRPr b="0" lang="en-US" sz="800" spc="-1" strike="noStrike">
               <a:latin typeface="Arial"/>
@@ -6779,14 +4653,14 @@
       </p:sp>
       <p:sp>
         <p:nvSpPr>
-          <p:cNvPr id="133" name="CustomShape 5"/>
+          <p:cNvPr id="89" name="CustomShape 6"/>
           <p:cNvSpPr/>
           <p:nvPr/>
         </p:nvSpPr>
         <p:spPr>
           <a:xfrm>
             <a:off x="4790520" y="1826640"/>
-            <a:ext cx="5879520" cy="4833360"/>
+            <a:ext cx="4105440" cy="4833000"/>
           </a:xfrm>
           <a:prstGeom prst="rect">
             <a:avLst/>
@@ -6809,14 +4683,14 @@
       </p:sp>
       <p:sp>
         <p:nvSpPr>
-          <p:cNvPr id="134" name="CustomShape 6"/>
+          <p:cNvPr id="90" name="CustomShape 7"/>
           <p:cNvSpPr/>
           <p:nvPr/>
         </p:nvSpPr>
         <p:spPr>
           <a:xfrm>
             <a:off x="2232000" y="3024000"/>
-            <a:ext cx="2529720" cy="360"/>
+            <a:ext cx="2529360" cy="360"/>
           </a:xfrm>
           <a:custGeom>
             <a:avLst/>
@@ -6852,14 +4726,14 @@
       </p:sp>
       <p:sp>
         <p:nvSpPr>
-          <p:cNvPr id="135" name="CustomShape 7"/>
+          <p:cNvPr id="91" name="CustomShape 8"/>
           <p:cNvSpPr/>
           <p:nvPr/>
         </p:nvSpPr>
         <p:spPr>
           <a:xfrm>
             <a:off x="2198520" y="2838240"/>
-            <a:ext cx="2563200" cy="212040"/>
+            <a:ext cx="2562840" cy="211680"/>
           </a:xfrm>
           <a:prstGeom prst="rect">
             <a:avLst/>
@@ -6891,6 +4765,7 @@
                   <a:srgbClr val="000000"/>
                 </a:solidFill>
                 <a:latin typeface="Courier New"/>
+                <a:ea typeface="DejaVu Sans"/>
               </a:rPr>
               <a:t>Voucher-request {S/N, reg-cert, …}</a:t>
             </a:r>
@@ -6902,14 +4777,14 @@
       </p:sp>
       <p:sp>
         <p:nvSpPr>
-          <p:cNvPr id="136" name="CustomShape 8"/>
+          <p:cNvPr id="92" name="CustomShape 9"/>
           <p:cNvSpPr/>
           <p:nvPr/>
         </p:nvSpPr>
         <p:spPr>
           <a:xfrm flipH="1">
-            <a:off x="2263320" y="3822840"/>
-            <a:ext cx="2498400" cy="360"/>
+            <a:off x="2262600" y="3822840"/>
+            <a:ext cx="2498040" cy="360"/>
           </a:xfrm>
           <a:custGeom>
             <a:avLst/>
@@ -6945,14 +4820,14 @@
       </p:sp>
       <p:sp>
         <p:nvSpPr>
-          <p:cNvPr id="137" name="CustomShape 9"/>
+          <p:cNvPr id="93" name="CustomShape 10"/>
           <p:cNvSpPr/>
           <p:nvPr/>
         </p:nvSpPr>
         <p:spPr>
           <a:xfrm>
             <a:off x="5352120" y="2267640"/>
-            <a:ext cx="1821960" cy="578520"/>
+            <a:ext cx="1821600" cy="577080"/>
           </a:xfrm>
           <a:prstGeom prst="rect">
             <a:avLst/>
@@ -6969,11 +4844,11 @@
           <a:fontRef idx="minor"/>
         </p:style>
         <p:txBody>
-          <a:bodyPr>
+          <a:bodyPr lIns="90000" rIns="90000" tIns="45000" bIns="45000">
             <a:spAutoFit/>
           </a:bodyPr>
           <a:p>
-            <a:pPr marL="84960" indent="-84600">
+            <a:pPr marL="84960" indent="-84240">
               <a:lnSpc>
                 <a:spcPct val="100000"/>
               </a:lnSpc>
@@ -6989,6 +4864,7 @@
                   <a:srgbClr val="000000"/>
                 </a:solidFill>
                 <a:latin typeface="Courier New"/>
+                <a:ea typeface="DejaVu Sans"/>
               </a:rPr>
               <a:t>S/N verification</a:t>
             </a:r>
@@ -6997,7 +4873,7 @@
             </a:endParaRPr>
           </a:p>
           <a:p>
-            <a:pPr marL="84960" indent="-84600">
+            <a:pPr marL="84960" indent="-84240">
               <a:lnSpc>
                 <a:spcPct val="100000"/>
               </a:lnSpc>
@@ -7013,6 +4889,7 @@
                   <a:srgbClr val="000000"/>
                 </a:solidFill>
                 <a:latin typeface="Courier New"/>
+                <a:ea typeface="DejaVu Sans"/>
               </a:rPr>
               <a:t>Verification of pledge signature and IDevID (pledge)</a:t>
             </a:r>
@@ -7024,14 +4901,14 @@
       </p:sp>
       <p:sp>
         <p:nvSpPr>
-          <p:cNvPr id="138" name="CustomShape 10"/>
+          <p:cNvPr id="94" name="CustomShape 11"/>
           <p:cNvSpPr/>
           <p:nvPr/>
         </p:nvSpPr>
         <p:spPr>
           <a:xfrm flipV="1">
-            <a:off x="5580360" y="3177720"/>
-            <a:ext cx="5084640" cy="7560"/>
+            <a:off x="5580360" y="3177360"/>
+            <a:ext cx="5084280" cy="7200"/>
           </a:xfrm>
           <a:custGeom>
             <a:avLst/>
@@ -7067,14 +4944,14 @@
       </p:sp>
       <p:sp>
         <p:nvSpPr>
-          <p:cNvPr id="139" name="CustomShape 11"/>
+          <p:cNvPr id="95" name="CustomShape 12"/>
           <p:cNvSpPr/>
           <p:nvPr/>
         </p:nvSpPr>
         <p:spPr>
           <a:xfrm>
             <a:off x="6446880" y="3008880"/>
-            <a:ext cx="3071520" cy="212040"/>
+            <a:ext cx="3071160" cy="211680"/>
           </a:xfrm>
           <a:prstGeom prst="rect">
             <a:avLst/>
@@ -7106,6 +4983,7 @@
                   <a:srgbClr val="000000"/>
                 </a:solidFill>
                 <a:latin typeface="Courier New"/>
+                <a:ea typeface="DejaVu Sans"/>
               </a:rPr>
               <a:t>Voucher-request {prior-signed-voucher, …}</a:t>
             </a:r>
@@ -7117,14 +4995,14 @@
       </p:sp>
       <p:sp>
         <p:nvSpPr>
-          <p:cNvPr id="140" name="CustomShape 12"/>
+          <p:cNvPr id="96" name="CustomShape 13"/>
           <p:cNvSpPr/>
           <p:nvPr/>
         </p:nvSpPr>
         <p:spPr>
           <a:xfrm rot="16200000">
-            <a:off x="10170720" y="2589840"/>
-            <a:ext cx="1798560" cy="700200"/>
+            <a:off x="10170360" y="2590920"/>
+            <a:ext cx="1798200" cy="698760"/>
           </a:xfrm>
           <a:prstGeom prst="rect">
             <a:avLst/>
@@ -7141,11 +5019,11 @@
           <a:fontRef idx="minor"/>
         </p:style>
         <p:txBody>
-          <a:bodyPr>
+          <a:bodyPr lIns="90000" rIns="90000" tIns="45000" bIns="45000">
             <a:spAutoFit/>
           </a:bodyPr>
           <a:p>
-            <a:pPr marL="84960" indent="-84600">
+            <a:pPr marL="84960" indent="-84240">
               <a:lnSpc>
                 <a:spcPct val="100000"/>
               </a:lnSpc>
@@ -7161,6 +5039,7 @@
                   <a:srgbClr val="000000"/>
                 </a:solidFill>
                 <a:latin typeface="Courier New"/>
+                <a:ea typeface="DejaVu Sans"/>
               </a:rPr>
               <a:t>S/N verification</a:t>
             </a:r>
@@ -7169,7 +5048,7 @@
             </a:endParaRPr>
           </a:p>
           <a:p>
-            <a:pPr marL="84960" indent="-84600">
+            <a:pPr marL="84960" indent="-84240">
               <a:lnSpc>
                 <a:spcPct val="100000"/>
               </a:lnSpc>
@@ -7185,6 +5064,7 @@
                   <a:srgbClr val="000000"/>
                 </a:solidFill>
                 <a:latin typeface="Courier New"/>
+                <a:ea typeface="DejaVu Sans"/>
               </a:rPr>
               <a:t>Verification „reg-cert“ in prior-signed-voucher</a:t>
             </a:r>
@@ -7193,7 +5073,7 @@
             </a:endParaRPr>
           </a:p>
           <a:p>
-            <a:pPr marL="84960" indent="-84600">
+            <a:pPr marL="84960" indent="-84240">
               <a:lnSpc>
                 <a:spcPct val="100000"/>
               </a:lnSpc>
@@ -7209,6 +5089,7 @@
                   <a:srgbClr val="000000"/>
                 </a:solidFill>
                 <a:latin typeface="Courier New"/>
+                <a:ea typeface="DejaVu Sans"/>
               </a:rPr>
               <a:t>Issues voucher with assertion proximity</a:t>
             </a:r>
@@ -7220,14 +5101,14 @@
       </p:sp>
       <p:sp>
         <p:nvSpPr>
-          <p:cNvPr id="141" name="CustomShape 13"/>
+          <p:cNvPr id="97" name="CustomShape 14"/>
           <p:cNvSpPr/>
           <p:nvPr/>
         </p:nvSpPr>
         <p:spPr>
           <a:xfrm flipH="1" flipV="1">
-            <a:off x="4794480" y="3725280"/>
-            <a:ext cx="5845320" cy="360"/>
+            <a:off x="4794480" y="3724560"/>
+            <a:ext cx="5844960" cy="360"/>
           </a:xfrm>
           <a:custGeom>
             <a:avLst/>
@@ -7263,14 +5144,14 @@
       </p:sp>
       <p:sp>
         <p:nvSpPr>
-          <p:cNvPr id="142" name="CustomShape 14"/>
+          <p:cNvPr id="98" name="CustomShape 15"/>
           <p:cNvSpPr/>
           <p:nvPr/>
         </p:nvSpPr>
         <p:spPr>
           <a:xfrm>
             <a:off x="6646320" y="3529080"/>
-            <a:ext cx="2131920" cy="212040"/>
+            <a:ext cx="2131560" cy="211680"/>
           </a:xfrm>
           <a:prstGeom prst="rect">
             <a:avLst/>
@@ -7302,6 +5183,7 @@
                   <a:srgbClr val="000000"/>
                 </a:solidFill>
                 <a:latin typeface="Courier New"/>
+                <a:ea typeface="DejaVu Sans"/>
               </a:rPr>
               <a:t>Voucher {reg-cert, assertion, …}</a:t>
             </a:r>
@@ -7313,14 +5195,14 @@
       </p:sp>
       <p:sp>
         <p:nvSpPr>
-          <p:cNvPr id="143" name="CustomShape 15"/>
+          <p:cNvPr id="99" name="CustomShape 16"/>
           <p:cNvSpPr/>
           <p:nvPr/>
         </p:nvSpPr>
         <p:spPr>
           <a:xfrm>
             <a:off x="2157840" y="3646080"/>
-            <a:ext cx="2517120" cy="212040"/>
+            <a:ext cx="2516760" cy="211680"/>
           </a:xfrm>
           <a:prstGeom prst="rect">
             <a:avLst/>
@@ -7352,6 +5234,7 @@
                   <a:srgbClr val="000000"/>
                 </a:solidFill>
                 <a:latin typeface="Courier New"/>
+                <a:ea typeface="DejaVu Sans"/>
               </a:rPr>
               <a:t>Voucher {reg-cert, assertion, …}</a:t>
             </a:r>
@@ -7363,14 +5246,14 @@
       </p:sp>
       <p:sp>
         <p:nvSpPr>
-          <p:cNvPr id="144" name="CustomShape 16"/>
+          <p:cNvPr id="100" name="CustomShape 17"/>
           <p:cNvSpPr/>
           <p:nvPr/>
         </p:nvSpPr>
         <p:spPr>
           <a:xfrm>
             <a:off x="1449360" y="1585800"/>
-            <a:ext cx="913680" cy="532800"/>
+            <a:ext cx="913320" cy="532440"/>
           </a:xfrm>
           <a:prstGeom prst="rect">
             <a:avLst/>
@@ -7407,6 +5290,7 @@
                   <a:srgbClr val="ffffff"/>
                 </a:solidFill>
                 <a:latin typeface="Calibri"/>
+                <a:ea typeface="DejaVu Sans"/>
               </a:rPr>
               <a:t>Pledge (caller)</a:t>
             </a:r>
@@ -7418,14 +5302,14 @@
       </p:sp>
       <p:sp>
         <p:nvSpPr>
-          <p:cNvPr id="145" name="CustomShape 17"/>
+          <p:cNvPr id="101" name="CustomShape 18"/>
           <p:cNvSpPr/>
           <p:nvPr/>
         </p:nvSpPr>
         <p:spPr>
           <a:xfrm>
             <a:off x="3658320" y="1585800"/>
-            <a:ext cx="1823760" cy="527040"/>
+            <a:ext cx="1823400" cy="526680"/>
           </a:xfrm>
           <a:prstGeom prst="rect">
             <a:avLst/>
@@ -7447,7 +5331,7 @@
           <a:fontRef idx="minor"/>
         </p:style>
         <p:txBody>
-          <a:bodyPr anchor="ctr">
+          <a:bodyPr lIns="90000" rIns="90000" tIns="45000" bIns="45000" anchor="ctr">
             <a:noAutofit/>
           </a:bodyPr>
           <a:p>
@@ -7462,6 +5346,7 @@
                   <a:srgbClr val="ffffff"/>
                 </a:solidFill>
                 <a:latin typeface="Calibri"/>
+                <a:ea typeface="DejaVu Sans"/>
               </a:rPr>
               <a:t>Domain Registrar, </a:t>
             </a:r>
@@ -7471,6 +5356,7 @@
                   <a:srgbClr val="ff860d"/>
                 </a:solidFill>
                 <a:latin typeface="Calibri"/>
+                <a:ea typeface="DejaVu Sans"/>
               </a:rPr>
               <a:t>RA /</a:t>
             </a:r>
@@ -7481,6 +5367,7 @@
                   <a:srgbClr val="ff860d"/>
                 </a:solidFill>
                 <a:latin typeface="Calibri"/>
+                <a:ea typeface="DejaVu Sans"/>
               </a:rPr>
               <a:t>LRA / enrollment</a:t>
             </a:r>
@@ -7490,6 +5377,7 @@
                   <a:srgbClr val="ffa6a6"/>
                 </a:solidFill>
                 <a:latin typeface="Calibri"/>
+                <a:ea typeface="DejaVu Sans"/>
               </a:rPr>
               <a:t> </a:t>
             </a:r>
@@ -7499,6 +5387,7 @@
                   <a:srgbClr val="ff860d"/>
                 </a:solidFill>
                 <a:latin typeface="Calibri"/>
+                <a:ea typeface="DejaVu Sans"/>
               </a:rPr>
               <a:t>proxy</a:t>
             </a:r>
@@ -7510,14 +5399,14 @@
       </p:sp>
       <p:sp>
         <p:nvSpPr>
-          <p:cNvPr id="146" name="CustomShape 18"/>
+          <p:cNvPr id="102" name="CustomShape 19"/>
           <p:cNvSpPr/>
           <p:nvPr/>
         </p:nvSpPr>
         <p:spPr>
           <a:xfrm>
             <a:off x="8591760" y="1585800"/>
-            <a:ext cx="608760" cy="549000"/>
+            <a:ext cx="608400" cy="548640"/>
           </a:xfrm>
           <a:prstGeom prst="rect">
             <a:avLst/>
@@ -7539,7 +5428,7 @@
           <a:fontRef idx="minor"/>
         </p:style>
         <p:txBody>
-          <a:bodyPr anchor="ctr">
+          <a:bodyPr lIns="90000" rIns="90000" tIns="45000" bIns="45000" anchor="ctr">
             <a:noAutofit/>
           </a:bodyPr>
           <a:p>
@@ -7554,6 +5443,7 @@
                   <a:srgbClr val="ffffff"/>
                 </a:solidFill>
                 <a:latin typeface="Calibri"/>
+                <a:ea typeface="DejaVu Sans"/>
               </a:rPr>
               <a:t>PKI</a:t>
             </a:r>
@@ -7564,6 +5454,7 @@
                   <a:srgbClr val="ffffff"/>
                 </a:solidFill>
                 <a:latin typeface="Calibri"/>
+                <a:ea typeface="DejaVu Sans"/>
               </a:rPr>
               <a:t>CA</a:t>
             </a:r>
@@ -7575,14 +5466,14 @@
       </p:sp>
       <p:sp>
         <p:nvSpPr>
-          <p:cNvPr id="147" name="CustomShape 19"/>
+          <p:cNvPr id="103" name="CustomShape 20"/>
           <p:cNvSpPr/>
           <p:nvPr/>
         </p:nvSpPr>
         <p:spPr>
           <a:xfrm>
             <a:off x="10209600" y="1585800"/>
-            <a:ext cx="913680" cy="532800"/>
+            <a:ext cx="913320" cy="532440"/>
           </a:xfrm>
           <a:prstGeom prst="rect">
             <a:avLst/>
@@ -7619,6 +5510,7 @@
                   <a:srgbClr val="ffffff"/>
                 </a:solidFill>
                 <a:latin typeface="Calibri"/>
+                <a:ea typeface="DejaVu Sans"/>
               </a:rPr>
               <a:t>MASA</a:t>
             </a:r>
@@ -7630,14 +5522,14 @@
       </p:sp>
       <p:sp>
         <p:nvSpPr>
-          <p:cNvPr id="148" name="CustomShape 20"/>
+          <p:cNvPr id="104" name="CustomShape 21"/>
           <p:cNvSpPr/>
           <p:nvPr/>
         </p:nvSpPr>
         <p:spPr>
           <a:xfrm>
             <a:off x="2178000" y="5502240"/>
-            <a:ext cx="1962000" cy="334440"/>
+            <a:ext cx="1961640" cy="333720"/>
           </a:xfrm>
           <a:prstGeom prst="rect">
             <a:avLst/>
@@ -7654,7 +5546,7 @@
           <a:fontRef idx="minor"/>
         </p:style>
         <p:txBody>
-          <a:bodyPr>
+          <a:bodyPr lIns="90000" rIns="90000" tIns="45000" bIns="45000">
             <a:spAutoFit/>
           </a:bodyPr>
           <a:p>
@@ -7669,6 +5561,7 @@
                   <a:srgbClr val="000000"/>
                 </a:solidFill>
                 <a:latin typeface="Courier New"/>
+                <a:ea typeface="DejaVu Sans"/>
               </a:rPr>
               <a:t>Certification request</a:t>
             </a:r>
@@ -7679,6 +5572,7 @@
                   <a:srgbClr val="000000"/>
                 </a:solidFill>
                 <a:latin typeface="Courier New"/>
+                <a:ea typeface="DejaVu Sans"/>
               </a:rPr>
               <a:t> (self-contained)</a:t>
             </a:r>
@@ -7690,14 +5584,14 @@
       </p:sp>
       <p:sp>
         <p:nvSpPr>
-          <p:cNvPr id="149" name="CustomShape 21"/>
+          <p:cNvPr id="105" name="CustomShape 22"/>
           <p:cNvSpPr/>
           <p:nvPr/>
         </p:nvSpPr>
         <p:spPr>
           <a:xfrm>
             <a:off x="2025360" y="5817960"/>
-            <a:ext cx="2724840" cy="360"/>
+            <a:ext cx="2724480" cy="360"/>
           </a:xfrm>
           <a:custGeom>
             <a:avLst/>
@@ -7733,7 +5627,7 @@
       </p:sp>
       <p:sp>
         <p:nvSpPr>
-          <p:cNvPr id="150" name="Line 22"/>
+          <p:cNvPr id="106" name="Line 23"/>
           <p:cNvSpPr/>
           <p:nvPr/>
         </p:nvSpPr>
@@ -7761,7 +5655,7 @@
       </p:sp>
       <p:sp>
         <p:nvSpPr>
-          <p:cNvPr id="151" name="Line 23"/>
+          <p:cNvPr id="107" name="Line 24"/>
           <p:cNvSpPr/>
           <p:nvPr/>
         </p:nvSpPr>
@@ -7789,14 +5683,14 @@
       </p:sp>
       <p:sp>
         <p:nvSpPr>
-          <p:cNvPr id="152" name="CustomShape 24"/>
+          <p:cNvPr id="108" name="CustomShape 25"/>
           <p:cNvSpPr/>
           <p:nvPr/>
         </p:nvSpPr>
         <p:spPr>
           <a:xfrm flipH="1">
-            <a:off x="2023560" y="4847400"/>
-            <a:ext cx="2726640" cy="360"/>
+            <a:off x="2022840" y="4847400"/>
+            <a:ext cx="2726280" cy="360"/>
           </a:xfrm>
           <a:custGeom>
             <a:avLst/>
@@ -7832,14 +5726,14 @@
       </p:sp>
       <p:sp>
         <p:nvSpPr>
-          <p:cNvPr id="153" name="CustomShape 25"/>
+          <p:cNvPr id="109" name="CustomShape 26"/>
           <p:cNvSpPr/>
           <p:nvPr/>
         </p:nvSpPr>
         <p:spPr>
           <a:xfrm>
             <a:off x="2113560" y="5917680"/>
-            <a:ext cx="2563200" cy="213480"/>
+            <a:ext cx="2562840" cy="212040"/>
           </a:xfrm>
           <a:prstGeom prst="rect">
             <a:avLst/>
@@ -7856,7 +5750,7 @@
           <a:fontRef idx="minor"/>
         </p:style>
         <p:txBody>
-          <a:bodyPr>
+          <a:bodyPr lIns="90000" rIns="90000" tIns="45000" bIns="45000">
             <a:spAutoFit/>
           </a:bodyPr>
           <a:p>
@@ -7871,17 +5765,9 @@
                   <a:srgbClr val="000000"/>
                 </a:solidFill>
                 <a:latin typeface="Courier New"/>
-              </a:rPr>
-              <a:t>Certification response (LDevID </a:t>
-            </a:r>
-            <a:r>
-              <a:rPr b="0" lang="en-US" sz="800" spc="-1" strike="noStrike">
-                <a:solidFill>
-                  <a:srgbClr val="000000"/>
-                </a:solidFill>
-                <a:latin typeface="Courier New"/>
-              </a:rPr>
-              <a:t>cert)</a:t>
+                <a:ea typeface="DejaVu Sans"/>
+              </a:rPr>
+              <a:t>Certification response (LDevID cert)</a:t>
             </a:r>
             <a:endParaRPr b="0" lang="en-US" sz="800" spc="-1" strike="noStrike">
               <a:latin typeface="Arial"/>
@@ -7891,14 +5777,14 @@
       </p:sp>
       <p:sp>
         <p:nvSpPr>
-          <p:cNvPr id="154" name="CustomShape 26"/>
+          <p:cNvPr id="110" name="CustomShape 27"/>
           <p:cNvSpPr/>
           <p:nvPr/>
         </p:nvSpPr>
         <p:spPr>
           <a:xfrm>
             <a:off x="2372400" y="1611360"/>
-            <a:ext cx="1301760" cy="455400"/>
+            <a:ext cx="1301400" cy="455040"/>
           </a:xfrm>
           <a:prstGeom prst="rect">
             <a:avLst/>
@@ -7919,7 +5805,7 @@
             <a:spAutoFit/>
           </a:bodyPr>
           <a:p>
-            <a:pPr marL="85680" indent="-85320">
+            <a:pPr marL="85680" indent="-84960">
               <a:lnSpc>
                 <a:spcPct val="100000"/>
               </a:lnSpc>
@@ -7935,6 +5821,7 @@
                   <a:srgbClr val="000000"/>
                 </a:solidFill>
                 <a:latin typeface="Courier New"/>
+                <a:ea typeface="DejaVu Sans"/>
               </a:rPr>
               <a:t>IDevID</a:t>
             </a:r>
@@ -7943,7 +5830,7 @@
             </a:endParaRPr>
           </a:p>
           <a:p>
-            <a:pPr marL="85680" indent="-85320">
+            <a:pPr marL="85680" indent="-84960">
               <a:lnSpc>
                 <a:spcPct val="100000"/>
               </a:lnSpc>
@@ -7959,6 +5846,7 @@
                   <a:srgbClr val="000000"/>
                 </a:solidFill>
                 <a:latin typeface="Courier New"/>
+                <a:ea typeface="DejaVu Sans"/>
               </a:rPr>
               <a:t>Manufacturer trust anchor</a:t>
             </a:r>
@@ -7970,14 +5858,14 @@
       </p:sp>
       <p:sp>
         <p:nvSpPr>
-          <p:cNvPr id="155" name="CustomShape 27"/>
+          <p:cNvPr id="111" name="CustomShape 28"/>
           <p:cNvSpPr/>
           <p:nvPr/>
         </p:nvSpPr>
         <p:spPr>
           <a:xfrm>
             <a:off x="5445360" y="1651320"/>
-            <a:ext cx="1569600" cy="456840"/>
+            <a:ext cx="1569240" cy="455400"/>
           </a:xfrm>
           <a:prstGeom prst="rect">
             <a:avLst/>
@@ -7994,11 +5882,11 @@
           <a:fontRef idx="minor"/>
         </p:style>
         <p:txBody>
-          <a:bodyPr>
+          <a:bodyPr lIns="90000" rIns="90000" tIns="45000" bIns="45000">
             <a:spAutoFit/>
           </a:bodyPr>
           <a:p>
-            <a:pPr marL="84960" indent="-84600">
+            <a:pPr marL="84960" indent="-84240">
               <a:lnSpc>
                 <a:spcPct val="100000"/>
               </a:lnSpc>
@@ -8014,6 +5902,7 @@
                   <a:srgbClr val="000000"/>
                 </a:solidFill>
                 <a:latin typeface="Courier New"/>
+                <a:ea typeface="DejaVu Sans"/>
               </a:rPr>
               <a:t>LDevID (Reg)</a:t>
             </a:r>
@@ -8022,7 +5911,7 @@
             </a:endParaRPr>
           </a:p>
           <a:p>
-            <a:pPr marL="84960" indent="-84600">
+            <a:pPr marL="84960" indent="-84240">
               <a:lnSpc>
                 <a:spcPct val="100000"/>
               </a:lnSpc>
@@ -8038,6 +5927,7 @@
                   <a:srgbClr val="000000"/>
                 </a:solidFill>
                 <a:latin typeface="Courier New"/>
+                <a:ea typeface="DejaVu Sans"/>
               </a:rPr>
               <a:t>IDevID Cert CA</a:t>
             </a:r>
@@ -8046,7 +5936,7 @@
             </a:endParaRPr>
           </a:p>
           <a:p>
-            <a:pPr marL="84960" indent="-84600">
+            <a:pPr marL="84960" indent="-84240">
               <a:lnSpc>
                 <a:spcPct val="100000"/>
               </a:lnSpc>
@@ -8062,6 +5952,7 @@
                   <a:srgbClr val="000000"/>
                 </a:solidFill>
                 <a:latin typeface="Courier New"/>
+                <a:ea typeface="DejaVu Sans"/>
               </a:rPr>
               <a:t>S/N Pledge</a:t>
             </a:r>
@@ -8073,14 +5964,14 @@
       </p:sp>
       <p:sp>
         <p:nvSpPr>
-          <p:cNvPr id="156" name="CustomShape 28"/>
+          <p:cNvPr id="112" name="CustomShape 29"/>
           <p:cNvSpPr/>
           <p:nvPr/>
         </p:nvSpPr>
         <p:spPr>
           <a:xfrm>
             <a:off x="9164160" y="1651320"/>
-            <a:ext cx="1009800" cy="335160"/>
+            <a:ext cx="1009440" cy="333720"/>
           </a:xfrm>
           <a:prstGeom prst="rect">
             <a:avLst/>
@@ -8097,11 +5988,11 @@
           <a:fontRef idx="minor"/>
         </p:style>
         <p:txBody>
-          <a:bodyPr>
+          <a:bodyPr lIns="90000" rIns="90000" tIns="45000" bIns="45000">
             <a:spAutoFit/>
           </a:bodyPr>
           <a:p>
-            <a:pPr marL="84960" indent="-84600">
+            <a:pPr marL="84960" indent="-84240">
               <a:lnSpc>
                 <a:spcPct val="100000"/>
               </a:lnSpc>
@@ -8117,6 +6008,7 @@
                   <a:srgbClr val="000000"/>
                 </a:solidFill>
                 <a:latin typeface="Courier New"/>
+                <a:ea typeface="DejaVu Sans"/>
               </a:rPr>
               <a:t>PKI CA credentials </a:t>
             </a:r>
@@ -8128,14 +6020,14 @@
       </p:sp>
       <p:sp>
         <p:nvSpPr>
-          <p:cNvPr id="157" name="CustomShape 29"/>
+          <p:cNvPr id="113" name="CustomShape 30"/>
           <p:cNvSpPr/>
           <p:nvPr/>
         </p:nvSpPr>
         <p:spPr>
           <a:xfrm>
             <a:off x="11123640" y="1611360"/>
-            <a:ext cx="977760" cy="335160"/>
+            <a:ext cx="977400" cy="333720"/>
           </a:xfrm>
           <a:prstGeom prst="rect">
             <a:avLst/>
@@ -8152,11 +6044,11 @@
           <a:fontRef idx="minor"/>
         </p:style>
         <p:txBody>
-          <a:bodyPr>
+          <a:bodyPr lIns="90000" rIns="90000" tIns="45000" bIns="45000">
             <a:spAutoFit/>
           </a:bodyPr>
           <a:p>
-            <a:pPr marL="84960" indent="-84600">
+            <a:pPr marL="84960" indent="-84240">
               <a:lnSpc>
                 <a:spcPct val="100000"/>
               </a:lnSpc>
@@ -8172,6 +6064,7 @@
                   <a:srgbClr val="000000"/>
                 </a:solidFill>
                 <a:latin typeface="Courier New"/>
+                <a:ea typeface="DejaVu Sans"/>
               </a:rPr>
               <a:t>MASA credentials</a:t>
             </a:r>
@@ -8183,7 +6076,7 @@
       </p:sp>
       <p:pic>
         <p:nvPicPr>
-          <p:cNvPr id="158" name="Picture 170" descr=""/>
+          <p:cNvPr id="114" name="Picture 170" descr=""/>
           <p:cNvPicPr/>
           <p:nvPr/>
         </p:nvPicPr>
@@ -8194,7 +6087,7 @@
         <p:spPr>
           <a:xfrm>
             <a:off x="10173240" y="3469320"/>
-            <a:ext cx="285480" cy="595440"/>
+            <a:ext cx="285120" cy="595080"/>
           </a:xfrm>
           <a:prstGeom prst="rect">
             <a:avLst/>
@@ -8206,7 +6099,7 @@
       </p:pic>
       <p:sp>
         <p:nvSpPr>
-          <p:cNvPr id="159" name="Line 30"/>
+          <p:cNvPr id="115" name="Line 31"/>
           <p:cNvSpPr/>
           <p:nvPr/>
         </p:nvSpPr>
@@ -8234,14 +6127,14 @@
       </p:sp>
       <p:sp>
         <p:nvSpPr>
-          <p:cNvPr id="160" name="CustomShape 31"/>
+          <p:cNvPr id="116" name="CustomShape 32"/>
           <p:cNvSpPr/>
           <p:nvPr/>
         </p:nvSpPr>
         <p:spPr>
           <a:xfrm>
             <a:off x="169200" y="2639880"/>
-            <a:ext cx="732960" cy="1064520"/>
+            <a:ext cx="732600" cy="1063800"/>
           </a:xfrm>
           <a:prstGeom prst="rect">
             <a:avLst/>
@@ -8262,7 +6155,7 @@
           <a:fontRef idx="minor"/>
         </p:style>
         <p:txBody>
-          <a:bodyPr>
+          <a:bodyPr lIns="90000" rIns="90000" tIns="45000" bIns="45000">
             <a:spAutoFit/>
           </a:bodyPr>
           <a:p>
@@ -8277,6 +6170,7 @@
                   <a:srgbClr val="000000"/>
                 </a:solidFill>
                 <a:latin typeface="Courier New"/>
+                <a:ea typeface="DejaVu Sans"/>
               </a:rPr>
               <a:t>Initial</a:t>
             </a:r>
@@ -8287,17 +6181,9 @@
                   <a:srgbClr val="000000"/>
                 </a:solidFill>
                 <a:latin typeface="Courier New"/>
-              </a:rPr>
-              <a:t>steps: Voucher request/response </a:t>
-            </a:r>
-            <a:r>
-              <a:rPr b="0" lang="en-US" sz="800" spc="-1" strike="noStrike">
-                <a:solidFill>
-                  <a:srgbClr val="000000"/>
-                </a:solidFill>
-                <a:latin typeface="Courier New"/>
-              </a:rPr>
-              <a:t>handling as in BRSKI</a:t>
+                <a:ea typeface="DejaVu Sans"/>
+              </a:rPr>
+              <a:t>steps: Voucher request/response handling as in BRSKI</a:t>
             </a:r>
             <a:endParaRPr b="0" lang="en-US" sz="800" spc="-1" strike="noStrike">
               <a:latin typeface="Arial"/>
@@ -8307,14 +6193,14 @@
       </p:sp>
       <p:sp>
         <p:nvSpPr>
-          <p:cNvPr id="161" name="CustomShape 32"/>
+          <p:cNvPr id="117" name="CustomShape 33"/>
           <p:cNvSpPr/>
           <p:nvPr/>
         </p:nvSpPr>
         <p:spPr>
           <a:xfrm>
             <a:off x="172800" y="4522320"/>
-            <a:ext cx="1267200" cy="821880"/>
+            <a:ext cx="1266840" cy="820440"/>
           </a:xfrm>
           <a:prstGeom prst="rect">
             <a:avLst/>
@@ -8335,7 +6221,7 @@
           <a:fontRef idx="minor"/>
         </p:style>
         <p:txBody>
-          <a:bodyPr>
+          <a:bodyPr lIns="90000" rIns="90000" tIns="45000" bIns="45000">
             <a:spAutoFit/>
           </a:bodyPr>
           <a:p>
@@ -8350,6 +6236,7 @@
                   <a:srgbClr val="000000"/>
                 </a:solidFill>
                 <a:latin typeface="Courier New"/>
+                <a:ea typeface="DejaVu Sans"/>
               </a:rPr>
               <a:t>Adapted step: Application of alternative enrollment protocol (e.g., Lightweight CMP)</a:t>
             </a:r>
@@ -8361,7 +6248,7 @@
       </p:sp>
       <p:pic>
         <p:nvPicPr>
-          <p:cNvPr id="162" name="Picture 177" descr=""/>
+          <p:cNvPr id="118" name="Picture 177" descr=""/>
           <p:cNvPicPr/>
           <p:nvPr/>
         </p:nvPicPr>
@@ -8372,7 +6259,7 @@
         <p:spPr>
           <a:xfrm>
             <a:off x="1928160" y="3559680"/>
-            <a:ext cx="285480" cy="595440"/>
+            <a:ext cx="285120" cy="595080"/>
           </a:xfrm>
           <a:prstGeom prst="rect">
             <a:avLst/>
@@ -8384,7 +6271,7 @@
       </p:pic>
       <p:pic>
         <p:nvPicPr>
-          <p:cNvPr id="163" name="Picture 178" descr=""/>
+          <p:cNvPr id="119" name="Picture 178" descr=""/>
           <p:cNvPicPr/>
           <p:nvPr/>
         </p:nvPicPr>
@@ -8395,7 +6282,7 @@
         <p:spPr>
           <a:xfrm>
             <a:off x="1522800" y="2416680"/>
-            <a:ext cx="694080" cy="701640"/>
+            <a:ext cx="693720" cy="701280"/>
           </a:xfrm>
           <a:prstGeom prst="rect">
             <a:avLst/>
@@ -8407,7 +6294,7 @@
       </p:pic>
       <p:pic>
         <p:nvPicPr>
-          <p:cNvPr id="164" name="Picture 179" descr=""/>
+          <p:cNvPr id="120" name="Picture 179" descr=""/>
           <p:cNvPicPr/>
           <p:nvPr/>
         </p:nvPicPr>
@@ -8418,7 +6305,7 @@
         <p:spPr>
           <a:xfrm>
             <a:off x="4848840" y="2836080"/>
-            <a:ext cx="790920" cy="760680"/>
+            <a:ext cx="790560" cy="760320"/>
           </a:xfrm>
           <a:prstGeom prst="rect">
             <a:avLst/>
@@ -8430,14 +6317,14 @@
       </p:pic>
       <p:sp>
         <p:nvSpPr>
-          <p:cNvPr id="165" name="CustomShape 33"/>
+          <p:cNvPr id="121" name="CustomShape 34"/>
           <p:cNvSpPr/>
           <p:nvPr/>
         </p:nvSpPr>
         <p:spPr>
           <a:xfrm>
             <a:off x="2042280" y="4449240"/>
-            <a:ext cx="2563200" cy="212040"/>
+            <a:ext cx="2562840" cy="211680"/>
           </a:xfrm>
           <a:prstGeom prst="rect">
             <a:avLst/>
@@ -8469,6 +6356,7 @@
                   <a:srgbClr val="000000"/>
                 </a:solidFill>
                 <a:latin typeface="Courier New"/>
+                <a:ea typeface="DejaVu Sans"/>
               </a:rPr>
               <a:t>Request CA certificates (opt.)</a:t>
             </a:r>
@@ -8480,14 +6368,14 @@
       </p:sp>
       <p:sp>
         <p:nvSpPr>
-          <p:cNvPr id="166" name="CustomShape 34"/>
+          <p:cNvPr id="122" name="CustomShape 35"/>
           <p:cNvSpPr/>
           <p:nvPr/>
         </p:nvSpPr>
         <p:spPr>
           <a:xfrm>
             <a:off x="2025360" y="4626000"/>
-            <a:ext cx="2724840" cy="360"/>
+            <a:ext cx="2724480" cy="360"/>
           </a:xfrm>
           <a:custGeom>
             <a:avLst/>
@@ -8523,14 +6411,14 @@
       </p:sp>
       <p:sp>
         <p:nvSpPr>
-          <p:cNvPr id="167" name="CustomShape 35"/>
+          <p:cNvPr id="123" name="CustomShape 36"/>
           <p:cNvSpPr/>
           <p:nvPr/>
         </p:nvSpPr>
         <p:spPr>
           <a:xfrm>
             <a:off x="2042280" y="4660920"/>
-            <a:ext cx="2563200" cy="212040"/>
+            <a:ext cx="2562840" cy="211680"/>
           </a:xfrm>
           <a:prstGeom prst="rect">
             <a:avLst/>
@@ -8562,6 +6450,7 @@
                   <a:srgbClr val="000000"/>
                 </a:solidFill>
                 <a:latin typeface="Courier New"/>
+                <a:ea typeface="DejaVu Sans"/>
               </a:rPr>
               <a:t>CA certificates (opt.)</a:t>
             </a:r>
@@ -8573,14 +6462,14 @@
       </p:sp>
       <p:sp>
         <p:nvSpPr>
-          <p:cNvPr id="168" name="CustomShape 36"/>
+          <p:cNvPr id="124" name="CustomShape 37"/>
           <p:cNvSpPr/>
           <p:nvPr/>
         </p:nvSpPr>
         <p:spPr>
           <a:xfrm flipH="1">
-            <a:off x="2023560" y="6121800"/>
-            <a:ext cx="2726640" cy="360"/>
+            <a:off x="2022840" y="6121800"/>
+            <a:ext cx="2726280" cy="360"/>
           </a:xfrm>
           <a:custGeom>
             <a:avLst/>
@@ -8616,14 +6505,14 @@
       </p:sp>
       <p:sp>
         <p:nvSpPr>
-          <p:cNvPr id="169" name="CustomShape 37"/>
+          <p:cNvPr id="125" name="CustomShape 38"/>
           <p:cNvSpPr/>
           <p:nvPr/>
         </p:nvSpPr>
         <p:spPr>
           <a:xfrm flipH="1">
-            <a:off x="2023560" y="5347440"/>
-            <a:ext cx="2726640" cy="360"/>
+            <a:off x="2022840" y="5347440"/>
+            <a:ext cx="2726280" cy="360"/>
           </a:xfrm>
           <a:custGeom>
             <a:avLst/>
@@ -8659,14 +6548,14 @@
       </p:sp>
       <p:sp>
         <p:nvSpPr>
-          <p:cNvPr id="170" name="CustomShape 38"/>
+          <p:cNvPr id="126" name="CustomShape 39"/>
           <p:cNvSpPr/>
           <p:nvPr/>
         </p:nvSpPr>
         <p:spPr>
           <a:xfrm>
             <a:off x="2042280" y="4949280"/>
-            <a:ext cx="2563200" cy="212040"/>
+            <a:ext cx="2562840" cy="211680"/>
           </a:xfrm>
           <a:prstGeom prst="rect">
             <a:avLst/>
@@ -8698,6 +6587,7 @@
                   <a:srgbClr val="000000"/>
                 </a:solidFill>
                 <a:latin typeface="Courier New"/>
+                <a:ea typeface="DejaVu Sans"/>
               </a:rPr>
               <a:t>Request certificate attributes (opt.)</a:t>
             </a:r>
@@ -8709,14 +6599,14 @@
       </p:sp>
       <p:sp>
         <p:nvSpPr>
-          <p:cNvPr id="171" name="CustomShape 39"/>
+          <p:cNvPr id="127" name="CustomShape 40"/>
           <p:cNvSpPr/>
           <p:nvPr/>
         </p:nvSpPr>
         <p:spPr>
           <a:xfrm>
             <a:off x="2025360" y="5126040"/>
-            <a:ext cx="2724840" cy="360"/>
+            <a:ext cx="2724480" cy="360"/>
           </a:xfrm>
           <a:custGeom>
             <a:avLst/>
@@ -8752,14 +6642,14 @@
       </p:sp>
       <p:sp>
         <p:nvSpPr>
-          <p:cNvPr id="172" name="CustomShape 40"/>
+          <p:cNvPr id="128" name="CustomShape 41"/>
           <p:cNvSpPr/>
           <p:nvPr/>
         </p:nvSpPr>
         <p:spPr>
           <a:xfrm>
             <a:off x="2042280" y="5160960"/>
-            <a:ext cx="2563200" cy="212040"/>
+            <a:ext cx="2562840" cy="211680"/>
           </a:xfrm>
           <a:prstGeom prst="rect">
             <a:avLst/>
@@ -8791,6 +6681,7 @@
                   <a:srgbClr val="000000"/>
                 </a:solidFill>
                 <a:latin typeface="Courier New"/>
+                <a:ea typeface="DejaVu Sans"/>
               </a:rPr>
               <a:t>Certificate attributes (opt.)</a:t>
             </a:r>
@@ -8802,7 +6693,7 @@
       </p:sp>
       <p:pic>
         <p:nvPicPr>
-          <p:cNvPr id="173" name="Picture 188" descr=""/>
+          <p:cNvPr id="129" name="Picture 188" descr=""/>
           <p:cNvPicPr/>
           <p:nvPr/>
         </p:nvPicPr>
@@ -8813,7 +6704,7 @@
         <p:spPr>
           <a:xfrm>
             <a:off x="1655280" y="5452560"/>
-            <a:ext cx="486000" cy="528120"/>
+            <a:ext cx="485640" cy="527760"/>
           </a:xfrm>
           <a:prstGeom prst="rect">
             <a:avLst/>
@@ -8825,14 +6716,14 @@
       </p:pic>
       <p:sp>
         <p:nvSpPr>
-          <p:cNvPr id="174" name="CustomShape 41"/>
+          <p:cNvPr id="130" name="CustomShape 42"/>
           <p:cNvSpPr/>
           <p:nvPr/>
         </p:nvSpPr>
         <p:spPr>
           <a:xfrm>
             <a:off x="1672920" y="6000480"/>
-            <a:ext cx="324360" cy="239760"/>
+            <a:ext cx="324000" cy="239400"/>
           </a:xfrm>
           <a:prstGeom prst="rect">
             <a:avLst/>
@@ -8856,7 +6747,7 @@
       </p:sp>
       <p:pic>
         <p:nvPicPr>
-          <p:cNvPr id="175" name="Graphic 190" descr=""/>
+          <p:cNvPr id="131" name="Graphic 190" descr=""/>
           <p:cNvPicPr/>
           <p:nvPr/>
         </p:nvPicPr>
@@ -8867,7 +6758,7 @@
         <p:spPr>
           <a:xfrm>
             <a:off x="1672920" y="5961240"/>
-            <a:ext cx="309960" cy="309960"/>
+            <a:ext cx="309600" cy="309600"/>
           </a:xfrm>
           <a:prstGeom prst="rect">
             <a:avLst/>
@@ -8879,7 +6770,7 @@
       </p:pic>
       <p:pic>
         <p:nvPicPr>
-          <p:cNvPr id="176" name="Graphic 191" descr=""/>
+          <p:cNvPr id="132" name="Graphic 191" descr=""/>
           <p:cNvPicPr/>
           <p:nvPr/>
         </p:nvPicPr>
@@ -8890,7 +6781,7 @@
         <p:spPr>
           <a:xfrm>
             <a:off x="8944560" y="5963400"/>
-            <a:ext cx="309960" cy="309960"/>
+            <a:ext cx="309600" cy="309600"/>
           </a:xfrm>
           <a:prstGeom prst="rect">
             <a:avLst/>
@@ -8902,14 +6793,14 @@
       </p:pic>
       <p:sp>
         <p:nvSpPr>
-          <p:cNvPr id="177" name="CustomShape 42"/>
+          <p:cNvPr id="133" name="CustomShape 43"/>
           <p:cNvSpPr/>
           <p:nvPr/>
         </p:nvSpPr>
         <p:spPr>
           <a:xfrm>
             <a:off x="1045080" y="6340320"/>
-            <a:ext cx="1040400" cy="335160"/>
+            <a:ext cx="1040040" cy="333720"/>
           </a:xfrm>
           <a:prstGeom prst="rect">
             <a:avLst/>
@@ -8926,7 +6817,7 @@
           <a:fontRef idx="minor"/>
         </p:style>
         <p:txBody>
-          <a:bodyPr>
+          <a:bodyPr lIns="90000" rIns="90000" tIns="45000" bIns="45000">
             <a:spAutoFit/>
           </a:bodyPr>
           <a:p>
@@ -8941,6 +6832,7 @@
                   <a:srgbClr val="000000"/>
                 </a:solidFill>
                 <a:latin typeface="Courier New"/>
+                <a:ea typeface="DejaVu Sans"/>
               </a:rPr>
               <a:t>Verification of LDevID cert</a:t>
             </a:r>
@@ -8952,14 +6844,14 @@
       </p:sp>
       <p:sp>
         <p:nvSpPr>
-          <p:cNvPr id="178" name="CustomShape 43"/>
+          <p:cNvPr id="134" name="CustomShape 44"/>
           <p:cNvSpPr/>
           <p:nvPr/>
         </p:nvSpPr>
         <p:spPr>
           <a:xfrm>
             <a:off x="6300000" y="5486400"/>
-            <a:ext cx="1944000" cy="335160"/>
+            <a:ext cx="1943640" cy="333720"/>
           </a:xfrm>
           <a:prstGeom prst="rect">
             <a:avLst/>
@@ -8976,7 +6868,7 @@
           <a:fontRef idx="minor"/>
         </p:style>
         <p:txBody>
-          <a:bodyPr>
+          <a:bodyPr lIns="90000" rIns="90000" tIns="45000" bIns="45000">
             <a:spAutoFit/>
           </a:bodyPr>
           <a:p>
@@ -8991,17 +6883,9 @@
                   <a:srgbClr val="000000"/>
                 </a:solidFill>
                 <a:latin typeface="Courier New"/>
-              </a:rPr>
-              <a:t>Any remaining verification </a:t>
-            </a:r>
-            <a:r>
-              <a:rPr b="0" lang="en-US" sz="800" spc="-1" strike="noStrike">
-                <a:solidFill>
-                  <a:srgbClr val="000000"/>
-                </a:solidFill>
-                <a:latin typeface="Courier New"/>
-              </a:rPr>
-              <a:t>of request and authorization</a:t>
+                <a:ea typeface="DejaVu Sans"/>
+              </a:rPr>
+              <a:t>Any remaining verification of request and authorization</a:t>
             </a:r>
             <a:endParaRPr b="0" lang="en-US" sz="800" spc="-1" strike="noStrike">
               <a:latin typeface="Arial"/>
@@ -9011,14 +6895,14 @@
       </p:sp>
       <p:sp>
         <p:nvSpPr>
-          <p:cNvPr id="179" name="CustomShape 44"/>
+          <p:cNvPr id="135" name="CustomShape 45"/>
           <p:cNvSpPr/>
           <p:nvPr/>
         </p:nvSpPr>
         <p:spPr>
           <a:xfrm>
             <a:off x="2025360" y="4179960"/>
-            <a:ext cx="2715840" cy="360"/>
+            <a:ext cx="2715480" cy="360"/>
           </a:xfrm>
           <a:custGeom>
             <a:avLst/>
@@ -9054,14 +6938,14 @@
       </p:sp>
       <p:sp>
         <p:nvSpPr>
-          <p:cNvPr id="180" name="CustomShape 45"/>
+          <p:cNvPr id="136" name="CustomShape 46"/>
           <p:cNvSpPr/>
           <p:nvPr/>
         </p:nvSpPr>
         <p:spPr>
           <a:xfrm>
             <a:off x="2673720" y="3997440"/>
-            <a:ext cx="1401840" cy="212040"/>
+            <a:ext cx="1401480" cy="211680"/>
           </a:xfrm>
           <a:prstGeom prst="rect">
             <a:avLst/>
@@ -9093,6 +6977,7 @@
                   <a:srgbClr val="000000"/>
                 </a:solidFill>
                 <a:latin typeface="Courier New"/>
+                <a:ea typeface="DejaVu Sans"/>
               </a:rPr>
               <a:t>Voucher-status</a:t>
             </a:r>
@@ -9104,14 +6989,14 @@
       </p:sp>
       <p:sp>
         <p:nvSpPr>
-          <p:cNvPr id="181" name="CustomShape 46"/>
+          <p:cNvPr id="137" name="CustomShape 47"/>
           <p:cNvSpPr/>
           <p:nvPr/>
         </p:nvSpPr>
         <p:spPr>
           <a:xfrm>
             <a:off x="2025360" y="6534720"/>
-            <a:ext cx="2715840" cy="360"/>
+            <a:ext cx="2715480" cy="360"/>
           </a:xfrm>
           <a:custGeom>
             <a:avLst/>
@@ -9147,14 +7032,14 @@
       </p:sp>
       <p:sp>
         <p:nvSpPr>
-          <p:cNvPr id="182" name="CustomShape 47"/>
+          <p:cNvPr id="138" name="CustomShape 48"/>
           <p:cNvSpPr/>
           <p:nvPr/>
         </p:nvSpPr>
         <p:spPr>
           <a:xfrm>
             <a:off x="2673720" y="6316200"/>
-            <a:ext cx="1401840" cy="212040"/>
+            <a:ext cx="1401480" cy="211680"/>
           </a:xfrm>
           <a:prstGeom prst="rect">
             <a:avLst/>
@@ -9186,6 +7071,7 @@
                   <a:srgbClr val="000000"/>
                 </a:solidFill>
                 <a:latin typeface="Courier New"/>
+                <a:ea typeface="DejaVu Sans"/>
               </a:rPr>
               <a:t>Enrollment-status</a:t>
             </a:r>
@@ -9197,14 +7083,14 @@
       </p:sp>
       <p:sp>
         <p:nvSpPr>
-          <p:cNvPr id="183" name="CustomShape 48"/>
+          <p:cNvPr id="139" name="CustomShape 49"/>
           <p:cNvSpPr/>
           <p:nvPr/>
         </p:nvSpPr>
         <p:spPr>
           <a:xfrm>
             <a:off x="7003440" y="1585800"/>
-            <a:ext cx="592560" cy="549000"/>
+            <a:ext cx="592200" cy="548640"/>
           </a:xfrm>
           <a:prstGeom prst="rect">
             <a:avLst/>
@@ -9226,7 +7112,7 @@
           <a:fontRef idx="minor"/>
         </p:style>
         <p:txBody>
-          <a:bodyPr anchor="ctr">
+          <a:bodyPr lIns="90000" rIns="90000" tIns="45000" bIns="45000" anchor="ctr">
             <a:noAutofit/>
           </a:bodyPr>
           <a:p>
@@ -9241,6 +7127,7 @@
                   <a:srgbClr val="ffffff"/>
                 </a:solidFill>
                 <a:latin typeface="Calibri"/>
+                <a:ea typeface="DejaVu Sans"/>
               </a:rPr>
               <a:t>PKI</a:t>
             </a:r>
@@ -9251,6 +7138,7 @@
                   <a:srgbClr val="ff860d"/>
                 </a:solidFill>
                 <a:latin typeface="Calibri"/>
+                <a:ea typeface="DejaVu Sans"/>
               </a:rPr>
               <a:t>RA</a:t>
             </a:r>
@@ -9262,14 +7150,14 @@
       </p:sp>
       <p:sp>
         <p:nvSpPr>
-          <p:cNvPr id="184" name="CustomShape 49"/>
+          <p:cNvPr id="140" name="CustomShape 50"/>
           <p:cNvSpPr/>
           <p:nvPr/>
         </p:nvSpPr>
         <p:spPr>
           <a:xfrm>
             <a:off x="7544160" y="1667520"/>
-            <a:ext cx="1009800" cy="335160"/>
+            <a:ext cx="1009440" cy="333720"/>
           </a:xfrm>
           <a:prstGeom prst="rect">
             <a:avLst/>
@@ -9286,11 +7174,11 @@
           <a:fontRef idx="minor"/>
         </p:style>
         <p:txBody>
-          <a:bodyPr>
+          <a:bodyPr lIns="90000" rIns="90000" tIns="45000" bIns="45000">
             <a:spAutoFit/>
           </a:bodyPr>
           <a:p>
-            <a:pPr marL="84960" indent="-84600">
+            <a:pPr marL="84960" indent="-84240">
               <a:lnSpc>
                 <a:spcPct val="100000"/>
               </a:lnSpc>
@@ -9306,6 +7194,7 @@
                   <a:srgbClr val="000000"/>
                 </a:solidFill>
                 <a:latin typeface="Courier New"/>
+                <a:ea typeface="DejaVu Sans"/>
               </a:rPr>
               <a:t>PKI RA credentials </a:t>
             </a:r>
@@ -9317,7 +7206,7 @@
       </p:sp>
       <p:sp>
         <p:nvSpPr>
-          <p:cNvPr id="185" name="Line 50"/>
+          <p:cNvPr id="141" name="Line 51"/>
           <p:cNvSpPr/>
           <p:nvPr/>
         </p:nvSpPr>
@@ -9345,14 +7234,14 @@
       </p:sp>
       <p:sp>
         <p:nvSpPr>
-          <p:cNvPr id="186" name="CustomShape 51"/>
+          <p:cNvPr id="142" name="CustomShape 52"/>
           <p:cNvSpPr/>
           <p:nvPr/>
         </p:nvSpPr>
         <p:spPr>
           <a:xfrm>
             <a:off x="7297920" y="5833800"/>
-            <a:ext cx="1598040" cy="360"/>
+            <a:ext cx="1597680" cy="360"/>
           </a:xfrm>
           <a:custGeom>
             <a:avLst/>
@@ -9388,14 +7277,14 @@
       </p:sp>
       <p:sp>
         <p:nvSpPr>
-          <p:cNvPr id="187" name="CustomShape 52"/>
+          <p:cNvPr id="143" name="CustomShape 53"/>
           <p:cNvSpPr/>
           <p:nvPr/>
         </p:nvSpPr>
         <p:spPr>
           <a:xfrm flipH="1" flipV="1">
-            <a:off x="7288920" y="6113880"/>
-            <a:ext cx="1582200" cy="360"/>
+            <a:off x="7288920" y="6113160"/>
+            <a:ext cx="1581840" cy="360"/>
           </a:xfrm>
           <a:custGeom>
             <a:avLst/>
@@ -9431,14 +7320,14 @@
       </p:sp>
       <p:sp>
         <p:nvSpPr>
-          <p:cNvPr id="188" name="CustomShape 53"/>
+          <p:cNvPr id="144" name="CustomShape 54"/>
           <p:cNvSpPr/>
           <p:nvPr/>
         </p:nvSpPr>
         <p:spPr>
           <a:xfrm>
             <a:off x="4041720" y="5490720"/>
-            <a:ext cx="1466280" cy="335160"/>
+            <a:ext cx="1465920" cy="333720"/>
           </a:xfrm>
           <a:prstGeom prst="rect">
             <a:avLst/>
@@ -9455,7 +7344,7 @@
           <a:fontRef idx="minor"/>
         </p:style>
         <p:txBody>
-          <a:bodyPr>
+          <a:bodyPr lIns="90000" rIns="90000" tIns="45000" bIns="45000">
             <a:spAutoFit/>
           </a:bodyPr>
           <a:p>
@@ -9470,6 +7359,7 @@
                   <a:srgbClr val="000000"/>
                 </a:solidFill>
                 <a:latin typeface="Courier New"/>
+                <a:ea typeface="DejaVu Sans"/>
               </a:rPr>
               <a:t>Full / partial / no </a:t>
             </a:r>
@@ -9480,6 +7370,7 @@
                   <a:srgbClr val="000000"/>
                 </a:solidFill>
                 <a:latin typeface="Courier New"/>
+                <a:ea typeface="DejaVu Sans"/>
               </a:rPr>
               <a:t>processing of request</a:t>
             </a:r>
@@ -9491,14 +7382,14 @@
       </p:sp>
       <p:sp>
         <p:nvSpPr>
-          <p:cNvPr id="189" name="CustomShape 54"/>
+          <p:cNvPr id="145" name="CustomShape 55"/>
           <p:cNvSpPr/>
           <p:nvPr/>
         </p:nvSpPr>
         <p:spPr>
           <a:xfrm>
             <a:off x="4803120" y="4630680"/>
-            <a:ext cx="2496600" cy="15840"/>
+            <a:ext cx="2496240" cy="15480"/>
           </a:xfrm>
           <a:custGeom>
             <a:avLst/>
@@ -9535,14 +7426,14 @@
       </p:sp>
       <p:sp>
         <p:nvSpPr>
-          <p:cNvPr id="190" name="CustomShape 55"/>
+          <p:cNvPr id="146" name="CustomShape 56"/>
           <p:cNvSpPr/>
           <p:nvPr/>
         </p:nvSpPr>
         <p:spPr>
           <a:xfrm flipH="1" flipV="1">
-            <a:off x="4803120" y="4862880"/>
-            <a:ext cx="2472480" cy="7560"/>
+            <a:off x="4802400" y="4862880"/>
+            <a:ext cx="2472120" cy="7200"/>
           </a:xfrm>
           <a:custGeom>
             <a:avLst/>
@@ -9579,14 +7470,14 @@
       </p:sp>
       <p:sp>
         <p:nvSpPr>
-          <p:cNvPr id="191" name="CustomShape 56"/>
+          <p:cNvPr id="147" name="CustomShape 57"/>
           <p:cNvSpPr/>
           <p:nvPr/>
         </p:nvSpPr>
         <p:spPr>
           <a:xfrm>
             <a:off x="4771080" y="5136120"/>
-            <a:ext cx="2496600" cy="15840"/>
+            <a:ext cx="2496240" cy="15480"/>
           </a:xfrm>
           <a:custGeom>
             <a:avLst/>
@@ -9623,14 +7514,14 @@
       </p:sp>
       <p:sp>
         <p:nvSpPr>
-          <p:cNvPr id="192" name="CustomShape 57"/>
+          <p:cNvPr id="148" name="CustomShape 58"/>
           <p:cNvSpPr/>
           <p:nvPr/>
         </p:nvSpPr>
         <p:spPr>
           <a:xfrm flipH="1" flipV="1">
-            <a:off x="4795200" y="5343840"/>
-            <a:ext cx="2472480" cy="7560"/>
+            <a:off x="4794480" y="5343840"/>
+            <a:ext cx="2472120" cy="7200"/>
           </a:xfrm>
           <a:custGeom>
             <a:avLst/>
@@ -9667,14 +7558,14 @@
       </p:sp>
       <p:sp>
         <p:nvSpPr>
-          <p:cNvPr id="193" name="CustomShape 58"/>
+          <p:cNvPr id="149" name="CustomShape 59"/>
           <p:cNvSpPr/>
           <p:nvPr/>
         </p:nvSpPr>
         <p:spPr>
           <a:xfrm>
             <a:off x="600480" y="766800"/>
-            <a:ext cx="9863640" cy="575640"/>
+            <a:ext cx="9863280" cy="575280"/>
           </a:xfrm>
           <a:prstGeom prst="rect">
             <a:avLst/>
@@ -9693,14 +7584,14 @@
       </p:sp>
       <p:sp>
         <p:nvSpPr>
-          <p:cNvPr id="194" name="CustomShape 59"/>
+          <p:cNvPr id="150" name="CustomShape 60"/>
           <p:cNvSpPr/>
           <p:nvPr/>
         </p:nvSpPr>
         <p:spPr>
           <a:xfrm flipV="1">
-            <a:off x="4770720" y="4254120"/>
-            <a:ext cx="5837760" cy="17640"/>
+            <a:off x="4770720" y="4253760"/>
+            <a:ext cx="5837400" cy="17280"/>
           </a:xfrm>
           <a:custGeom>
             <a:avLst/>
@@ -9736,14 +7627,14 @@
       </p:sp>
       <p:sp>
         <p:nvSpPr>
-          <p:cNvPr id="195" name="CustomShape 60"/>
+          <p:cNvPr id="151" name="CustomShape 61"/>
           <p:cNvSpPr/>
           <p:nvPr/>
         </p:nvSpPr>
         <p:spPr>
           <a:xfrm>
             <a:off x="7342560" y="4081680"/>
-            <a:ext cx="1156320" cy="212040"/>
+            <a:ext cx="1155960" cy="211680"/>
           </a:xfrm>
           <a:prstGeom prst="rect">
             <a:avLst/>
@@ -9775,6 +7666,7 @@
                   <a:srgbClr val="000000"/>
                 </a:solidFill>
                 <a:latin typeface="Courier New"/>
+                <a:ea typeface="DejaVu Sans"/>
               </a:rPr>
               <a:t>Device audit log</a:t>
             </a:r>
@@ -9786,14 +7678,14 @@
       </p:sp>
       <p:sp>
         <p:nvSpPr>
-          <p:cNvPr id="196" name="TextShape 61"/>
-          <p:cNvSpPr txBox="1"/>
+          <p:cNvPr id="152" name="CustomShape 62"/>
+          <p:cNvSpPr/>
           <p:nvPr/>
         </p:nvSpPr>
         <p:spPr>
           <a:xfrm>
             <a:off x="838440" y="185400"/>
-            <a:ext cx="10515240" cy="1325160"/>
+            <a:ext cx="10514880" cy="1324800"/>
           </a:xfrm>
           <a:prstGeom prst="rect">
             <a:avLst/>
@@ -9803,8 +7695,14 @@
             <a:noFill/>
           </a:ln>
         </p:spPr>
-        <p:txBody>
-          <a:bodyPr anchor="ctr">
+        <p:style>
+          <a:lnRef idx="0"/>
+          <a:fillRef idx="0"/>
+          <a:effectRef idx="0"/>
+          <a:fontRef idx="minor"/>
+        </p:style>
+        <p:txBody>
+          <a:bodyPr lIns="90000" rIns="90000" tIns="45000" bIns="45000" anchor="ctr">
             <a:normAutofit/>
           </a:bodyPr>
           <a:p>
@@ -9820,96 +7718,30 @@
                 </a:solidFill>
                 <a:latin typeface="Calibri Light"/>
               </a:rPr>
-              <a:t>BRSKI</a:t>
-            </a:r>
-            <a:r>
-              <a:rPr b="0" lang="en-US" sz="3600" spc="-1" strike="noStrike">
-                <a:solidFill>
-                  <a:srgbClr val="000000"/>
-                </a:solidFill>
-                <a:latin typeface="Calibri Light"/>
-              </a:rPr>
-              <a:t>-AE: </a:t>
-            </a:r>
-            <a:r>
-              <a:rPr b="0" lang="en-US" sz="3600" spc="-1" strike="noStrike">
-                <a:solidFill>
-                  <a:srgbClr val="000000"/>
-                </a:solidFill>
-                <a:latin typeface="Calibri Light"/>
-              </a:rPr>
-              <a:t>abstr</a:t>
-            </a:r>
-            <a:r>
-              <a:rPr b="0" lang="en-US" sz="3600" spc="-1" strike="noStrike">
-                <a:solidFill>
-                  <a:srgbClr val="000000"/>
-                </a:solidFill>
-                <a:latin typeface="Calibri Light"/>
-              </a:rPr>
-              <a:t>act </a:t>
-            </a:r>
-            <a:r>
-              <a:rPr b="0" lang="en-US" sz="3600" spc="-1" strike="noStrike">
-                <a:solidFill>
-                  <a:srgbClr val="000000"/>
-                </a:solidFill>
-                <a:latin typeface="Calibri Light"/>
-              </a:rPr>
-              <a:t>proto</a:t>
-            </a:r>
-            <a:r>
-              <a:rPr b="0" lang="en-US" sz="3600" spc="-1" strike="noStrike">
-                <a:solidFill>
-                  <a:srgbClr val="000000"/>
-                </a:solidFill>
-                <a:latin typeface="Calibri Light"/>
-              </a:rPr>
-              <a:t>col </a:t>
-            </a:r>
-            <a:r>
-              <a:rPr b="0" lang="en-US" sz="3600" spc="-1" strike="noStrike">
-                <a:solidFill>
-                  <a:srgbClr val="000000"/>
-                </a:solidFill>
-                <a:latin typeface="Calibri Light"/>
-              </a:rPr>
-              <a:t>overvi</a:t>
-            </a:r>
-            <a:r>
-              <a:rPr b="0" lang="en-US" sz="3600" spc="-1" strike="noStrike">
-                <a:solidFill>
-                  <a:srgbClr val="000000"/>
-                </a:solidFill>
-                <a:latin typeface="Calibri Light"/>
-              </a:rPr>
-              <a:t>ew</a:t>
-            </a:r>
-            <a:endParaRPr b="0" lang="de-DE" sz="3600" spc="-1" strike="noStrike">
-              <a:solidFill>
-                <a:srgbClr val="000000"/>
-              </a:solidFill>
-              <a:latin typeface="Calibri"/>
-            </a:endParaRPr>
-          </a:p>
-        </p:txBody>
-      </p:sp>
-      <p:sp>
-        <p:nvSpPr>
-          <p:cNvPr id="197" name="CustomShape 62"/>
+              <a:t>BRSKI-AE: abstract protocol overview</a:t>
+            </a:r>
+            <a:endParaRPr b="0" lang="en-US" sz="3600" spc="-1" strike="noStrike">
+              <a:latin typeface="Arial"/>
+            </a:endParaRPr>
+          </a:p>
+        </p:txBody>
+      </p:sp>
+      <p:sp>
+        <p:nvSpPr>
+          <p:cNvPr id="153" name="CustomShape 63"/>
           <p:cNvSpPr/>
           <p:nvPr/>
         </p:nvSpPr>
         <p:spPr>
           <a:xfrm>
             <a:off x="72000" y="4320000"/>
-            <a:ext cx="8280000" cy="1980000"/>
+            <a:ext cx="8279640" cy="1979640"/>
           </a:xfrm>
           <a:custGeom>
             <a:avLst/>
             <a:gdLst/>
             <a:ahLst/>
-            <a:rect l="0" t="0" r="r" b="b"/>
+            <a:rect l="l" t="t" r="r" b="b"/>
             <a:pathLst>
               <a:path w="23002" h="5502">
                 <a:moveTo>
@@ -10026,14 +7858,14 @@
       </p:sp>
       <p:sp>
         <p:nvSpPr>
-          <p:cNvPr id="198" name="CustomShape 63"/>
+          <p:cNvPr id="154" name="CustomShape 64"/>
           <p:cNvSpPr/>
           <p:nvPr/>
         </p:nvSpPr>
         <p:spPr>
           <a:xfrm>
             <a:off x="4771080" y="5828040"/>
-            <a:ext cx="2496600" cy="15840"/>
+            <a:ext cx="2496240" cy="15480"/>
           </a:xfrm>
           <a:custGeom>
             <a:avLst/>
@@ -10070,14 +7902,14 @@
       </p:sp>
       <p:sp>
         <p:nvSpPr>
-          <p:cNvPr id="199" name="CustomShape 64"/>
+          <p:cNvPr id="155" name="CustomShape 65"/>
           <p:cNvSpPr/>
           <p:nvPr/>
         </p:nvSpPr>
         <p:spPr>
           <a:xfrm flipH="1" flipV="1">
-            <a:off x="4795200" y="6096600"/>
-            <a:ext cx="2472480" cy="7560"/>
+            <a:off x="4794480" y="6096600"/>
+            <a:ext cx="2472120" cy="7200"/>
           </a:xfrm>
           <a:custGeom>
             <a:avLst/>
@@ -10144,14 +7976,14 @@
       </p:grpSpPr>
       <p:sp>
         <p:nvSpPr>
-          <p:cNvPr id="200" name="TextShape 1"/>
-          <p:cNvSpPr txBox="1"/>
+          <p:cNvPr id="156" name="CustomShape 1"/>
+          <p:cNvSpPr/>
           <p:nvPr/>
         </p:nvSpPr>
         <p:spPr>
           <a:xfrm>
             <a:off x="838080" y="365040"/>
-            <a:ext cx="10515240" cy="1325160"/>
+            <a:ext cx="10514880" cy="1324800"/>
           </a:xfrm>
           <a:prstGeom prst="rect">
             <a:avLst/>
@@ -10161,8 +7993,14 @@
             <a:noFill/>
           </a:ln>
         </p:spPr>
-        <p:txBody>
-          <a:bodyPr anchor="ctr">
+        <p:style>
+          <a:lnRef idx="0"/>
+          <a:fillRef idx="0"/>
+          <a:effectRef idx="0"/>
+          <a:fontRef idx="minor"/>
+        </p:style>
+        <p:txBody>
+          <a:bodyPr lIns="90000" rIns="90000" tIns="45000" bIns="45000" anchor="ctr">
             <a:normAutofit/>
           </a:bodyPr>
           <a:p>
@@ -10178,99 +8016,24 @@
                 </a:solidFill>
                 <a:latin typeface="Calibri Light"/>
               </a:rPr>
-              <a:t>BRS</a:t>
-            </a:r>
-            <a:r>
-              <a:rPr b="0" lang="en-US" sz="3600" spc="-1" strike="noStrike">
-                <a:solidFill>
-                  <a:srgbClr val="000000"/>
-                </a:solidFill>
-                <a:latin typeface="Calibri Light"/>
-              </a:rPr>
-              <a:t>KI-</a:t>
-            </a:r>
-            <a:r>
-              <a:rPr b="0" lang="en-US" sz="3600" spc="-1" strike="noStrike">
-                <a:solidFill>
-                  <a:srgbClr val="000000"/>
-                </a:solidFill>
-                <a:latin typeface="Calibri Light"/>
-              </a:rPr>
-              <a:t>AE </a:t>
-            </a:r>
-            <a:r>
-              <a:rPr b="0" lang="en-US" sz="3600" spc="-1" strike="noStrike">
-                <a:solidFill>
-                  <a:srgbClr val="000000"/>
-                </a:solidFill>
-                <a:latin typeface="Calibri Light"/>
-              </a:rPr>
-              <a:t>stat</a:t>
-            </a:r>
-            <a:r>
-              <a:rPr b="0" lang="en-US" sz="3600" spc="-1" strike="noStrike">
-                <a:solidFill>
-                  <a:srgbClr val="000000"/>
-                </a:solidFill>
-                <a:latin typeface="Calibri Light"/>
-              </a:rPr>
-              <a:t>us: </a:t>
-            </a:r>
-            <a:r>
-              <a:rPr b="0" lang="en-US" sz="3600" spc="-1" strike="noStrike">
-                <a:solidFill>
-                  <a:srgbClr val="000000"/>
-                </a:solidFill>
-                <a:latin typeface="Calibri Light"/>
-              </a:rPr>
-              <a:t>rece</a:t>
-            </a:r>
-            <a:r>
-              <a:rPr b="0" lang="en-US" sz="3600" spc="-1" strike="noStrike">
-                <a:solidFill>
-                  <a:srgbClr val="000000"/>
-                </a:solidFill>
-                <a:latin typeface="Calibri Light"/>
-              </a:rPr>
-              <a:t>nt </a:t>
-            </a:r>
-            <a:r>
-              <a:rPr b="0" lang="en-US" sz="3600" spc="-1" strike="noStrike">
-                <a:solidFill>
-                  <a:srgbClr val="000000"/>
-                </a:solidFill>
-                <a:latin typeface="Calibri Light"/>
-              </a:rPr>
-              <a:t>chan</a:t>
-            </a:r>
-            <a:r>
-              <a:rPr b="0" lang="en-US" sz="3600" spc="-1" strike="noStrike">
-                <a:solidFill>
-                  <a:srgbClr val="000000"/>
-                </a:solidFill>
-                <a:latin typeface="Calibri Light"/>
-              </a:rPr>
-              <a:t>ges</a:t>
-            </a:r>
-            <a:endParaRPr b="0" lang="de-DE" sz="3600" spc="-1" strike="noStrike">
-              <a:solidFill>
-                <a:srgbClr val="000000"/>
-              </a:solidFill>
-              <a:latin typeface="Calibri"/>
-            </a:endParaRPr>
-          </a:p>
-        </p:txBody>
-      </p:sp>
-      <p:sp>
-        <p:nvSpPr>
-          <p:cNvPr id="201" name="TextShape 2"/>
-          <p:cNvSpPr txBox="1"/>
+              <a:t>BRSKI-AE status: recent changes</a:t>
+            </a:r>
+            <a:endParaRPr b="0" lang="en-US" sz="3600" spc="-1" strike="noStrike">
+              <a:latin typeface="Arial"/>
+            </a:endParaRPr>
+          </a:p>
+        </p:txBody>
+      </p:sp>
+      <p:sp>
+        <p:nvSpPr>
+          <p:cNvPr id="157" name="CustomShape 2"/>
+          <p:cNvSpPr/>
           <p:nvPr/>
         </p:nvSpPr>
         <p:spPr>
           <a:xfrm>
             <a:off x="838080" y="1825560"/>
-            <a:ext cx="10397880" cy="4667040"/>
+            <a:ext cx="10397520" cy="4666680"/>
           </a:xfrm>
           <a:prstGeom prst="rect">
             <a:avLst/>
@@ -10280,8 +8043,14 @@
             <a:noFill/>
           </a:ln>
         </p:spPr>
-        <p:txBody>
-          <a:bodyPr>
+        <p:style>
+          <a:lnRef idx="0"/>
+          <a:fillRef idx="0"/>
+          <a:effectRef idx="0"/>
+          <a:fontRef idx="minor"/>
+        </p:style>
+        <p:txBody>
+          <a:bodyPr lIns="90000" rIns="90000" tIns="45000" bIns="45000">
             <a:noAutofit/>
           </a:bodyPr>
           <a:p>
@@ -10302,15 +8071,12 @@
               </a:rPr>
               <a:t>From draft version 04 to version 05:</a:t>
             </a:r>
-            <a:endParaRPr b="0" lang="de-DE" sz="2200" spc="-1" strike="noStrike">
-              <a:solidFill>
-                <a:srgbClr val="000000"/>
-              </a:solidFill>
-              <a:latin typeface="Calibri"/>
-            </a:endParaRPr>
-          </a:p>
-          <a:p>
-            <a:pPr marL="228600" indent="-228240">
+            <a:endParaRPr b="0" lang="en-US" sz="2200" spc="-1" strike="noStrike">
+              <a:latin typeface="Arial"/>
+            </a:endParaRPr>
+          </a:p>
+          <a:p>
+            <a:pPr marL="228600" indent="-227880">
               <a:lnSpc>
                 <a:spcPct val="100000"/>
               </a:lnSpc>
@@ -10332,15 +8098,12 @@
               </a:rPr>
               <a:t>After the split with BRSKI-PRM, David von Oheimb became the editor.</a:t>
             </a:r>
-            <a:endParaRPr b="0" lang="de-DE" sz="2200" spc="-1" strike="noStrike">
-              <a:solidFill>
-                <a:srgbClr val="000000"/>
-              </a:solidFill>
-              <a:latin typeface="Calibri"/>
-            </a:endParaRPr>
-          </a:p>
-          <a:p>
-            <a:pPr marL="228600" indent="-228240">
+            <a:endParaRPr b="0" lang="en-US" sz="2200" spc="-1" strike="noStrike">
+              <a:latin typeface="Arial"/>
+            </a:endParaRPr>
+          </a:p>
+          <a:p>
+            <a:pPr marL="228600" indent="-227880">
               <a:lnSpc>
                 <a:spcPct val="100000"/>
               </a:lnSpc>
@@ -10362,15 +8125,12 @@
               </a:rPr>
               <a:t>Streamline wording, consolidate terminology, improve grammar, etc.</a:t>
             </a:r>
-            <a:endParaRPr b="0" lang="de-DE" sz="2200" spc="-1" strike="noStrike">
-              <a:solidFill>
-                <a:srgbClr val="000000"/>
-              </a:solidFill>
-              <a:latin typeface="Calibri"/>
-            </a:endParaRPr>
-          </a:p>
-          <a:p>
-            <a:pPr marL="228600" indent="-228240">
+            <a:endParaRPr b="0" lang="en-US" sz="2200" spc="-1" strike="noStrike">
+              <a:latin typeface="Arial"/>
+            </a:endParaRPr>
+          </a:p>
+          <a:p>
+            <a:pPr marL="228600" indent="-227880">
               <a:lnSpc>
                 <a:spcPct val="100000"/>
               </a:lnSpc>
@@ -10392,15 +8152,12 @@
               </a:rPr>
               <a:t>Shift the emphasis towards supporting alternative enrollment protocols.</a:t>
             </a:r>
-            <a:endParaRPr b="0" lang="de-DE" sz="2200" spc="-1" strike="noStrike">
-              <a:solidFill>
-                <a:srgbClr val="000000"/>
-              </a:solidFill>
-              <a:latin typeface="Calibri"/>
-            </a:endParaRPr>
-          </a:p>
-          <a:p>
-            <a:pPr marL="228600" indent="-228240">
+            <a:endParaRPr b="0" lang="en-US" sz="2200" spc="-1" strike="noStrike">
+              <a:latin typeface="Arial"/>
+            </a:endParaRPr>
+          </a:p>
+          <a:p>
+            <a:pPr marL="228600" indent="-227880">
               <a:lnSpc>
                 <a:spcPct val="100000"/>
               </a:lnSpc>
@@ -10422,15 +8179,12 @@
               </a:rPr>
               <a:t>Update the title accordingly - preliminary change to be approved.</a:t>
             </a:r>
-            <a:endParaRPr b="0" lang="de-DE" sz="2200" spc="-1" strike="noStrike">
-              <a:solidFill>
-                <a:srgbClr val="000000"/>
-              </a:solidFill>
-              <a:latin typeface="Calibri"/>
-            </a:endParaRPr>
-          </a:p>
-          <a:p>
-            <a:pPr marL="228600" indent="-228240">
+            <a:endParaRPr b="0" lang="en-US" sz="2200" spc="-1" strike="noStrike">
+              <a:latin typeface="Arial"/>
+            </a:endParaRPr>
+          </a:p>
+          <a:p>
+            <a:pPr marL="228600" indent="-227880">
               <a:lnSpc>
                 <a:spcPct val="100000"/>
               </a:lnSpc>
@@ -10452,15 +8206,12 @@
               </a:rPr>
               <a:t>Move comments on EST and detailed application examples to informative annex.</a:t>
             </a:r>
-            <a:endParaRPr b="0" lang="de-DE" sz="2200" spc="-1" strike="noStrike">
-              <a:solidFill>
-                <a:srgbClr val="000000"/>
-              </a:solidFill>
-              <a:latin typeface="Calibri"/>
-            </a:endParaRPr>
-          </a:p>
-          <a:p>
-            <a:pPr marL="228600" indent="-228240">
+            <a:endParaRPr b="0" lang="en-US" sz="2200" spc="-1" strike="noStrike">
+              <a:latin typeface="Arial"/>
+            </a:endParaRPr>
+          </a:p>
+          <a:p>
+            <a:pPr marL="228600" indent="-227880">
               <a:lnSpc>
                 <a:spcPct val="100000"/>
               </a:lnSpc>
@@ -10482,11 +8233,8 @@
               </a:rPr>
               <a:t>Move the remaining text of section 3 as two new sub-sections of section 1.</a:t>
             </a:r>
-            <a:endParaRPr b="0" lang="de-DE" sz="2200" spc="-1" strike="noStrike">
-              <a:solidFill>
-                <a:srgbClr val="000000"/>
-              </a:solidFill>
-              <a:latin typeface="Calibri"/>
+            <a:endParaRPr b="0" lang="en-US" sz="2200" spc="-1" strike="noStrike">
+              <a:latin typeface="Arial"/>
             </a:endParaRPr>
           </a:p>
           <a:p>
@@ -10498,25 +8246,22 @@
                 <a:spcPts val="1001"/>
               </a:spcBef>
             </a:pPr>
-            <a:endParaRPr b="0" lang="de-DE" sz="2200" spc="-1" strike="noStrike">
-              <a:solidFill>
-                <a:srgbClr val="000000"/>
-              </a:solidFill>
-              <a:latin typeface="Calibri"/>
-            </a:endParaRPr>
-          </a:p>
-        </p:txBody>
-      </p:sp>
-      <p:sp>
-        <p:nvSpPr>
-          <p:cNvPr id="202" name="CustomShape 3"/>
+            <a:endParaRPr b="0" lang="en-US" sz="2200" spc="-1" strike="noStrike">
+              <a:latin typeface="Arial"/>
+            </a:endParaRPr>
+          </a:p>
+        </p:txBody>
+      </p:sp>
+      <p:sp>
+        <p:nvSpPr>
+          <p:cNvPr id="158" name="CustomShape 3"/>
           <p:cNvSpPr/>
           <p:nvPr/>
         </p:nvSpPr>
         <p:spPr>
           <a:xfrm>
             <a:off x="838080" y="6356520"/>
-            <a:ext cx="2742840" cy="364680"/>
+            <a:ext cx="2742480" cy="364320"/>
           </a:xfrm>
           <a:prstGeom prst="rect">
             <a:avLst/>
@@ -10533,7 +8278,7 @@
           <a:fontRef idx="minor"/>
         </p:style>
         <p:txBody>
-          <a:bodyPr anchor="ctr">
+          <a:bodyPr lIns="90000" rIns="90000" tIns="45000" bIns="45000" anchor="ctr">
             <a:noAutofit/>
           </a:bodyPr>
           <a:p>
@@ -10542,12 +8287,13 @@
                 <a:spcPct val="100000"/>
               </a:lnSpc>
             </a:pPr>
-            <a:fld id="{596E8DDD-EF51-480E-BD18-71614010B04B}" type="datetime">
+            <a:fld id="{56141CB1-A9A1-480F-8982-56856D14A6E5}" type="datetime">
               <a:rPr b="0" lang="en-US" sz="1200" spc="-1" strike="noStrike">
                 <a:solidFill>
                   <a:srgbClr val="8b8b8b"/>
                 </a:solidFill>
                 <a:latin typeface="Calibri"/>
+                <a:ea typeface="DejaVu Sans"/>
               </a:rPr>
               <a:t>3/10/22</a:t>
             </a:fld>
@@ -10559,14 +8305,14 @@
       </p:sp>
       <p:sp>
         <p:nvSpPr>
-          <p:cNvPr id="203" name="CustomShape 4"/>
+          <p:cNvPr id="159" name="CustomShape 4"/>
           <p:cNvSpPr/>
           <p:nvPr/>
         </p:nvSpPr>
         <p:spPr>
           <a:xfrm>
             <a:off x="8610480" y="6356520"/>
-            <a:ext cx="2742840" cy="364680"/>
+            <a:ext cx="2742480" cy="364320"/>
           </a:xfrm>
           <a:prstGeom prst="rect">
             <a:avLst/>
@@ -10583,7 +8329,7 @@
           <a:fontRef idx="minor"/>
         </p:style>
         <p:txBody>
-          <a:bodyPr anchor="ctr">
+          <a:bodyPr lIns="90000" rIns="90000" tIns="45000" bIns="45000" anchor="ctr">
             <a:noAutofit/>
           </a:bodyPr>
           <a:p>
@@ -10592,12 +8338,13 @@
                 <a:spcPct val="100000"/>
               </a:lnSpc>
             </a:pPr>
-            <a:fld id="{DD06A621-1AC5-4F2A-B0FC-305E07158959}" type="slidenum">
+            <a:fld id="{8038345F-30E8-45EF-9DB1-FAE85A54B79D}" type="slidenum">
               <a:rPr b="0" lang="en-US" sz="1200" spc="-1" strike="noStrike">
                 <a:solidFill>
                   <a:srgbClr val="8b8b8b"/>
                 </a:solidFill>
                 <a:latin typeface="Calibri"/>
+                <a:ea typeface="DejaVu Sans"/>
               </a:rPr>
               <a:t>3</a:t>
             </a:fld>
@@ -10639,14 +8386,14 @@
       </p:grpSpPr>
       <p:sp>
         <p:nvSpPr>
-          <p:cNvPr id="204" name="TextShape 1"/>
-          <p:cNvSpPr txBox="1"/>
+          <p:cNvPr id="160" name="CustomShape 1"/>
+          <p:cNvSpPr/>
           <p:nvPr/>
         </p:nvSpPr>
         <p:spPr>
           <a:xfrm>
             <a:off x="990720" y="1558080"/>
-            <a:ext cx="10709280" cy="5130360"/>
+            <a:ext cx="10708920" cy="5130000"/>
           </a:xfrm>
           <a:prstGeom prst="rect">
             <a:avLst/>
@@ -10656,12 +8403,18 @@
             <a:noFill/>
           </a:ln>
         </p:spPr>
-        <p:txBody>
-          <a:bodyPr>
+        <p:style>
+          <a:lnRef idx="0"/>
+          <a:fillRef idx="0"/>
+          <a:effectRef idx="0"/>
+          <a:fontRef idx="minor"/>
+        </p:style>
+        <p:txBody>
+          <a:bodyPr lIns="90000" rIns="90000" tIns="45000" bIns="45000">
             <a:noAutofit/>
           </a:bodyPr>
           <a:p>
-            <a:pPr marL="228600" indent="-228240">
+            <a:pPr marL="228600" indent="-227880">
               <a:lnSpc>
                 <a:spcPct val="100000"/>
               </a:lnSpc>
@@ -10703,15 +8456,12 @@
               </a:rPr>
               <a:t>):</a:t>
             </a:r>
-            <a:endParaRPr b="0" lang="de-DE" sz="2200" spc="-1" strike="noStrike">
-              <a:solidFill>
-                <a:srgbClr val="000000"/>
-              </a:solidFill>
-              <a:latin typeface="Calibri"/>
-            </a:endParaRPr>
-          </a:p>
-          <a:p>
-            <a:pPr lvl="1" marL="685800" indent="-228240">
+            <a:endParaRPr b="0" lang="en-US" sz="2200" spc="-1" strike="noStrike">
+              <a:latin typeface="Arial"/>
+            </a:endParaRPr>
+          </a:p>
+          <a:p>
+            <a:pPr lvl="1" marL="685800" indent="-227880">
               <a:lnSpc>
                 <a:spcPct val="100000"/>
               </a:lnSpc>
@@ -10733,15 +8483,12 @@
               </a:rPr>
               <a:t>Application of Lightweight CMP Profile: some details to be clarified/defined</a:t>
             </a:r>
-            <a:endParaRPr b="0" lang="de-DE" sz="2200" spc="-1" strike="noStrike">
-              <a:solidFill>
-                <a:srgbClr val="000000"/>
-              </a:solidFill>
-              <a:latin typeface="Calibri"/>
-            </a:endParaRPr>
-          </a:p>
-          <a:p>
-            <a:pPr marL="900000">
+            <a:endParaRPr b="0" lang="en-US" sz="2200" spc="-1" strike="noStrike">
+              <a:latin typeface="Arial"/>
+            </a:endParaRPr>
+          </a:p>
+          <a:p>
+            <a:pPr marL="900000" indent="-227880">
               <a:lnSpc>
                 <a:spcPct val="80000"/>
               </a:lnSpc>
@@ -10776,15 +8523,12 @@
               </a:rPr>
               <a:t>when further to-be-trusted (root CA) certificates and possibly other CA certs are needed</a:t>
             </a:r>
-            <a:endParaRPr b="0" lang="de-DE" sz="2000" spc="-1" strike="noStrike">
-              <a:solidFill>
-                <a:srgbClr val="000000"/>
-              </a:solidFill>
-              <a:latin typeface="Calibri"/>
-            </a:endParaRPr>
-          </a:p>
-          <a:p>
-            <a:pPr marL="900000">
+            <a:endParaRPr b="0" lang="en-US" sz="2000" spc="-1" strike="noStrike">
+              <a:latin typeface="Arial"/>
+            </a:endParaRPr>
+          </a:p>
+          <a:p>
+            <a:pPr marL="900000" indent="-227880">
               <a:lnSpc>
                 <a:spcPct val="80000"/>
               </a:lnSpc>
@@ -10819,15 +8563,12 @@
               </a:rPr>
               <a:t>or let the registrar modify the CRMF and use raVerified</a:t>
             </a:r>
-            <a:endParaRPr b="0" lang="de-DE" sz="2000" spc="-1" strike="noStrike">
-              <a:solidFill>
-                <a:srgbClr val="000000"/>
-              </a:solidFill>
-              <a:latin typeface="Calibri"/>
-            </a:endParaRPr>
-          </a:p>
-          <a:p>
-            <a:pPr marL="900000">
+            <a:endParaRPr b="0" lang="en-US" sz="2000" spc="-1" strike="noStrike">
+              <a:latin typeface="Arial"/>
+            </a:endParaRPr>
+          </a:p>
+          <a:p>
+            <a:pPr marL="900000" indent="-227880">
               <a:lnSpc>
                 <a:spcPct val="80000"/>
               </a:lnSpc>
@@ -10852,15 +8593,12 @@
               </a:rPr>
               <a:t>Specify the optional use of implicitConfirm as alternative to certConf</a:t>
             </a:r>
-            <a:endParaRPr b="0" lang="de-DE" sz="2000" spc="-1" strike="noStrike">
-              <a:solidFill>
-                <a:srgbClr val="000000"/>
-              </a:solidFill>
-              <a:latin typeface="Calibri"/>
-            </a:endParaRPr>
-          </a:p>
-          <a:p>
-            <a:pPr marL="900000">
+            <a:endParaRPr b="0" lang="en-US" sz="2000" spc="-1" strike="noStrike">
+              <a:latin typeface="Arial"/>
+            </a:endParaRPr>
+          </a:p>
+          <a:p>
+            <a:pPr marL="900000" indent="-227880">
               <a:lnSpc>
                 <a:spcPct val="80000"/>
               </a:lnSpc>
@@ -10885,15 +8623,12 @@
               </a:rPr>
               <a:t>Whether to specify the use of /p10</a:t>
             </a:r>
-            <a:endParaRPr b="0" lang="de-DE" sz="2000" spc="-1" strike="noStrike">
-              <a:solidFill>
-                <a:srgbClr val="000000"/>
-              </a:solidFill>
-              <a:latin typeface="Calibri"/>
-            </a:endParaRPr>
-          </a:p>
-          <a:p>
-            <a:pPr lvl="1" marL="685800" indent="-228240">
+            <a:endParaRPr b="0" lang="en-US" sz="2000" spc="-1" strike="noStrike">
+              <a:latin typeface="Arial"/>
+            </a:endParaRPr>
+          </a:p>
+          <a:p>
+            <a:pPr lvl="1" marL="685800" indent="-227880">
               <a:lnSpc>
                 <a:spcPct val="100000"/>
               </a:lnSpc>
@@ -10905,6 +8640,9 @@
               </a:buClr>
               <a:buFont typeface="Arial"/>
               <a:buChar char="•"/>
+              <a:tabLst>
+                <a:tab algn="l" pos="408240"/>
+              </a:tabLst>
             </a:pPr>
             <a:r>
               <a:rPr b="0" lang="en-US" sz="2200" spc="-1" strike="noStrike">
@@ -10915,15 +8653,12 @@
               </a:rPr>
               <a:t>Application of EST with /fullCMC</a:t>
             </a:r>
-            <a:endParaRPr b="0" lang="de-DE" sz="2200" spc="-1" strike="noStrike">
-              <a:solidFill>
-                <a:srgbClr val="000000"/>
-              </a:solidFill>
-              <a:latin typeface="Calibri"/>
-            </a:endParaRPr>
-          </a:p>
-          <a:p>
-            <a:pPr marL="228600" indent="-228240">
+            <a:endParaRPr b="0" lang="en-US" sz="2200" spc="-1" strike="noStrike">
+              <a:latin typeface="Arial"/>
+            </a:endParaRPr>
+          </a:p>
+          <a:p>
+            <a:pPr marL="228600" indent="-227880">
               <a:lnSpc>
                 <a:spcPct val="100000"/>
               </a:lnSpc>
@@ -10935,6 +8670,9 @@
               </a:buClr>
               <a:buFont typeface="Arial"/>
               <a:buChar char="•"/>
+              <a:tabLst>
+                <a:tab algn="l" pos="408240"/>
+              </a:tabLst>
             </a:pPr>
             <a:r>
               <a:rPr b="0" lang="en-US" sz="2200" spc="-1" strike="noStrike">
@@ -10945,15 +8683,12 @@
               </a:rPr>
               <a:t>Further updates to be circulated</a:t>
             </a:r>
-            <a:endParaRPr b="0" lang="de-DE" sz="2200" spc="-1" strike="noStrike">
-              <a:solidFill>
-                <a:srgbClr val="000000"/>
-              </a:solidFill>
-              <a:latin typeface="Calibri"/>
-            </a:endParaRPr>
-          </a:p>
-          <a:p>
-            <a:pPr marL="228600" indent="-228240">
+            <a:endParaRPr b="0" lang="en-US" sz="2200" spc="-1" strike="noStrike">
+              <a:latin typeface="Arial"/>
+            </a:endParaRPr>
+          </a:p>
+          <a:p>
+            <a:pPr marL="228600" indent="-227880">
               <a:lnSpc>
                 <a:spcPct val="100000"/>
               </a:lnSpc>
@@ -10965,6 +8700,9 @@
               </a:buClr>
               <a:buFont typeface="Arial"/>
               <a:buChar char="•"/>
+              <a:tabLst>
+                <a:tab algn="l" pos="408240"/>
+              </a:tabLst>
             </a:pPr>
             <a:r>
               <a:rPr b="0" lang="en-US" sz="2200" spc="-1" strike="noStrike">
@@ -10975,15 +8713,12 @@
               </a:rPr>
               <a:t>WG review appreciated</a:t>
             </a:r>
-            <a:endParaRPr b="0" lang="de-DE" sz="2200" spc="-1" strike="noStrike">
-              <a:solidFill>
-                <a:srgbClr val="000000"/>
-              </a:solidFill>
-              <a:latin typeface="Calibri"/>
-            </a:endParaRPr>
-          </a:p>
-          <a:p>
-            <a:pPr marL="228600" indent="-228240">
+            <a:endParaRPr b="0" lang="en-US" sz="2200" spc="-1" strike="noStrike">
+              <a:latin typeface="Arial"/>
+            </a:endParaRPr>
+          </a:p>
+          <a:p>
+            <a:pPr marL="228600" indent="-227880">
               <a:lnSpc>
                 <a:spcPct val="100000"/>
               </a:lnSpc>
@@ -10995,6 +8730,9 @@
               </a:buClr>
               <a:buFont typeface="Arial"/>
               <a:buChar char="•"/>
+              <a:tabLst>
+                <a:tab algn="l" pos="408240"/>
+              </a:tabLst>
             </a:pPr>
             <a:r>
               <a:rPr b="0" lang="en-US" sz="2200" spc="-1" strike="noStrike">
@@ -11023,11 +8761,8 @@
               </a:rPr>
               <a:t> us you are interested in interop testing</a:t>
             </a:r>
-            <a:endParaRPr b="0" lang="de-DE" sz="2200" spc="-1" strike="noStrike">
-              <a:solidFill>
-                <a:srgbClr val="000000"/>
-              </a:solidFill>
-              <a:latin typeface="Calibri"/>
+            <a:endParaRPr b="0" lang="en-US" sz="2200" spc="-1" strike="noStrike">
+              <a:latin typeface="Arial"/>
             </a:endParaRPr>
           </a:p>
           <a:p>
@@ -11042,15 +8777,12 @@
                 <a:tab algn="l" pos="0"/>
               </a:tabLst>
             </a:pPr>
-            <a:endParaRPr b="0" lang="de-DE" sz="2200" spc="-1" strike="noStrike">
-              <a:solidFill>
-                <a:srgbClr val="000000"/>
-              </a:solidFill>
-              <a:latin typeface="Calibri"/>
-            </a:endParaRPr>
-          </a:p>
-          <a:p>
-            <a:pPr>
+            <a:endParaRPr b="0" lang="en-US" sz="2200" spc="-1" strike="noStrike">
+              <a:latin typeface="Arial"/>
+            </a:endParaRPr>
+          </a:p>
+          <a:p>
+            <a:pPr marL="457200">
               <a:lnSpc>
                 <a:spcPct val="100000"/>
               </a:lnSpc>
@@ -11061,25 +8793,22 @@
                 <a:tab algn="l" pos="0"/>
               </a:tabLst>
             </a:pPr>
-            <a:endParaRPr b="0" lang="de-DE" sz="2200" spc="-1" strike="noStrike">
-              <a:solidFill>
-                <a:srgbClr val="000000"/>
-              </a:solidFill>
-              <a:latin typeface="Calibri"/>
-            </a:endParaRPr>
-          </a:p>
-        </p:txBody>
-      </p:sp>
-      <p:sp>
-        <p:nvSpPr>
-          <p:cNvPr id="205" name="CustomShape 2"/>
+            <a:endParaRPr b="0" lang="en-US" sz="2200" spc="-1" strike="noStrike">
+              <a:latin typeface="Arial"/>
+            </a:endParaRPr>
+          </a:p>
+        </p:txBody>
+      </p:sp>
+      <p:sp>
+        <p:nvSpPr>
+          <p:cNvPr id="161" name="CustomShape 2"/>
           <p:cNvSpPr/>
           <p:nvPr/>
         </p:nvSpPr>
         <p:spPr>
           <a:xfrm>
             <a:off x="990720" y="6508800"/>
-            <a:ext cx="2742840" cy="364680"/>
+            <a:ext cx="2742480" cy="364320"/>
           </a:xfrm>
           <a:prstGeom prst="rect">
             <a:avLst/>
@@ -11096,7 +8825,7 @@
           <a:fontRef idx="minor"/>
         </p:style>
         <p:txBody>
-          <a:bodyPr anchor="ctr">
+          <a:bodyPr lIns="90000" rIns="90000" tIns="45000" bIns="45000" anchor="ctr">
             <a:noAutofit/>
           </a:bodyPr>
           <a:p>
@@ -11105,12 +8834,13 @@
                 <a:spcPct val="100000"/>
               </a:lnSpc>
             </a:pPr>
-            <a:fld id="{2E916544-2FBE-4289-AE02-A8BAE489E3BA}" type="datetime">
+            <a:fld id="{C7267821-CB88-4F1E-BAD2-6DC0D04A21FC}" type="datetime">
               <a:rPr b="0" lang="en-US" sz="1200" spc="-1" strike="noStrike">
                 <a:solidFill>
                   <a:srgbClr val="8b8b8b"/>
                 </a:solidFill>
                 <a:latin typeface="Calibri"/>
+                <a:ea typeface="DejaVu Sans"/>
               </a:rPr>
               <a:t>3/10/22</a:t>
             </a:fld>
@@ -11122,14 +8852,14 @@
       </p:sp>
       <p:sp>
         <p:nvSpPr>
-          <p:cNvPr id="206" name="CustomShape 3"/>
+          <p:cNvPr id="162" name="CustomShape 3"/>
           <p:cNvSpPr/>
           <p:nvPr/>
         </p:nvSpPr>
         <p:spPr>
           <a:xfrm>
             <a:off x="8763120" y="6508800"/>
-            <a:ext cx="2742840" cy="364680"/>
+            <a:ext cx="2742480" cy="364320"/>
           </a:xfrm>
           <a:prstGeom prst="rect">
             <a:avLst/>
@@ -11146,7 +8876,7 @@
           <a:fontRef idx="minor"/>
         </p:style>
         <p:txBody>
-          <a:bodyPr anchor="ctr">
+          <a:bodyPr lIns="90000" rIns="90000" tIns="45000" bIns="45000" anchor="ctr">
             <a:noAutofit/>
           </a:bodyPr>
           <a:p>
@@ -11155,12 +8885,13 @@
                 <a:spcPct val="100000"/>
               </a:lnSpc>
             </a:pPr>
-            <a:fld id="{9E1CB73C-7857-4417-9AA4-3AC5B4635D11}" type="slidenum">
+            <a:fld id="{7DFC533F-8E83-451D-9D20-6436F3B3711D}" type="slidenum">
               <a:rPr b="0" lang="en-US" sz="1200" spc="-1" strike="noStrike">
                 <a:solidFill>
                   <a:srgbClr val="8b8b8b"/>
                 </a:solidFill>
                 <a:latin typeface="Calibri"/>
+                <a:ea typeface="DejaVu Sans"/>
               </a:rPr>
               <a:t>3</a:t>
             </a:fld>
@@ -11172,14 +8903,14 @@
       </p:sp>
       <p:sp>
         <p:nvSpPr>
-          <p:cNvPr id="207" name="TextShape 4"/>
-          <p:cNvSpPr txBox="1"/>
+          <p:cNvPr id="163" name="CustomShape 4"/>
+          <p:cNvSpPr/>
           <p:nvPr/>
         </p:nvSpPr>
         <p:spPr>
           <a:xfrm>
             <a:off x="838080" y="365040"/>
-            <a:ext cx="10515240" cy="1325160"/>
+            <a:ext cx="10514880" cy="1324800"/>
           </a:xfrm>
           <a:prstGeom prst="rect">
             <a:avLst/>
@@ -11189,8 +8920,14 @@
             <a:noFill/>
           </a:ln>
         </p:spPr>
-        <p:txBody>
-          <a:bodyPr anchor="ctr">
+        <p:style>
+          <a:lnRef idx="0"/>
+          <a:fillRef idx="0"/>
+          <a:effectRef idx="0"/>
+          <a:fontRef idx="minor"/>
+        </p:style>
+        <p:txBody>
+          <a:bodyPr lIns="90000" rIns="90000" tIns="45000" bIns="45000" anchor="ctr">
             <a:normAutofit/>
           </a:bodyPr>
           <a:p>
@@ -11206,31 +8943,10 @@
                 </a:solidFill>
                 <a:latin typeface="Calibri Light"/>
               </a:rPr>
-              <a:t>BRSKI-AE </a:t>
-            </a:r>
-            <a:r>
-              <a:rPr b="0" lang="en-US" sz="3600" spc="-1" strike="noStrike">
-                <a:solidFill>
-                  <a:srgbClr val="000000"/>
-                </a:solidFill>
-                <a:latin typeface="Calibri Light"/>
-              </a:rPr>
-              <a:t>status: </a:t>
-            </a:r>
-            <a:r>
-              <a:rPr b="0" lang="en-US" sz="3600" spc="-1" strike="noStrike">
-                <a:solidFill>
-                  <a:srgbClr val="000000"/>
-                </a:solidFill>
-                <a:latin typeface="Calibri Light"/>
-              </a:rPr>
-              <a:t>next steps</a:t>
-            </a:r>
-            <a:endParaRPr b="0" lang="de-DE" sz="3600" spc="-1" strike="noStrike">
-              <a:solidFill>
-                <a:srgbClr val="000000"/>
-              </a:solidFill>
-              <a:latin typeface="Calibri"/>
+              <a:t>BRSKI-AE status: next steps</a:t>
+            </a:r>
+            <a:endParaRPr b="0" lang="en-US" sz="3600" spc="-1" strike="noStrike">
+              <a:latin typeface="Arial"/>
             </a:endParaRPr>
           </a:p>
         </p:txBody>
@@ -11924,230 +9640,4 @@
     </a:fmtScheme>
   </a:themeElements>
 </a:theme>
-</file>
-
-<file path=ppt/theme/theme4.xml><?xml version="1.0" encoding="utf-8"?>
-<a:theme xmlns:a="http://schemas.openxmlformats.org/drawingml/2006/main" name="Office Theme">
-  <a:themeElements>
-    <a:clrScheme name="Office">
-      <a:dk1>
-        <a:sysClr val="windowText" lastClr="000000"/>
-      </a:dk1>
-      <a:lt1>
-        <a:sysClr val="window" lastClr="FFFFFF"/>
-      </a:lt1>
-      <a:dk2>
-        <a:srgbClr val="44546a"/>
-      </a:dk2>
-      <a:lt2>
-        <a:srgbClr val="e7e6e6"/>
-      </a:lt2>
-      <a:accent1>
-        <a:srgbClr val="4472c4"/>
-      </a:accent1>
-      <a:accent2>
-        <a:srgbClr val="ed7d31"/>
-      </a:accent2>
-      <a:accent3>
-        <a:srgbClr val="a5a5a5"/>
-      </a:accent3>
-      <a:accent4>
-        <a:srgbClr val="ffc000"/>
-      </a:accent4>
-      <a:accent5>
-        <a:srgbClr val="5b9bd5"/>
-      </a:accent5>
-      <a:accent6>
-        <a:srgbClr val="70ad47"/>
-      </a:accent6>
-      <a:hlink>
-        <a:srgbClr val="0563c1"/>
-      </a:hlink>
-      <a:folHlink>
-        <a:srgbClr val="954f72"/>
-      </a:folHlink>
-    </a:clrScheme>
-    <a:fontScheme name="Office">
-      <a:majorFont>
-        <a:latin typeface="Arial"/>
-        <a:ea typeface="DejaVu Sans"/>
-        <a:cs typeface="DejaVu Sans"/>
-      </a:majorFont>
-      <a:minorFont>
-        <a:latin typeface="Arial"/>
-        <a:ea typeface="DejaVu Sans"/>
-        <a:cs typeface="DejaVu Sans"/>
-      </a:minorFont>
-    </a:fontScheme>
-    <a:fmtScheme name="Office">
-      <a:fillStyleLst>
-        <a:solidFill>
-          <a:schemeClr val="phClr"/>
-        </a:solidFill>
-        <a:gradFill rotWithShape="1">
-          <a:gsLst>
-            <a:gs pos="0">
-              <a:schemeClr val="phClr">
-                <a:tint val="50000"/>
-                <a:satMod val="300000"/>
-              </a:schemeClr>
-            </a:gs>
-            <a:gs pos="35000">
-              <a:schemeClr val="phClr">
-                <a:tint val="37000"/>
-                <a:satMod val="300000"/>
-              </a:schemeClr>
-            </a:gs>
-            <a:gs pos="100000">
-              <a:schemeClr val="phClr">
-                <a:tint val="15000"/>
-                <a:satMod val="350000"/>
-              </a:schemeClr>
-            </a:gs>
-          </a:gsLst>
-          <a:lin ang="16200000" scaled="1"/>
-        </a:gradFill>
-        <a:gradFill rotWithShape="1">
-          <a:gsLst>
-            <a:gs pos="0">
-              <a:schemeClr val="phClr">
-                <a:shade val="51000"/>
-                <a:satMod val="130000"/>
-              </a:schemeClr>
-            </a:gs>
-            <a:gs pos="80000">
-              <a:schemeClr val="phClr">
-                <a:shade val="93000"/>
-                <a:satMod val="130000"/>
-              </a:schemeClr>
-            </a:gs>
-            <a:gs pos="100000">
-              <a:schemeClr val="phClr">
-                <a:shade val="94000"/>
-                <a:satMod val="135000"/>
-              </a:schemeClr>
-            </a:gs>
-          </a:gsLst>
-          <a:lin ang="16200000" scaled="0"/>
-        </a:gradFill>
-      </a:fillStyleLst>
-      <a:lnStyleLst>
-        <a:ln w="9525" cap="flat" cmpd="sng" algn="ctr">
-          <a:solidFill>
-            <a:schemeClr val="phClr">
-              <a:shade val="95000"/>
-              <a:satMod val="105000"/>
-            </a:schemeClr>
-          </a:solidFill>
-          <a:prstDash val="solid"/>
-          <a:miter/>
-        </a:ln>
-        <a:ln w="25400" cap="flat" cmpd="sng" algn="ctr">
-          <a:solidFill>
-            <a:schemeClr val="phClr"/>
-          </a:solidFill>
-          <a:prstDash val="solid"/>
-          <a:miter/>
-        </a:ln>
-        <a:ln w="38100" cap="flat" cmpd="sng" algn="ctr">
-          <a:solidFill>
-            <a:schemeClr val="phClr"/>
-          </a:solidFill>
-          <a:prstDash val="solid"/>
-          <a:miter/>
-        </a:ln>
-      </a:lnStyleLst>
-      <a:effectStyleLst>
-        <a:effectStyle>
-          <a:effectLst>
-            <a:outerShdw blurRad="40000" dist="20000" dir="5400000" rotWithShape="0">
-              <a:srgbClr val="000000">
-                <a:alpha val="38000"/>
-              </a:srgbClr>
-            </a:outerShdw>
-          </a:effectLst>
-        </a:effectStyle>
-        <a:effectStyle>
-          <a:effectLst>
-            <a:outerShdw blurRad="40000" dist="23000" dir="5400000" rotWithShape="0">
-              <a:srgbClr val="000000">
-                <a:alpha val="35000"/>
-              </a:srgbClr>
-            </a:outerShdw>
-          </a:effectLst>
-        </a:effectStyle>
-        <a:effectStyle>
-          <a:effectLst>
-            <a:outerShdw blurRad="40000" dist="23000" dir="5400000" rotWithShape="0">
-              <a:srgbClr val="000000">
-                <a:alpha val="35000"/>
-              </a:srgbClr>
-            </a:outerShdw>
-          </a:effectLst>
-          <a:scene3d>
-            <a:camera prst="orthographicFront">
-              <a:rot lat="0" lon="0" rev="0"/>
-            </a:camera>
-            <a:lightRig rig="threePt" dir="t">
-              <a:rot lat="0" lon="0" rev="1200000"/>
-            </a:lightRig>
-          </a:scene3d>
-          <a:sp3d>
-            <a:bevelT w="63500" h="25400"/>
-          </a:sp3d>
-        </a:effectStyle>
-      </a:effectStyleLst>
-      <a:bgFillStyleLst>
-        <a:solidFill>
-          <a:schemeClr val="phClr"/>
-        </a:solidFill>
-        <a:gradFill rotWithShape="1">
-          <a:gsLst>
-            <a:gs pos="0">
-              <a:schemeClr val="phClr">
-                <a:tint val="40000"/>
-                <a:satMod val="350000"/>
-              </a:schemeClr>
-            </a:gs>
-            <a:gs pos="40000">
-              <a:schemeClr val="phClr">
-                <a:tint val="45000"/>
-                <a:shade val="99000"/>
-                <a:satMod val="350000"/>
-              </a:schemeClr>
-            </a:gs>
-            <a:gs pos="100000">
-              <a:schemeClr val="phClr">
-                <a:shade val="20000"/>
-                <a:satMod val="255000"/>
-              </a:schemeClr>
-            </a:gs>
-          </a:gsLst>
-          <a:path path="circle">
-            <a:fillToRect l="50000" t="-80000" r="50000" b="180000"/>
-          </a:path>
-        </a:gradFill>
-        <a:gradFill rotWithShape="1">
-          <a:gsLst>
-            <a:gs pos="0">
-              <a:schemeClr val="phClr">
-                <a:tint val="80000"/>
-                <a:satMod val="300000"/>
-              </a:schemeClr>
-            </a:gs>
-            <a:gs pos="100000">
-              <a:schemeClr val="phClr">
-                <a:shade val="30000"/>
-                <a:satMod val="200000"/>
-              </a:schemeClr>
-            </a:gs>
-          </a:gsLst>
-          <a:path path="circle">
-            <a:fillToRect l="50000" t="50000" r="50000" b="50000"/>
-          </a:path>
-        </a:gradFill>
-      </a:bgFillStyleLst>
-    </a:fmtScheme>
-  </a:themeElements>
-</a:theme>
 </file>
--- a/presentations/slides-113-BRSKI-AE.pptx
+++ b/presentations/slides-113-BRSKI-AE.pptx
@@ -38,7 +38,7 @@
       </p:grpSpPr>
       <p:sp>
         <p:nvSpPr>
-          <p:cNvPr id="76" name="PlaceHolder 1"/>
+          <p:cNvPr id="80" name="PlaceHolder 1"/>
           <p:cNvSpPr>
             <a:spLocks noGrp="1"/>
           </p:cNvSpPr>
@@ -171,7 +171,7 @@
       </p:sp>
       <p:sp>
         <p:nvSpPr>
-          <p:cNvPr id="77" name="PlaceHolder 2"/>
+          <p:cNvPr id="81" name="PlaceHolder 2"/>
           <p:cNvSpPr>
             <a:spLocks noGrp="1"/>
           </p:cNvSpPr>
@@ -225,7 +225,7 @@
       </p:sp>
       <p:sp>
         <p:nvSpPr>
-          <p:cNvPr id="78" name="PlaceHolder 3"/>
+          <p:cNvPr id="82" name="PlaceHolder 3"/>
           <p:cNvSpPr>
             <a:spLocks noGrp="1"/>
           </p:cNvSpPr>
@@ -261,7 +261,7 @@
       </p:sp>
       <p:sp>
         <p:nvSpPr>
-          <p:cNvPr id="79" name="PlaceHolder 4"/>
+          <p:cNvPr id="83" name="PlaceHolder 4"/>
           <p:cNvSpPr>
             <a:spLocks noGrp="1"/>
           </p:cNvSpPr>
@@ -298,7 +298,7 @@
       </p:sp>
       <p:sp>
         <p:nvSpPr>
-          <p:cNvPr id="80" name="PlaceHolder 5"/>
+          <p:cNvPr id="84" name="PlaceHolder 5"/>
           <p:cNvSpPr>
             <a:spLocks noGrp="1"/>
           </p:cNvSpPr>
@@ -334,7 +334,7 @@
       </p:sp>
       <p:sp>
         <p:nvSpPr>
-          <p:cNvPr id="81" name="PlaceHolder 6"/>
+          <p:cNvPr id="85" name="PlaceHolder 6"/>
           <p:cNvSpPr>
             <a:spLocks noGrp="1"/>
           </p:cNvSpPr>
@@ -357,7 +357,7 @@
           </a:bodyPr>
           <a:p>
             <a:pPr algn="r"/>
-            <a:fld id="{C5611FBA-9E39-4A6E-9B0E-182EF75C67CC}" type="slidenum">
+            <a:fld id="{90349DC9-C9EC-4114-B6D5-21020041003E}" type="slidenum">
               <a:rPr b="0" lang="en-US" sz="1400" spc="-1" strike="noStrike">
                 <a:latin typeface="Times New Roman"/>
               </a:rPr>
@@ -405,7 +405,7 @@
         <p:spPr>
           <a:xfrm>
             <a:off x="685800" y="1143000"/>
-            <a:ext cx="5485680" cy="3085560"/>
+            <a:ext cx="5485320" cy="3085200"/>
           </a:xfrm>
           <a:prstGeom prst="rect">
             <a:avLst/>
@@ -425,7 +425,7 @@
         <p:spPr>
           <a:xfrm>
             <a:off x="685800" y="4400640"/>
-            <a:ext cx="5485680" cy="3599640"/>
+            <a:ext cx="5485320" cy="3599280"/>
           </a:xfrm>
           <a:prstGeom prst="rect">
             <a:avLst/>
@@ -451,7 +451,7 @@
         <p:spPr>
           <a:xfrm>
             <a:off x="3884760" y="8685360"/>
-            <a:ext cx="2971080" cy="457920"/>
+            <a:ext cx="2970720" cy="457560"/>
           </a:xfrm>
           <a:prstGeom prst="rect">
             <a:avLst/>
@@ -477,8 +477,11 @@
                 <a:spcPct val="100000"/>
               </a:lnSpc>
             </a:pPr>
-            <a:fld id="{836F8F82-3DCF-4456-A2C0-EFD0AA4207D6}" type="slidenum">
+            <a:fld id="{4AFF56FB-D72F-414E-8A04-0ECFE45CEC1C}" type="slidenum">
               <a:rPr b="0" lang="en-US" sz="1200" spc="-1" strike="noStrike">
+                <a:solidFill>
+                  <a:srgbClr val="000000"/>
+                </a:solidFill>
                 <a:latin typeface="Times New Roman"/>
               </a:rPr>
               <a:t>4</a:t>
@@ -524,7 +527,7 @@
         <p:spPr>
           <a:xfrm>
             <a:off x="685800" y="1143000"/>
-            <a:ext cx="5485680" cy="3085560"/>
+            <a:ext cx="5485320" cy="3085200"/>
           </a:xfrm>
           <a:prstGeom prst="rect">
             <a:avLst/>
@@ -544,7 +547,7 @@
         <p:spPr>
           <a:xfrm>
             <a:off x="685800" y="4400640"/>
-            <a:ext cx="5485680" cy="3599640"/>
+            <a:ext cx="5485320" cy="3599280"/>
           </a:xfrm>
           <a:prstGeom prst="rect">
             <a:avLst/>
@@ -570,7 +573,7 @@
         <p:spPr>
           <a:xfrm>
             <a:off x="3884760" y="8685360"/>
-            <a:ext cx="2971080" cy="457920"/>
+            <a:ext cx="2970720" cy="457560"/>
           </a:xfrm>
           <a:prstGeom prst="rect">
             <a:avLst/>
@@ -596,8 +599,11 @@
                 <a:spcPct val="100000"/>
               </a:lnSpc>
             </a:pPr>
-            <a:fld id="{119113FB-E841-4F1B-91E2-090FA98E090A}" type="slidenum">
+            <a:fld id="{0CC5412A-2005-4E01-9515-03F1F2112D44}" type="slidenum">
               <a:rPr b="0" lang="en-US" sz="1200" spc="-1" strike="noStrike">
+                <a:solidFill>
+                  <a:srgbClr val="000000"/>
+                </a:solidFill>
                 <a:latin typeface="Times New Roman"/>
               </a:rPr>
               <a:t>4</a:t>
@@ -643,7 +649,7 @@
         <p:spPr>
           <a:xfrm>
             <a:off x="685800" y="1143000"/>
-            <a:ext cx="5485680" cy="3085560"/>
+            <a:ext cx="5485320" cy="3085200"/>
           </a:xfrm>
           <a:prstGeom prst="rect">
             <a:avLst/>
@@ -663,7 +669,7 @@
         <p:spPr>
           <a:xfrm>
             <a:off x="685800" y="4400640"/>
-            <a:ext cx="5485680" cy="3599640"/>
+            <a:ext cx="5485320" cy="3599280"/>
           </a:xfrm>
           <a:prstGeom prst="rect">
             <a:avLst/>
@@ -689,7 +695,7 @@
         <p:spPr>
           <a:xfrm>
             <a:off x="3884760" y="8685360"/>
-            <a:ext cx="2971080" cy="457920"/>
+            <a:ext cx="2970720" cy="457560"/>
           </a:xfrm>
           <a:prstGeom prst="rect">
             <a:avLst/>
@@ -715,8 +721,11 @@
                 <a:spcPct val="100000"/>
               </a:lnSpc>
             </a:pPr>
-            <a:fld id="{1E0A6A5B-C972-499C-9594-498ED07AB873}" type="slidenum">
+            <a:fld id="{D53F594F-F8EA-43CF-BB4A-D8B762817964}" type="slidenum">
               <a:rPr b="0" lang="en-US" sz="1200" spc="-1" strike="noStrike">
+                <a:solidFill>
+                  <a:srgbClr val="000000"/>
+                </a:solidFill>
                 <a:latin typeface="Times New Roman"/>
               </a:rPr>
               <a:t>4</a:t>
@@ -1314,7 +1323,7 @@
       </p:grpSpPr>
       <p:sp>
         <p:nvSpPr>
-          <p:cNvPr id="40" name="PlaceHolder 1"/>
+          <p:cNvPr id="44" name="PlaceHolder 1"/>
           <p:cNvSpPr>
             <a:spLocks noGrp="1"/>
           </p:cNvSpPr>
@@ -1345,7 +1354,7 @@
       </p:sp>
       <p:sp>
         <p:nvSpPr>
-          <p:cNvPr id="41" name="PlaceHolder 2"/>
+          <p:cNvPr id="45" name="PlaceHolder 2"/>
           <p:cNvSpPr>
             <a:spLocks noGrp="1"/>
           </p:cNvSpPr>
@@ -1398,7 +1407,7 @@
       </p:grpSpPr>
       <p:sp>
         <p:nvSpPr>
-          <p:cNvPr id="42" name="PlaceHolder 1"/>
+          <p:cNvPr id="46" name="PlaceHolder 1"/>
           <p:cNvSpPr>
             <a:spLocks noGrp="1"/>
           </p:cNvSpPr>
@@ -1429,7 +1438,7 @@
       </p:sp>
       <p:sp>
         <p:nvSpPr>
-          <p:cNvPr id="43" name="PlaceHolder 2"/>
+          <p:cNvPr id="47" name="PlaceHolder 2"/>
           <p:cNvSpPr>
             <a:spLocks noGrp="1"/>
           </p:cNvSpPr>
@@ -1481,7 +1490,7 @@
       </p:grpSpPr>
       <p:sp>
         <p:nvSpPr>
-          <p:cNvPr id="44" name="PlaceHolder 1"/>
+          <p:cNvPr id="48" name="PlaceHolder 1"/>
           <p:cNvSpPr>
             <a:spLocks noGrp="1"/>
           </p:cNvSpPr>
@@ -1512,7 +1521,7 @@
       </p:sp>
       <p:sp>
         <p:nvSpPr>
-          <p:cNvPr id="45" name="PlaceHolder 2"/>
+          <p:cNvPr id="49" name="PlaceHolder 2"/>
           <p:cNvSpPr>
             <a:spLocks noGrp="1"/>
           </p:cNvSpPr>
@@ -1542,7 +1551,7 @@
       </p:sp>
       <p:sp>
         <p:nvSpPr>
-          <p:cNvPr id="46" name="PlaceHolder 3"/>
+          <p:cNvPr id="50" name="PlaceHolder 3"/>
           <p:cNvSpPr>
             <a:spLocks noGrp="1"/>
           </p:cNvSpPr>
@@ -1594,7 +1603,7 @@
       </p:grpSpPr>
       <p:sp>
         <p:nvSpPr>
-          <p:cNvPr id="47" name="PlaceHolder 1"/>
+          <p:cNvPr id="51" name="PlaceHolder 1"/>
           <p:cNvSpPr>
             <a:spLocks noGrp="1"/>
           </p:cNvSpPr>
@@ -1647,7 +1656,7 @@
       </p:grpSpPr>
       <p:sp>
         <p:nvSpPr>
-          <p:cNvPr id="48" name="PlaceHolder 1"/>
+          <p:cNvPr id="52" name="PlaceHolder 1"/>
           <p:cNvSpPr>
             <a:spLocks noGrp="1"/>
           </p:cNvSpPr>
@@ -1700,7 +1709,7 @@
       </p:grpSpPr>
       <p:sp>
         <p:nvSpPr>
-          <p:cNvPr id="49" name="PlaceHolder 1"/>
+          <p:cNvPr id="53" name="PlaceHolder 1"/>
           <p:cNvSpPr>
             <a:spLocks noGrp="1"/>
           </p:cNvSpPr>
@@ -1731,7 +1740,7 @@
       </p:sp>
       <p:sp>
         <p:nvSpPr>
-          <p:cNvPr id="50" name="PlaceHolder 2"/>
+          <p:cNvPr id="54" name="PlaceHolder 2"/>
           <p:cNvSpPr>
             <a:spLocks noGrp="1"/>
           </p:cNvSpPr>
@@ -1761,7 +1770,7 @@
       </p:sp>
       <p:sp>
         <p:nvSpPr>
-          <p:cNvPr id="51" name="PlaceHolder 3"/>
+          <p:cNvPr id="55" name="PlaceHolder 3"/>
           <p:cNvSpPr>
             <a:spLocks noGrp="1"/>
           </p:cNvSpPr>
@@ -1791,7 +1800,7 @@
       </p:sp>
       <p:sp>
         <p:nvSpPr>
-          <p:cNvPr id="52" name="PlaceHolder 4"/>
+          <p:cNvPr id="56" name="PlaceHolder 4"/>
           <p:cNvSpPr>
             <a:spLocks noGrp="1"/>
           </p:cNvSpPr>
@@ -1927,7 +1936,7 @@
       </p:grpSpPr>
       <p:sp>
         <p:nvSpPr>
-          <p:cNvPr id="53" name="PlaceHolder 1"/>
+          <p:cNvPr id="57" name="PlaceHolder 1"/>
           <p:cNvSpPr>
             <a:spLocks noGrp="1"/>
           </p:cNvSpPr>
@@ -1958,7 +1967,7 @@
       </p:sp>
       <p:sp>
         <p:nvSpPr>
-          <p:cNvPr id="54" name="PlaceHolder 2"/>
+          <p:cNvPr id="58" name="PlaceHolder 2"/>
           <p:cNvSpPr>
             <a:spLocks noGrp="1"/>
           </p:cNvSpPr>
@@ -1988,7 +1997,7 @@
       </p:sp>
       <p:sp>
         <p:nvSpPr>
-          <p:cNvPr id="55" name="PlaceHolder 3"/>
+          <p:cNvPr id="59" name="PlaceHolder 3"/>
           <p:cNvSpPr>
             <a:spLocks noGrp="1"/>
           </p:cNvSpPr>
@@ -2018,7 +2027,7 @@
       </p:sp>
       <p:sp>
         <p:nvSpPr>
-          <p:cNvPr id="56" name="PlaceHolder 4"/>
+          <p:cNvPr id="60" name="PlaceHolder 4"/>
           <p:cNvSpPr>
             <a:spLocks noGrp="1"/>
           </p:cNvSpPr>
@@ -2070,7 +2079,7 @@
       </p:grpSpPr>
       <p:sp>
         <p:nvSpPr>
-          <p:cNvPr id="57" name="PlaceHolder 1"/>
+          <p:cNvPr id="61" name="PlaceHolder 1"/>
           <p:cNvSpPr>
             <a:spLocks noGrp="1"/>
           </p:cNvSpPr>
@@ -2101,7 +2110,7 @@
       </p:sp>
       <p:sp>
         <p:nvSpPr>
-          <p:cNvPr id="58" name="PlaceHolder 2"/>
+          <p:cNvPr id="62" name="PlaceHolder 2"/>
           <p:cNvSpPr>
             <a:spLocks noGrp="1"/>
           </p:cNvSpPr>
@@ -2131,7 +2140,7 @@
       </p:sp>
       <p:sp>
         <p:nvSpPr>
-          <p:cNvPr id="59" name="PlaceHolder 3"/>
+          <p:cNvPr id="63" name="PlaceHolder 3"/>
           <p:cNvSpPr>
             <a:spLocks noGrp="1"/>
           </p:cNvSpPr>
@@ -2161,7 +2170,7 @@
       </p:sp>
       <p:sp>
         <p:nvSpPr>
-          <p:cNvPr id="60" name="PlaceHolder 4"/>
+          <p:cNvPr id="64" name="PlaceHolder 4"/>
           <p:cNvSpPr>
             <a:spLocks noGrp="1"/>
           </p:cNvSpPr>
@@ -2213,7 +2222,7 @@
       </p:grpSpPr>
       <p:sp>
         <p:nvSpPr>
-          <p:cNvPr id="61" name="PlaceHolder 1"/>
+          <p:cNvPr id="65" name="PlaceHolder 1"/>
           <p:cNvSpPr>
             <a:spLocks noGrp="1"/>
           </p:cNvSpPr>
@@ -2244,7 +2253,7 @@
       </p:sp>
       <p:sp>
         <p:nvSpPr>
-          <p:cNvPr id="62" name="PlaceHolder 2"/>
+          <p:cNvPr id="66" name="PlaceHolder 2"/>
           <p:cNvSpPr>
             <a:spLocks noGrp="1"/>
           </p:cNvSpPr>
@@ -2274,7 +2283,7 @@
       </p:sp>
       <p:sp>
         <p:nvSpPr>
-          <p:cNvPr id="63" name="PlaceHolder 3"/>
+          <p:cNvPr id="67" name="PlaceHolder 3"/>
           <p:cNvSpPr>
             <a:spLocks noGrp="1"/>
           </p:cNvSpPr>
@@ -2326,7 +2335,7 @@
       </p:grpSpPr>
       <p:sp>
         <p:nvSpPr>
-          <p:cNvPr id="64" name="PlaceHolder 1"/>
+          <p:cNvPr id="68" name="PlaceHolder 1"/>
           <p:cNvSpPr>
             <a:spLocks noGrp="1"/>
           </p:cNvSpPr>
@@ -2357,7 +2366,7 @@
       </p:sp>
       <p:sp>
         <p:nvSpPr>
-          <p:cNvPr id="65" name="PlaceHolder 2"/>
+          <p:cNvPr id="69" name="PlaceHolder 2"/>
           <p:cNvSpPr>
             <a:spLocks noGrp="1"/>
           </p:cNvSpPr>
@@ -2387,7 +2396,7 @@
       </p:sp>
       <p:sp>
         <p:nvSpPr>
-          <p:cNvPr id="66" name="PlaceHolder 3"/>
+          <p:cNvPr id="70" name="PlaceHolder 3"/>
           <p:cNvSpPr>
             <a:spLocks noGrp="1"/>
           </p:cNvSpPr>
@@ -2417,7 +2426,7 @@
       </p:sp>
       <p:sp>
         <p:nvSpPr>
-          <p:cNvPr id="67" name="PlaceHolder 4"/>
+          <p:cNvPr id="71" name="PlaceHolder 4"/>
           <p:cNvSpPr>
             <a:spLocks noGrp="1"/>
           </p:cNvSpPr>
@@ -2447,7 +2456,7 @@
       </p:sp>
       <p:sp>
         <p:nvSpPr>
-          <p:cNvPr id="68" name="PlaceHolder 5"/>
+          <p:cNvPr id="72" name="PlaceHolder 5"/>
           <p:cNvSpPr>
             <a:spLocks noGrp="1"/>
           </p:cNvSpPr>
@@ -2499,7 +2508,7 @@
       </p:grpSpPr>
       <p:sp>
         <p:nvSpPr>
-          <p:cNvPr id="69" name="PlaceHolder 1"/>
+          <p:cNvPr id="73" name="PlaceHolder 1"/>
           <p:cNvSpPr>
             <a:spLocks noGrp="1"/>
           </p:cNvSpPr>
@@ -2530,7 +2539,7 @@
       </p:sp>
       <p:sp>
         <p:nvSpPr>
-          <p:cNvPr id="70" name="PlaceHolder 2"/>
+          <p:cNvPr id="74" name="PlaceHolder 2"/>
           <p:cNvSpPr>
             <a:spLocks noGrp="1"/>
           </p:cNvSpPr>
@@ -2560,7 +2569,7 @@
       </p:sp>
       <p:sp>
         <p:nvSpPr>
-          <p:cNvPr id="71" name="PlaceHolder 3"/>
+          <p:cNvPr id="75" name="PlaceHolder 3"/>
           <p:cNvSpPr>
             <a:spLocks noGrp="1"/>
           </p:cNvSpPr>
@@ -2590,7 +2599,7 @@
       </p:sp>
       <p:sp>
         <p:nvSpPr>
-          <p:cNvPr id="72" name="PlaceHolder 4"/>
+          <p:cNvPr id="76" name="PlaceHolder 4"/>
           <p:cNvSpPr>
             <a:spLocks noGrp="1"/>
           </p:cNvSpPr>
@@ -2620,7 +2629,7 @@
       </p:sp>
       <p:sp>
         <p:nvSpPr>
-          <p:cNvPr id="73" name="PlaceHolder 5"/>
+          <p:cNvPr id="77" name="PlaceHolder 5"/>
           <p:cNvSpPr>
             <a:spLocks noGrp="1"/>
           </p:cNvSpPr>
@@ -2650,7 +2659,7 @@
       </p:sp>
       <p:sp>
         <p:nvSpPr>
-          <p:cNvPr id="74" name="PlaceHolder 6"/>
+          <p:cNvPr id="78" name="PlaceHolder 6"/>
           <p:cNvSpPr>
             <a:spLocks noGrp="1"/>
           </p:cNvSpPr>
@@ -2680,7 +2689,7 @@
       </p:sp>
       <p:sp>
         <p:nvSpPr>
-          <p:cNvPr id="75" name="PlaceHolder 7"/>
+          <p:cNvPr id="79" name="PlaceHolder 7"/>
           <p:cNvSpPr>
             <a:spLocks noGrp="1"/>
           </p:cNvSpPr>
@@ -3480,8 +3489,8 @@
         </p:nvSpPr>
         <p:spPr>
           <a:xfrm>
-            <a:off x="838080" y="365040"/>
-            <a:ext cx="10514880" cy="1324800"/>
+            <a:off x="609480" y="273600"/>
+            <a:ext cx="10972080" cy="1144440"/>
           </a:xfrm>
           <a:prstGeom prst="rect">
             <a:avLst/>
@@ -3529,7 +3538,7 @@
         <p:spPr>
           <a:xfrm>
             <a:off x="609480" y="1604520"/>
-            <a:ext cx="10972440" cy="3977280"/>
+            <a:ext cx="10972080" cy="3976920"/>
           </a:xfrm>
           <a:prstGeom prst="rect">
             <a:avLst/>
@@ -3552,12 +3561,12 @@
               <a:buChar char=""/>
             </a:pPr>
             <a:r>
-              <a:rPr b="0" lang="en-US" sz="3200" spc="-1" strike="noStrike">
+              <a:rPr b="0" lang="en-US" sz="1800" spc="-1" strike="noStrike">
                 <a:latin typeface="Arial"/>
               </a:rPr>
               <a:t>Click to edit the outline text format</a:t>
             </a:r>
-            <a:endParaRPr b="0" lang="en-US" sz="3200" spc="-1" strike="noStrike">
+            <a:endParaRPr b="0" lang="en-US" sz="1800" spc="-1" strike="noStrike">
               <a:latin typeface="Arial"/>
             </a:endParaRPr>
           </a:p>
@@ -3574,12 +3583,12 @@
               <a:buChar char=""/>
             </a:pPr>
             <a:r>
-              <a:rPr b="0" lang="en-US" sz="2800" spc="-1" strike="noStrike">
+              <a:rPr b="0" lang="en-US" sz="1800" spc="-1" strike="noStrike">
                 <a:latin typeface="Arial"/>
               </a:rPr>
               <a:t>Second Outline Level</a:t>
             </a:r>
-            <a:endParaRPr b="0" lang="en-US" sz="2800" spc="-1" strike="noStrike">
+            <a:endParaRPr b="0" lang="en-US" sz="1800" spc="-1" strike="noStrike">
               <a:latin typeface="Arial"/>
             </a:endParaRPr>
           </a:p>
@@ -3596,12 +3605,12 @@
               <a:buChar char=""/>
             </a:pPr>
             <a:r>
-              <a:rPr b="0" lang="en-US" sz="2400" spc="-1" strike="noStrike">
+              <a:rPr b="0" lang="en-US" sz="1800" spc="-1" strike="noStrike">
                 <a:latin typeface="Arial"/>
               </a:rPr>
               <a:t>Third Outline Level</a:t>
             </a:r>
-            <a:endParaRPr b="0" lang="en-US" sz="2400" spc="-1" strike="noStrike">
+            <a:endParaRPr b="0" lang="en-US" sz="1800" spc="-1" strike="noStrike">
               <a:latin typeface="Arial"/>
             </a:endParaRPr>
           </a:p>
@@ -3618,12 +3627,12 @@
               <a:buChar char=""/>
             </a:pPr>
             <a:r>
-              <a:rPr b="0" lang="en-US" sz="2000" spc="-1" strike="noStrike">
+              <a:rPr b="0" lang="en-US" sz="1800" spc="-1" strike="noStrike">
                 <a:latin typeface="Arial"/>
               </a:rPr>
               <a:t>Fourth Outline Level</a:t>
             </a:r>
-            <a:endParaRPr b="0" lang="en-US" sz="2000" spc="-1" strike="noStrike">
+            <a:endParaRPr b="0" lang="en-US" sz="1800" spc="-1" strike="noStrike">
               <a:latin typeface="Arial"/>
             </a:endParaRPr>
           </a:p>
@@ -3640,12 +3649,12 @@
               <a:buChar char=""/>
             </a:pPr>
             <a:r>
-              <a:rPr b="0" lang="en-US" sz="2000" spc="-1" strike="noStrike">
+              <a:rPr b="0" lang="en-US" sz="1800" spc="-1" strike="noStrike">
                 <a:latin typeface="Arial"/>
               </a:rPr>
               <a:t>Fifth Outline Level</a:t>
             </a:r>
-            <a:endParaRPr b="0" lang="en-US" sz="2000" spc="-1" strike="noStrike">
+            <a:endParaRPr b="0" lang="en-US" sz="1800" spc="-1" strike="noStrike">
               <a:latin typeface="Arial"/>
             </a:endParaRPr>
           </a:p>
@@ -3662,12 +3671,12 @@
               <a:buChar char=""/>
             </a:pPr>
             <a:r>
-              <a:rPr b="0" lang="en-US" sz="2000" spc="-1" strike="noStrike">
+              <a:rPr b="0" lang="en-US" sz="1800" spc="-1" strike="noStrike">
                 <a:latin typeface="Arial"/>
               </a:rPr>
               <a:t>Sixth Outline Level</a:t>
             </a:r>
-            <a:endParaRPr b="0" lang="en-US" sz="2000" spc="-1" strike="noStrike">
+            <a:endParaRPr b="0" lang="en-US" sz="1800" spc="-1" strike="noStrike">
               <a:latin typeface="Arial"/>
             </a:endParaRPr>
           </a:p>
@@ -3684,12 +3693,12 @@
               <a:buChar char=""/>
             </a:pPr>
             <a:r>
-              <a:rPr b="0" lang="en-US" sz="2000" spc="-1" strike="noStrike">
+              <a:rPr b="0" lang="en-US" sz="1800" spc="-1" strike="noStrike">
                 <a:latin typeface="Arial"/>
               </a:rPr>
               <a:t>Seventh Outline Level</a:t>
             </a:r>
-            <a:endParaRPr b="0" lang="en-US" sz="2000" spc="-1" strike="noStrike">
+            <a:endParaRPr b="0" lang="en-US" sz="1800" spc="-1" strike="noStrike">
               <a:latin typeface="Arial"/>
             </a:endParaRPr>
           </a:p>
@@ -4027,6 +4036,240 @@
           </a:p>
         </p:txBody>
       </p:sp>
+      <p:sp>
+        <p:nvSpPr>
+          <p:cNvPr id="40" name="CustomShape 3"/>
+          <p:cNvSpPr/>
+          <p:nvPr/>
+        </p:nvSpPr>
+        <p:spPr>
+          <a:xfrm>
+            <a:off x="7218720" y="6472800"/>
+            <a:ext cx="2033280" cy="363960"/>
+          </a:xfrm>
+          <a:prstGeom prst="rect">
+            <a:avLst/>
+          </a:prstGeom>
+          <a:noFill/>
+          <a:ln w="0">
+            <a:noFill/>
+          </a:ln>
+        </p:spPr>
+        <p:style>
+          <a:lnRef idx="0"/>
+          <a:fillRef idx="0"/>
+          <a:effectRef idx="0"/>
+          <a:fontRef idx="minor"/>
+        </p:style>
+        <p:txBody>
+          <a:bodyPr lIns="90000" rIns="90000" tIns="45000" bIns="45000" anchor="ctr">
+            <a:noAutofit/>
+          </a:bodyPr>
+          <a:p>
+            <a:pPr>
+              <a:lnSpc>
+                <a:spcPct val="100000"/>
+              </a:lnSpc>
+            </a:pPr>
+            <a:r>
+              <a:rPr b="0" lang="en-US" sz="1200" spc="-1" strike="noStrike">
+                <a:solidFill>
+                  <a:srgbClr val="8b8b8b"/>
+                </a:solidFill>
+                <a:latin typeface="Calibri"/>
+                <a:ea typeface="DejaVu Sans"/>
+              </a:rPr>
+              <a:t>David von </a:t>
+            </a:r>
+            <a:r>
+              <a:rPr b="0" lang="en-US" sz="1200" spc="-1" strike="noStrike">
+                <a:solidFill>
+                  <a:srgbClr val="8b8b8b"/>
+                </a:solidFill>
+                <a:latin typeface="Calibri"/>
+                <a:ea typeface="DejaVu Sans"/>
+              </a:rPr>
+              <a:t>Oheimb, </a:t>
+            </a:r>
+            <a:r>
+              <a:rPr b="0" lang="en-US" sz="1200" spc="-1" strike="noStrike">
+                <a:solidFill>
+                  <a:srgbClr val="8b8b8b"/>
+                </a:solidFill>
+                <a:latin typeface="Calibri"/>
+                <a:ea typeface="DejaVu Sans"/>
+              </a:rPr>
+              <a:t>Siemens</a:t>
+            </a:r>
+            <a:endParaRPr b="0" lang="en-US" sz="1200" spc="-1" strike="noStrike">
+              <a:latin typeface="Arial"/>
+            </a:endParaRPr>
+          </a:p>
+        </p:txBody>
+      </p:sp>
+      <p:sp>
+        <p:nvSpPr>
+          <p:cNvPr id="41" name="CustomShape 4"/>
+          <p:cNvSpPr/>
+          <p:nvPr/>
+        </p:nvSpPr>
+        <p:spPr>
+          <a:xfrm>
+            <a:off x="4032000" y="6472800"/>
+            <a:ext cx="1296000" cy="363960"/>
+          </a:xfrm>
+          <a:prstGeom prst="rect">
+            <a:avLst/>
+          </a:prstGeom>
+          <a:noFill/>
+          <a:ln w="0">
+            <a:noFill/>
+          </a:ln>
+        </p:spPr>
+        <p:style>
+          <a:lnRef idx="0"/>
+          <a:fillRef idx="0"/>
+          <a:effectRef idx="0"/>
+          <a:fontRef idx="minor"/>
+        </p:style>
+        <p:txBody>
+          <a:bodyPr lIns="90000" rIns="90000" tIns="45000" bIns="45000" anchor="ctr">
+            <a:noAutofit/>
+          </a:bodyPr>
+          <a:p>
+            <a:pPr>
+              <a:lnSpc>
+                <a:spcPct val="100000"/>
+              </a:lnSpc>
+            </a:pPr>
+            <a:r>
+              <a:rPr b="0" lang="en-US" sz="1200" spc="-1" strike="noStrike">
+                <a:solidFill>
+                  <a:srgbClr val="8b8b8b"/>
+                </a:solidFill>
+                <a:latin typeface="Calibri"/>
+                <a:ea typeface="DejaVu Sans"/>
+              </a:rPr>
+              <a:t>2022-March-25</a:t>
+            </a:r>
+            <a:endParaRPr b="0" lang="en-US" sz="1200" spc="-1" strike="noStrike">
+              <a:latin typeface="Arial"/>
+            </a:endParaRPr>
+          </a:p>
+        </p:txBody>
+      </p:sp>
+      <p:sp>
+        <p:nvSpPr>
+          <p:cNvPr id="42" name="CustomShape 5"/>
+          <p:cNvSpPr/>
+          <p:nvPr/>
+        </p:nvSpPr>
+        <p:spPr>
+          <a:xfrm>
+            <a:off x="846720" y="6508800"/>
+            <a:ext cx="1266120" cy="363960"/>
+          </a:xfrm>
+          <a:prstGeom prst="rect">
+            <a:avLst/>
+          </a:prstGeom>
+          <a:noFill/>
+          <a:ln w="0">
+            <a:noFill/>
+          </a:ln>
+        </p:spPr>
+        <p:style>
+          <a:lnRef idx="0"/>
+          <a:fillRef idx="0"/>
+          <a:effectRef idx="0"/>
+          <a:fontRef idx="minor"/>
+        </p:style>
+        <p:txBody>
+          <a:bodyPr lIns="90000" rIns="90000" tIns="45000" bIns="45000" anchor="ctr">
+            <a:noAutofit/>
+          </a:bodyPr>
+          <a:p>
+            <a:pPr>
+              <a:lnSpc>
+                <a:spcPct val="100000"/>
+              </a:lnSpc>
+            </a:pPr>
+            <a:r>
+              <a:rPr b="0" lang="en-US" sz="1200" spc="-1" strike="noStrike">
+                <a:solidFill>
+                  <a:srgbClr val="8b8b8b"/>
+                </a:solidFill>
+                <a:latin typeface="Calibri"/>
+                <a:ea typeface="DejaVu Sans"/>
+              </a:rPr>
+              <a:t>BRSKI-AE status</a:t>
+            </a:r>
+            <a:r>
+              <a:rPr b="0" lang="en-US" sz="1200" spc="-1" strike="noStrike">
+                <a:solidFill>
+                  <a:srgbClr val="8b8b8b"/>
+                </a:solidFill>
+                <a:latin typeface="Calibri"/>
+                <a:ea typeface="DejaVu Sans"/>
+              </a:rPr>
+              <a:t>	</a:t>
+            </a:r>
+            <a:endParaRPr b="0" lang="en-US" sz="1200" spc="-1" strike="noStrike">
+              <a:latin typeface="Arial"/>
+            </a:endParaRPr>
+          </a:p>
+        </p:txBody>
+      </p:sp>
+      <p:sp>
+        <p:nvSpPr>
+          <p:cNvPr id="43" name="CustomShape 6"/>
+          <p:cNvSpPr/>
+          <p:nvPr/>
+        </p:nvSpPr>
+        <p:spPr>
+          <a:xfrm>
+            <a:off x="11016000" y="6472800"/>
+            <a:ext cx="900000" cy="363960"/>
+          </a:xfrm>
+          <a:prstGeom prst="rect">
+            <a:avLst/>
+          </a:prstGeom>
+          <a:noFill/>
+          <a:ln w="0">
+            <a:noFill/>
+          </a:ln>
+        </p:spPr>
+        <p:style>
+          <a:lnRef idx="0"/>
+          <a:fillRef idx="0"/>
+          <a:effectRef idx="0"/>
+          <a:fontRef idx="minor"/>
+        </p:style>
+        <p:txBody>
+          <a:bodyPr lIns="90000" rIns="90000" tIns="45000" bIns="45000" anchor="ctr">
+            <a:noAutofit/>
+          </a:bodyPr>
+          <a:p>
+            <a:pPr>
+              <a:lnSpc>
+                <a:spcPct val="100000"/>
+              </a:lnSpc>
+            </a:pPr>
+            <a:fld id="{7A76127B-5155-411F-A706-2C4064F24B3D}" type="slidenum">
+              <a:rPr b="0" lang="en-US" sz="1200" spc="-1" strike="noStrike">
+                <a:solidFill>
+                  <a:srgbClr val="8b8b8b"/>
+                </a:solidFill>
+                <a:latin typeface="Calibri"/>
+                <a:ea typeface="DejaVu Sans"/>
+              </a:rPr>
+              <a:t>&lt;number&gt;</a:t>
+            </a:fld>
+            <a:endParaRPr b="0" lang="en-US" sz="1200" spc="-1" strike="noStrike">
+              <a:latin typeface="Arial"/>
+            </a:endParaRPr>
+          </a:p>
+        </p:txBody>
+      </p:sp>
     </p:spTree>
   </p:cSld>
   <p:clrMap bg1="lt1" bg2="lt2" tx1="dk1" tx2="dk2" accent1="accent1" accent2="accent2" accent3="accent3" accent4="accent4" accent5="accent5" accent6="accent6" hlink="hlink" folHlink="folHlink"/>
@@ -4066,14 +4309,14 @@
       </p:grpSpPr>
       <p:sp>
         <p:nvSpPr>
-          <p:cNvPr id="82" name="CustomShape 1"/>
+          <p:cNvPr id="86" name="CustomShape 1"/>
           <p:cNvSpPr/>
           <p:nvPr/>
         </p:nvSpPr>
         <p:spPr>
           <a:xfrm>
             <a:off x="219960" y="770760"/>
-            <a:ext cx="11683440" cy="1588320"/>
+            <a:ext cx="11683080" cy="1587960"/>
           </a:xfrm>
           <a:prstGeom prst="rect">
             <a:avLst/>
@@ -4105,6 +4348,7 @@
                   <a:srgbClr val="000000"/>
                 </a:solidFill>
                 <a:latin typeface="Calibri Light"/>
+                <a:ea typeface="DejaVu Sans"/>
               </a:rPr>
               <a:t>Update on BRSKI-AE: </a:t>
             </a:r>
@@ -4115,6 +4359,7 @@
                   <a:srgbClr val="000000"/>
                 </a:solidFill>
                 <a:latin typeface="Calibri Light"/>
+                <a:ea typeface="DejaVu Sans"/>
               </a:rPr>
               <a:t>Alternative Enrollment Protocols in BRSKI</a:t>
             </a:r>
@@ -4126,14 +4371,14 @@
       </p:sp>
       <p:sp>
         <p:nvSpPr>
-          <p:cNvPr id="83" name="CustomShape 2"/>
+          <p:cNvPr id="87" name="CustomShape 2"/>
           <p:cNvSpPr/>
           <p:nvPr/>
         </p:nvSpPr>
         <p:spPr>
           <a:xfrm>
             <a:off x="432720" y="2359800"/>
-            <a:ext cx="11470680" cy="4158360"/>
+            <a:ext cx="11470320" cy="4158000"/>
           </a:xfrm>
           <a:prstGeom prst="rect">
             <a:avLst/>
@@ -4182,21 +4427,24 @@
               </a:tabLst>
             </a:pPr>
             <a:r>
+              <a:rPr b="0" lang="en-US" sz="2400" spc="-1" strike="noStrike" u="sng">
+                <a:solidFill>
+                  <a:srgbClr val="0563c1"/>
+                </a:solidFill>
+                <a:uFillTx/>
+                <a:latin typeface="Calibri"/>
+                <a:ea typeface="DejaVu Sans"/>
+                <a:hlinkClick r:id="rId1"/>
+              </a:rPr>
+              <a:t>draft-ietf-anima-brski-async-enroll</a:t>
+            </a:r>
+            <a:r>
               <a:rPr b="0" lang="en-US" sz="2400" spc="-1" strike="noStrike">
                 <a:solidFill>
                   <a:srgbClr val="000000"/>
                 </a:solidFill>
                 <a:latin typeface="Calibri"/>
-                <a:hlinkClick r:id="rId1"/>
-              </a:rPr>
-              <a:t>draft-ietf-anima-brski-async-enroll</a:t>
-            </a:r>
-            <a:r>
-              <a:rPr b="0" lang="en-US" sz="2400" spc="-1" strike="noStrike">
-                <a:solidFill>
-                  <a:srgbClr val="000000"/>
-                </a:solidFill>
-                <a:latin typeface="Calibri"/>
+                <a:ea typeface="DejaVu Sans"/>
               </a:rPr>
               <a:t>-05</a:t>
             </a:r>
@@ -4238,15 +4486,18 @@
                   <a:srgbClr val="000000"/>
                 </a:solidFill>
                 <a:latin typeface="Calibri"/>
+                <a:ea typeface="DejaVu Sans"/>
               </a:rPr>
               <a:t>Repo so far: </a:t>
             </a:r>
             <a:r>
-              <a:rPr b="0" lang="en-US" sz="2400" spc="-1" strike="noStrike">
-                <a:solidFill>
-                  <a:srgbClr val="808080"/>
-                </a:solidFill>
+              <a:rPr b="0" lang="en-US" sz="2400" spc="-1" strike="noStrike" u="sng">
+                <a:solidFill>
+                  <a:srgbClr val="0563c1"/>
+                </a:solidFill>
+                <a:uFillTx/>
                 <a:latin typeface="FreeMono"/>
+                <a:ea typeface="DejaVu Sans"/>
                 <a:hlinkClick r:id="rId2"/>
               </a:rPr>
               <a:t>https://github.com/anima-wg/anima-brski-async-enroll</a:t>
@@ -4273,15 +4524,18 @@
                   <a:srgbClr val="000000"/>
                 </a:solidFill>
                 <a:latin typeface="Calibri"/>
+                <a:ea typeface="DejaVu Sans"/>
               </a:rPr>
               <a:t>Proposed new repo URL: </a:t>
             </a:r>
             <a:r>
-              <a:rPr b="1" lang="en-US" sz="2400" spc="-1" strike="noStrike">
-                <a:solidFill>
-                  <a:srgbClr val="000000"/>
-                </a:solidFill>
+              <a:rPr b="1" lang="en-US" sz="2400" spc="-1" strike="noStrike" u="sng">
+                <a:solidFill>
+                  <a:srgbClr val="0563c1"/>
+                </a:solidFill>
+                <a:uFillTx/>
                 <a:latin typeface="FreeMono"/>
+                <a:ea typeface="DejaVu Sans"/>
                 <a:hlinkClick r:id="rId3"/>
               </a:rPr>
               <a:t>https://github.com/anima-wg/anima-brski-ae</a:t>
@@ -4324,6 +4578,7 @@
                   <a:srgbClr val="000000"/>
                 </a:solidFill>
                 <a:latin typeface="Calibri"/>
+                <a:ea typeface="DejaVu Sans"/>
               </a:rPr>
               <a:t>David von Oheimb, Steffen Fries, Hendrik Brockhaus, Eliot Lear</a:t>
             </a:r>
@@ -4349,6 +4604,7 @@
                   <a:srgbClr val="000000"/>
                 </a:solidFill>
                 <a:latin typeface="Calibri"/>
+                <a:ea typeface="DejaVu Sans"/>
               </a:rPr>
               <a:t>David von Oheimb (Ed.)</a:t>
             </a:r>
@@ -4390,6 +4646,7 @@
                   <a:srgbClr val="000000"/>
                 </a:solidFill>
                 <a:latin typeface="Calibri"/>
+                <a:ea typeface="DejaVu Sans"/>
               </a:rPr>
               <a:t>IETF 113 – ANIMA Working Group</a:t>
             </a:r>
@@ -4447,14 +4704,14 @@
       </p:grpSpPr>
       <p:sp>
         <p:nvSpPr>
-          <p:cNvPr id="84" name="CustomShape 1"/>
+          <p:cNvPr id="88" name="CustomShape 1"/>
           <p:cNvSpPr/>
           <p:nvPr/>
         </p:nvSpPr>
         <p:spPr>
           <a:xfrm>
-            <a:off x="9000000" y="1826640"/>
-            <a:ext cx="1659960" cy="4833000"/>
+            <a:off x="9000000" y="1502640"/>
+            <a:ext cx="1659600" cy="4832640"/>
           </a:xfrm>
           <a:prstGeom prst="rect">
             <a:avLst/>
@@ -4477,14 +4734,14 @@
       </p:sp>
       <p:sp>
         <p:nvSpPr>
-          <p:cNvPr id="85" name="CustomShape 2"/>
+          <p:cNvPr id="89" name="CustomShape 2"/>
           <p:cNvSpPr/>
           <p:nvPr/>
         </p:nvSpPr>
         <p:spPr>
           <a:xfrm>
-            <a:off x="2023560" y="1835640"/>
-            <a:ext cx="2717280" cy="4824000"/>
+            <a:off x="2023560" y="1511640"/>
+            <a:ext cx="2716920" cy="4823640"/>
           </a:xfrm>
           <a:prstGeom prst="rect">
             <a:avLst/>
@@ -4507,14 +4764,14 @@
       </p:sp>
       <p:sp>
         <p:nvSpPr>
-          <p:cNvPr id="86" name="CustomShape 3"/>
+          <p:cNvPr id="90" name="CustomShape 3"/>
           <p:cNvSpPr/>
           <p:nvPr/>
         </p:nvSpPr>
         <p:spPr>
           <a:xfrm>
-            <a:off x="1997640" y="2601000"/>
-            <a:ext cx="2777400" cy="1326960"/>
+            <a:off x="1997640" y="2277000"/>
+            <a:ext cx="2777040" cy="1326600"/>
           </a:xfrm>
           <a:prstGeom prst="rect">
             <a:avLst/>
@@ -4543,14 +4800,14 @@
       </p:sp>
       <p:sp>
         <p:nvSpPr>
-          <p:cNvPr id="87" name="CustomShape 4"/>
+          <p:cNvPr id="91" name="CustomShape 4"/>
           <p:cNvSpPr/>
           <p:nvPr/>
         </p:nvSpPr>
         <p:spPr>
           <a:xfrm>
-            <a:off x="2369880" y="2429280"/>
-            <a:ext cx="2101680" cy="328680"/>
+            <a:off x="2369880" y="2105280"/>
+            <a:ext cx="2101320" cy="328320"/>
           </a:xfrm>
           <a:prstGeom prst="rect">
             <a:avLst/>
@@ -4598,14 +4855,14 @@
       </p:sp>
       <p:sp>
         <p:nvSpPr>
-          <p:cNvPr id="88" name="CustomShape 5"/>
+          <p:cNvPr id="92" name="CustomShape 5"/>
           <p:cNvSpPr/>
           <p:nvPr/>
         </p:nvSpPr>
         <p:spPr>
           <a:xfrm>
-            <a:off x="2369880" y="3859560"/>
-            <a:ext cx="2101680" cy="181800"/>
+            <a:off x="2369880" y="3535560"/>
+            <a:ext cx="2101320" cy="181440"/>
           </a:xfrm>
           <a:prstGeom prst="rect">
             <a:avLst/>
@@ -4653,14 +4910,14 @@
       </p:sp>
       <p:sp>
         <p:nvSpPr>
-          <p:cNvPr id="89" name="CustomShape 6"/>
+          <p:cNvPr id="93" name="CustomShape 6"/>
           <p:cNvSpPr/>
           <p:nvPr/>
         </p:nvSpPr>
         <p:spPr>
           <a:xfrm>
-            <a:off x="4790520" y="1826640"/>
-            <a:ext cx="4105440" cy="4833000"/>
+            <a:off x="4790520" y="1502640"/>
+            <a:ext cx="4105080" cy="4832640"/>
           </a:xfrm>
           <a:prstGeom prst="rect">
             <a:avLst/>
@@ -4683,14 +4940,14 @@
       </p:sp>
       <p:sp>
         <p:nvSpPr>
-          <p:cNvPr id="90" name="CustomShape 7"/>
+          <p:cNvPr id="94" name="CustomShape 7"/>
           <p:cNvSpPr/>
           <p:nvPr/>
         </p:nvSpPr>
         <p:spPr>
           <a:xfrm>
-            <a:off x="2232000" y="3024000"/>
-            <a:ext cx="2529360" cy="360"/>
+            <a:off x="2232000" y="2700000"/>
+            <a:ext cx="2529000" cy="360"/>
           </a:xfrm>
           <a:custGeom>
             <a:avLst/>
@@ -4726,14 +4983,14 @@
       </p:sp>
       <p:sp>
         <p:nvSpPr>
-          <p:cNvPr id="91" name="CustomShape 8"/>
+          <p:cNvPr id="95" name="CustomShape 8"/>
           <p:cNvSpPr/>
           <p:nvPr/>
         </p:nvSpPr>
         <p:spPr>
           <a:xfrm>
-            <a:off x="2198520" y="2838240"/>
-            <a:ext cx="2562840" cy="211680"/>
+            <a:off x="2198520" y="2514240"/>
+            <a:ext cx="2562480" cy="211320"/>
           </a:xfrm>
           <a:prstGeom prst="rect">
             <a:avLst/>
@@ -4777,14 +5034,14 @@
       </p:sp>
       <p:sp>
         <p:nvSpPr>
-          <p:cNvPr id="92" name="CustomShape 9"/>
+          <p:cNvPr id="96" name="CustomShape 9"/>
           <p:cNvSpPr/>
           <p:nvPr/>
         </p:nvSpPr>
         <p:spPr>
           <a:xfrm flipH="1">
-            <a:off x="2262600" y="3822840"/>
-            <a:ext cx="2498040" cy="360"/>
+            <a:off x="2262600" y="3498840"/>
+            <a:ext cx="2497680" cy="360"/>
           </a:xfrm>
           <a:custGeom>
             <a:avLst/>
@@ -4820,14 +5077,14 @@
       </p:sp>
       <p:sp>
         <p:nvSpPr>
-          <p:cNvPr id="93" name="CustomShape 10"/>
+          <p:cNvPr id="97" name="CustomShape 10"/>
           <p:cNvSpPr/>
           <p:nvPr/>
         </p:nvSpPr>
         <p:spPr>
           <a:xfrm>
-            <a:off x="5352120" y="2267640"/>
-            <a:ext cx="1821600" cy="577080"/>
+            <a:off x="5352120" y="1943640"/>
+            <a:ext cx="1821240" cy="576720"/>
           </a:xfrm>
           <a:prstGeom prst="rect">
             <a:avLst/>
@@ -4848,7 +5105,7 @@
             <a:spAutoFit/>
           </a:bodyPr>
           <a:p>
-            <a:pPr marL="84960" indent="-84240">
+            <a:pPr marL="84960" indent="-83880">
               <a:lnSpc>
                 <a:spcPct val="100000"/>
               </a:lnSpc>
@@ -4873,7 +5130,7 @@
             </a:endParaRPr>
           </a:p>
           <a:p>
-            <a:pPr marL="84960" indent="-84240">
+            <a:pPr marL="84960" indent="-83880">
               <a:lnSpc>
                 <a:spcPct val="100000"/>
               </a:lnSpc>
@@ -4901,14 +5158,14 @@
       </p:sp>
       <p:sp>
         <p:nvSpPr>
-          <p:cNvPr id="94" name="CustomShape 11"/>
+          <p:cNvPr id="98" name="CustomShape 11"/>
           <p:cNvSpPr/>
           <p:nvPr/>
         </p:nvSpPr>
         <p:spPr>
           <a:xfrm flipV="1">
-            <a:off x="5580360" y="3177360"/>
-            <a:ext cx="5084280" cy="7200"/>
+            <a:off x="5580360" y="2852280"/>
+            <a:ext cx="5083920" cy="6840"/>
           </a:xfrm>
           <a:custGeom>
             <a:avLst/>
@@ -4944,14 +5201,14 @@
       </p:sp>
       <p:sp>
         <p:nvSpPr>
-          <p:cNvPr id="95" name="CustomShape 12"/>
+          <p:cNvPr id="99" name="CustomShape 12"/>
           <p:cNvSpPr/>
           <p:nvPr/>
         </p:nvSpPr>
         <p:spPr>
           <a:xfrm>
-            <a:off x="6446880" y="3008880"/>
-            <a:ext cx="3071160" cy="211680"/>
+            <a:off x="6446880" y="2684880"/>
+            <a:ext cx="3070800" cy="211320"/>
           </a:xfrm>
           <a:prstGeom prst="rect">
             <a:avLst/>
@@ -4995,14 +5252,14 @@
       </p:sp>
       <p:sp>
         <p:nvSpPr>
-          <p:cNvPr id="96" name="CustomShape 13"/>
+          <p:cNvPr id="100" name="CustomShape 13"/>
           <p:cNvSpPr/>
           <p:nvPr/>
         </p:nvSpPr>
         <p:spPr>
           <a:xfrm rot="16200000">
-            <a:off x="10170360" y="2590920"/>
-            <a:ext cx="1798200" cy="698760"/>
+            <a:off x="10170360" y="2267280"/>
+            <a:ext cx="1797840" cy="698400"/>
           </a:xfrm>
           <a:prstGeom prst="rect">
             <a:avLst/>
@@ -5023,7 +5280,7 @@
             <a:spAutoFit/>
           </a:bodyPr>
           <a:p>
-            <a:pPr marL="84960" indent="-84240">
+            <a:pPr marL="84960" indent="-83880">
               <a:lnSpc>
                 <a:spcPct val="100000"/>
               </a:lnSpc>
@@ -5048,7 +5305,7 @@
             </a:endParaRPr>
           </a:p>
           <a:p>
-            <a:pPr marL="84960" indent="-84240">
+            <a:pPr marL="84960" indent="-83880">
               <a:lnSpc>
                 <a:spcPct val="100000"/>
               </a:lnSpc>
@@ -5073,7 +5330,7 @@
             </a:endParaRPr>
           </a:p>
           <a:p>
-            <a:pPr marL="84960" indent="-84240">
+            <a:pPr marL="84960" indent="-83880">
               <a:lnSpc>
                 <a:spcPct val="100000"/>
               </a:lnSpc>
@@ -5101,14 +5358,14 @@
       </p:sp>
       <p:sp>
         <p:nvSpPr>
-          <p:cNvPr id="97" name="CustomShape 14"/>
+          <p:cNvPr id="101" name="CustomShape 14"/>
           <p:cNvSpPr/>
           <p:nvPr/>
         </p:nvSpPr>
         <p:spPr>
           <a:xfrm flipH="1" flipV="1">
-            <a:off x="4794480" y="3724560"/>
-            <a:ext cx="5844960" cy="360"/>
+            <a:off x="4793760" y="3399840"/>
+            <a:ext cx="5844600" cy="360"/>
           </a:xfrm>
           <a:custGeom>
             <a:avLst/>
@@ -5144,14 +5401,14 @@
       </p:sp>
       <p:sp>
         <p:nvSpPr>
-          <p:cNvPr id="98" name="CustomShape 15"/>
+          <p:cNvPr id="102" name="CustomShape 15"/>
           <p:cNvSpPr/>
           <p:nvPr/>
         </p:nvSpPr>
         <p:spPr>
           <a:xfrm>
-            <a:off x="6646320" y="3529080"/>
-            <a:ext cx="2131560" cy="211680"/>
+            <a:off x="6646320" y="3205080"/>
+            <a:ext cx="2131200" cy="211320"/>
           </a:xfrm>
           <a:prstGeom prst="rect">
             <a:avLst/>
@@ -5195,14 +5452,14 @@
       </p:sp>
       <p:sp>
         <p:nvSpPr>
-          <p:cNvPr id="99" name="CustomShape 16"/>
+          <p:cNvPr id="103" name="CustomShape 16"/>
           <p:cNvSpPr/>
           <p:nvPr/>
         </p:nvSpPr>
         <p:spPr>
           <a:xfrm>
-            <a:off x="2157840" y="3646080"/>
-            <a:ext cx="2516760" cy="211680"/>
+            <a:off x="2157840" y="3322080"/>
+            <a:ext cx="2516400" cy="211320"/>
           </a:xfrm>
           <a:prstGeom prst="rect">
             <a:avLst/>
@@ -5246,14 +5503,14 @@
       </p:sp>
       <p:sp>
         <p:nvSpPr>
-          <p:cNvPr id="100" name="CustomShape 17"/>
+          <p:cNvPr id="104" name="CustomShape 17"/>
           <p:cNvSpPr/>
           <p:nvPr/>
         </p:nvSpPr>
         <p:spPr>
           <a:xfrm>
-            <a:off x="1449360" y="1585800"/>
-            <a:ext cx="913320" cy="532440"/>
+            <a:off x="1449360" y="1261800"/>
+            <a:ext cx="912960" cy="532080"/>
           </a:xfrm>
           <a:prstGeom prst="rect">
             <a:avLst/>
@@ -5302,14 +5559,14 @@
       </p:sp>
       <p:sp>
         <p:nvSpPr>
-          <p:cNvPr id="101" name="CustomShape 18"/>
+          <p:cNvPr id="105" name="CustomShape 18"/>
           <p:cNvSpPr/>
           <p:nvPr/>
         </p:nvSpPr>
         <p:spPr>
           <a:xfrm>
-            <a:off x="3658320" y="1585800"/>
-            <a:ext cx="1823400" cy="526680"/>
+            <a:off x="3600000" y="1261800"/>
+            <a:ext cx="1881360" cy="526320"/>
           </a:xfrm>
           <a:prstGeom prst="rect">
             <a:avLst/>
@@ -5399,14 +5656,14 @@
       </p:sp>
       <p:sp>
         <p:nvSpPr>
-          <p:cNvPr id="102" name="CustomShape 19"/>
+          <p:cNvPr id="106" name="CustomShape 19"/>
           <p:cNvSpPr/>
           <p:nvPr/>
         </p:nvSpPr>
         <p:spPr>
           <a:xfrm>
-            <a:off x="8591760" y="1585800"/>
-            <a:ext cx="608400" cy="548640"/>
+            <a:off x="8591760" y="1261800"/>
+            <a:ext cx="608040" cy="548280"/>
           </a:xfrm>
           <a:prstGeom prst="rect">
             <a:avLst/>
@@ -5466,14 +5723,14 @@
       </p:sp>
       <p:sp>
         <p:nvSpPr>
-          <p:cNvPr id="103" name="CustomShape 20"/>
+          <p:cNvPr id="107" name="CustomShape 20"/>
           <p:cNvSpPr/>
           <p:nvPr/>
         </p:nvSpPr>
         <p:spPr>
           <a:xfrm>
-            <a:off x="10209600" y="1585800"/>
-            <a:ext cx="913320" cy="532440"/>
+            <a:off x="10209600" y="1261800"/>
+            <a:ext cx="912960" cy="532080"/>
           </a:xfrm>
           <a:prstGeom prst="rect">
             <a:avLst/>
@@ -5522,14 +5779,14 @@
       </p:sp>
       <p:sp>
         <p:nvSpPr>
-          <p:cNvPr id="104" name="CustomShape 21"/>
+          <p:cNvPr id="108" name="CustomShape 21"/>
           <p:cNvSpPr/>
           <p:nvPr/>
         </p:nvSpPr>
         <p:spPr>
           <a:xfrm>
-            <a:off x="2178000" y="5502240"/>
-            <a:ext cx="1961640" cy="333720"/>
+            <a:off x="2178000" y="5178240"/>
+            <a:ext cx="1961280" cy="333360"/>
           </a:xfrm>
           <a:prstGeom prst="rect">
             <a:avLst/>
@@ -5584,14 +5841,14 @@
       </p:sp>
       <p:sp>
         <p:nvSpPr>
-          <p:cNvPr id="105" name="CustomShape 22"/>
+          <p:cNvPr id="109" name="CustomShape 22"/>
           <p:cNvSpPr/>
           <p:nvPr/>
         </p:nvSpPr>
         <p:spPr>
           <a:xfrm>
-            <a:off x="2025360" y="5817960"/>
-            <a:ext cx="2724480" cy="360"/>
+            <a:off x="2025360" y="5493960"/>
+            <a:ext cx="2724120" cy="360"/>
           </a:xfrm>
           <a:custGeom>
             <a:avLst/>
@@ -5627,13 +5884,13 @@
       </p:sp>
       <p:sp>
         <p:nvSpPr>
-          <p:cNvPr id="106" name="Line 23"/>
+          <p:cNvPr id="110" name="Line 23"/>
           <p:cNvSpPr/>
           <p:nvPr/>
         </p:nvSpPr>
         <p:spPr>
           <a:xfrm>
-            <a:off x="4755960" y="2131560"/>
+            <a:off x="4755960" y="1807560"/>
             <a:ext cx="0" cy="4536000"/>
           </a:xfrm>
           <a:prstGeom prst="line">
@@ -5655,13 +5912,13 @@
       </p:sp>
       <p:sp>
         <p:nvSpPr>
-          <p:cNvPr id="107" name="Line 24"/>
+          <p:cNvPr id="111" name="Line 24"/>
           <p:cNvSpPr/>
           <p:nvPr/>
         </p:nvSpPr>
         <p:spPr>
           <a:xfrm>
-            <a:off x="8895960" y="2131560"/>
+            <a:off x="8895960" y="1807560"/>
             <a:ext cx="0" cy="4536000"/>
           </a:xfrm>
           <a:prstGeom prst="line">
@@ -5683,14 +5940,14 @@
       </p:sp>
       <p:sp>
         <p:nvSpPr>
-          <p:cNvPr id="108" name="CustomShape 25"/>
+          <p:cNvPr id="112" name="CustomShape 25"/>
           <p:cNvSpPr/>
           <p:nvPr/>
         </p:nvSpPr>
         <p:spPr>
           <a:xfrm flipH="1">
-            <a:off x="2022840" y="4847400"/>
-            <a:ext cx="2726280" cy="360"/>
+            <a:off x="2022840" y="4523400"/>
+            <a:ext cx="2725920" cy="360"/>
           </a:xfrm>
           <a:custGeom>
             <a:avLst/>
@@ -5726,14 +5983,14 @@
       </p:sp>
       <p:sp>
         <p:nvSpPr>
-          <p:cNvPr id="109" name="CustomShape 26"/>
+          <p:cNvPr id="113" name="CustomShape 26"/>
           <p:cNvSpPr/>
           <p:nvPr/>
         </p:nvSpPr>
         <p:spPr>
           <a:xfrm>
-            <a:off x="2113560" y="5917680"/>
-            <a:ext cx="2562840" cy="212040"/>
+            <a:off x="2113560" y="5593680"/>
+            <a:ext cx="2562480" cy="211680"/>
           </a:xfrm>
           <a:prstGeom prst="rect">
             <a:avLst/>
@@ -5777,14 +6034,14 @@
       </p:sp>
       <p:sp>
         <p:nvSpPr>
-          <p:cNvPr id="110" name="CustomShape 27"/>
+          <p:cNvPr id="114" name="CustomShape 27"/>
           <p:cNvSpPr/>
           <p:nvPr/>
         </p:nvSpPr>
         <p:spPr>
           <a:xfrm>
-            <a:off x="2372400" y="1611360"/>
-            <a:ext cx="1301400" cy="455040"/>
+            <a:off x="2372400" y="1287360"/>
+            <a:ext cx="1047600" cy="454680"/>
           </a:xfrm>
           <a:prstGeom prst="rect">
             <a:avLst/>
@@ -5805,7 +6062,7 @@
             <a:spAutoFit/>
           </a:bodyPr>
           <a:p>
-            <a:pPr marL="85680" indent="-84960">
+            <a:pPr marL="85680" indent="-84600">
               <a:lnSpc>
                 <a:spcPct val="100000"/>
               </a:lnSpc>
@@ -5830,7 +6087,7 @@
             </a:endParaRPr>
           </a:p>
           <a:p>
-            <a:pPr marL="85680" indent="-84960">
+            <a:pPr marL="85680" indent="-84600">
               <a:lnSpc>
                 <a:spcPct val="100000"/>
               </a:lnSpc>
@@ -5858,14 +6115,14 @@
       </p:sp>
       <p:sp>
         <p:nvSpPr>
-          <p:cNvPr id="111" name="CustomShape 28"/>
+          <p:cNvPr id="115" name="CustomShape 28"/>
           <p:cNvSpPr/>
           <p:nvPr/>
         </p:nvSpPr>
         <p:spPr>
           <a:xfrm>
-            <a:off x="5445360" y="1651320"/>
-            <a:ext cx="1569240" cy="455400"/>
+            <a:off x="5445360" y="1327320"/>
+            <a:ext cx="1568880" cy="455040"/>
           </a:xfrm>
           <a:prstGeom prst="rect">
             <a:avLst/>
@@ -5886,7 +6143,7 @@
             <a:spAutoFit/>
           </a:bodyPr>
           <a:p>
-            <a:pPr marL="84960" indent="-84240">
+            <a:pPr marL="84960" indent="-83880">
               <a:lnSpc>
                 <a:spcPct val="100000"/>
               </a:lnSpc>
@@ -5911,7 +6168,7 @@
             </a:endParaRPr>
           </a:p>
           <a:p>
-            <a:pPr marL="84960" indent="-84240">
+            <a:pPr marL="84960" indent="-83880">
               <a:lnSpc>
                 <a:spcPct val="100000"/>
               </a:lnSpc>
@@ -5936,7 +6193,7 @@
             </a:endParaRPr>
           </a:p>
           <a:p>
-            <a:pPr marL="84960" indent="-84240">
+            <a:pPr marL="84960" indent="-83880">
               <a:lnSpc>
                 <a:spcPct val="100000"/>
               </a:lnSpc>
@@ -5964,14 +6221,14 @@
       </p:sp>
       <p:sp>
         <p:nvSpPr>
-          <p:cNvPr id="112" name="CustomShape 29"/>
+          <p:cNvPr id="116" name="CustomShape 29"/>
           <p:cNvSpPr/>
           <p:nvPr/>
         </p:nvSpPr>
         <p:spPr>
           <a:xfrm>
-            <a:off x="9164160" y="1651320"/>
-            <a:ext cx="1009440" cy="333720"/>
+            <a:off x="9164160" y="1327320"/>
+            <a:ext cx="1009080" cy="333360"/>
           </a:xfrm>
           <a:prstGeom prst="rect">
             <a:avLst/>
@@ -5992,7 +6249,7 @@
             <a:spAutoFit/>
           </a:bodyPr>
           <a:p>
-            <a:pPr marL="84960" indent="-84240">
+            <a:pPr marL="84960" indent="-83880">
               <a:lnSpc>
                 <a:spcPct val="100000"/>
               </a:lnSpc>
@@ -6020,14 +6277,14 @@
       </p:sp>
       <p:sp>
         <p:nvSpPr>
-          <p:cNvPr id="113" name="CustomShape 30"/>
+          <p:cNvPr id="117" name="CustomShape 30"/>
           <p:cNvSpPr/>
           <p:nvPr/>
         </p:nvSpPr>
         <p:spPr>
           <a:xfrm>
-            <a:off x="11123640" y="1611360"/>
-            <a:ext cx="977400" cy="333720"/>
+            <a:off x="11123640" y="1287360"/>
+            <a:ext cx="977040" cy="333360"/>
           </a:xfrm>
           <a:prstGeom prst="rect">
             <a:avLst/>
@@ -6048,7 +6305,7 @@
             <a:spAutoFit/>
           </a:bodyPr>
           <a:p>
-            <a:pPr marL="84960" indent="-84240">
+            <a:pPr marL="84960" indent="-83880">
               <a:lnSpc>
                 <a:spcPct val="100000"/>
               </a:lnSpc>
@@ -6076,7 +6333,7 @@
       </p:sp>
       <p:pic>
         <p:nvPicPr>
-          <p:cNvPr id="114" name="Picture 170" descr=""/>
+          <p:cNvPr id="118" name="Picture 170" descr=""/>
           <p:cNvPicPr/>
           <p:nvPr/>
         </p:nvPicPr>
@@ -6086,8 +6343,8 @@
         </p:blipFill>
         <p:spPr>
           <a:xfrm>
-            <a:off x="10173240" y="3469320"/>
-            <a:ext cx="285120" cy="595080"/>
+            <a:off x="10173240" y="3145320"/>
+            <a:ext cx="284760" cy="594720"/>
           </a:xfrm>
           <a:prstGeom prst="rect">
             <a:avLst/>
@@ -6099,13 +6356,13 @@
       </p:pic>
       <p:sp>
         <p:nvSpPr>
-          <p:cNvPr id="115" name="Line 31"/>
+          <p:cNvPr id="119" name="Line 31"/>
           <p:cNvSpPr/>
           <p:nvPr/>
         </p:nvSpPr>
         <p:spPr>
           <a:xfrm>
-            <a:off x="1828440" y="4341240"/>
+            <a:off x="1828440" y="4017240"/>
             <a:ext cx="8811720" cy="24120"/>
           </a:xfrm>
           <a:prstGeom prst="line">
@@ -6127,14 +6384,14 @@
       </p:sp>
       <p:sp>
         <p:nvSpPr>
-          <p:cNvPr id="116" name="CustomShape 32"/>
+          <p:cNvPr id="120" name="CustomShape 32"/>
           <p:cNvSpPr/>
           <p:nvPr/>
         </p:nvSpPr>
         <p:spPr>
           <a:xfrm>
-            <a:off x="169200" y="2639880"/>
-            <a:ext cx="732600" cy="1063800"/>
+            <a:off x="169200" y="2315880"/>
+            <a:ext cx="732240" cy="1063440"/>
           </a:xfrm>
           <a:prstGeom prst="rect">
             <a:avLst/>
@@ -6193,14 +6450,14 @@
       </p:sp>
       <p:sp>
         <p:nvSpPr>
-          <p:cNvPr id="117" name="CustomShape 33"/>
+          <p:cNvPr id="121" name="CustomShape 33"/>
           <p:cNvSpPr/>
           <p:nvPr/>
         </p:nvSpPr>
         <p:spPr>
           <a:xfrm>
-            <a:off x="172800" y="4522320"/>
-            <a:ext cx="1266840" cy="820440"/>
+            <a:off x="172800" y="4198320"/>
+            <a:ext cx="1266480" cy="820080"/>
           </a:xfrm>
           <a:prstGeom prst="rect">
             <a:avLst/>
@@ -6248,7 +6505,7 @@
       </p:sp>
       <p:pic>
         <p:nvPicPr>
-          <p:cNvPr id="118" name="Picture 177" descr=""/>
+          <p:cNvPr id="122" name="Picture 177" descr=""/>
           <p:cNvPicPr/>
           <p:nvPr/>
         </p:nvPicPr>
@@ -6258,8 +6515,8 @@
         </p:blipFill>
         <p:spPr>
           <a:xfrm>
-            <a:off x="1928160" y="3559680"/>
-            <a:ext cx="285120" cy="595080"/>
+            <a:off x="1928160" y="3235680"/>
+            <a:ext cx="284760" cy="594720"/>
           </a:xfrm>
           <a:prstGeom prst="rect">
             <a:avLst/>
@@ -6271,7 +6528,7 @@
       </p:pic>
       <p:pic>
         <p:nvPicPr>
-          <p:cNvPr id="119" name="Picture 178" descr=""/>
+          <p:cNvPr id="123" name="Picture 178" descr=""/>
           <p:cNvPicPr/>
           <p:nvPr/>
         </p:nvPicPr>
@@ -6281,8 +6538,8 @@
         </p:blipFill>
         <p:spPr>
           <a:xfrm>
-            <a:off x="1522800" y="2416680"/>
-            <a:ext cx="693720" cy="701280"/>
+            <a:off x="1522800" y="2092680"/>
+            <a:ext cx="693360" cy="700920"/>
           </a:xfrm>
           <a:prstGeom prst="rect">
             <a:avLst/>
@@ -6294,7 +6551,7 @@
       </p:pic>
       <p:pic>
         <p:nvPicPr>
-          <p:cNvPr id="120" name="Picture 179" descr=""/>
+          <p:cNvPr id="124" name="Picture 179" descr=""/>
           <p:cNvPicPr/>
           <p:nvPr/>
         </p:nvPicPr>
@@ -6304,8 +6561,8 @@
         </p:blipFill>
         <p:spPr>
           <a:xfrm>
-            <a:off x="4848840" y="2836080"/>
-            <a:ext cx="790560" cy="760320"/>
+            <a:off x="4848840" y="2512080"/>
+            <a:ext cx="790200" cy="759960"/>
           </a:xfrm>
           <a:prstGeom prst="rect">
             <a:avLst/>
@@ -6317,14 +6574,14 @@
       </p:pic>
       <p:sp>
         <p:nvSpPr>
-          <p:cNvPr id="121" name="CustomShape 34"/>
+          <p:cNvPr id="125" name="CustomShape 34"/>
           <p:cNvSpPr/>
           <p:nvPr/>
         </p:nvSpPr>
         <p:spPr>
           <a:xfrm>
-            <a:off x="2042280" y="4449240"/>
-            <a:ext cx="2562840" cy="211680"/>
+            <a:off x="2042280" y="4125240"/>
+            <a:ext cx="2562480" cy="211320"/>
           </a:xfrm>
           <a:prstGeom prst="rect">
             <a:avLst/>
@@ -6368,14 +6625,14 @@
       </p:sp>
       <p:sp>
         <p:nvSpPr>
-          <p:cNvPr id="122" name="CustomShape 35"/>
+          <p:cNvPr id="126" name="CustomShape 35"/>
           <p:cNvSpPr/>
           <p:nvPr/>
         </p:nvSpPr>
         <p:spPr>
           <a:xfrm>
-            <a:off x="2025360" y="4626000"/>
-            <a:ext cx="2724480" cy="360"/>
+            <a:off x="2025360" y="4302000"/>
+            <a:ext cx="2724120" cy="360"/>
           </a:xfrm>
           <a:custGeom>
             <a:avLst/>
@@ -6411,14 +6668,14 @@
       </p:sp>
       <p:sp>
         <p:nvSpPr>
-          <p:cNvPr id="123" name="CustomShape 36"/>
+          <p:cNvPr id="127" name="CustomShape 36"/>
           <p:cNvSpPr/>
           <p:nvPr/>
         </p:nvSpPr>
         <p:spPr>
           <a:xfrm>
-            <a:off x="2042280" y="4660920"/>
-            <a:ext cx="2562840" cy="211680"/>
+            <a:off x="2042280" y="4336920"/>
+            <a:ext cx="2562480" cy="211320"/>
           </a:xfrm>
           <a:prstGeom prst="rect">
             <a:avLst/>
@@ -6462,14 +6719,14 @@
       </p:sp>
       <p:sp>
         <p:nvSpPr>
-          <p:cNvPr id="124" name="CustomShape 37"/>
+          <p:cNvPr id="128" name="CustomShape 37"/>
           <p:cNvSpPr/>
           <p:nvPr/>
         </p:nvSpPr>
         <p:spPr>
           <a:xfrm flipH="1">
-            <a:off x="2022840" y="6121800"/>
-            <a:ext cx="2726280" cy="360"/>
+            <a:off x="2022840" y="5797800"/>
+            <a:ext cx="2725920" cy="360"/>
           </a:xfrm>
           <a:custGeom>
             <a:avLst/>
@@ -6505,14 +6762,14 @@
       </p:sp>
       <p:sp>
         <p:nvSpPr>
-          <p:cNvPr id="125" name="CustomShape 38"/>
+          <p:cNvPr id="129" name="CustomShape 38"/>
           <p:cNvSpPr/>
           <p:nvPr/>
         </p:nvSpPr>
         <p:spPr>
           <a:xfrm flipH="1">
-            <a:off x="2022840" y="5347440"/>
-            <a:ext cx="2726280" cy="360"/>
+            <a:off x="2022840" y="5023440"/>
+            <a:ext cx="2725920" cy="360"/>
           </a:xfrm>
           <a:custGeom>
             <a:avLst/>
@@ -6548,14 +6805,14 @@
       </p:sp>
       <p:sp>
         <p:nvSpPr>
-          <p:cNvPr id="126" name="CustomShape 39"/>
+          <p:cNvPr id="130" name="CustomShape 39"/>
           <p:cNvSpPr/>
           <p:nvPr/>
         </p:nvSpPr>
         <p:spPr>
           <a:xfrm>
-            <a:off x="2042280" y="4949280"/>
-            <a:ext cx="2562840" cy="211680"/>
+            <a:off x="2042280" y="4625280"/>
+            <a:ext cx="2562480" cy="211320"/>
           </a:xfrm>
           <a:prstGeom prst="rect">
             <a:avLst/>
@@ -6599,14 +6856,14 @@
       </p:sp>
       <p:sp>
         <p:nvSpPr>
-          <p:cNvPr id="127" name="CustomShape 40"/>
+          <p:cNvPr id="131" name="CustomShape 40"/>
           <p:cNvSpPr/>
           <p:nvPr/>
         </p:nvSpPr>
         <p:spPr>
           <a:xfrm>
-            <a:off x="2025360" y="5126040"/>
-            <a:ext cx="2724480" cy="360"/>
+            <a:off x="2025360" y="4802040"/>
+            <a:ext cx="2724120" cy="360"/>
           </a:xfrm>
           <a:custGeom>
             <a:avLst/>
@@ -6642,14 +6899,14 @@
       </p:sp>
       <p:sp>
         <p:nvSpPr>
-          <p:cNvPr id="128" name="CustomShape 41"/>
+          <p:cNvPr id="132" name="CustomShape 41"/>
           <p:cNvSpPr/>
           <p:nvPr/>
         </p:nvSpPr>
         <p:spPr>
           <a:xfrm>
-            <a:off x="2042280" y="5160960"/>
-            <a:ext cx="2562840" cy="211680"/>
+            <a:off x="2042280" y="4836960"/>
+            <a:ext cx="2562480" cy="211320"/>
           </a:xfrm>
           <a:prstGeom prst="rect">
             <a:avLst/>
@@ -6693,7 +6950,7 @@
       </p:sp>
       <p:pic>
         <p:nvPicPr>
-          <p:cNvPr id="129" name="Picture 188" descr=""/>
+          <p:cNvPr id="133" name="Picture 188" descr=""/>
           <p:cNvPicPr/>
           <p:nvPr/>
         </p:nvPicPr>
@@ -6703,8 +6960,8 @@
         </p:blipFill>
         <p:spPr>
           <a:xfrm>
-            <a:off x="1655280" y="5452560"/>
-            <a:ext cx="485640" cy="527760"/>
+            <a:off x="1655280" y="5128560"/>
+            <a:ext cx="485280" cy="527400"/>
           </a:xfrm>
           <a:prstGeom prst="rect">
             <a:avLst/>
@@ -6716,14 +6973,14 @@
       </p:pic>
       <p:sp>
         <p:nvSpPr>
-          <p:cNvPr id="130" name="CustomShape 42"/>
+          <p:cNvPr id="134" name="CustomShape 42"/>
           <p:cNvSpPr/>
           <p:nvPr/>
         </p:nvSpPr>
         <p:spPr>
           <a:xfrm>
-            <a:off x="1672920" y="6000480"/>
-            <a:ext cx="324000" cy="239400"/>
+            <a:off x="1672920" y="5676480"/>
+            <a:ext cx="323640" cy="239040"/>
           </a:xfrm>
           <a:prstGeom prst="rect">
             <a:avLst/>
@@ -6747,7 +7004,7 @@
       </p:sp>
       <p:pic>
         <p:nvPicPr>
-          <p:cNvPr id="131" name="Graphic 190" descr=""/>
+          <p:cNvPr id="135" name="Graphic 190" descr=""/>
           <p:cNvPicPr/>
           <p:nvPr/>
         </p:nvPicPr>
@@ -6757,8 +7014,8 @@
         </p:blipFill>
         <p:spPr>
           <a:xfrm>
-            <a:off x="1672920" y="5961240"/>
-            <a:ext cx="309600" cy="309600"/>
+            <a:off x="1672920" y="5637240"/>
+            <a:ext cx="309240" cy="309240"/>
           </a:xfrm>
           <a:prstGeom prst="rect">
             <a:avLst/>
@@ -6770,7 +7027,7 @@
       </p:pic>
       <p:pic>
         <p:nvPicPr>
-          <p:cNvPr id="132" name="Graphic 191" descr=""/>
+          <p:cNvPr id="136" name="Graphic 191" descr=""/>
           <p:cNvPicPr/>
           <p:nvPr/>
         </p:nvPicPr>
@@ -6780,8 +7037,8 @@
         </p:blipFill>
         <p:spPr>
           <a:xfrm>
-            <a:off x="8944560" y="5963400"/>
-            <a:ext cx="309600" cy="309600"/>
+            <a:off x="8944560" y="5639400"/>
+            <a:ext cx="309240" cy="309240"/>
           </a:xfrm>
           <a:prstGeom prst="rect">
             <a:avLst/>
@@ -6793,14 +7050,14 @@
       </p:pic>
       <p:sp>
         <p:nvSpPr>
-          <p:cNvPr id="133" name="CustomShape 43"/>
+          <p:cNvPr id="137" name="CustomShape 43"/>
           <p:cNvSpPr/>
           <p:nvPr/>
         </p:nvSpPr>
         <p:spPr>
           <a:xfrm>
-            <a:off x="1045080" y="6340320"/>
-            <a:ext cx="1040040" cy="333720"/>
+            <a:off x="1045080" y="6016320"/>
+            <a:ext cx="1039680" cy="333360"/>
           </a:xfrm>
           <a:prstGeom prst="rect">
             <a:avLst/>
@@ -6844,14 +7101,14 @@
       </p:sp>
       <p:sp>
         <p:nvSpPr>
-          <p:cNvPr id="134" name="CustomShape 44"/>
+          <p:cNvPr id="138" name="CustomShape 44"/>
           <p:cNvSpPr/>
           <p:nvPr/>
         </p:nvSpPr>
         <p:spPr>
           <a:xfrm>
-            <a:off x="6300000" y="5486400"/>
-            <a:ext cx="1943640" cy="333720"/>
+            <a:off x="6300000" y="5162400"/>
+            <a:ext cx="1943280" cy="333360"/>
           </a:xfrm>
           <a:prstGeom prst="rect">
             <a:avLst/>
@@ -6895,14 +7152,14 @@
       </p:sp>
       <p:sp>
         <p:nvSpPr>
-          <p:cNvPr id="135" name="CustomShape 45"/>
+          <p:cNvPr id="139" name="CustomShape 45"/>
           <p:cNvSpPr/>
           <p:nvPr/>
         </p:nvSpPr>
         <p:spPr>
           <a:xfrm>
-            <a:off x="2025360" y="4179960"/>
-            <a:ext cx="2715480" cy="360"/>
+            <a:off x="2025360" y="3855960"/>
+            <a:ext cx="2715120" cy="360"/>
           </a:xfrm>
           <a:custGeom>
             <a:avLst/>
@@ -6938,14 +7195,14 @@
       </p:sp>
       <p:sp>
         <p:nvSpPr>
-          <p:cNvPr id="136" name="CustomShape 46"/>
+          <p:cNvPr id="140" name="CustomShape 46"/>
           <p:cNvSpPr/>
           <p:nvPr/>
         </p:nvSpPr>
         <p:spPr>
           <a:xfrm>
-            <a:off x="2673720" y="3997440"/>
-            <a:ext cx="1401480" cy="211680"/>
+            <a:off x="2673720" y="3673440"/>
+            <a:ext cx="1401120" cy="211320"/>
           </a:xfrm>
           <a:prstGeom prst="rect">
             <a:avLst/>
@@ -6989,14 +7246,14 @@
       </p:sp>
       <p:sp>
         <p:nvSpPr>
-          <p:cNvPr id="137" name="CustomShape 47"/>
+          <p:cNvPr id="141" name="CustomShape 47"/>
           <p:cNvSpPr/>
           <p:nvPr/>
         </p:nvSpPr>
         <p:spPr>
           <a:xfrm>
-            <a:off x="2025360" y="6534720"/>
-            <a:ext cx="2715480" cy="360"/>
+            <a:off x="2025360" y="6210720"/>
+            <a:ext cx="2715120" cy="360"/>
           </a:xfrm>
           <a:custGeom>
             <a:avLst/>
@@ -7032,14 +7289,14 @@
       </p:sp>
       <p:sp>
         <p:nvSpPr>
-          <p:cNvPr id="138" name="CustomShape 48"/>
+          <p:cNvPr id="142" name="CustomShape 48"/>
           <p:cNvSpPr/>
           <p:nvPr/>
         </p:nvSpPr>
         <p:spPr>
           <a:xfrm>
-            <a:off x="2673720" y="6316200"/>
-            <a:ext cx="1401480" cy="211680"/>
+            <a:off x="2673720" y="5992200"/>
+            <a:ext cx="1401120" cy="211320"/>
           </a:xfrm>
           <a:prstGeom prst="rect">
             <a:avLst/>
@@ -7083,14 +7340,14 @@
       </p:sp>
       <p:sp>
         <p:nvSpPr>
-          <p:cNvPr id="139" name="CustomShape 49"/>
+          <p:cNvPr id="143" name="CustomShape 49"/>
           <p:cNvSpPr/>
           <p:nvPr/>
         </p:nvSpPr>
         <p:spPr>
           <a:xfrm>
-            <a:off x="7003440" y="1585800"/>
-            <a:ext cx="592200" cy="548640"/>
+            <a:off x="7003440" y="1261800"/>
+            <a:ext cx="591840" cy="548280"/>
           </a:xfrm>
           <a:prstGeom prst="rect">
             <a:avLst/>
@@ -7150,14 +7407,14 @@
       </p:sp>
       <p:sp>
         <p:nvSpPr>
-          <p:cNvPr id="140" name="CustomShape 50"/>
+          <p:cNvPr id="144" name="CustomShape 50"/>
           <p:cNvSpPr/>
           <p:nvPr/>
         </p:nvSpPr>
         <p:spPr>
           <a:xfrm>
-            <a:off x="7544160" y="1667520"/>
-            <a:ext cx="1009440" cy="333720"/>
+            <a:off x="7544160" y="1343520"/>
+            <a:ext cx="1009080" cy="333360"/>
           </a:xfrm>
           <a:prstGeom prst="rect">
             <a:avLst/>
@@ -7178,7 +7435,7 @@
             <a:spAutoFit/>
           </a:bodyPr>
           <a:p>
-            <a:pPr marL="84960" indent="-84240">
+            <a:pPr marL="84960" indent="-83880">
               <a:lnSpc>
                 <a:spcPct val="100000"/>
               </a:lnSpc>
@@ -7206,13 +7463,13 @@
       </p:sp>
       <p:sp>
         <p:nvSpPr>
-          <p:cNvPr id="141" name="Line 51"/>
+          <p:cNvPr id="145" name="Line 51"/>
           <p:cNvSpPr/>
           <p:nvPr/>
         </p:nvSpPr>
         <p:spPr>
           <a:xfrm>
-            <a:off x="7291800" y="2139480"/>
+            <a:off x="7291800" y="1815480"/>
             <a:ext cx="0" cy="4536360"/>
           </a:xfrm>
           <a:prstGeom prst="line">
@@ -7234,14 +7491,14 @@
       </p:sp>
       <p:sp>
         <p:nvSpPr>
-          <p:cNvPr id="142" name="CustomShape 52"/>
+          <p:cNvPr id="146" name="CustomShape 52"/>
           <p:cNvSpPr/>
           <p:nvPr/>
         </p:nvSpPr>
         <p:spPr>
           <a:xfrm>
-            <a:off x="7297920" y="5833800"/>
-            <a:ext cx="1597680" cy="360"/>
+            <a:off x="7297920" y="5509800"/>
+            <a:ext cx="1597320" cy="360"/>
           </a:xfrm>
           <a:custGeom>
             <a:avLst/>
@@ -7277,14 +7534,14 @@
       </p:sp>
       <p:sp>
         <p:nvSpPr>
-          <p:cNvPr id="143" name="CustomShape 53"/>
+          <p:cNvPr id="147" name="CustomShape 53"/>
           <p:cNvSpPr/>
           <p:nvPr/>
         </p:nvSpPr>
         <p:spPr>
           <a:xfrm flipH="1" flipV="1">
-            <a:off x="7288920" y="6113160"/>
-            <a:ext cx="1581840" cy="360"/>
+            <a:off x="7288200" y="5788440"/>
+            <a:ext cx="1581480" cy="360"/>
           </a:xfrm>
           <a:custGeom>
             <a:avLst/>
@@ -7320,14 +7577,14 @@
       </p:sp>
       <p:sp>
         <p:nvSpPr>
-          <p:cNvPr id="144" name="CustomShape 54"/>
+          <p:cNvPr id="148" name="CustomShape 54"/>
           <p:cNvSpPr/>
           <p:nvPr/>
         </p:nvSpPr>
         <p:spPr>
           <a:xfrm>
-            <a:off x="4041720" y="5490720"/>
-            <a:ext cx="1465920" cy="333720"/>
+            <a:off x="4041720" y="5166720"/>
+            <a:ext cx="1465560" cy="333360"/>
           </a:xfrm>
           <a:prstGeom prst="rect">
             <a:avLst/>
@@ -7382,14 +7639,14 @@
       </p:sp>
       <p:sp>
         <p:nvSpPr>
-          <p:cNvPr id="145" name="CustomShape 55"/>
+          <p:cNvPr id="149" name="CustomShape 55"/>
           <p:cNvSpPr/>
           <p:nvPr/>
         </p:nvSpPr>
         <p:spPr>
           <a:xfrm>
-            <a:off x="4803120" y="4630680"/>
-            <a:ext cx="2496240" cy="15480"/>
+            <a:off x="4803120" y="4306680"/>
+            <a:ext cx="2495880" cy="15120"/>
           </a:xfrm>
           <a:custGeom>
             <a:avLst/>
@@ -7426,14 +7683,14 @@
       </p:sp>
       <p:sp>
         <p:nvSpPr>
-          <p:cNvPr id="146" name="CustomShape 56"/>
+          <p:cNvPr id="150" name="CustomShape 56"/>
           <p:cNvSpPr/>
           <p:nvPr/>
         </p:nvSpPr>
         <p:spPr>
           <a:xfrm flipH="1" flipV="1">
-            <a:off x="4802400" y="4862880"/>
-            <a:ext cx="2472120" cy="7200"/>
+            <a:off x="4802400" y="4538160"/>
+            <a:ext cx="2471760" cy="6840"/>
           </a:xfrm>
           <a:custGeom>
             <a:avLst/>
@@ -7470,14 +7727,14 @@
       </p:sp>
       <p:sp>
         <p:nvSpPr>
-          <p:cNvPr id="147" name="CustomShape 57"/>
+          <p:cNvPr id="151" name="CustomShape 57"/>
           <p:cNvSpPr/>
           <p:nvPr/>
         </p:nvSpPr>
         <p:spPr>
           <a:xfrm>
-            <a:off x="4771080" y="5136120"/>
-            <a:ext cx="2496240" cy="15480"/>
+            <a:off x="4771080" y="4812120"/>
+            <a:ext cx="2495880" cy="15120"/>
           </a:xfrm>
           <a:custGeom>
             <a:avLst/>
@@ -7514,14 +7771,14 @@
       </p:sp>
       <p:sp>
         <p:nvSpPr>
-          <p:cNvPr id="148" name="CustomShape 58"/>
+          <p:cNvPr id="152" name="CustomShape 58"/>
           <p:cNvSpPr/>
           <p:nvPr/>
         </p:nvSpPr>
         <p:spPr>
           <a:xfrm flipH="1" flipV="1">
-            <a:off x="4794480" y="5343840"/>
-            <a:ext cx="2472120" cy="7200"/>
+            <a:off x="4794480" y="5019120"/>
+            <a:ext cx="2471760" cy="6840"/>
           </a:xfrm>
           <a:custGeom>
             <a:avLst/>
@@ -7558,14 +7815,14 @@
       </p:sp>
       <p:sp>
         <p:nvSpPr>
-          <p:cNvPr id="149" name="CustomShape 59"/>
+          <p:cNvPr id="153" name="CustomShape 59"/>
           <p:cNvSpPr/>
           <p:nvPr/>
         </p:nvSpPr>
         <p:spPr>
           <a:xfrm>
-            <a:off x="600480" y="766800"/>
-            <a:ext cx="9863280" cy="575280"/>
+            <a:off x="600480" y="442800"/>
+            <a:ext cx="9862920" cy="574920"/>
           </a:xfrm>
           <a:prstGeom prst="rect">
             <a:avLst/>
@@ -7584,14 +7841,14 @@
       </p:sp>
       <p:sp>
         <p:nvSpPr>
-          <p:cNvPr id="150" name="CustomShape 60"/>
+          <p:cNvPr id="154" name="CustomShape 60"/>
           <p:cNvSpPr/>
           <p:nvPr/>
         </p:nvSpPr>
         <p:spPr>
           <a:xfrm flipV="1">
-            <a:off x="4770720" y="4253760"/>
-            <a:ext cx="5837400" cy="17280"/>
+            <a:off x="4770720" y="3928680"/>
+            <a:ext cx="5837040" cy="16920"/>
           </a:xfrm>
           <a:custGeom>
             <a:avLst/>
@@ -7627,14 +7884,14 @@
       </p:sp>
       <p:sp>
         <p:nvSpPr>
-          <p:cNvPr id="151" name="CustomShape 61"/>
+          <p:cNvPr id="155" name="CustomShape 61"/>
           <p:cNvSpPr/>
           <p:nvPr/>
         </p:nvSpPr>
         <p:spPr>
           <a:xfrm>
-            <a:off x="7342560" y="4081680"/>
-            <a:ext cx="1155960" cy="211680"/>
+            <a:off x="7342560" y="3757680"/>
+            <a:ext cx="1155600" cy="211320"/>
           </a:xfrm>
           <a:prstGeom prst="rect">
             <a:avLst/>
@@ -7678,14 +7935,14 @@
       </p:sp>
       <p:sp>
         <p:nvSpPr>
-          <p:cNvPr id="152" name="CustomShape 62"/>
+          <p:cNvPr id="156" name="CustomShape 62"/>
           <p:cNvSpPr/>
           <p:nvPr/>
         </p:nvSpPr>
         <p:spPr>
           <a:xfrm>
-            <a:off x="838440" y="185400"/>
-            <a:ext cx="10514880" cy="1324800"/>
+            <a:off x="838440" y="5400"/>
+            <a:ext cx="10514520" cy="1324440"/>
           </a:xfrm>
           <a:prstGeom prst="rect">
             <a:avLst/>
@@ -7717,6 +7974,7 @@
                   <a:srgbClr val="000000"/>
                 </a:solidFill>
                 <a:latin typeface="Calibri Light"/>
+                <a:ea typeface="DejaVu Sans"/>
               </a:rPr>
               <a:t>BRSKI-AE: abstract protocol overview</a:t>
             </a:r>
@@ -7728,14 +7986,14 @@
       </p:sp>
       <p:sp>
         <p:nvSpPr>
-          <p:cNvPr id="153" name="CustomShape 63"/>
+          <p:cNvPr id="157" name="CustomShape 63"/>
           <p:cNvSpPr/>
           <p:nvPr/>
         </p:nvSpPr>
         <p:spPr>
           <a:xfrm>
-            <a:off x="72000" y="4320000"/>
-            <a:ext cx="8279640" cy="1979640"/>
+            <a:off x="72000" y="3996000"/>
+            <a:ext cx="8279280" cy="1979280"/>
           </a:xfrm>
           <a:custGeom>
             <a:avLst/>
@@ -7858,14 +8116,14 @@
       </p:sp>
       <p:sp>
         <p:nvSpPr>
-          <p:cNvPr id="154" name="CustomShape 64"/>
+          <p:cNvPr id="158" name="CustomShape 64"/>
           <p:cNvSpPr/>
           <p:nvPr/>
         </p:nvSpPr>
         <p:spPr>
           <a:xfrm>
-            <a:off x="4771080" y="5828040"/>
-            <a:ext cx="2496240" cy="15480"/>
+            <a:off x="4771080" y="5504040"/>
+            <a:ext cx="2495880" cy="15120"/>
           </a:xfrm>
           <a:custGeom>
             <a:avLst/>
@@ -7902,14 +8160,14 @@
       </p:sp>
       <p:sp>
         <p:nvSpPr>
-          <p:cNvPr id="155" name="CustomShape 65"/>
+          <p:cNvPr id="159" name="CustomShape 65"/>
           <p:cNvSpPr/>
           <p:nvPr/>
         </p:nvSpPr>
         <p:spPr>
           <a:xfrm flipH="1" flipV="1">
-            <a:off x="4794480" y="6096600"/>
-            <a:ext cx="2472120" cy="7200"/>
+            <a:off x="4794480" y="5771880"/>
+            <a:ext cx="2471760" cy="6840"/>
           </a:xfrm>
           <a:custGeom>
             <a:avLst/>
@@ -7976,14 +8234,14 @@
       </p:grpSpPr>
       <p:sp>
         <p:nvSpPr>
-          <p:cNvPr id="156" name="CustomShape 1"/>
+          <p:cNvPr id="160" name="CustomShape 1"/>
           <p:cNvSpPr/>
           <p:nvPr/>
         </p:nvSpPr>
         <p:spPr>
           <a:xfrm>
             <a:off x="838080" y="365040"/>
-            <a:ext cx="10514880" cy="1324800"/>
+            <a:ext cx="10514520" cy="1324440"/>
           </a:xfrm>
           <a:prstGeom prst="rect">
             <a:avLst/>
@@ -8015,6 +8273,7 @@
                   <a:srgbClr val="000000"/>
                 </a:solidFill>
                 <a:latin typeface="Calibri Light"/>
+                <a:ea typeface="DejaVu Sans"/>
               </a:rPr>
               <a:t>BRSKI-AE status: recent changes</a:t>
             </a:r>
@@ -8026,14 +8285,14 @@
       </p:sp>
       <p:sp>
         <p:nvSpPr>
-          <p:cNvPr id="157" name="CustomShape 2"/>
+          <p:cNvPr id="161" name="CustomShape 2"/>
           <p:cNvSpPr/>
           <p:nvPr/>
         </p:nvSpPr>
         <p:spPr>
           <a:xfrm>
             <a:off x="838080" y="1825560"/>
-            <a:ext cx="10397520" cy="4666680"/>
+            <a:ext cx="10397160" cy="4666320"/>
           </a:xfrm>
           <a:prstGeom prst="rect">
             <a:avLst/>
@@ -8068,6 +8327,7 @@
                   <a:srgbClr val="000000"/>
                 </a:solidFill>
                 <a:latin typeface="Calibri"/>
+                <a:ea typeface="DejaVu Sans"/>
               </a:rPr>
               <a:t>From draft version 04 to version 05:</a:t>
             </a:r>
@@ -8076,7 +8336,7 @@
             </a:endParaRPr>
           </a:p>
           <a:p>
-            <a:pPr marL="228600" indent="-227880">
+            <a:pPr marL="228600" indent="-227520">
               <a:lnSpc>
                 <a:spcPct val="100000"/>
               </a:lnSpc>
@@ -8095,6 +8355,7 @@
                   <a:srgbClr val="000000"/>
                 </a:solidFill>
                 <a:latin typeface="Calibri"/>
+                <a:ea typeface="DejaVu Sans"/>
               </a:rPr>
               <a:t>After the split with BRSKI-PRM, David von Oheimb became the editor.</a:t>
             </a:r>
@@ -8103,7 +8364,7 @@
             </a:endParaRPr>
           </a:p>
           <a:p>
-            <a:pPr marL="228600" indent="-227880">
+            <a:pPr marL="228600" indent="-227520">
               <a:lnSpc>
                 <a:spcPct val="100000"/>
               </a:lnSpc>
@@ -8122,15 +8383,16 @@
                   <a:srgbClr val="000000"/>
                 </a:solidFill>
                 <a:latin typeface="Calibri"/>
-              </a:rPr>
-              <a:t>Streamline wording, consolidate terminology, improve grammar, etc.</a:t>
+                <a:ea typeface="DejaVu Sans"/>
+              </a:rPr>
+              <a:t>Shifted the emphasis towards supporting alternative enrollment protocols.</a:t>
             </a:r>
             <a:endParaRPr b="0" lang="en-US" sz="2200" spc="-1" strike="noStrike">
               <a:latin typeface="Arial"/>
             </a:endParaRPr>
           </a:p>
           <a:p>
-            <a:pPr marL="228600" indent="-227880">
+            <a:pPr marL="228600" indent="-227520">
               <a:lnSpc>
                 <a:spcPct val="100000"/>
               </a:lnSpc>
@@ -8149,15 +8411,16 @@
                   <a:srgbClr val="000000"/>
                 </a:solidFill>
                 <a:latin typeface="Calibri"/>
-              </a:rPr>
-              <a:t>Shift the emphasis towards supporting alternative enrollment protocols.</a:t>
+                <a:ea typeface="DejaVu Sans"/>
+              </a:rPr>
+              <a:t>Updated the title accordingly - preliminary change to be approved.</a:t>
             </a:r>
             <a:endParaRPr b="0" lang="en-US" sz="2200" spc="-1" strike="noStrike">
               <a:latin typeface="Arial"/>
             </a:endParaRPr>
           </a:p>
           <a:p>
-            <a:pPr marL="228600" indent="-227880">
+            <a:pPr marL="228600" indent="-227520">
               <a:lnSpc>
                 <a:spcPct val="100000"/>
               </a:lnSpc>
@@ -8176,15 +8439,16 @@
                   <a:srgbClr val="000000"/>
                 </a:solidFill>
                 <a:latin typeface="Calibri"/>
-              </a:rPr>
-              <a:t>Update the title accordingly - preliminary change to be approved.</a:t>
+                <a:ea typeface="DejaVu Sans"/>
+              </a:rPr>
+              <a:t>Moved comments on EST and detailed application examples to informative annex.</a:t>
             </a:r>
             <a:endParaRPr b="0" lang="en-US" sz="2200" spc="-1" strike="noStrike">
               <a:latin typeface="Arial"/>
             </a:endParaRPr>
           </a:p>
           <a:p>
-            <a:pPr marL="228600" indent="-227880">
+            <a:pPr marL="228600" indent="-227520">
               <a:lnSpc>
                 <a:spcPct val="100000"/>
               </a:lnSpc>
@@ -8203,15 +8467,16 @@
                   <a:srgbClr val="000000"/>
                 </a:solidFill>
                 <a:latin typeface="Calibri"/>
-              </a:rPr>
-              <a:t>Move comments on EST and detailed application examples to informative annex.</a:t>
+                <a:ea typeface="DejaVu Sans"/>
+              </a:rPr>
+              <a:t>Moved the remaining text of section 3 as two new sub-sections of section 1.</a:t>
             </a:r>
             <a:endParaRPr b="0" lang="en-US" sz="2200" spc="-1" strike="noStrike">
               <a:latin typeface="Arial"/>
             </a:endParaRPr>
           </a:p>
           <a:p>
-            <a:pPr marL="228600" indent="-227880">
+            <a:pPr marL="228600" indent="-227520">
               <a:lnSpc>
                 <a:spcPct val="100000"/>
               </a:lnSpc>
@@ -8230,8 +8495,9 @@
                   <a:srgbClr val="000000"/>
                 </a:solidFill>
                 <a:latin typeface="Calibri"/>
-              </a:rPr>
-              <a:t>Move the remaining text of section 3 as two new sub-sections of section 1.</a:t>
+                <a:ea typeface="DejaVu Sans"/>
+              </a:rPr>
+              <a:t>Streamlined wording, consolidated terminology, improved grammar, etc.</a:t>
             </a:r>
             <a:endParaRPr b="0" lang="en-US" sz="2200" spc="-1" strike="noStrike">
               <a:latin typeface="Arial"/>
@@ -8247,108 +8513,6 @@
               </a:spcBef>
             </a:pPr>
             <a:endParaRPr b="0" lang="en-US" sz="2200" spc="-1" strike="noStrike">
-              <a:latin typeface="Arial"/>
-            </a:endParaRPr>
-          </a:p>
-        </p:txBody>
-      </p:sp>
-      <p:sp>
-        <p:nvSpPr>
-          <p:cNvPr id="158" name="CustomShape 3"/>
-          <p:cNvSpPr/>
-          <p:nvPr/>
-        </p:nvSpPr>
-        <p:spPr>
-          <a:xfrm>
-            <a:off x="838080" y="6356520"/>
-            <a:ext cx="2742480" cy="364320"/>
-          </a:xfrm>
-          <a:prstGeom prst="rect">
-            <a:avLst/>
-          </a:prstGeom>
-          <a:noFill/>
-          <a:ln w="0">
-            <a:noFill/>
-          </a:ln>
-        </p:spPr>
-        <p:style>
-          <a:lnRef idx="0"/>
-          <a:fillRef idx="0"/>
-          <a:effectRef idx="0"/>
-          <a:fontRef idx="minor"/>
-        </p:style>
-        <p:txBody>
-          <a:bodyPr lIns="90000" rIns="90000" tIns="45000" bIns="45000" anchor="ctr">
-            <a:noAutofit/>
-          </a:bodyPr>
-          <a:p>
-            <a:pPr>
-              <a:lnSpc>
-                <a:spcPct val="100000"/>
-              </a:lnSpc>
-            </a:pPr>
-            <a:fld id="{56141CB1-A9A1-480F-8982-56856D14A6E5}" type="datetime">
-              <a:rPr b="0" lang="en-US" sz="1200" spc="-1" strike="noStrike">
-                <a:solidFill>
-                  <a:srgbClr val="8b8b8b"/>
-                </a:solidFill>
-                <a:latin typeface="Calibri"/>
-                <a:ea typeface="DejaVu Sans"/>
-              </a:rPr>
-              <a:t>3/10/22</a:t>
-            </a:fld>
-            <a:endParaRPr b="0" lang="en-US" sz="1200" spc="-1" strike="noStrike">
-              <a:latin typeface="Arial"/>
-            </a:endParaRPr>
-          </a:p>
-        </p:txBody>
-      </p:sp>
-      <p:sp>
-        <p:nvSpPr>
-          <p:cNvPr id="159" name="CustomShape 4"/>
-          <p:cNvSpPr/>
-          <p:nvPr/>
-        </p:nvSpPr>
-        <p:spPr>
-          <a:xfrm>
-            <a:off x="8610480" y="6356520"/>
-            <a:ext cx="2742480" cy="364320"/>
-          </a:xfrm>
-          <a:prstGeom prst="rect">
-            <a:avLst/>
-          </a:prstGeom>
-          <a:noFill/>
-          <a:ln w="0">
-            <a:noFill/>
-          </a:ln>
-        </p:spPr>
-        <p:style>
-          <a:lnRef idx="0"/>
-          <a:fillRef idx="0"/>
-          <a:effectRef idx="0"/>
-          <a:fontRef idx="minor"/>
-        </p:style>
-        <p:txBody>
-          <a:bodyPr lIns="90000" rIns="90000" tIns="45000" bIns="45000" anchor="ctr">
-            <a:noAutofit/>
-          </a:bodyPr>
-          <a:p>
-            <a:pPr algn="r">
-              <a:lnSpc>
-                <a:spcPct val="100000"/>
-              </a:lnSpc>
-            </a:pPr>
-            <a:fld id="{8038345F-30E8-45EF-9DB1-FAE85A54B79D}" type="slidenum">
-              <a:rPr b="0" lang="en-US" sz="1200" spc="-1" strike="noStrike">
-                <a:solidFill>
-                  <a:srgbClr val="8b8b8b"/>
-                </a:solidFill>
-                <a:latin typeface="Calibri"/>
-                <a:ea typeface="DejaVu Sans"/>
-              </a:rPr>
-              <a:t>3</a:t>
-            </a:fld>
-            <a:endParaRPr b="0" lang="en-US" sz="1200" spc="-1" strike="noStrike">
               <a:latin typeface="Arial"/>
             </a:endParaRPr>
           </a:p>
@@ -8386,14 +8550,14 @@
       </p:grpSpPr>
       <p:sp>
         <p:nvSpPr>
-          <p:cNvPr id="160" name="CustomShape 1"/>
+          <p:cNvPr id="162" name="CustomShape 1"/>
           <p:cNvSpPr/>
           <p:nvPr/>
         </p:nvSpPr>
         <p:spPr>
           <a:xfrm>
             <a:off x="990720" y="1558080"/>
-            <a:ext cx="10708920" cy="5130000"/>
+            <a:ext cx="10708560" cy="5129640"/>
           </a:xfrm>
           <a:prstGeom prst="rect">
             <a:avLst/>
@@ -8414,7 +8578,7 @@
             <a:noAutofit/>
           </a:bodyPr>
           <a:p>
-            <a:pPr marL="228600" indent="-227880">
+            <a:pPr marL="228600" indent="-227520">
               <a:lnSpc>
                 <a:spcPct val="100000"/>
               </a:lnSpc>
@@ -8433,6 +8597,7 @@
                   <a:srgbClr val="000000"/>
                 </a:solidFill>
                 <a:latin typeface="Calibri"/>
+                <a:ea typeface="DejaVu Sans"/>
               </a:rPr>
               <a:t>Clarification of open issues stated in the draft (currently no open issues on the </a:t>
             </a:r>
@@ -8443,6 +8608,7 @@
                 </a:solidFill>
                 <a:uFillTx/>
                 <a:latin typeface="Calibri"/>
+                <a:ea typeface="DejaVu Sans"/>
                 <a:hlinkClick r:id="rId1"/>
               </a:rPr>
               <a:t>ANIMA git</a:t>
@@ -8453,6 +8619,7 @@
                   <a:srgbClr val="000000"/>
                 </a:solidFill>
                 <a:latin typeface="Calibri"/>
+                <a:ea typeface="DejaVu Sans"/>
               </a:rPr>
               <a:t>):</a:t>
             </a:r>
@@ -8461,7 +8628,7 @@
             </a:endParaRPr>
           </a:p>
           <a:p>
-            <a:pPr lvl="1" marL="685800" indent="-227880">
+            <a:pPr lvl="1" marL="685800" indent="-227520">
               <a:lnSpc>
                 <a:spcPct val="100000"/>
               </a:lnSpc>
@@ -8480,6 +8647,7 @@
                   <a:srgbClr val="000000"/>
                 </a:solidFill>
                 <a:latin typeface="Calibri"/>
+                <a:ea typeface="DejaVu Sans"/>
               </a:rPr>
               <a:t>Application of Lightweight CMP Profile: some details to be clarified/defined</a:t>
             </a:r>
@@ -8488,7 +8656,7 @@
             </a:endParaRPr>
           </a:p>
           <a:p>
-            <a:pPr marL="900000" indent="-227880">
+            <a:pPr marL="900000" indent="-227520">
               <a:lnSpc>
                 <a:spcPct val="80000"/>
               </a:lnSpc>
@@ -8510,8 +8678,69 @@
                   <a:srgbClr val="000000"/>
                 </a:solidFill>
                 <a:latin typeface="Calibri"/>
-              </a:rPr>
-              <a:t>Whether to use /getcacerts or the caPubs and extraCerts fields </a:t>
+                <a:ea typeface="DejaVu Sans"/>
+              </a:rPr>
+              <a:t>Whether to use </a:t>
+            </a:r>
+            <a:r>
+              <a:rPr b="0" lang="en-US" sz="2000" spc="-1" strike="noStrike">
+                <a:solidFill>
+                  <a:srgbClr val="000000"/>
+                </a:solidFill>
+                <a:latin typeface="FreeMono"/>
+                <a:ea typeface="DejaVu Sans"/>
+              </a:rPr>
+              <a:t>/getcacerts</a:t>
+            </a:r>
+            <a:r>
+              <a:rPr b="0" lang="en-US" sz="2000" spc="-1" strike="noStrike">
+                <a:solidFill>
+                  <a:srgbClr val="000000"/>
+                </a:solidFill>
+                <a:latin typeface="Calibri"/>
+                <a:ea typeface="DejaVu Sans"/>
+              </a:rPr>
+              <a:t> or the </a:t>
+            </a:r>
+            <a:r>
+              <a:rPr b="0" lang="en-US" sz="2000" spc="-1" strike="noStrike">
+                <a:solidFill>
+                  <a:srgbClr val="000000"/>
+                </a:solidFill>
+                <a:latin typeface="FreeMono"/>
+                <a:ea typeface="DejaVu Sans"/>
+              </a:rPr>
+              <a:t>caPubs</a:t>
+            </a:r>
+            <a:r>
+              <a:rPr b="0" lang="en-US" sz="2000" spc="-1" strike="noStrike">
+                <a:solidFill>
+                  <a:srgbClr val="000000"/>
+                </a:solidFill>
+                <a:latin typeface="Calibri"/>
+                <a:ea typeface="DejaVu Sans"/>
+              </a:rPr>
+              <a:t> and </a:t>
+            </a:r>
+            <a:r>
+              <a:rPr b="0" lang="en-US" sz="2000" spc="-1" strike="noStrike">
+                <a:solidFill>
+                  <a:srgbClr val="000000"/>
+                </a:solidFill>
+                <a:latin typeface="FreeMono"/>
+                <a:ea typeface="DejaVu Sans"/>
+              </a:rPr>
+              <a:t>extraCerts</a:t>
+            </a:r>
+            <a:r>
+              <a:rPr b="0" lang="en-US" sz="2000" spc="-1" strike="noStrike">
+                <a:solidFill>
+                  <a:srgbClr val="000000"/>
+                </a:solidFill>
+                <a:latin typeface="Calibri"/>
+                <a:ea typeface="DejaVu Sans"/>
+              </a:rPr>
+              <a:t> fields </a:t>
             </a:r>
             <a:br/>
             <a:r>
@@ -8520,6 +8749,7 @@
                   <a:srgbClr val="000000"/>
                 </a:solidFill>
                 <a:latin typeface="Calibri"/>
+                <a:ea typeface="DejaVu Sans"/>
               </a:rPr>
               <a:t>when further to-be-trusted (root CA) certificates and possibly other CA certs are needed</a:t>
             </a:r>
@@ -8528,7 +8758,7 @@
             </a:endParaRPr>
           </a:p>
           <a:p>
-            <a:pPr marL="900000" indent="-227880">
+            <a:pPr marL="900000" indent="-227520">
               <a:lnSpc>
                 <a:spcPct val="80000"/>
               </a:lnSpc>
@@ -8550,8 +8780,29 @@
                   <a:srgbClr val="000000"/>
                 </a:solidFill>
                 <a:latin typeface="Calibri"/>
-              </a:rPr>
-              <a:t>Whether to use /getcertreqtemplate </a:t>
+                <a:ea typeface="DejaVu Sans"/>
+              </a:rPr>
+              <a:t>Whether to use </a:t>
+            </a:r>
+            <a:r>
+              <a:rPr b="0" lang="en-US" sz="2000" spc="-1" strike="noStrike">
+                <a:solidFill>
+                  <a:srgbClr val="000000"/>
+                </a:solidFill>
+                <a:latin typeface="FreeMono"/>
+                <a:ea typeface="DejaVu Sans"/>
+              </a:rPr>
+              <a:t>/getcertreqtemplate</a:t>
+            </a:r>
+            <a:r>
+              <a:rPr b="0" lang="en-US" sz="2000" spc="-1" strike="noStrike">
+                <a:solidFill>
+                  <a:srgbClr val="000000"/>
+                </a:solidFill>
+                <a:latin typeface="Calibri"/>
+                <a:ea typeface="DejaVu Sans"/>
+              </a:rPr>
+              <a:t> </a:t>
             </a:r>
             <a:br/>
             <a:r>
@@ -8560,15 +8811,26 @@
                   <a:srgbClr val="000000"/>
                 </a:solidFill>
                 <a:latin typeface="Calibri"/>
-              </a:rPr>
-              <a:t>or let the registrar modify the CRMF and use raVerified</a:t>
+                <a:ea typeface="DejaVu Sans"/>
+              </a:rPr>
+              <a:t>or let the registrar modify the CRMF and use </a:t>
+            </a:r>
+            <a:r>
+              <a:rPr b="0" lang="en-US" sz="2000" spc="-1" strike="noStrike">
+                <a:solidFill>
+                  <a:srgbClr val="000000"/>
+                </a:solidFill>
+                <a:latin typeface="FreeMono"/>
+                <a:ea typeface="DejaVu Sans"/>
+              </a:rPr>
+              <a:t>raVerified</a:t>
             </a:r>
             <a:endParaRPr b="0" lang="en-US" sz="2000" spc="-1" strike="noStrike">
               <a:latin typeface="Arial"/>
             </a:endParaRPr>
           </a:p>
           <a:p>
-            <a:pPr marL="900000" indent="-227880">
+            <a:pPr marL="900000" indent="-227520">
               <a:lnSpc>
                 <a:spcPct val="80000"/>
               </a:lnSpc>
@@ -8590,15 +8852,46 @@
                   <a:srgbClr val="000000"/>
                 </a:solidFill>
                 <a:latin typeface="Calibri"/>
-              </a:rPr>
-              <a:t>Specify the optional use of implicitConfirm as alternative to certConf</a:t>
+                <a:ea typeface="DejaVu Sans"/>
+              </a:rPr>
+              <a:t>Specify the optional use of </a:t>
+            </a:r>
+            <a:r>
+              <a:rPr b="0" lang="en-US" sz="2000" spc="-1" strike="noStrike">
+                <a:solidFill>
+                  <a:srgbClr val="000000"/>
+                </a:solidFill>
+                <a:latin typeface="FreeMono"/>
+                <a:ea typeface="DejaVu Sans"/>
+              </a:rPr>
+              <a:t>implicitConfirm</a:t>
+            </a:r>
+            <a:r>
+              <a:rPr b="0" lang="en-US" sz="2000" spc="-1" strike="noStrike">
+                <a:solidFill>
+                  <a:srgbClr val="000000"/>
+                </a:solidFill>
+                <a:latin typeface="Calibri"/>
+                <a:ea typeface="DejaVu Sans"/>
+              </a:rPr>
+              <a:t> as alternative to </a:t>
+            </a:r>
+            <a:r>
+              <a:rPr b="0" lang="en-US" sz="2000" spc="-1" strike="noStrike">
+                <a:solidFill>
+                  <a:srgbClr val="000000"/>
+                </a:solidFill>
+                <a:latin typeface="FreeMono"/>
+                <a:ea typeface="DejaVu Sans"/>
+              </a:rPr>
+              <a:t>certConf</a:t>
             </a:r>
             <a:endParaRPr b="0" lang="en-US" sz="2000" spc="-1" strike="noStrike">
               <a:latin typeface="Arial"/>
             </a:endParaRPr>
           </a:p>
           <a:p>
-            <a:pPr marL="900000" indent="-227880">
+            <a:pPr marL="900000" indent="-227520">
               <a:lnSpc>
                 <a:spcPct val="80000"/>
               </a:lnSpc>
@@ -8620,15 +8913,67 @@
                   <a:srgbClr val="000000"/>
                 </a:solidFill>
                 <a:latin typeface="Calibri"/>
-              </a:rPr>
-              <a:t>Whether to specify the use of /p10</a:t>
+                <a:ea typeface="DejaVu Sans"/>
+              </a:rPr>
+              <a:t>Whether to specify the use of </a:t>
+            </a:r>
+            <a:r>
+              <a:rPr b="0" lang="en-US" sz="2000" spc="-1" strike="noStrike">
+                <a:solidFill>
+                  <a:srgbClr val="000000"/>
+                </a:solidFill>
+                <a:latin typeface="FreeMono"/>
+                <a:ea typeface="DejaVu Sans"/>
+              </a:rPr>
+              <a:t>/p10</a:t>
             </a:r>
             <a:endParaRPr b="0" lang="en-US" sz="2000" spc="-1" strike="noStrike">
               <a:latin typeface="Arial"/>
             </a:endParaRPr>
           </a:p>
           <a:p>
-            <a:pPr lvl="1" marL="685800" indent="-227880">
+            <a:pPr lvl="1" marL="685800" indent="-227520">
+              <a:lnSpc>
+                <a:spcPct val="80000"/>
+              </a:lnSpc>
+              <a:spcBef>
+                <a:spcPts val="1417"/>
+              </a:spcBef>
+              <a:buClr>
+                <a:srgbClr val="000000"/>
+              </a:buClr>
+              <a:buFont typeface="Arial"/>
+              <a:buChar char="•"/>
+              <a:tabLst>
+                <a:tab algn="l" pos="408240"/>
+              </a:tabLst>
+            </a:pPr>
+            <a:r>
+              <a:rPr b="0" lang="en-US" sz="2200" spc="-1" strike="noStrike">
+                <a:solidFill>
+                  <a:srgbClr val="000000"/>
+                </a:solidFill>
+                <a:latin typeface="Calibri"/>
+                <a:ea typeface="DejaVu Sans"/>
+              </a:rPr>
+              <a:t>Application of EST with </a:t>
+            </a:r>
+            <a:r>
+              <a:rPr b="0" lang="en-US" sz="2000" spc="-1" strike="noStrike">
+                <a:solidFill>
+                  <a:srgbClr val="000000"/>
+                </a:solidFill>
+                <a:latin typeface="FreeMono"/>
+                <a:ea typeface="DejaVu Sans"/>
+              </a:rPr>
+              <a:t>/fullCMC</a:t>
+            </a:r>
+            <a:endParaRPr b="0" lang="en-US" sz="2000" spc="-1" strike="noStrike">
+              <a:latin typeface="Arial"/>
+            </a:endParaRPr>
+          </a:p>
+          <a:p>
+            <a:pPr marL="228600" indent="-227520">
               <a:lnSpc>
                 <a:spcPct val="100000"/>
               </a:lnSpc>
@@ -8650,15 +8995,16 @@
                   <a:srgbClr val="000000"/>
                 </a:solidFill>
                 <a:latin typeface="Calibri"/>
-              </a:rPr>
-              <a:t>Application of EST with /fullCMC</a:t>
+                <a:ea typeface="DejaVu Sans"/>
+              </a:rPr>
+              <a:t>Further updates pending to fix the above and potential further issues</a:t>
             </a:r>
             <a:endParaRPr b="0" lang="en-US" sz="2200" spc="-1" strike="noStrike">
               <a:latin typeface="Arial"/>
             </a:endParaRPr>
           </a:p>
           <a:p>
-            <a:pPr marL="228600" indent="-227880">
+            <a:pPr marL="228600" indent="-227520">
               <a:lnSpc>
                 <a:spcPct val="100000"/>
               </a:lnSpc>
@@ -8680,15 +9026,16 @@
                   <a:srgbClr val="000000"/>
                 </a:solidFill>
                 <a:latin typeface="Calibri"/>
-              </a:rPr>
-              <a:t>Further updates to be circulated</a:t>
+                <a:ea typeface="DejaVu Sans"/>
+              </a:rPr>
+              <a:t>WG review appreciated</a:t>
             </a:r>
             <a:endParaRPr b="0" lang="en-US" sz="2200" spc="-1" strike="noStrike">
               <a:latin typeface="Arial"/>
             </a:endParaRPr>
           </a:p>
           <a:p>
-            <a:pPr marL="228600" indent="-227880">
+            <a:pPr marL="228600" indent="-227520">
               <a:lnSpc>
                 <a:spcPct val="100000"/>
               </a:lnSpc>
@@ -8710,56 +9057,19 @@
                   <a:srgbClr val="000000"/>
                 </a:solidFill>
                 <a:latin typeface="Calibri"/>
-              </a:rPr>
-              <a:t>WG review appreciated</a:t>
-            </a:r>
-            <a:endParaRPr b="0" lang="en-US" sz="2200" spc="-1" strike="noStrike">
-              <a:latin typeface="Arial"/>
-            </a:endParaRPr>
-          </a:p>
-          <a:p>
-            <a:pPr marL="228600" indent="-227880">
-              <a:lnSpc>
-                <a:spcPct val="100000"/>
-              </a:lnSpc>
-              <a:spcBef>
-                <a:spcPts val="601"/>
-              </a:spcBef>
-              <a:buClr>
-                <a:srgbClr val="000000"/>
-              </a:buClr>
-              <a:buFont typeface="Arial"/>
-              <a:buChar char="•"/>
-              <a:tabLst>
-                <a:tab algn="l" pos="408240"/>
-              </a:tabLst>
-            </a:pPr>
+                <a:ea typeface="DejaVu Sans"/>
+              </a:rPr>
+              <a:t>PoC implementation ongoing; please email</a:t>
+            </a:r>
             <a:r>
               <a:rPr b="0" lang="en-US" sz="2200" spc="-1" strike="noStrike">
                 <a:solidFill>
                   <a:srgbClr val="000000"/>
                 </a:solidFill>
                 <a:latin typeface="Calibri"/>
-              </a:rPr>
-              <a:t>PoC implementation ongoing –  </a:t>
-            </a:r>
-            <a:r>
-              <a:rPr b="0" lang="en-US" sz="2200" spc="-1" strike="noStrike">
-                <a:solidFill>
-                  <a:srgbClr val="000000"/>
-                </a:solidFill>
-                <a:latin typeface="Wingdings"/>
-              </a:rPr>
-              <a:t></a:t>
-            </a:r>
-            <a:r>
-              <a:rPr b="0" lang="en-US" sz="2200" spc="-1" strike="noStrike">
-                <a:solidFill>
-                  <a:srgbClr val="000000"/>
-                </a:solidFill>
-                <a:latin typeface="Calibri"/>
-              </a:rPr>
-              <a:t> us you are interested in interop testing</a:t>
+                <a:ea typeface="DejaVu Sans"/>
+              </a:rPr>
+              <a:t> us if you are interested in interop testing</a:t>
             </a:r>
             <a:endParaRPr b="0" lang="en-US" sz="2200" spc="-1" strike="noStrike">
               <a:latin typeface="Arial"/>
@@ -8801,14 +9111,14 @@
       </p:sp>
       <p:sp>
         <p:nvSpPr>
-          <p:cNvPr id="161" name="CustomShape 2"/>
+          <p:cNvPr id="163" name="CustomShape 2"/>
           <p:cNvSpPr/>
           <p:nvPr/>
         </p:nvSpPr>
         <p:spPr>
           <a:xfrm>
-            <a:off x="990720" y="6508800"/>
-            <a:ext cx="2742480" cy="364320"/>
+            <a:off x="838080" y="365040"/>
+            <a:ext cx="10514520" cy="1324440"/>
           </a:xfrm>
           <a:prstGeom prst="rect">
             <a:avLst/>
@@ -8826,108 +9136,6 @@
         </p:style>
         <p:txBody>
           <a:bodyPr lIns="90000" rIns="90000" tIns="45000" bIns="45000" anchor="ctr">
-            <a:noAutofit/>
-          </a:bodyPr>
-          <a:p>
-            <a:pPr>
-              <a:lnSpc>
-                <a:spcPct val="100000"/>
-              </a:lnSpc>
-            </a:pPr>
-            <a:fld id="{C7267821-CB88-4F1E-BAD2-6DC0D04A21FC}" type="datetime">
-              <a:rPr b="0" lang="en-US" sz="1200" spc="-1" strike="noStrike">
-                <a:solidFill>
-                  <a:srgbClr val="8b8b8b"/>
-                </a:solidFill>
-                <a:latin typeface="Calibri"/>
-                <a:ea typeface="DejaVu Sans"/>
-              </a:rPr>
-              <a:t>3/10/22</a:t>
-            </a:fld>
-            <a:endParaRPr b="0" lang="en-US" sz="1200" spc="-1" strike="noStrike">
-              <a:latin typeface="Arial"/>
-            </a:endParaRPr>
-          </a:p>
-        </p:txBody>
-      </p:sp>
-      <p:sp>
-        <p:nvSpPr>
-          <p:cNvPr id="162" name="CustomShape 3"/>
-          <p:cNvSpPr/>
-          <p:nvPr/>
-        </p:nvSpPr>
-        <p:spPr>
-          <a:xfrm>
-            <a:off x="8763120" y="6508800"/>
-            <a:ext cx="2742480" cy="364320"/>
-          </a:xfrm>
-          <a:prstGeom prst="rect">
-            <a:avLst/>
-          </a:prstGeom>
-          <a:noFill/>
-          <a:ln w="0">
-            <a:noFill/>
-          </a:ln>
-        </p:spPr>
-        <p:style>
-          <a:lnRef idx="0"/>
-          <a:fillRef idx="0"/>
-          <a:effectRef idx="0"/>
-          <a:fontRef idx="minor"/>
-        </p:style>
-        <p:txBody>
-          <a:bodyPr lIns="90000" rIns="90000" tIns="45000" bIns="45000" anchor="ctr">
-            <a:noAutofit/>
-          </a:bodyPr>
-          <a:p>
-            <a:pPr algn="r">
-              <a:lnSpc>
-                <a:spcPct val="100000"/>
-              </a:lnSpc>
-            </a:pPr>
-            <a:fld id="{7DFC533F-8E83-451D-9D20-6436F3B3711D}" type="slidenum">
-              <a:rPr b="0" lang="en-US" sz="1200" spc="-1" strike="noStrike">
-                <a:solidFill>
-                  <a:srgbClr val="8b8b8b"/>
-                </a:solidFill>
-                <a:latin typeface="Calibri"/>
-                <a:ea typeface="DejaVu Sans"/>
-              </a:rPr>
-              <a:t>3</a:t>
-            </a:fld>
-            <a:endParaRPr b="0" lang="en-US" sz="1200" spc="-1" strike="noStrike">
-              <a:latin typeface="Arial"/>
-            </a:endParaRPr>
-          </a:p>
-        </p:txBody>
-      </p:sp>
-      <p:sp>
-        <p:nvSpPr>
-          <p:cNvPr id="163" name="CustomShape 4"/>
-          <p:cNvSpPr/>
-          <p:nvPr/>
-        </p:nvSpPr>
-        <p:spPr>
-          <a:xfrm>
-            <a:off x="838080" y="365040"/>
-            <a:ext cx="10514880" cy="1324800"/>
-          </a:xfrm>
-          <a:prstGeom prst="rect">
-            <a:avLst/>
-          </a:prstGeom>
-          <a:noFill/>
-          <a:ln w="0">
-            <a:noFill/>
-          </a:ln>
-        </p:spPr>
-        <p:style>
-          <a:lnRef idx="0"/>
-          <a:fillRef idx="0"/>
-          <a:effectRef idx="0"/>
-          <a:fontRef idx="minor"/>
-        </p:style>
-        <p:txBody>
-          <a:bodyPr lIns="90000" rIns="90000" tIns="45000" bIns="45000" anchor="ctr">
             <a:normAutofit/>
           </a:bodyPr>
           <a:p>
@@ -8942,6 +9150,7 @@
                   <a:srgbClr val="000000"/>
                 </a:solidFill>
                 <a:latin typeface="Calibri Light"/>
+                <a:ea typeface="DejaVu Sans"/>
               </a:rPr>
               <a:t>BRSKI-AE status: next steps</a:t>
             </a:r>
